--- a/Project_2/report/Project2_第7組_小組報告.pptx
+++ b/Project_2/report/Project2_第7組_小組報告.pptx
@@ -5,23 +5,27 @@
     <p:sldMasterId id="2147483673" r:id="rId1"/>
   </p:sldMasterIdLst>
   <p:notesMasterIdLst>
-    <p:notesMasterId r:id="rId13"/>
+    <p:notesMasterId r:id="rId17"/>
   </p:notesMasterIdLst>
   <p:handoutMasterIdLst>
-    <p:handoutMasterId r:id="rId14"/>
+    <p:handoutMasterId r:id="rId18"/>
   </p:handoutMasterIdLst>
   <p:sldIdLst>
     <p:sldId id="257" r:id="rId2"/>
     <p:sldId id="262" r:id="rId3"/>
     <p:sldId id="264" r:id="rId4"/>
     <p:sldId id="266" r:id="rId5"/>
-    <p:sldId id="267" r:id="rId6"/>
-    <p:sldId id="268" r:id="rId7"/>
-    <p:sldId id="269" r:id="rId8"/>
-    <p:sldId id="270" r:id="rId9"/>
-    <p:sldId id="271" r:id="rId10"/>
-    <p:sldId id="273" r:id="rId11"/>
-    <p:sldId id="272" r:id="rId12"/>
+    <p:sldId id="275" r:id="rId6"/>
+    <p:sldId id="276" r:id="rId7"/>
+    <p:sldId id="277" r:id="rId8"/>
+    <p:sldId id="279" r:id="rId9"/>
+    <p:sldId id="280" r:id="rId10"/>
+    <p:sldId id="269" r:id="rId11"/>
+    <p:sldId id="281" r:id="rId12"/>
+    <p:sldId id="270" r:id="rId13"/>
+    <p:sldId id="271" r:id="rId14"/>
+    <p:sldId id="282" r:id="rId15"/>
+    <p:sldId id="272" r:id="rId16"/>
   </p:sldIdLst>
   <p:sldSz cx="12192000" cy="6858000"/>
   <p:notesSz cx="6858000" cy="9144000"/>
@@ -1445,11 +1449,758 @@
 </dgm:colorsDef>
 </file>
 
+<file path=ppt/diagrams/colors2.xml><?xml version="1.0" encoding="utf-8"?>
+<dgm:colorsDef xmlns:dgm="http://schemas.openxmlformats.org/drawingml/2006/diagram" xmlns:a="http://schemas.openxmlformats.org/drawingml/2006/main" uniqueId="urn:microsoft.com/office/officeart/2005/8/colors/accent1_2">
+  <dgm:title val=""/>
+  <dgm:desc val=""/>
+  <dgm:catLst>
+    <dgm:cat type="accent1" pri="11200"/>
+  </dgm:catLst>
+  <dgm:styleLbl name="node0">
+    <dgm:fillClrLst meth="repeat">
+      <a:schemeClr val="accent1"/>
+    </dgm:fillClrLst>
+    <dgm:linClrLst meth="repeat">
+      <a:schemeClr val="lt1"/>
+    </dgm:linClrLst>
+    <dgm:effectClrLst/>
+    <dgm:txLinClrLst/>
+    <dgm:txFillClrLst/>
+    <dgm:txEffectClrLst/>
+  </dgm:styleLbl>
+  <dgm:styleLbl name="alignNode1">
+    <dgm:fillClrLst meth="repeat">
+      <a:schemeClr val="accent1"/>
+    </dgm:fillClrLst>
+    <dgm:linClrLst meth="repeat">
+      <a:schemeClr val="accent1"/>
+    </dgm:linClrLst>
+    <dgm:effectClrLst/>
+    <dgm:txLinClrLst/>
+    <dgm:txFillClrLst/>
+    <dgm:txEffectClrLst/>
+  </dgm:styleLbl>
+  <dgm:styleLbl name="node1">
+    <dgm:fillClrLst meth="repeat">
+      <a:schemeClr val="accent1"/>
+    </dgm:fillClrLst>
+    <dgm:linClrLst meth="repeat">
+      <a:schemeClr val="lt1"/>
+    </dgm:linClrLst>
+    <dgm:effectClrLst/>
+    <dgm:txLinClrLst/>
+    <dgm:txFillClrLst/>
+    <dgm:txEffectClrLst/>
+  </dgm:styleLbl>
+  <dgm:styleLbl name="lnNode1">
+    <dgm:fillClrLst meth="repeat">
+      <a:schemeClr val="accent1"/>
+    </dgm:fillClrLst>
+    <dgm:linClrLst meth="repeat">
+      <a:schemeClr val="lt1"/>
+    </dgm:linClrLst>
+    <dgm:effectClrLst/>
+    <dgm:txLinClrLst/>
+    <dgm:txFillClrLst/>
+    <dgm:txEffectClrLst/>
+  </dgm:styleLbl>
+  <dgm:styleLbl name="vennNode1">
+    <dgm:fillClrLst meth="repeat">
+      <a:schemeClr val="accent1">
+        <a:alpha val="50000"/>
+      </a:schemeClr>
+    </dgm:fillClrLst>
+    <dgm:linClrLst meth="repeat">
+      <a:schemeClr val="lt1"/>
+    </dgm:linClrLst>
+    <dgm:effectClrLst/>
+    <dgm:txLinClrLst/>
+    <dgm:txFillClrLst/>
+    <dgm:txEffectClrLst/>
+  </dgm:styleLbl>
+  <dgm:styleLbl name="node2">
+    <dgm:fillClrLst meth="repeat">
+      <a:schemeClr val="accent1"/>
+    </dgm:fillClrLst>
+    <dgm:linClrLst meth="repeat">
+      <a:schemeClr val="lt1"/>
+    </dgm:linClrLst>
+    <dgm:effectClrLst/>
+    <dgm:txLinClrLst/>
+    <dgm:txFillClrLst/>
+    <dgm:txEffectClrLst/>
+  </dgm:styleLbl>
+  <dgm:styleLbl name="node3">
+    <dgm:fillClrLst meth="repeat">
+      <a:schemeClr val="accent1"/>
+    </dgm:fillClrLst>
+    <dgm:linClrLst meth="repeat">
+      <a:schemeClr val="lt1"/>
+    </dgm:linClrLst>
+    <dgm:effectClrLst/>
+    <dgm:txLinClrLst/>
+    <dgm:txFillClrLst/>
+    <dgm:txEffectClrLst/>
+  </dgm:styleLbl>
+  <dgm:styleLbl name="node4">
+    <dgm:fillClrLst meth="repeat">
+      <a:schemeClr val="accent1"/>
+    </dgm:fillClrLst>
+    <dgm:linClrLst meth="repeat">
+      <a:schemeClr val="lt1"/>
+    </dgm:linClrLst>
+    <dgm:effectClrLst/>
+    <dgm:txLinClrLst/>
+    <dgm:txFillClrLst/>
+    <dgm:txEffectClrLst/>
+  </dgm:styleLbl>
+  <dgm:styleLbl name="fgImgPlace1">
+    <dgm:fillClrLst meth="repeat">
+      <a:schemeClr val="accent1">
+        <a:tint val="50000"/>
+      </a:schemeClr>
+    </dgm:fillClrLst>
+    <dgm:linClrLst meth="repeat">
+      <a:schemeClr val="lt1"/>
+    </dgm:linClrLst>
+    <dgm:effectClrLst/>
+    <dgm:txLinClrLst/>
+    <dgm:txFillClrLst meth="repeat">
+      <a:schemeClr val="lt1"/>
+    </dgm:txFillClrLst>
+    <dgm:txEffectClrLst/>
+  </dgm:styleLbl>
+  <dgm:styleLbl name="alignImgPlace1">
+    <dgm:fillClrLst meth="repeat">
+      <a:schemeClr val="accent1">
+        <a:tint val="50000"/>
+      </a:schemeClr>
+    </dgm:fillClrLst>
+    <dgm:linClrLst meth="repeat">
+      <a:schemeClr val="lt1"/>
+    </dgm:linClrLst>
+    <dgm:effectClrLst/>
+    <dgm:txLinClrLst/>
+    <dgm:txFillClrLst meth="repeat">
+      <a:schemeClr val="lt1"/>
+    </dgm:txFillClrLst>
+    <dgm:txEffectClrLst/>
+  </dgm:styleLbl>
+  <dgm:styleLbl name="bgImgPlace1">
+    <dgm:fillClrLst meth="repeat">
+      <a:schemeClr val="accent1">
+        <a:tint val="50000"/>
+      </a:schemeClr>
+    </dgm:fillClrLst>
+    <dgm:linClrLst meth="repeat">
+      <a:schemeClr val="lt1"/>
+    </dgm:linClrLst>
+    <dgm:effectClrLst/>
+    <dgm:txLinClrLst/>
+    <dgm:txFillClrLst meth="repeat">
+      <a:schemeClr val="lt1"/>
+    </dgm:txFillClrLst>
+    <dgm:txEffectClrLst/>
+  </dgm:styleLbl>
+  <dgm:styleLbl name="sibTrans2D1">
+    <dgm:fillClrLst meth="repeat">
+      <a:schemeClr val="accent1">
+        <a:tint val="60000"/>
+      </a:schemeClr>
+    </dgm:fillClrLst>
+    <dgm:linClrLst meth="repeat">
+      <a:schemeClr val="accent1">
+        <a:tint val="60000"/>
+      </a:schemeClr>
+    </dgm:linClrLst>
+    <dgm:effectClrLst/>
+    <dgm:txLinClrLst/>
+    <dgm:txFillClrLst/>
+    <dgm:txEffectClrLst/>
+  </dgm:styleLbl>
+  <dgm:styleLbl name="fgSibTrans2D1">
+    <dgm:fillClrLst meth="repeat">
+      <a:schemeClr val="accent1">
+        <a:tint val="60000"/>
+      </a:schemeClr>
+    </dgm:fillClrLst>
+    <dgm:linClrLst meth="repeat">
+      <a:schemeClr val="accent1">
+        <a:tint val="60000"/>
+      </a:schemeClr>
+    </dgm:linClrLst>
+    <dgm:effectClrLst/>
+    <dgm:txLinClrLst/>
+    <dgm:txFillClrLst/>
+    <dgm:txEffectClrLst/>
+  </dgm:styleLbl>
+  <dgm:styleLbl name="bgSibTrans2D1">
+    <dgm:fillClrLst meth="repeat">
+      <a:schemeClr val="accent1">
+        <a:tint val="60000"/>
+      </a:schemeClr>
+    </dgm:fillClrLst>
+    <dgm:linClrLst meth="repeat">
+      <a:schemeClr val="accent1">
+        <a:tint val="60000"/>
+      </a:schemeClr>
+    </dgm:linClrLst>
+    <dgm:effectClrLst/>
+    <dgm:txLinClrLst/>
+    <dgm:txFillClrLst/>
+    <dgm:txEffectClrLst/>
+  </dgm:styleLbl>
+  <dgm:styleLbl name="sibTrans1D1">
+    <dgm:fillClrLst meth="repeat">
+      <a:schemeClr val="accent1"/>
+    </dgm:fillClrLst>
+    <dgm:linClrLst meth="repeat">
+      <a:schemeClr val="accent1"/>
+    </dgm:linClrLst>
+    <dgm:effectClrLst/>
+    <dgm:txLinClrLst/>
+    <dgm:txFillClrLst meth="repeat">
+      <a:schemeClr val="tx1"/>
+    </dgm:txFillClrLst>
+    <dgm:txEffectClrLst/>
+  </dgm:styleLbl>
+  <dgm:styleLbl name="callout">
+    <dgm:fillClrLst meth="repeat">
+      <a:schemeClr val="accent1"/>
+    </dgm:fillClrLst>
+    <dgm:linClrLst meth="repeat">
+      <a:schemeClr val="accent1">
+        <a:tint val="50000"/>
+      </a:schemeClr>
+    </dgm:linClrLst>
+    <dgm:effectClrLst/>
+    <dgm:txLinClrLst/>
+    <dgm:txFillClrLst meth="repeat">
+      <a:schemeClr val="tx1"/>
+    </dgm:txFillClrLst>
+    <dgm:txEffectClrLst/>
+  </dgm:styleLbl>
+  <dgm:styleLbl name="asst0">
+    <dgm:fillClrLst meth="repeat">
+      <a:schemeClr val="accent1"/>
+    </dgm:fillClrLst>
+    <dgm:linClrLst meth="repeat">
+      <a:schemeClr val="lt1"/>
+    </dgm:linClrLst>
+    <dgm:effectClrLst/>
+    <dgm:txLinClrLst/>
+    <dgm:txFillClrLst/>
+    <dgm:txEffectClrLst/>
+  </dgm:styleLbl>
+  <dgm:styleLbl name="asst1">
+    <dgm:fillClrLst meth="repeat">
+      <a:schemeClr val="accent1"/>
+    </dgm:fillClrLst>
+    <dgm:linClrLst meth="repeat">
+      <a:schemeClr val="lt1"/>
+    </dgm:linClrLst>
+    <dgm:effectClrLst/>
+    <dgm:txLinClrLst/>
+    <dgm:txFillClrLst/>
+    <dgm:txEffectClrLst/>
+  </dgm:styleLbl>
+  <dgm:styleLbl name="asst2">
+    <dgm:fillClrLst meth="repeat">
+      <a:schemeClr val="accent1"/>
+    </dgm:fillClrLst>
+    <dgm:linClrLst meth="repeat">
+      <a:schemeClr val="lt1"/>
+    </dgm:linClrLst>
+    <dgm:effectClrLst/>
+    <dgm:txLinClrLst/>
+    <dgm:txFillClrLst/>
+    <dgm:txEffectClrLst/>
+  </dgm:styleLbl>
+  <dgm:styleLbl name="asst3">
+    <dgm:fillClrLst meth="repeat">
+      <a:schemeClr val="accent1"/>
+    </dgm:fillClrLst>
+    <dgm:linClrLst meth="repeat">
+      <a:schemeClr val="lt1"/>
+    </dgm:linClrLst>
+    <dgm:effectClrLst/>
+    <dgm:txLinClrLst/>
+    <dgm:txFillClrLst/>
+    <dgm:txEffectClrLst/>
+  </dgm:styleLbl>
+  <dgm:styleLbl name="asst4">
+    <dgm:fillClrLst meth="repeat">
+      <a:schemeClr val="accent1"/>
+    </dgm:fillClrLst>
+    <dgm:linClrLst meth="repeat">
+      <a:schemeClr val="lt1"/>
+    </dgm:linClrLst>
+    <dgm:effectClrLst/>
+    <dgm:txLinClrLst/>
+    <dgm:txFillClrLst/>
+    <dgm:txEffectClrLst/>
+  </dgm:styleLbl>
+  <dgm:styleLbl name="parChTrans2D1">
+    <dgm:fillClrLst meth="repeat">
+      <a:schemeClr val="accent1">
+        <a:tint val="60000"/>
+      </a:schemeClr>
+    </dgm:fillClrLst>
+    <dgm:linClrLst meth="repeat">
+      <a:schemeClr val="accent1">
+        <a:tint val="60000"/>
+      </a:schemeClr>
+    </dgm:linClrLst>
+    <dgm:effectClrLst/>
+    <dgm:txLinClrLst/>
+    <dgm:txFillClrLst meth="repeat">
+      <a:schemeClr val="lt1"/>
+    </dgm:txFillClrLst>
+    <dgm:txEffectClrLst/>
+  </dgm:styleLbl>
+  <dgm:styleLbl name="parChTrans2D2">
+    <dgm:fillClrLst meth="repeat">
+      <a:schemeClr val="accent1"/>
+    </dgm:fillClrLst>
+    <dgm:linClrLst meth="repeat">
+      <a:schemeClr val="accent1"/>
+    </dgm:linClrLst>
+    <dgm:effectClrLst/>
+    <dgm:txLinClrLst/>
+    <dgm:txFillClrLst meth="repeat">
+      <a:schemeClr val="lt1"/>
+    </dgm:txFillClrLst>
+    <dgm:txEffectClrLst/>
+  </dgm:styleLbl>
+  <dgm:styleLbl name="parChTrans2D3">
+    <dgm:fillClrLst meth="repeat">
+      <a:schemeClr val="accent1"/>
+    </dgm:fillClrLst>
+    <dgm:linClrLst meth="repeat">
+      <a:schemeClr val="accent1"/>
+    </dgm:linClrLst>
+    <dgm:effectClrLst/>
+    <dgm:txLinClrLst/>
+    <dgm:txFillClrLst meth="repeat">
+      <a:schemeClr val="lt1"/>
+    </dgm:txFillClrLst>
+    <dgm:txEffectClrLst/>
+  </dgm:styleLbl>
+  <dgm:styleLbl name="parChTrans2D4">
+    <dgm:fillClrLst meth="repeat">
+      <a:schemeClr val="accent1"/>
+    </dgm:fillClrLst>
+    <dgm:linClrLst meth="repeat">
+      <a:schemeClr val="accent1"/>
+    </dgm:linClrLst>
+    <dgm:effectClrLst/>
+    <dgm:txLinClrLst/>
+    <dgm:txFillClrLst meth="repeat">
+      <a:schemeClr val="lt1"/>
+    </dgm:txFillClrLst>
+    <dgm:txEffectClrLst/>
+  </dgm:styleLbl>
+  <dgm:styleLbl name="parChTrans1D1">
+    <dgm:fillClrLst meth="repeat">
+      <a:schemeClr val="accent1"/>
+    </dgm:fillClrLst>
+    <dgm:linClrLst meth="repeat">
+      <a:schemeClr val="accent1">
+        <a:shade val="60000"/>
+      </a:schemeClr>
+    </dgm:linClrLst>
+    <dgm:effectClrLst/>
+    <dgm:txLinClrLst/>
+    <dgm:txFillClrLst meth="repeat">
+      <a:schemeClr val="tx1"/>
+    </dgm:txFillClrLst>
+    <dgm:txEffectClrLst/>
+  </dgm:styleLbl>
+  <dgm:styleLbl name="parChTrans1D2">
+    <dgm:fillClrLst meth="repeat">
+      <a:schemeClr val="accent1"/>
+    </dgm:fillClrLst>
+    <dgm:linClrLst meth="repeat">
+      <a:schemeClr val="accent1">
+        <a:shade val="60000"/>
+      </a:schemeClr>
+    </dgm:linClrLst>
+    <dgm:effectClrLst/>
+    <dgm:txLinClrLst/>
+    <dgm:txFillClrLst meth="repeat">
+      <a:schemeClr val="tx1"/>
+    </dgm:txFillClrLst>
+    <dgm:txEffectClrLst/>
+  </dgm:styleLbl>
+  <dgm:styleLbl name="parChTrans1D3">
+    <dgm:fillClrLst meth="repeat">
+      <a:schemeClr val="accent1"/>
+    </dgm:fillClrLst>
+    <dgm:linClrLst meth="repeat">
+      <a:schemeClr val="accent1">
+        <a:shade val="80000"/>
+      </a:schemeClr>
+    </dgm:linClrLst>
+    <dgm:effectClrLst/>
+    <dgm:txLinClrLst/>
+    <dgm:txFillClrLst meth="repeat">
+      <a:schemeClr val="tx1"/>
+    </dgm:txFillClrLst>
+    <dgm:txEffectClrLst/>
+  </dgm:styleLbl>
+  <dgm:styleLbl name="parChTrans1D4">
+    <dgm:fillClrLst meth="repeat">
+      <a:schemeClr val="accent1"/>
+    </dgm:fillClrLst>
+    <dgm:linClrLst meth="repeat">
+      <a:schemeClr val="accent1">
+        <a:shade val="80000"/>
+      </a:schemeClr>
+    </dgm:linClrLst>
+    <dgm:effectClrLst/>
+    <dgm:txLinClrLst/>
+    <dgm:txFillClrLst meth="repeat">
+      <a:schemeClr val="tx1"/>
+    </dgm:txFillClrLst>
+    <dgm:txEffectClrLst/>
+  </dgm:styleLbl>
+  <dgm:styleLbl name="fgAcc1">
+    <dgm:fillClrLst meth="repeat">
+      <a:schemeClr val="lt1">
+        <a:alpha val="90000"/>
+      </a:schemeClr>
+    </dgm:fillClrLst>
+    <dgm:linClrLst meth="repeat">
+      <a:schemeClr val="accent1"/>
+    </dgm:linClrLst>
+    <dgm:effectClrLst/>
+    <dgm:txLinClrLst/>
+    <dgm:txFillClrLst meth="repeat">
+      <a:schemeClr val="dk1"/>
+    </dgm:txFillClrLst>
+    <dgm:txEffectClrLst/>
+  </dgm:styleLbl>
+  <dgm:styleLbl name="conFgAcc1">
+    <dgm:fillClrLst meth="repeat">
+      <a:schemeClr val="lt1">
+        <a:alpha val="90000"/>
+      </a:schemeClr>
+    </dgm:fillClrLst>
+    <dgm:linClrLst meth="repeat">
+      <a:schemeClr val="accent1"/>
+    </dgm:linClrLst>
+    <dgm:effectClrLst/>
+    <dgm:txLinClrLst/>
+    <dgm:txFillClrLst meth="repeat">
+      <a:schemeClr val="dk1"/>
+    </dgm:txFillClrLst>
+    <dgm:txEffectClrLst/>
+  </dgm:styleLbl>
+  <dgm:styleLbl name="alignAcc1">
+    <dgm:fillClrLst meth="repeat">
+      <a:schemeClr val="lt1">
+        <a:alpha val="90000"/>
+      </a:schemeClr>
+    </dgm:fillClrLst>
+    <dgm:linClrLst meth="repeat">
+      <a:schemeClr val="accent1"/>
+    </dgm:linClrLst>
+    <dgm:effectClrLst/>
+    <dgm:txLinClrLst/>
+    <dgm:txFillClrLst meth="repeat">
+      <a:schemeClr val="dk1"/>
+    </dgm:txFillClrLst>
+    <dgm:txEffectClrLst/>
+  </dgm:styleLbl>
+  <dgm:styleLbl name="trAlignAcc1">
+    <dgm:fillClrLst meth="repeat">
+      <a:schemeClr val="lt1">
+        <a:alpha val="40000"/>
+      </a:schemeClr>
+    </dgm:fillClrLst>
+    <dgm:linClrLst meth="repeat">
+      <a:schemeClr val="accent1"/>
+    </dgm:linClrLst>
+    <dgm:effectClrLst/>
+    <dgm:txLinClrLst/>
+    <dgm:txFillClrLst meth="repeat">
+      <a:schemeClr val="dk1"/>
+    </dgm:txFillClrLst>
+    <dgm:txEffectClrLst/>
+  </dgm:styleLbl>
+  <dgm:styleLbl name="bgAcc1">
+    <dgm:fillClrLst meth="repeat">
+      <a:schemeClr val="lt1">
+        <a:alpha val="90000"/>
+      </a:schemeClr>
+    </dgm:fillClrLst>
+    <dgm:linClrLst meth="repeat">
+      <a:schemeClr val="accent1"/>
+    </dgm:linClrLst>
+    <dgm:effectClrLst/>
+    <dgm:txLinClrLst/>
+    <dgm:txFillClrLst meth="repeat">
+      <a:schemeClr val="dk1"/>
+    </dgm:txFillClrLst>
+    <dgm:txEffectClrLst/>
+  </dgm:styleLbl>
+  <dgm:styleLbl name="solidFgAcc1">
+    <dgm:fillClrLst meth="repeat">
+      <a:schemeClr val="lt1"/>
+    </dgm:fillClrLst>
+    <dgm:linClrLst meth="repeat">
+      <a:schemeClr val="accent1"/>
+    </dgm:linClrLst>
+    <dgm:effectClrLst/>
+    <dgm:txLinClrLst/>
+    <dgm:txFillClrLst meth="repeat">
+      <a:schemeClr val="dk1"/>
+    </dgm:txFillClrLst>
+    <dgm:txEffectClrLst/>
+  </dgm:styleLbl>
+  <dgm:styleLbl name="solidAlignAcc1">
+    <dgm:fillClrLst meth="repeat">
+      <a:schemeClr val="lt1"/>
+    </dgm:fillClrLst>
+    <dgm:linClrLst meth="repeat">
+      <a:schemeClr val="accent1"/>
+    </dgm:linClrLst>
+    <dgm:effectClrLst/>
+    <dgm:txLinClrLst/>
+    <dgm:txFillClrLst meth="repeat">
+      <a:schemeClr val="dk1"/>
+    </dgm:txFillClrLst>
+    <dgm:txEffectClrLst/>
+  </dgm:styleLbl>
+  <dgm:styleLbl name="solidBgAcc1">
+    <dgm:fillClrLst meth="repeat">
+      <a:schemeClr val="lt1"/>
+    </dgm:fillClrLst>
+    <dgm:linClrLst meth="repeat">
+      <a:schemeClr val="accent1"/>
+    </dgm:linClrLst>
+    <dgm:effectClrLst/>
+    <dgm:txLinClrLst/>
+    <dgm:txFillClrLst meth="repeat">
+      <a:schemeClr val="dk1"/>
+    </dgm:txFillClrLst>
+    <dgm:txEffectClrLst/>
+  </dgm:styleLbl>
+  <dgm:styleLbl name="fgAccFollowNode1">
+    <dgm:fillClrLst meth="repeat">
+      <a:schemeClr val="accent1">
+        <a:alpha val="90000"/>
+        <a:tint val="40000"/>
+      </a:schemeClr>
+    </dgm:fillClrLst>
+    <dgm:linClrLst meth="repeat">
+      <a:schemeClr val="accent1">
+        <a:alpha val="90000"/>
+        <a:tint val="40000"/>
+      </a:schemeClr>
+    </dgm:linClrLst>
+    <dgm:effectClrLst/>
+    <dgm:txLinClrLst/>
+    <dgm:txFillClrLst meth="repeat">
+      <a:schemeClr val="dk1"/>
+    </dgm:txFillClrLst>
+    <dgm:txEffectClrLst/>
+  </dgm:styleLbl>
+  <dgm:styleLbl name="alignAccFollowNode1">
+    <dgm:fillClrLst meth="repeat">
+      <a:schemeClr val="accent1">
+        <a:alpha val="90000"/>
+        <a:tint val="40000"/>
+      </a:schemeClr>
+    </dgm:fillClrLst>
+    <dgm:linClrLst meth="repeat">
+      <a:schemeClr val="accent1">
+        <a:alpha val="90000"/>
+        <a:tint val="40000"/>
+      </a:schemeClr>
+    </dgm:linClrLst>
+    <dgm:effectClrLst/>
+    <dgm:txLinClrLst/>
+    <dgm:txFillClrLst meth="repeat">
+      <a:schemeClr val="dk1"/>
+    </dgm:txFillClrLst>
+    <dgm:txEffectClrLst/>
+  </dgm:styleLbl>
+  <dgm:styleLbl name="bgAccFollowNode1">
+    <dgm:fillClrLst meth="repeat">
+      <a:schemeClr val="accent1">
+        <a:alpha val="90000"/>
+        <a:tint val="40000"/>
+      </a:schemeClr>
+    </dgm:fillClrLst>
+    <dgm:linClrLst meth="repeat">
+      <a:schemeClr val="accent1">
+        <a:alpha val="90000"/>
+        <a:tint val="40000"/>
+      </a:schemeClr>
+    </dgm:linClrLst>
+    <dgm:effectClrLst/>
+    <dgm:txLinClrLst/>
+    <dgm:txFillClrLst meth="repeat">
+      <a:schemeClr val="dk1"/>
+    </dgm:txFillClrLst>
+    <dgm:txEffectClrLst/>
+  </dgm:styleLbl>
+  <dgm:styleLbl name="fgAcc0">
+    <dgm:fillClrLst meth="repeat">
+      <a:schemeClr val="lt1">
+        <a:alpha val="90000"/>
+      </a:schemeClr>
+    </dgm:fillClrLst>
+    <dgm:linClrLst meth="repeat">
+      <a:schemeClr val="accent1"/>
+    </dgm:linClrLst>
+    <dgm:effectClrLst/>
+    <dgm:txLinClrLst/>
+    <dgm:txFillClrLst meth="repeat">
+      <a:schemeClr val="dk1"/>
+    </dgm:txFillClrLst>
+    <dgm:txEffectClrLst/>
+  </dgm:styleLbl>
+  <dgm:styleLbl name="fgAcc2">
+    <dgm:fillClrLst meth="repeat">
+      <a:schemeClr val="lt1">
+        <a:alpha val="90000"/>
+      </a:schemeClr>
+    </dgm:fillClrLst>
+    <dgm:linClrLst meth="repeat">
+      <a:schemeClr val="accent1"/>
+    </dgm:linClrLst>
+    <dgm:effectClrLst/>
+    <dgm:txLinClrLst/>
+    <dgm:txFillClrLst meth="repeat">
+      <a:schemeClr val="dk1"/>
+    </dgm:txFillClrLst>
+    <dgm:txEffectClrLst/>
+  </dgm:styleLbl>
+  <dgm:styleLbl name="fgAcc3">
+    <dgm:fillClrLst meth="repeat">
+      <a:schemeClr val="lt1">
+        <a:alpha val="90000"/>
+      </a:schemeClr>
+    </dgm:fillClrLst>
+    <dgm:linClrLst meth="repeat">
+      <a:schemeClr val="accent1"/>
+    </dgm:linClrLst>
+    <dgm:effectClrLst/>
+    <dgm:txLinClrLst/>
+    <dgm:txFillClrLst meth="repeat">
+      <a:schemeClr val="dk1"/>
+    </dgm:txFillClrLst>
+    <dgm:txEffectClrLst/>
+  </dgm:styleLbl>
+  <dgm:styleLbl name="fgAcc4">
+    <dgm:fillClrLst meth="repeat">
+      <a:schemeClr val="lt1">
+        <a:alpha val="90000"/>
+      </a:schemeClr>
+    </dgm:fillClrLst>
+    <dgm:linClrLst meth="repeat">
+      <a:schemeClr val="accent1"/>
+    </dgm:linClrLst>
+    <dgm:effectClrLst/>
+    <dgm:txLinClrLst/>
+    <dgm:txFillClrLst meth="repeat">
+      <a:schemeClr val="dk1"/>
+    </dgm:txFillClrLst>
+    <dgm:txEffectClrLst/>
+  </dgm:styleLbl>
+  <dgm:styleLbl name="bgShp">
+    <dgm:fillClrLst meth="repeat">
+      <a:schemeClr val="accent1">
+        <a:tint val="40000"/>
+      </a:schemeClr>
+    </dgm:fillClrLst>
+    <dgm:linClrLst meth="repeat">
+      <a:schemeClr val="accent1"/>
+    </dgm:linClrLst>
+    <dgm:effectClrLst/>
+    <dgm:txLinClrLst/>
+    <dgm:txFillClrLst meth="repeat">
+      <a:schemeClr val="dk1"/>
+    </dgm:txFillClrLst>
+    <dgm:txEffectClrLst/>
+  </dgm:styleLbl>
+  <dgm:styleLbl name="dkBgShp">
+    <dgm:fillClrLst meth="repeat">
+      <a:schemeClr val="accent1">
+        <a:shade val="80000"/>
+      </a:schemeClr>
+    </dgm:fillClrLst>
+    <dgm:linClrLst meth="repeat">
+      <a:schemeClr val="accent1"/>
+    </dgm:linClrLst>
+    <dgm:effectClrLst/>
+    <dgm:txLinClrLst/>
+    <dgm:txFillClrLst meth="repeat">
+      <a:schemeClr val="lt1"/>
+    </dgm:txFillClrLst>
+    <dgm:txEffectClrLst/>
+  </dgm:styleLbl>
+  <dgm:styleLbl name="trBgShp">
+    <dgm:fillClrLst meth="repeat">
+      <a:schemeClr val="accent1">
+        <a:tint val="50000"/>
+        <a:alpha val="40000"/>
+      </a:schemeClr>
+    </dgm:fillClrLst>
+    <dgm:linClrLst meth="repeat">
+      <a:schemeClr val="accent1"/>
+    </dgm:linClrLst>
+    <dgm:effectClrLst/>
+    <dgm:txLinClrLst/>
+    <dgm:txFillClrLst meth="repeat">
+      <a:schemeClr val="lt1"/>
+    </dgm:txFillClrLst>
+    <dgm:txEffectClrLst/>
+  </dgm:styleLbl>
+  <dgm:styleLbl name="fgShp">
+    <dgm:fillClrLst meth="repeat">
+      <a:schemeClr val="accent1">
+        <a:tint val="60000"/>
+      </a:schemeClr>
+    </dgm:fillClrLst>
+    <dgm:linClrLst meth="repeat">
+      <a:schemeClr val="lt1"/>
+    </dgm:linClrLst>
+    <dgm:effectClrLst/>
+    <dgm:txLinClrLst/>
+    <dgm:txFillClrLst meth="repeat">
+      <a:schemeClr val="dk1"/>
+    </dgm:txFillClrLst>
+    <dgm:txEffectClrLst/>
+  </dgm:styleLbl>
+  <dgm:styleLbl name="revTx">
+    <dgm:fillClrLst meth="repeat">
+      <a:schemeClr val="lt1">
+        <a:alpha val="0"/>
+      </a:schemeClr>
+    </dgm:fillClrLst>
+    <dgm:linClrLst meth="repeat">
+      <a:schemeClr val="dk1">
+        <a:alpha val="0"/>
+      </a:schemeClr>
+    </dgm:linClrLst>
+    <dgm:effectClrLst/>
+    <dgm:txLinClrLst/>
+    <dgm:txFillClrLst meth="repeat">
+      <a:schemeClr val="tx1"/>
+    </dgm:txFillClrLst>
+    <dgm:txEffectClrLst/>
+  </dgm:styleLbl>
+</dgm:colorsDef>
+</file>
+
 <file path=ppt/diagrams/data1.xml><?xml version="1.0" encoding="utf-8"?>
 <dgm:dataModel xmlns:dgm="http://schemas.openxmlformats.org/drawingml/2006/diagram" xmlns:a="http://schemas.openxmlformats.org/drawingml/2006/main">
   <dgm:ptLst>
     <dgm:pt modelId="{23095E16-D810-4F4E-9D75-63FD169B2CAA}" type="doc">
-      <dgm:prSet loTypeId="urn:microsoft.com/office/officeart/2005/8/layout/list1" loCatId="list" qsTypeId="urn:microsoft.com/office/officeart/2005/8/quickstyle/simple1" qsCatId="simple" csTypeId="urn:microsoft.com/office/officeart/2005/8/colors/accent1_2" csCatId="accent1"/>
+      <dgm:prSet loTypeId="urn:microsoft.com/office/officeart/2005/8/layout/list1" loCatId="list" qsTypeId="urn:microsoft.com/office/officeart/2005/8/quickstyle/simple1" qsCatId="simple" csTypeId="urn:microsoft.com/office/officeart/2005/8/colors/accent1_2" csCatId="accent1" phldr="1"/>
       <dgm:spPr/>
       <dgm:t>
         <a:bodyPr/>
@@ -1460,36 +2211,52 @@
       </dgm:t>
     </dgm:pt>
     <dgm:pt modelId="{88947499-06A6-4659-94C8-F1D89F1FA8EF}">
-      <dgm:prSet/>
+      <dgm:prSet custT="1"/>
       <dgm:spPr/>
       <dgm:t>
         <a:bodyPr/>
         <a:lstStyle/>
         <a:p>
           <a:r>
-            <a:rPr lang="zh-TW" dirty="0">
+            <a:rPr lang="zh-TW" altLang="en-US" sz="2000" kern="1200" dirty="0">
+              <a:solidFill>
+                <a:prstClr val="white"/>
+              </a:solidFill>
               <a:latin typeface="微軟正黑體" panose="020B0604030504040204" pitchFamily="34" charset="-120"/>
               <a:ea typeface="微軟正黑體" panose="020B0604030504040204" pitchFamily="34" charset="-120"/>
+              <a:cs typeface="+mn-cs"/>
             </a:rPr>
-            <a:t>下載</a:t>
+            <a:t>雲端新增 </a:t>
           </a:r>
           <a:r>
-            <a:rPr lang="en-US" dirty="0">
+            <a:rPr lang="en-US" altLang="zh-TW" sz="2000" kern="1200" dirty="0">
+              <a:solidFill>
+                <a:prstClr val="white"/>
+              </a:solidFill>
               <a:latin typeface="微軟正黑體" panose="020B0604030504040204" pitchFamily="34" charset="-120"/>
               <a:ea typeface="微軟正黑體" panose="020B0604030504040204" pitchFamily="34" charset="-120"/>
+              <a:cs typeface="+mn-cs"/>
             </a:rPr>
-            <a:t>project1_</a:t>
+            <a:t>Project2-YOLOv4</a:t>
           </a:r>
           <a:r>
-            <a:rPr lang="zh-TW" dirty="0">
+            <a:rPr lang="zh-TW" altLang="en-US" sz="2000" kern="1200" dirty="0">
+              <a:solidFill>
+                <a:prstClr val="white"/>
+              </a:solidFill>
               <a:latin typeface="微軟正黑體" panose="020B0604030504040204" pitchFamily="34" charset="-120"/>
               <a:ea typeface="微軟正黑體" panose="020B0604030504040204" pitchFamily="34" charset="-120"/>
+              <a:cs typeface="+mn-cs"/>
             </a:rPr>
-            <a:t>影片及參考程式</a:t>
+            <a:t> 資料夾</a:t>
           </a:r>
-          <a:endParaRPr lang="en-US" dirty="0">
+          <a:endParaRPr lang="en-US" sz="2000" kern="1200" dirty="0">
+            <a:solidFill>
+              <a:prstClr val="white"/>
+            </a:solidFill>
             <a:latin typeface="微軟正黑體" panose="020B0604030504040204" pitchFamily="34" charset="-120"/>
             <a:ea typeface="微軟正黑體" panose="020B0604030504040204" pitchFamily="34" charset="-120"/>
+            <a:cs typeface="+mn-cs"/>
           </a:endParaRPr>
         </a:p>
       </dgm:t>
@@ -1523,36 +2290,74 @@
       </dgm:t>
     </dgm:pt>
     <dgm:pt modelId="{D488578F-6355-4844-95F4-2DDDDF8DBCA9}">
-      <dgm:prSet/>
+      <dgm:prSet custT="1"/>
       <dgm:spPr/>
       <dgm:t>
         <a:bodyPr/>
         <a:lstStyle/>
         <a:p>
           <a:r>
-            <a:rPr lang="zh-TW">
+            <a:rPr lang="zh-TW" altLang="en-US" sz="2000" kern="1200" dirty="0">
+              <a:solidFill>
+                <a:prstClr val="white"/>
+              </a:solidFill>
               <a:latin typeface="微軟正黑體" panose="020B0604030504040204" pitchFamily="34" charset="-120"/>
               <a:ea typeface="微軟正黑體" panose="020B0604030504040204" pitchFamily="34" charset="-120"/>
+              <a:cs typeface="+mn-cs"/>
             </a:rPr>
-            <a:t>選擇類別（本組選擇</a:t>
+            <a:t>上傳助教提供的 </a:t>
           </a:r>
           <a:r>
-            <a:rPr lang="en-US">
+            <a:rPr lang="en-US" altLang="zh-TW" sz="2000" kern="1200" dirty="0">
+              <a:solidFill>
+                <a:prstClr val="white"/>
+              </a:solidFill>
               <a:latin typeface="微軟正黑體" panose="020B0604030504040204" pitchFamily="34" charset="-120"/>
               <a:ea typeface="微軟正黑體" panose="020B0604030504040204" pitchFamily="34" charset="-120"/>
+              <a:cs typeface="+mn-cs"/>
             </a:rPr>
-            <a:t>helmet</a:t>
+            <a:t>Project2.ipynb</a:t>
           </a:r>
           <a:r>
-            <a:rPr lang="zh-TW">
+            <a:rPr lang="zh-TW" altLang="en-US" sz="2000" kern="1200" dirty="0">
+              <a:solidFill>
+                <a:prstClr val="white"/>
+              </a:solidFill>
               <a:latin typeface="微軟正黑體" panose="020B0604030504040204" pitchFamily="34" charset="-120"/>
               <a:ea typeface="微軟正黑體" panose="020B0604030504040204" pitchFamily="34" charset="-120"/>
+              <a:cs typeface="+mn-cs"/>
             </a:rPr>
-            <a:t>）</a:t>
+            <a:t> 並使用 </a:t>
           </a:r>
-          <a:endParaRPr lang="en-US">
+          <a:r>
+            <a:rPr lang="en-US" altLang="zh-TW" sz="2000" kern="1200" dirty="0" err="1">
+              <a:solidFill>
+                <a:prstClr val="white"/>
+              </a:solidFill>
+              <a:latin typeface="微軟正黑體" panose="020B0604030504040204" pitchFamily="34" charset="-120"/>
+              <a:ea typeface="微軟正黑體" panose="020B0604030504040204" pitchFamily="34" charset="-120"/>
+              <a:cs typeface="+mn-cs"/>
+            </a:rPr>
+            <a:t>Colab</a:t>
+          </a:r>
+          <a:r>
+            <a:rPr lang="zh-TW" altLang="en-US" sz="2000" kern="1200" dirty="0">
+              <a:solidFill>
+                <a:prstClr val="white"/>
+              </a:solidFill>
+              <a:latin typeface="微軟正黑體" panose="020B0604030504040204" pitchFamily="34" charset="-120"/>
+              <a:ea typeface="微軟正黑體" panose="020B0604030504040204" pitchFamily="34" charset="-120"/>
+              <a:cs typeface="+mn-cs"/>
+            </a:rPr>
+            <a:t> 開啟</a:t>
+          </a:r>
+          <a:endParaRPr lang="en-US" sz="2000" kern="1200" dirty="0">
+            <a:solidFill>
+              <a:prstClr val="white"/>
+            </a:solidFill>
             <a:latin typeface="微軟正黑體" panose="020B0604030504040204" pitchFamily="34" charset="-120"/>
             <a:ea typeface="微軟正黑體" panose="020B0604030504040204" pitchFamily="34" charset="-120"/>
+            <a:cs typeface="+mn-cs"/>
           </a:endParaRPr>
         </a:p>
       </dgm:t>
@@ -1585,143 +2390,98 @@
         </a:p>
       </dgm:t>
     </dgm:pt>
-    <dgm:pt modelId="{148F13A4-7CB3-4327-BDFA-24B5F117E501}">
+    <dgm:pt modelId="{C856128A-51DB-4C67-BF32-014718123F2C}">
+      <dgm:prSet custT="1"/>
+      <dgm:spPr/>
+      <dgm:t>
+        <a:bodyPr/>
+        <a:lstStyle/>
+        <a:p>
+          <a:r>
+            <a:rPr lang="zh-TW" altLang="en-US" sz="2000" kern="1200" dirty="0">
+              <a:solidFill>
+                <a:prstClr val="white"/>
+              </a:solidFill>
+              <a:latin typeface="微軟正黑體" panose="020B0604030504040204" pitchFamily="34" charset="-120"/>
+              <a:ea typeface="微軟正黑體" panose="020B0604030504040204" pitchFamily="34" charset="-120"/>
+              <a:cs typeface="+mn-cs"/>
+            </a:rPr>
+            <a:t>上傳要進行辨識的檔案 </a:t>
+          </a:r>
+          <a:r>
+            <a:rPr lang="en-US" altLang="zh-TW" sz="2000" kern="1200" dirty="0">
+              <a:solidFill>
+                <a:prstClr val="white"/>
+              </a:solidFill>
+              <a:latin typeface="微軟正黑體" panose="020B0604030504040204" pitchFamily="34" charset="-120"/>
+              <a:ea typeface="微軟正黑體" panose="020B0604030504040204" pitchFamily="34" charset="-120"/>
+              <a:cs typeface="+mn-cs"/>
+            </a:rPr>
+            <a:t>(helmet3.mp4)</a:t>
+          </a:r>
+          <a:r>
+            <a:rPr lang="zh-TW" altLang="en-US" sz="2000" kern="1200" dirty="0">
+              <a:solidFill>
+                <a:prstClr val="white"/>
+              </a:solidFill>
+              <a:latin typeface="微軟正黑體" panose="020B0604030504040204" pitchFamily="34" charset="-120"/>
+              <a:ea typeface="微軟正黑體" panose="020B0604030504040204" pitchFamily="34" charset="-120"/>
+              <a:cs typeface="+mn-cs"/>
+            </a:rPr>
+            <a:t> 至 </a:t>
+          </a:r>
+          <a:r>
+            <a:rPr lang="en-US" altLang="zh-TW" sz="2000" kern="1200" dirty="0">
+              <a:solidFill>
+                <a:prstClr val="white"/>
+              </a:solidFill>
+              <a:latin typeface="微軟正黑體" panose="020B0604030504040204" pitchFamily="34" charset="-120"/>
+              <a:ea typeface="微軟正黑體" panose="020B0604030504040204" pitchFamily="34" charset="-120"/>
+              <a:cs typeface="+mn-cs"/>
+            </a:rPr>
+            <a:t>darknet</a:t>
+          </a:r>
+          <a:r>
+            <a:rPr lang="zh-TW" altLang="en-US" sz="2000" kern="1200" dirty="0">
+              <a:solidFill>
+                <a:prstClr val="white"/>
+              </a:solidFill>
+              <a:latin typeface="微軟正黑體" panose="020B0604030504040204" pitchFamily="34" charset="-120"/>
+              <a:ea typeface="微軟正黑體" panose="020B0604030504040204" pitchFamily="34" charset="-120"/>
+              <a:cs typeface="+mn-cs"/>
+            </a:rPr>
+            <a:t>資料夾</a:t>
+          </a:r>
+          <a:endParaRPr lang="en-US" sz="2000" kern="1200" dirty="0">
+            <a:solidFill>
+              <a:prstClr val="white"/>
+            </a:solidFill>
+            <a:latin typeface="微軟正黑體" panose="020B0604030504040204" pitchFamily="34" charset="-120"/>
+            <a:ea typeface="微軟正黑體" panose="020B0604030504040204" pitchFamily="34" charset="-120"/>
+            <a:cs typeface="+mn-cs"/>
+          </a:endParaRPr>
+        </a:p>
+      </dgm:t>
+    </dgm:pt>
+    <dgm:pt modelId="{C7811C2C-E06B-49C3-B0C6-715E9CD25DEC}" type="parTrans" cxnId="{31B910D2-5CE0-42C8-A614-E2F8F8FEDE7A}">
       <dgm:prSet/>
       <dgm:spPr/>
       <dgm:t>
         <a:bodyPr/>
         <a:lstStyle/>
         <a:p>
-          <a:r>
-            <a:rPr lang="zh-TW">
-              <a:latin typeface="微軟正黑體" panose="020B0604030504040204" pitchFamily="34" charset="-120"/>
-              <a:ea typeface="微軟正黑體" panose="020B0604030504040204" pitchFamily="34" charset="-120"/>
-            </a:rPr>
-            <a:t>選擇影片（本組選擇</a:t>
-          </a:r>
-          <a:r>
-            <a:rPr lang="en-US">
-              <a:latin typeface="微軟正黑體" panose="020B0604030504040204" pitchFamily="34" charset="-120"/>
-              <a:ea typeface="微軟正黑體" panose="020B0604030504040204" pitchFamily="34" charset="-120"/>
-            </a:rPr>
-            <a:t>helmet1.mp4</a:t>
-          </a:r>
-          <a:r>
-            <a:rPr lang="zh-TW">
-              <a:latin typeface="微軟正黑體" panose="020B0604030504040204" pitchFamily="34" charset="-120"/>
-              <a:ea typeface="微軟正黑體" panose="020B0604030504040204" pitchFamily="34" charset="-120"/>
-            </a:rPr>
-            <a:t>）</a:t>
-          </a:r>
-          <a:endParaRPr lang="en-US">
-            <a:latin typeface="微軟正黑體" panose="020B0604030504040204" pitchFamily="34" charset="-120"/>
-            <a:ea typeface="微軟正黑體" panose="020B0604030504040204" pitchFamily="34" charset="-120"/>
-          </a:endParaRPr>
+          <a:endParaRPr lang="zh-TW" altLang="en-US"/>
         </a:p>
       </dgm:t>
     </dgm:pt>
-    <dgm:pt modelId="{AA4632BA-A7D0-4A9E-86BD-F17F3FCA9759}" type="parTrans" cxnId="{DA4A1FD4-ADA7-4DEB-93B2-8948C877D6EE}">
+    <dgm:pt modelId="{143945E2-3826-4476-8B7D-826D2C06DCD9}" type="sibTrans" cxnId="{31B910D2-5CE0-42C8-A614-E2F8F8FEDE7A}">
       <dgm:prSet/>
       <dgm:spPr/>
       <dgm:t>
         <a:bodyPr/>
         <a:lstStyle/>
         <a:p>
-          <a:endParaRPr lang="en-US">
-            <a:latin typeface="微軟正黑體" panose="020B0604030504040204" pitchFamily="34" charset="-120"/>
-            <a:ea typeface="微軟正黑體" panose="020B0604030504040204" pitchFamily="34" charset="-120"/>
-          </a:endParaRPr>
-        </a:p>
-      </dgm:t>
-    </dgm:pt>
-    <dgm:pt modelId="{C26212D1-95BD-438A-933A-E79A05570B9E}" type="sibTrans" cxnId="{DA4A1FD4-ADA7-4DEB-93B2-8948C877D6EE}">
-      <dgm:prSet/>
-      <dgm:spPr/>
-      <dgm:t>
-        <a:bodyPr/>
-        <a:lstStyle/>
-        <a:p>
-          <a:endParaRPr lang="en-US">
-            <a:latin typeface="微軟正黑體" panose="020B0604030504040204" pitchFamily="34" charset="-120"/>
-            <a:ea typeface="微軟正黑體" panose="020B0604030504040204" pitchFamily="34" charset="-120"/>
-          </a:endParaRPr>
-        </a:p>
-      </dgm:t>
-    </dgm:pt>
-    <dgm:pt modelId="{496015B7-75ED-42EA-BC94-7771B49C0FB7}">
-      <dgm:prSet/>
-      <dgm:spPr/>
-      <dgm:t>
-        <a:bodyPr/>
-        <a:lstStyle/>
-        <a:p>
-          <a:r>
-            <a:rPr lang="zh-TW">
-              <a:latin typeface="微軟正黑體" panose="020B0604030504040204" pitchFamily="34" charset="-120"/>
-              <a:ea typeface="微軟正黑體" panose="020B0604030504040204" pitchFamily="34" charset="-120"/>
-            </a:rPr>
-            <a:t>將</a:t>
-          </a:r>
-          <a:r>
-            <a:rPr lang="en-US">
-              <a:latin typeface="微軟正黑體" panose="020B0604030504040204" pitchFamily="34" charset="-120"/>
-              <a:ea typeface="微軟正黑體" panose="020B0604030504040204" pitchFamily="34" charset="-120"/>
-            </a:rPr>
-            <a:t>helmet1.mp4</a:t>
-          </a:r>
-          <a:r>
-            <a:rPr lang="zh-TW">
-              <a:latin typeface="微軟正黑體" panose="020B0604030504040204" pitchFamily="34" charset="-120"/>
-              <a:ea typeface="微軟正黑體" panose="020B0604030504040204" pitchFamily="34" charset="-120"/>
-            </a:rPr>
-            <a:t>複製到與</a:t>
-          </a:r>
-          <a:r>
-            <a:rPr lang="en-US">
-              <a:latin typeface="微軟正黑體" panose="020B0604030504040204" pitchFamily="34" charset="-120"/>
-              <a:ea typeface="微軟正黑體" panose="020B0604030504040204" pitchFamily="34" charset="-120"/>
-            </a:rPr>
-            <a:t>video_clip.py</a:t>
-          </a:r>
-          <a:r>
-            <a:rPr lang="zh-TW">
-              <a:latin typeface="微軟正黑體" panose="020B0604030504040204" pitchFamily="34" charset="-120"/>
-              <a:ea typeface="微軟正黑體" panose="020B0604030504040204" pitchFamily="34" charset="-120"/>
-            </a:rPr>
-            <a:t>同層資料夾內</a:t>
-          </a:r>
-          <a:endParaRPr lang="en-US">
-            <a:latin typeface="微軟正黑體" panose="020B0604030504040204" pitchFamily="34" charset="-120"/>
-            <a:ea typeface="微軟正黑體" panose="020B0604030504040204" pitchFamily="34" charset="-120"/>
-          </a:endParaRPr>
-        </a:p>
-      </dgm:t>
-    </dgm:pt>
-    <dgm:pt modelId="{6E36ECA2-8FAF-4C6F-B657-1CEFC86F2E25}" type="parTrans" cxnId="{1DDC9C0A-0384-4AED-8D83-A434DD8F0630}">
-      <dgm:prSet/>
-      <dgm:spPr/>
-      <dgm:t>
-        <a:bodyPr/>
-        <a:lstStyle/>
-        <a:p>
-          <a:endParaRPr lang="en-US">
-            <a:latin typeface="微軟正黑體" panose="020B0604030504040204" pitchFamily="34" charset="-120"/>
-            <a:ea typeface="微軟正黑體" panose="020B0604030504040204" pitchFamily="34" charset="-120"/>
-          </a:endParaRPr>
-        </a:p>
-      </dgm:t>
-    </dgm:pt>
-    <dgm:pt modelId="{78381801-BC7D-44A1-A813-09A98B5CCE6E}" type="sibTrans" cxnId="{1DDC9C0A-0384-4AED-8D83-A434DD8F0630}">
-      <dgm:prSet/>
-      <dgm:spPr/>
-      <dgm:t>
-        <a:bodyPr/>
-        <a:lstStyle/>
-        <a:p>
-          <a:endParaRPr lang="en-US">
-            <a:latin typeface="微軟正黑體" panose="020B0604030504040204" pitchFamily="34" charset="-120"/>
-            <a:ea typeface="微軟正黑體" panose="020B0604030504040204" pitchFamily="34" charset="-120"/>
-          </a:endParaRPr>
+          <a:endParaRPr lang="zh-TW" altLang="en-US"/>
         </a:p>
       </dgm:t>
     </dgm:pt>
@@ -1740,11 +2500,11 @@
       <dgm:spPr/>
     </dgm:pt>
     <dgm:pt modelId="{4B04B235-79DC-4A0E-A3E2-8AD367C275C9}" type="pres">
-      <dgm:prSet presAssocID="{88947499-06A6-4659-94C8-F1D89F1FA8EF}" presName="parentLeftMargin" presStyleLbl="node1" presStyleIdx="0" presStyleCnt="4"/>
+      <dgm:prSet presAssocID="{88947499-06A6-4659-94C8-F1D89F1FA8EF}" presName="parentLeftMargin" presStyleLbl="node1" presStyleIdx="0" presStyleCnt="3"/>
       <dgm:spPr/>
     </dgm:pt>
     <dgm:pt modelId="{E984A7A2-401F-4B0A-BB0C-24E758D67B80}" type="pres">
-      <dgm:prSet presAssocID="{88947499-06A6-4659-94C8-F1D89F1FA8EF}" presName="parentText" presStyleLbl="node1" presStyleIdx="0" presStyleCnt="4">
+      <dgm:prSet presAssocID="{88947499-06A6-4659-94C8-F1D89F1FA8EF}" presName="parentText" presStyleLbl="node1" presStyleIdx="0" presStyleCnt="3">
         <dgm:presLayoutVars>
           <dgm:chMax val="0"/>
           <dgm:bulletEnabled val="1"/>
@@ -1757,7 +2517,7 @@
       <dgm:spPr/>
     </dgm:pt>
     <dgm:pt modelId="{66329D20-AB36-45F7-94C3-5C0E87DDBF24}" type="pres">
-      <dgm:prSet presAssocID="{88947499-06A6-4659-94C8-F1D89F1FA8EF}" presName="childText" presStyleLbl="conFgAcc1" presStyleIdx="0" presStyleCnt="4">
+      <dgm:prSet presAssocID="{88947499-06A6-4659-94C8-F1D89F1FA8EF}" presName="childText" presStyleLbl="conFgAcc1" presStyleIdx="0" presStyleCnt="3">
         <dgm:presLayoutVars>
           <dgm:bulletEnabled val="1"/>
         </dgm:presLayoutVars>
@@ -1773,11 +2533,11 @@
       <dgm:spPr/>
     </dgm:pt>
     <dgm:pt modelId="{E1F7BA94-68D7-4754-B869-528B87A3CF27}" type="pres">
-      <dgm:prSet presAssocID="{D488578F-6355-4844-95F4-2DDDDF8DBCA9}" presName="parentLeftMargin" presStyleLbl="node1" presStyleIdx="0" presStyleCnt="4"/>
+      <dgm:prSet presAssocID="{D488578F-6355-4844-95F4-2DDDDF8DBCA9}" presName="parentLeftMargin" presStyleLbl="node1" presStyleIdx="0" presStyleCnt="3"/>
       <dgm:spPr/>
     </dgm:pt>
     <dgm:pt modelId="{6A14ECE3-898F-45D0-9930-B8E74197FF23}" type="pres">
-      <dgm:prSet presAssocID="{D488578F-6355-4844-95F4-2DDDDF8DBCA9}" presName="parentText" presStyleLbl="node1" presStyleIdx="1" presStyleCnt="4">
+      <dgm:prSet presAssocID="{D488578F-6355-4844-95F4-2DDDDF8DBCA9}" presName="parentText" presStyleLbl="node1" presStyleIdx="1" presStyleCnt="3">
         <dgm:presLayoutVars>
           <dgm:chMax val="0"/>
           <dgm:bulletEnabled val="1"/>
@@ -1790,7 +2550,7 @@
       <dgm:spPr/>
     </dgm:pt>
     <dgm:pt modelId="{B9CA0570-197D-42FD-A029-470B69160CD8}" type="pres">
-      <dgm:prSet presAssocID="{D488578F-6355-4844-95F4-2DDDDF8DBCA9}" presName="childText" presStyleLbl="conFgAcc1" presStyleIdx="1" presStyleCnt="4">
+      <dgm:prSet presAssocID="{D488578F-6355-4844-95F4-2DDDDF8DBCA9}" presName="childText" presStyleLbl="conFgAcc1" presStyleIdx="1" presStyleCnt="3">
         <dgm:presLayoutVars>
           <dgm:bulletEnabled val="1"/>
         </dgm:presLayoutVars>
@@ -1801,16 +2561,16 @@
       <dgm:prSet presAssocID="{112D8D7D-1FE4-4360-BD86-4766AC8B2388}" presName="spaceBetweenRectangles" presStyleCnt="0"/>
       <dgm:spPr/>
     </dgm:pt>
-    <dgm:pt modelId="{99C01A66-B406-4F2B-87CD-2740464314E6}" type="pres">
-      <dgm:prSet presAssocID="{148F13A4-7CB3-4327-BDFA-24B5F117E501}" presName="parentLin" presStyleCnt="0"/>
+    <dgm:pt modelId="{B2CE1C9F-801F-485B-A8B0-90876E2638E4}" type="pres">
+      <dgm:prSet presAssocID="{C856128A-51DB-4C67-BF32-014718123F2C}" presName="parentLin" presStyleCnt="0"/>
       <dgm:spPr/>
     </dgm:pt>
-    <dgm:pt modelId="{AD396239-1B54-4885-97F1-164F1DE15523}" type="pres">
-      <dgm:prSet presAssocID="{148F13A4-7CB3-4327-BDFA-24B5F117E501}" presName="parentLeftMargin" presStyleLbl="node1" presStyleIdx="1" presStyleCnt="4"/>
+    <dgm:pt modelId="{EFD47A9D-0155-4EFB-A80F-2941B9062C7E}" type="pres">
+      <dgm:prSet presAssocID="{C856128A-51DB-4C67-BF32-014718123F2C}" presName="parentLeftMargin" presStyleLbl="node1" presStyleIdx="1" presStyleCnt="3"/>
       <dgm:spPr/>
     </dgm:pt>
-    <dgm:pt modelId="{86993075-C363-4DB4-8ADD-089F80292164}" type="pres">
-      <dgm:prSet presAssocID="{148F13A4-7CB3-4327-BDFA-24B5F117E501}" presName="parentText" presStyleLbl="node1" presStyleIdx="2" presStyleCnt="4">
+    <dgm:pt modelId="{0784FBFD-BDF7-42A3-8877-8C2567C5A009}" type="pres">
+      <dgm:prSet presAssocID="{C856128A-51DB-4C67-BF32-014718123F2C}" presName="parentText" presStyleLbl="node1" presStyleIdx="2" presStyleCnt="3">
         <dgm:presLayoutVars>
           <dgm:chMax val="0"/>
           <dgm:bulletEnabled val="1"/>
@@ -1818,45 +2578,12 @@
       </dgm:prSet>
       <dgm:spPr/>
     </dgm:pt>
-    <dgm:pt modelId="{DB1A1448-BF20-483B-893D-BC35EA8C8DD7}" type="pres">
-      <dgm:prSet presAssocID="{148F13A4-7CB3-4327-BDFA-24B5F117E501}" presName="negativeSpace" presStyleCnt="0"/>
+    <dgm:pt modelId="{90E7FB8C-A4C5-48C5-BFF1-28984A1735E4}" type="pres">
+      <dgm:prSet presAssocID="{C856128A-51DB-4C67-BF32-014718123F2C}" presName="negativeSpace" presStyleCnt="0"/>
       <dgm:spPr/>
     </dgm:pt>
-    <dgm:pt modelId="{28B0E7B7-8C19-436D-AE3E-F72CC1C052C9}" type="pres">
-      <dgm:prSet presAssocID="{148F13A4-7CB3-4327-BDFA-24B5F117E501}" presName="childText" presStyleLbl="conFgAcc1" presStyleIdx="2" presStyleCnt="4">
-        <dgm:presLayoutVars>
-          <dgm:bulletEnabled val="1"/>
-        </dgm:presLayoutVars>
-      </dgm:prSet>
-      <dgm:spPr/>
-    </dgm:pt>
-    <dgm:pt modelId="{AAEEDE8C-9769-4B28-9835-80740DA49F81}" type="pres">
-      <dgm:prSet presAssocID="{C26212D1-95BD-438A-933A-E79A05570B9E}" presName="spaceBetweenRectangles" presStyleCnt="0"/>
-      <dgm:spPr/>
-    </dgm:pt>
-    <dgm:pt modelId="{34164A5C-A453-47D0-86D1-4847143C2D90}" type="pres">
-      <dgm:prSet presAssocID="{496015B7-75ED-42EA-BC94-7771B49C0FB7}" presName="parentLin" presStyleCnt="0"/>
-      <dgm:spPr/>
-    </dgm:pt>
-    <dgm:pt modelId="{11F44DC1-1F9F-4E53-B751-12928A18CD83}" type="pres">
-      <dgm:prSet presAssocID="{496015B7-75ED-42EA-BC94-7771B49C0FB7}" presName="parentLeftMargin" presStyleLbl="node1" presStyleIdx="2" presStyleCnt="4"/>
-      <dgm:spPr/>
-    </dgm:pt>
-    <dgm:pt modelId="{82B4725F-7017-41B0-92B6-6BCBBC693300}" type="pres">
-      <dgm:prSet presAssocID="{496015B7-75ED-42EA-BC94-7771B49C0FB7}" presName="parentText" presStyleLbl="node1" presStyleIdx="3" presStyleCnt="4">
-        <dgm:presLayoutVars>
-          <dgm:chMax val="0"/>
-          <dgm:bulletEnabled val="1"/>
-        </dgm:presLayoutVars>
-      </dgm:prSet>
-      <dgm:spPr/>
-    </dgm:pt>
-    <dgm:pt modelId="{BCC1C793-4C70-4230-823C-7F74C2458330}" type="pres">
-      <dgm:prSet presAssocID="{496015B7-75ED-42EA-BC94-7771B49C0FB7}" presName="negativeSpace" presStyleCnt="0"/>
-      <dgm:spPr/>
-    </dgm:pt>
-    <dgm:pt modelId="{A9B996A6-6299-4A77-A5D3-E2C8B98BDD2B}" type="pres">
-      <dgm:prSet presAssocID="{496015B7-75ED-42EA-BC94-7771B49C0FB7}" presName="childText" presStyleLbl="conFgAcc1" presStyleIdx="3" presStyleCnt="4">
+    <dgm:pt modelId="{E0DE1033-0AD7-4774-95A3-0841B02550FC}" type="pres">
+      <dgm:prSet presAssocID="{C856128A-51DB-4C67-BF32-014718123F2C}" presName="childText" presStyleLbl="conFgAcc1" presStyleIdx="2" presStyleCnt="3">
         <dgm:presLayoutVars>
           <dgm:bulletEnabled val="1"/>
         </dgm:presLayoutVars>
@@ -1865,19 +2592,16 @@
     </dgm:pt>
   </dgm:ptLst>
   <dgm:cxnLst>
-    <dgm:cxn modelId="{1DDC9C0A-0384-4AED-8D83-A434DD8F0630}" srcId="{23095E16-D810-4F4E-9D75-63FD169B2CAA}" destId="{496015B7-75ED-42EA-BC94-7771B49C0FB7}" srcOrd="3" destOrd="0" parTransId="{6E36ECA2-8FAF-4C6F-B657-1CEFC86F2E25}" sibTransId="{78381801-BC7D-44A1-A813-09A98B5CCE6E}"/>
-    <dgm:cxn modelId="{4DFDDA0A-07DE-4F58-858C-7B6B3CC05455}" type="presOf" srcId="{148F13A4-7CB3-4327-BDFA-24B5F117E501}" destId="{AD396239-1B54-4885-97F1-164F1DE15523}" srcOrd="0" destOrd="0" presId="urn:microsoft.com/office/officeart/2005/8/layout/list1"/>
-    <dgm:cxn modelId="{F3C27D10-F062-46B4-9C3C-59DC7F3E3B16}" type="presOf" srcId="{496015B7-75ED-42EA-BC94-7771B49C0FB7}" destId="{82B4725F-7017-41B0-92B6-6BCBBC693300}" srcOrd="1" destOrd="0" presId="urn:microsoft.com/office/officeart/2005/8/layout/list1"/>
+    <dgm:cxn modelId="{C46A9819-D1CF-4ABA-978C-7884A2B7B631}" type="presOf" srcId="{C856128A-51DB-4C67-BF32-014718123F2C}" destId="{0784FBFD-BDF7-42A3-8877-8C2567C5A009}" srcOrd="1" destOrd="0" presId="urn:microsoft.com/office/officeart/2005/8/layout/list1"/>
     <dgm:cxn modelId="{2EAA411E-7712-4853-A8E9-A59B5F3BA805}" type="presOf" srcId="{88947499-06A6-4659-94C8-F1D89F1FA8EF}" destId="{E984A7A2-401F-4B0A-BB0C-24E758D67B80}" srcOrd="1" destOrd="0" presId="urn:microsoft.com/office/officeart/2005/8/layout/list1"/>
     <dgm:cxn modelId="{2545562F-B7DF-470E-90D8-70291E32C61E}" srcId="{23095E16-D810-4F4E-9D75-63FD169B2CAA}" destId="{D488578F-6355-4844-95F4-2DDDDF8DBCA9}" srcOrd="1" destOrd="0" parTransId="{D2A89976-1131-48C0-B6D9-7A3824E5FAA5}" sibTransId="{112D8D7D-1FE4-4360-BD86-4766AC8B2388}"/>
-    <dgm:cxn modelId="{4978E13B-A0AE-45AE-9C22-0F0D4B2E74E2}" type="presOf" srcId="{148F13A4-7CB3-4327-BDFA-24B5F117E501}" destId="{86993075-C363-4DB4-8ADD-089F80292164}" srcOrd="1" destOrd="0" presId="urn:microsoft.com/office/officeart/2005/8/layout/list1"/>
     <dgm:cxn modelId="{5462B340-4700-4F06-A3FA-25FB51E39E50}" srcId="{23095E16-D810-4F4E-9D75-63FD169B2CAA}" destId="{88947499-06A6-4659-94C8-F1D89F1FA8EF}" srcOrd="0" destOrd="0" parTransId="{0A32FD84-9006-45BC-A532-C69CBF7F5ED9}" sibTransId="{D529BF72-06B5-4161-BC17-2ED46B09367C}"/>
     <dgm:cxn modelId="{7B33EE60-5F27-4282-A31A-A3A3F9383DD1}" type="presOf" srcId="{23095E16-D810-4F4E-9D75-63FD169B2CAA}" destId="{E0E3DBF7-56F0-449A-91E0-6EF74BE12DA5}" srcOrd="0" destOrd="0" presId="urn:microsoft.com/office/officeart/2005/8/layout/list1"/>
+    <dgm:cxn modelId="{884A53A5-7D21-4ABB-A531-BBA67A666F47}" type="presOf" srcId="{C856128A-51DB-4C67-BF32-014718123F2C}" destId="{EFD47A9D-0155-4EFB-A80F-2941B9062C7E}" srcOrd="0" destOrd="0" presId="urn:microsoft.com/office/officeart/2005/8/layout/list1"/>
     <dgm:cxn modelId="{FA85A5A8-3AFB-4267-9F90-467BBE730E8F}" type="presOf" srcId="{88947499-06A6-4659-94C8-F1D89F1FA8EF}" destId="{4B04B235-79DC-4A0E-A3E2-8AD367C275C9}" srcOrd="0" destOrd="0" presId="urn:microsoft.com/office/officeart/2005/8/layout/list1"/>
-    <dgm:cxn modelId="{DA4A1FD4-ADA7-4DEB-93B2-8948C877D6EE}" srcId="{23095E16-D810-4F4E-9D75-63FD169B2CAA}" destId="{148F13A4-7CB3-4327-BDFA-24B5F117E501}" srcOrd="2" destOrd="0" parTransId="{AA4632BA-A7D0-4A9E-86BD-F17F3FCA9759}" sibTransId="{C26212D1-95BD-438A-933A-E79A05570B9E}"/>
+    <dgm:cxn modelId="{31B910D2-5CE0-42C8-A614-E2F8F8FEDE7A}" srcId="{23095E16-D810-4F4E-9D75-63FD169B2CAA}" destId="{C856128A-51DB-4C67-BF32-014718123F2C}" srcOrd="2" destOrd="0" parTransId="{C7811C2C-E06B-49C3-B0C6-715E9CD25DEC}" sibTransId="{143945E2-3826-4476-8B7D-826D2C06DCD9}"/>
     <dgm:cxn modelId="{F02A3EE4-2C61-4B6B-B41F-CEE09063C450}" type="presOf" srcId="{D488578F-6355-4844-95F4-2DDDDF8DBCA9}" destId="{E1F7BA94-68D7-4754-B869-528B87A3CF27}" srcOrd="0" destOrd="0" presId="urn:microsoft.com/office/officeart/2005/8/layout/list1"/>
     <dgm:cxn modelId="{7414C4ED-73EF-4452-A42E-6F1080AE13EB}" type="presOf" srcId="{D488578F-6355-4844-95F4-2DDDDF8DBCA9}" destId="{6A14ECE3-898F-45D0-9930-B8E74197FF23}" srcOrd="1" destOrd="0" presId="urn:microsoft.com/office/officeart/2005/8/layout/list1"/>
-    <dgm:cxn modelId="{21D105F4-1C47-457F-8B1E-81F866C6CEFB}" type="presOf" srcId="{496015B7-75ED-42EA-BC94-7771B49C0FB7}" destId="{11F44DC1-1F9F-4E53-B751-12928A18CD83}" srcOrd="0" destOrd="0" presId="urn:microsoft.com/office/officeart/2005/8/layout/list1"/>
     <dgm:cxn modelId="{8024DC44-7135-4A01-8BD0-421E8A50603F}" type="presParOf" srcId="{E0E3DBF7-56F0-449A-91E0-6EF74BE12DA5}" destId="{EC153247-F077-4029-8AFB-E501E778D00A}" srcOrd="0" destOrd="0" presId="urn:microsoft.com/office/officeart/2005/8/layout/list1"/>
     <dgm:cxn modelId="{92FBCC28-C4A7-4145-8D7E-C7E3335D64BC}" type="presParOf" srcId="{EC153247-F077-4029-8AFB-E501E778D00A}" destId="{4B04B235-79DC-4A0E-A3E2-8AD367C275C9}" srcOrd="0" destOrd="0" presId="urn:microsoft.com/office/officeart/2005/8/layout/list1"/>
     <dgm:cxn modelId="{853BBFFD-F5DB-4A09-B270-8CC6DC1F05A0}" type="presParOf" srcId="{EC153247-F077-4029-8AFB-E501E778D00A}" destId="{E984A7A2-401F-4B0A-BB0C-24E758D67B80}" srcOrd="1" destOrd="0" presId="urn:microsoft.com/office/officeart/2005/8/layout/list1"/>
@@ -1890,23 +2614,377 @@
     <dgm:cxn modelId="{BD699588-CFCB-4C2D-B2DD-35FEA03B15B8}" type="presParOf" srcId="{E0E3DBF7-56F0-449A-91E0-6EF74BE12DA5}" destId="{736FBCD8-109E-434F-A2C2-3C9556C757AB}" srcOrd="5" destOrd="0" presId="urn:microsoft.com/office/officeart/2005/8/layout/list1"/>
     <dgm:cxn modelId="{9681F2A3-886F-4AAC-A32A-764F68777C6C}" type="presParOf" srcId="{E0E3DBF7-56F0-449A-91E0-6EF74BE12DA5}" destId="{B9CA0570-197D-42FD-A029-470B69160CD8}" srcOrd="6" destOrd="0" presId="urn:microsoft.com/office/officeart/2005/8/layout/list1"/>
     <dgm:cxn modelId="{3ACF63B1-5782-4A4E-B656-F8ECCC6CF845}" type="presParOf" srcId="{E0E3DBF7-56F0-449A-91E0-6EF74BE12DA5}" destId="{7E8CA3C0-A580-481B-BDAB-414B7609E878}" srcOrd="7" destOrd="0" presId="urn:microsoft.com/office/officeart/2005/8/layout/list1"/>
-    <dgm:cxn modelId="{7D2DF0EA-8DCA-4AAA-8E98-F118590650F1}" type="presParOf" srcId="{E0E3DBF7-56F0-449A-91E0-6EF74BE12DA5}" destId="{99C01A66-B406-4F2B-87CD-2740464314E6}" srcOrd="8" destOrd="0" presId="urn:microsoft.com/office/officeart/2005/8/layout/list1"/>
-    <dgm:cxn modelId="{9365887A-BB27-4C83-BDC9-B77474DAFC8F}" type="presParOf" srcId="{99C01A66-B406-4F2B-87CD-2740464314E6}" destId="{AD396239-1B54-4885-97F1-164F1DE15523}" srcOrd="0" destOrd="0" presId="urn:microsoft.com/office/officeart/2005/8/layout/list1"/>
-    <dgm:cxn modelId="{B50CAA7B-8BD8-4EE2-89EF-2ABAA2DA7422}" type="presParOf" srcId="{99C01A66-B406-4F2B-87CD-2740464314E6}" destId="{86993075-C363-4DB4-8ADD-089F80292164}" srcOrd="1" destOrd="0" presId="urn:microsoft.com/office/officeart/2005/8/layout/list1"/>
-    <dgm:cxn modelId="{114CD916-942A-4EF7-BDB1-8C75C9D12B97}" type="presParOf" srcId="{E0E3DBF7-56F0-449A-91E0-6EF74BE12DA5}" destId="{DB1A1448-BF20-483B-893D-BC35EA8C8DD7}" srcOrd="9" destOrd="0" presId="urn:microsoft.com/office/officeart/2005/8/layout/list1"/>
-    <dgm:cxn modelId="{02BF299F-B8F6-4B18-AA55-B6ABB3A98323}" type="presParOf" srcId="{E0E3DBF7-56F0-449A-91E0-6EF74BE12DA5}" destId="{28B0E7B7-8C19-436D-AE3E-F72CC1C052C9}" srcOrd="10" destOrd="0" presId="urn:microsoft.com/office/officeart/2005/8/layout/list1"/>
-    <dgm:cxn modelId="{438D1BDA-4CC5-4F64-B3E6-E5376659014A}" type="presParOf" srcId="{E0E3DBF7-56F0-449A-91E0-6EF74BE12DA5}" destId="{AAEEDE8C-9769-4B28-9835-80740DA49F81}" srcOrd="11" destOrd="0" presId="urn:microsoft.com/office/officeart/2005/8/layout/list1"/>
-    <dgm:cxn modelId="{68DB5119-6F81-44FD-980A-3D3F6AD18481}" type="presParOf" srcId="{E0E3DBF7-56F0-449A-91E0-6EF74BE12DA5}" destId="{34164A5C-A453-47D0-86D1-4847143C2D90}" srcOrd="12" destOrd="0" presId="urn:microsoft.com/office/officeart/2005/8/layout/list1"/>
-    <dgm:cxn modelId="{5E7BB3A3-D085-4815-B64C-4F7DFB513700}" type="presParOf" srcId="{34164A5C-A453-47D0-86D1-4847143C2D90}" destId="{11F44DC1-1F9F-4E53-B751-12928A18CD83}" srcOrd="0" destOrd="0" presId="urn:microsoft.com/office/officeart/2005/8/layout/list1"/>
-    <dgm:cxn modelId="{9737F3EA-3D82-451A-A32D-F55D83278CBC}" type="presParOf" srcId="{34164A5C-A453-47D0-86D1-4847143C2D90}" destId="{82B4725F-7017-41B0-92B6-6BCBBC693300}" srcOrd="1" destOrd="0" presId="urn:microsoft.com/office/officeart/2005/8/layout/list1"/>
-    <dgm:cxn modelId="{181902A7-3FAD-4C1C-923E-ABA9F4C87FD0}" type="presParOf" srcId="{E0E3DBF7-56F0-449A-91E0-6EF74BE12DA5}" destId="{BCC1C793-4C70-4230-823C-7F74C2458330}" srcOrd="13" destOrd="0" presId="urn:microsoft.com/office/officeart/2005/8/layout/list1"/>
-    <dgm:cxn modelId="{C190B185-70F5-43B3-BFD2-F203236C9DEA}" type="presParOf" srcId="{E0E3DBF7-56F0-449A-91E0-6EF74BE12DA5}" destId="{A9B996A6-6299-4A77-A5D3-E2C8B98BDD2B}" srcOrd="14" destOrd="0" presId="urn:microsoft.com/office/officeart/2005/8/layout/list1"/>
+    <dgm:cxn modelId="{F3C15D9C-7808-4149-B5FB-D7E7CD43C098}" type="presParOf" srcId="{E0E3DBF7-56F0-449A-91E0-6EF74BE12DA5}" destId="{B2CE1C9F-801F-485B-A8B0-90876E2638E4}" srcOrd="8" destOrd="0" presId="urn:microsoft.com/office/officeart/2005/8/layout/list1"/>
+    <dgm:cxn modelId="{0C91A6DA-332C-4185-9F0E-298AB6CA4622}" type="presParOf" srcId="{B2CE1C9F-801F-485B-A8B0-90876E2638E4}" destId="{EFD47A9D-0155-4EFB-A80F-2941B9062C7E}" srcOrd="0" destOrd="0" presId="urn:microsoft.com/office/officeart/2005/8/layout/list1"/>
+    <dgm:cxn modelId="{E6A61CFC-5148-4764-83EF-38F0B3EEE3C4}" type="presParOf" srcId="{B2CE1C9F-801F-485B-A8B0-90876E2638E4}" destId="{0784FBFD-BDF7-42A3-8877-8C2567C5A009}" srcOrd="1" destOrd="0" presId="urn:microsoft.com/office/officeart/2005/8/layout/list1"/>
+    <dgm:cxn modelId="{AB7C212F-6CEA-4AD9-BFEA-2D11C3DB389A}" type="presParOf" srcId="{E0E3DBF7-56F0-449A-91E0-6EF74BE12DA5}" destId="{90E7FB8C-A4C5-48C5-BFF1-28984A1735E4}" srcOrd="9" destOrd="0" presId="urn:microsoft.com/office/officeart/2005/8/layout/list1"/>
+    <dgm:cxn modelId="{7C66F3B6-33D1-40F8-B457-ED6F698B7C19}" type="presParOf" srcId="{E0E3DBF7-56F0-449A-91E0-6EF74BE12DA5}" destId="{E0DE1033-0AD7-4774-95A3-0841B02550FC}" srcOrd="10" destOrd="0" presId="urn:microsoft.com/office/officeart/2005/8/layout/list1"/>
   </dgm:cxnLst>
   <dgm:bg/>
   <dgm:whole/>
   <dgm:extLst>
     <a:ext uri="http://schemas.microsoft.com/office/drawing/2008/diagram">
       <dsp:dataModelExt xmlns:dsp="http://schemas.microsoft.com/office/drawing/2008/diagram" relId="rId6" minVer="http://schemas.openxmlformats.org/drawingml/2006/diagram"/>
+    </a:ext>
+  </dgm:extLst>
+</dgm:dataModel>
+</file>
+
+<file path=ppt/diagrams/data2.xml><?xml version="1.0" encoding="utf-8"?>
+<dgm:dataModel xmlns:dgm="http://schemas.openxmlformats.org/drawingml/2006/diagram" xmlns:a="http://schemas.openxmlformats.org/drawingml/2006/main">
+  <dgm:ptLst>
+    <dgm:pt modelId="{23095E16-D810-4F4E-9D75-63FD169B2CAA}" type="doc">
+      <dgm:prSet loTypeId="urn:microsoft.com/office/officeart/2005/8/layout/list1" loCatId="list" qsTypeId="urn:microsoft.com/office/officeart/2005/8/quickstyle/simple1" qsCatId="simple" csTypeId="urn:microsoft.com/office/officeart/2005/8/colors/accent1_2" csCatId="accent1" phldr="1"/>
+      <dgm:spPr/>
+      <dgm:t>
+        <a:bodyPr/>
+        <a:lstStyle/>
+        <a:p>
+          <a:endParaRPr lang="en-US"/>
+        </a:p>
+      </dgm:t>
+    </dgm:pt>
+    <dgm:pt modelId="{88947499-06A6-4659-94C8-F1D89F1FA8EF}">
+      <dgm:prSet custT="1"/>
+      <dgm:spPr/>
+      <dgm:t>
+        <a:bodyPr/>
+        <a:lstStyle/>
+        <a:p>
+          <a:r>
+            <a:rPr lang="en-US" sz="2000" kern="1200" dirty="0">
+              <a:solidFill>
+                <a:prstClr val="white"/>
+              </a:solidFill>
+              <a:latin typeface="微軟正黑體" panose="020B0604030504040204" pitchFamily="34" charset="-120"/>
+              <a:ea typeface="微軟正黑體" panose="020B0604030504040204" pitchFamily="34" charset="-120"/>
+              <a:cs typeface="+mn-cs"/>
+            </a:rPr>
+            <a:t>Clone darknet</a:t>
+          </a:r>
+        </a:p>
+      </dgm:t>
+    </dgm:pt>
+    <dgm:pt modelId="{0A32FD84-9006-45BC-A532-C69CBF7F5ED9}" type="parTrans" cxnId="{5462B340-4700-4F06-A3FA-25FB51E39E50}">
+      <dgm:prSet/>
+      <dgm:spPr/>
+      <dgm:t>
+        <a:bodyPr/>
+        <a:lstStyle/>
+        <a:p>
+          <a:endParaRPr lang="en-US">
+            <a:latin typeface="微軟正黑體" panose="020B0604030504040204" pitchFamily="34" charset="-120"/>
+            <a:ea typeface="微軟正黑體" panose="020B0604030504040204" pitchFamily="34" charset="-120"/>
+          </a:endParaRPr>
+        </a:p>
+      </dgm:t>
+    </dgm:pt>
+    <dgm:pt modelId="{D529BF72-06B5-4161-BC17-2ED46B09367C}" type="sibTrans" cxnId="{5462B340-4700-4F06-A3FA-25FB51E39E50}">
+      <dgm:prSet/>
+      <dgm:spPr/>
+      <dgm:t>
+        <a:bodyPr/>
+        <a:lstStyle/>
+        <a:p>
+          <a:endParaRPr lang="en-US">
+            <a:latin typeface="微軟正黑體" panose="020B0604030504040204" pitchFamily="34" charset="-120"/>
+            <a:ea typeface="微軟正黑體" panose="020B0604030504040204" pitchFamily="34" charset="-120"/>
+          </a:endParaRPr>
+        </a:p>
+      </dgm:t>
+    </dgm:pt>
+    <dgm:pt modelId="{D488578F-6355-4844-95F4-2DDDDF8DBCA9}">
+      <dgm:prSet custT="1"/>
+      <dgm:spPr/>
+      <dgm:t>
+        <a:bodyPr/>
+        <a:lstStyle/>
+        <a:p>
+          <a:r>
+            <a:rPr lang="zh-TW" altLang="en-US" sz="2000" kern="1200" dirty="0">
+              <a:solidFill>
+                <a:prstClr val="white"/>
+              </a:solidFill>
+              <a:latin typeface="微軟正黑體" panose="020B0604030504040204" pitchFamily="34" charset="-120"/>
+              <a:ea typeface="微軟正黑體" panose="020B0604030504040204" pitchFamily="34" charset="-120"/>
+              <a:cs typeface="+mn-cs"/>
+            </a:rPr>
+            <a:t>修改 </a:t>
+          </a:r>
+          <a:r>
+            <a:rPr lang="en-US" sz="2000" kern="1200" dirty="0" err="1">
+              <a:solidFill>
+                <a:prstClr val="white"/>
+              </a:solidFill>
+              <a:latin typeface="微軟正黑體" panose="020B0604030504040204" pitchFamily="34" charset="-120"/>
+              <a:ea typeface="微軟正黑體" panose="020B0604030504040204" pitchFamily="34" charset="-120"/>
+              <a:cs typeface="+mn-cs"/>
+            </a:rPr>
+            <a:t>Makefile</a:t>
+          </a:r>
+          <a:r>
+            <a:rPr lang="zh-TW" altLang="en-US" sz="2000" kern="1200" dirty="0">
+              <a:solidFill>
+                <a:prstClr val="white"/>
+              </a:solidFill>
+              <a:latin typeface="微軟正黑體" panose="020B0604030504040204" pitchFamily="34" charset="-120"/>
+              <a:ea typeface="微軟正黑體" panose="020B0604030504040204" pitchFamily="34" charset="-120"/>
+              <a:cs typeface="+mn-cs"/>
+            </a:rPr>
+            <a:t> 的參數值</a:t>
+          </a:r>
+          <a:endParaRPr lang="en-US" sz="2000" kern="1200" dirty="0">
+            <a:solidFill>
+              <a:prstClr val="white"/>
+            </a:solidFill>
+            <a:latin typeface="微軟正黑體" panose="020B0604030504040204" pitchFamily="34" charset="-120"/>
+            <a:ea typeface="微軟正黑體" panose="020B0604030504040204" pitchFamily="34" charset="-120"/>
+            <a:cs typeface="+mn-cs"/>
+          </a:endParaRPr>
+        </a:p>
+      </dgm:t>
+    </dgm:pt>
+    <dgm:pt modelId="{D2A89976-1131-48C0-B6D9-7A3824E5FAA5}" type="parTrans" cxnId="{2545562F-B7DF-470E-90D8-70291E32C61E}">
+      <dgm:prSet/>
+      <dgm:spPr/>
+      <dgm:t>
+        <a:bodyPr/>
+        <a:lstStyle/>
+        <a:p>
+          <a:endParaRPr lang="en-US">
+            <a:latin typeface="微軟正黑體" panose="020B0604030504040204" pitchFamily="34" charset="-120"/>
+            <a:ea typeface="微軟正黑體" panose="020B0604030504040204" pitchFamily="34" charset="-120"/>
+          </a:endParaRPr>
+        </a:p>
+      </dgm:t>
+    </dgm:pt>
+    <dgm:pt modelId="{112D8D7D-1FE4-4360-BD86-4766AC8B2388}" type="sibTrans" cxnId="{2545562F-B7DF-470E-90D8-70291E32C61E}">
+      <dgm:prSet/>
+      <dgm:spPr/>
+      <dgm:t>
+        <a:bodyPr/>
+        <a:lstStyle/>
+        <a:p>
+          <a:endParaRPr lang="en-US">
+            <a:latin typeface="微軟正黑體" panose="020B0604030504040204" pitchFamily="34" charset="-120"/>
+            <a:ea typeface="微軟正黑體" panose="020B0604030504040204" pitchFamily="34" charset="-120"/>
+          </a:endParaRPr>
+        </a:p>
+      </dgm:t>
+    </dgm:pt>
+    <dgm:pt modelId="{C856128A-51DB-4C67-BF32-014718123F2C}">
+      <dgm:prSet custT="1"/>
+      <dgm:spPr/>
+      <dgm:t>
+        <a:bodyPr/>
+        <a:lstStyle/>
+        <a:p>
+          <a:r>
+            <a:rPr lang="zh-TW" altLang="en-US" sz="2000" kern="1200" dirty="0">
+              <a:solidFill>
+                <a:prstClr val="white"/>
+              </a:solidFill>
+              <a:latin typeface="微軟正黑體" panose="020B0604030504040204" pitchFamily="34" charset="-120"/>
+              <a:ea typeface="微軟正黑體" panose="020B0604030504040204" pitchFamily="34" charset="-120"/>
+              <a:cs typeface="+mn-cs"/>
+            </a:rPr>
+            <a:t>下載 </a:t>
+          </a:r>
+          <a:r>
+            <a:rPr lang="en-US" sz="2000" kern="1200" dirty="0">
+              <a:solidFill>
+                <a:prstClr val="white"/>
+              </a:solidFill>
+              <a:latin typeface="微軟正黑體" panose="020B0604030504040204" pitchFamily="34" charset="-120"/>
+              <a:ea typeface="微軟正黑體" panose="020B0604030504040204" pitchFamily="34" charset="-120"/>
+              <a:cs typeface="+mn-cs"/>
+            </a:rPr>
+            <a:t>YOLOv4 </a:t>
+          </a:r>
+          <a:r>
+            <a:rPr lang="zh-TW" sz="2000" kern="1200" dirty="0">
+              <a:solidFill>
+                <a:prstClr val="white"/>
+              </a:solidFill>
+              <a:latin typeface="微軟正黑體" panose="020B0604030504040204" pitchFamily="34" charset="-120"/>
+              <a:ea typeface="微軟正黑體" panose="020B0604030504040204" pitchFamily="34" charset="-120"/>
+              <a:cs typeface="+mn-cs"/>
+            </a:rPr>
+            <a:t>預訓練權重和測試權重檔</a:t>
+          </a:r>
+          <a:endParaRPr lang="en-US" sz="2000" kern="1200" dirty="0">
+            <a:solidFill>
+              <a:prstClr val="white"/>
+            </a:solidFill>
+            <a:latin typeface="微軟正黑體" panose="020B0604030504040204" pitchFamily="34" charset="-120"/>
+            <a:ea typeface="微軟正黑體" panose="020B0604030504040204" pitchFamily="34" charset="-120"/>
+            <a:cs typeface="+mn-cs"/>
+          </a:endParaRPr>
+        </a:p>
+      </dgm:t>
+    </dgm:pt>
+    <dgm:pt modelId="{C7811C2C-E06B-49C3-B0C6-715E9CD25DEC}" type="parTrans" cxnId="{31B910D2-5CE0-42C8-A614-E2F8F8FEDE7A}">
+      <dgm:prSet/>
+      <dgm:spPr/>
+      <dgm:t>
+        <a:bodyPr/>
+        <a:lstStyle/>
+        <a:p>
+          <a:endParaRPr lang="zh-TW" altLang="en-US"/>
+        </a:p>
+      </dgm:t>
+    </dgm:pt>
+    <dgm:pt modelId="{143945E2-3826-4476-8B7D-826D2C06DCD9}" type="sibTrans" cxnId="{31B910D2-5CE0-42C8-A614-E2F8F8FEDE7A}">
+      <dgm:prSet/>
+      <dgm:spPr/>
+      <dgm:t>
+        <a:bodyPr/>
+        <a:lstStyle/>
+        <a:p>
+          <a:endParaRPr lang="zh-TW" altLang="en-US"/>
+        </a:p>
+      </dgm:t>
+    </dgm:pt>
+    <dgm:pt modelId="{E0E3DBF7-56F0-449A-91E0-6EF74BE12DA5}" type="pres">
+      <dgm:prSet presAssocID="{23095E16-D810-4F4E-9D75-63FD169B2CAA}" presName="linear" presStyleCnt="0">
+        <dgm:presLayoutVars>
+          <dgm:dir/>
+          <dgm:animLvl val="lvl"/>
+          <dgm:resizeHandles val="exact"/>
+        </dgm:presLayoutVars>
+      </dgm:prSet>
+      <dgm:spPr/>
+    </dgm:pt>
+    <dgm:pt modelId="{EC153247-F077-4029-8AFB-E501E778D00A}" type="pres">
+      <dgm:prSet presAssocID="{88947499-06A6-4659-94C8-F1D89F1FA8EF}" presName="parentLin" presStyleCnt="0"/>
+      <dgm:spPr/>
+    </dgm:pt>
+    <dgm:pt modelId="{4B04B235-79DC-4A0E-A3E2-8AD367C275C9}" type="pres">
+      <dgm:prSet presAssocID="{88947499-06A6-4659-94C8-F1D89F1FA8EF}" presName="parentLeftMargin" presStyleLbl="node1" presStyleIdx="0" presStyleCnt="3"/>
+      <dgm:spPr/>
+    </dgm:pt>
+    <dgm:pt modelId="{E984A7A2-401F-4B0A-BB0C-24E758D67B80}" type="pres">
+      <dgm:prSet presAssocID="{88947499-06A6-4659-94C8-F1D89F1FA8EF}" presName="parentText" presStyleLbl="node1" presStyleIdx="0" presStyleCnt="3">
+        <dgm:presLayoutVars>
+          <dgm:chMax val="0"/>
+          <dgm:bulletEnabled val="1"/>
+        </dgm:presLayoutVars>
+      </dgm:prSet>
+      <dgm:spPr/>
+    </dgm:pt>
+    <dgm:pt modelId="{3103E22A-EA28-4112-93DD-064EE91D1198}" type="pres">
+      <dgm:prSet presAssocID="{88947499-06A6-4659-94C8-F1D89F1FA8EF}" presName="negativeSpace" presStyleCnt="0"/>
+      <dgm:spPr/>
+    </dgm:pt>
+    <dgm:pt modelId="{66329D20-AB36-45F7-94C3-5C0E87DDBF24}" type="pres">
+      <dgm:prSet presAssocID="{88947499-06A6-4659-94C8-F1D89F1FA8EF}" presName="childText" presStyleLbl="conFgAcc1" presStyleIdx="0" presStyleCnt="3">
+        <dgm:presLayoutVars>
+          <dgm:bulletEnabled val="1"/>
+        </dgm:presLayoutVars>
+      </dgm:prSet>
+      <dgm:spPr/>
+    </dgm:pt>
+    <dgm:pt modelId="{1AF43B73-A2FA-4FBD-BACA-BE69917FBFB4}" type="pres">
+      <dgm:prSet presAssocID="{D529BF72-06B5-4161-BC17-2ED46B09367C}" presName="spaceBetweenRectangles" presStyleCnt="0"/>
+      <dgm:spPr/>
+    </dgm:pt>
+    <dgm:pt modelId="{E270B023-7A58-46E9-97A8-C790694392FB}" type="pres">
+      <dgm:prSet presAssocID="{D488578F-6355-4844-95F4-2DDDDF8DBCA9}" presName="parentLin" presStyleCnt="0"/>
+      <dgm:spPr/>
+    </dgm:pt>
+    <dgm:pt modelId="{E1F7BA94-68D7-4754-B869-528B87A3CF27}" type="pres">
+      <dgm:prSet presAssocID="{D488578F-6355-4844-95F4-2DDDDF8DBCA9}" presName="parentLeftMargin" presStyleLbl="node1" presStyleIdx="0" presStyleCnt="3"/>
+      <dgm:spPr/>
+    </dgm:pt>
+    <dgm:pt modelId="{6A14ECE3-898F-45D0-9930-B8E74197FF23}" type="pres">
+      <dgm:prSet presAssocID="{D488578F-6355-4844-95F4-2DDDDF8DBCA9}" presName="parentText" presStyleLbl="node1" presStyleIdx="1" presStyleCnt="3">
+        <dgm:presLayoutVars>
+          <dgm:chMax val="0"/>
+          <dgm:bulletEnabled val="1"/>
+        </dgm:presLayoutVars>
+      </dgm:prSet>
+      <dgm:spPr/>
+    </dgm:pt>
+    <dgm:pt modelId="{736FBCD8-109E-434F-A2C2-3C9556C757AB}" type="pres">
+      <dgm:prSet presAssocID="{D488578F-6355-4844-95F4-2DDDDF8DBCA9}" presName="negativeSpace" presStyleCnt="0"/>
+      <dgm:spPr/>
+    </dgm:pt>
+    <dgm:pt modelId="{B9CA0570-197D-42FD-A029-470B69160CD8}" type="pres">
+      <dgm:prSet presAssocID="{D488578F-6355-4844-95F4-2DDDDF8DBCA9}" presName="childText" presStyleLbl="conFgAcc1" presStyleIdx="1" presStyleCnt="3">
+        <dgm:presLayoutVars>
+          <dgm:bulletEnabled val="1"/>
+        </dgm:presLayoutVars>
+      </dgm:prSet>
+      <dgm:spPr/>
+    </dgm:pt>
+    <dgm:pt modelId="{7E8CA3C0-A580-481B-BDAB-414B7609E878}" type="pres">
+      <dgm:prSet presAssocID="{112D8D7D-1FE4-4360-BD86-4766AC8B2388}" presName="spaceBetweenRectangles" presStyleCnt="0"/>
+      <dgm:spPr/>
+    </dgm:pt>
+    <dgm:pt modelId="{B2CE1C9F-801F-485B-A8B0-90876E2638E4}" type="pres">
+      <dgm:prSet presAssocID="{C856128A-51DB-4C67-BF32-014718123F2C}" presName="parentLin" presStyleCnt="0"/>
+      <dgm:spPr/>
+    </dgm:pt>
+    <dgm:pt modelId="{EFD47A9D-0155-4EFB-A80F-2941B9062C7E}" type="pres">
+      <dgm:prSet presAssocID="{C856128A-51DB-4C67-BF32-014718123F2C}" presName="parentLeftMargin" presStyleLbl="node1" presStyleIdx="1" presStyleCnt="3"/>
+      <dgm:spPr/>
+    </dgm:pt>
+    <dgm:pt modelId="{0784FBFD-BDF7-42A3-8877-8C2567C5A009}" type="pres">
+      <dgm:prSet presAssocID="{C856128A-51DB-4C67-BF32-014718123F2C}" presName="parentText" presStyleLbl="node1" presStyleIdx="2" presStyleCnt="3">
+        <dgm:presLayoutVars>
+          <dgm:chMax val="0"/>
+          <dgm:bulletEnabled val="1"/>
+        </dgm:presLayoutVars>
+      </dgm:prSet>
+      <dgm:spPr/>
+    </dgm:pt>
+    <dgm:pt modelId="{90E7FB8C-A4C5-48C5-BFF1-28984A1735E4}" type="pres">
+      <dgm:prSet presAssocID="{C856128A-51DB-4C67-BF32-014718123F2C}" presName="negativeSpace" presStyleCnt="0"/>
+      <dgm:spPr/>
+    </dgm:pt>
+    <dgm:pt modelId="{E0DE1033-0AD7-4774-95A3-0841B02550FC}" type="pres">
+      <dgm:prSet presAssocID="{C856128A-51DB-4C67-BF32-014718123F2C}" presName="childText" presStyleLbl="conFgAcc1" presStyleIdx="2" presStyleCnt="3" custScaleY="204349">
+        <dgm:presLayoutVars>
+          <dgm:bulletEnabled val="1"/>
+        </dgm:presLayoutVars>
+      </dgm:prSet>
+      <dgm:spPr/>
+    </dgm:pt>
+  </dgm:ptLst>
+  <dgm:cxnLst>
+    <dgm:cxn modelId="{C46A9819-D1CF-4ABA-978C-7884A2B7B631}" type="presOf" srcId="{C856128A-51DB-4C67-BF32-014718123F2C}" destId="{0784FBFD-BDF7-42A3-8877-8C2567C5A009}" srcOrd="1" destOrd="0" presId="urn:microsoft.com/office/officeart/2005/8/layout/list1"/>
+    <dgm:cxn modelId="{2EAA411E-7712-4853-A8E9-A59B5F3BA805}" type="presOf" srcId="{88947499-06A6-4659-94C8-F1D89F1FA8EF}" destId="{E984A7A2-401F-4B0A-BB0C-24E758D67B80}" srcOrd="1" destOrd="0" presId="urn:microsoft.com/office/officeart/2005/8/layout/list1"/>
+    <dgm:cxn modelId="{2545562F-B7DF-470E-90D8-70291E32C61E}" srcId="{23095E16-D810-4F4E-9D75-63FD169B2CAA}" destId="{D488578F-6355-4844-95F4-2DDDDF8DBCA9}" srcOrd="1" destOrd="0" parTransId="{D2A89976-1131-48C0-B6D9-7A3824E5FAA5}" sibTransId="{112D8D7D-1FE4-4360-BD86-4766AC8B2388}"/>
+    <dgm:cxn modelId="{5462B340-4700-4F06-A3FA-25FB51E39E50}" srcId="{23095E16-D810-4F4E-9D75-63FD169B2CAA}" destId="{88947499-06A6-4659-94C8-F1D89F1FA8EF}" srcOrd="0" destOrd="0" parTransId="{0A32FD84-9006-45BC-A532-C69CBF7F5ED9}" sibTransId="{D529BF72-06B5-4161-BC17-2ED46B09367C}"/>
+    <dgm:cxn modelId="{7B33EE60-5F27-4282-A31A-A3A3F9383DD1}" type="presOf" srcId="{23095E16-D810-4F4E-9D75-63FD169B2CAA}" destId="{E0E3DBF7-56F0-449A-91E0-6EF74BE12DA5}" srcOrd="0" destOrd="0" presId="urn:microsoft.com/office/officeart/2005/8/layout/list1"/>
+    <dgm:cxn modelId="{884A53A5-7D21-4ABB-A531-BBA67A666F47}" type="presOf" srcId="{C856128A-51DB-4C67-BF32-014718123F2C}" destId="{EFD47A9D-0155-4EFB-A80F-2941B9062C7E}" srcOrd="0" destOrd="0" presId="urn:microsoft.com/office/officeart/2005/8/layout/list1"/>
+    <dgm:cxn modelId="{FA85A5A8-3AFB-4267-9F90-467BBE730E8F}" type="presOf" srcId="{88947499-06A6-4659-94C8-F1D89F1FA8EF}" destId="{4B04B235-79DC-4A0E-A3E2-8AD367C275C9}" srcOrd="0" destOrd="0" presId="urn:microsoft.com/office/officeart/2005/8/layout/list1"/>
+    <dgm:cxn modelId="{31B910D2-5CE0-42C8-A614-E2F8F8FEDE7A}" srcId="{23095E16-D810-4F4E-9D75-63FD169B2CAA}" destId="{C856128A-51DB-4C67-BF32-014718123F2C}" srcOrd="2" destOrd="0" parTransId="{C7811C2C-E06B-49C3-B0C6-715E9CD25DEC}" sibTransId="{143945E2-3826-4476-8B7D-826D2C06DCD9}"/>
+    <dgm:cxn modelId="{F02A3EE4-2C61-4B6B-B41F-CEE09063C450}" type="presOf" srcId="{D488578F-6355-4844-95F4-2DDDDF8DBCA9}" destId="{E1F7BA94-68D7-4754-B869-528B87A3CF27}" srcOrd="0" destOrd="0" presId="urn:microsoft.com/office/officeart/2005/8/layout/list1"/>
+    <dgm:cxn modelId="{7414C4ED-73EF-4452-A42E-6F1080AE13EB}" type="presOf" srcId="{D488578F-6355-4844-95F4-2DDDDF8DBCA9}" destId="{6A14ECE3-898F-45D0-9930-B8E74197FF23}" srcOrd="1" destOrd="0" presId="urn:microsoft.com/office/officeart/2005/8/layout/list1"/>
+    <dgm:cxn modelId="{8024DC44-7135-4A01-8BD0-421E8A50603F}" type="presParOf" srcId="{E0E3DBF7-56F0-449A-91E0-6EF74BE12DA5}" destId="{EC153247-F077-4029-8AFB-E501E778D00A}" srcOrd="0" destOrd="0" presId="urn:microsoft.com/office/officeart/2005/8/layout/list1"/>
+    <dgm:cxn modelId="{92FBCC28-C4A7-4145-8D7E-C7E3335D64BC}" type="presParOf" srcId="{EC153247-F077-4029-8AFB-E501E778D00A}" destId="{4B04B235-79DC-4A0E-A3E2-8AD367C275C9}" srcOrd="0" destOrd="0" presId="urn:microsoft.com/office/officeart/2005/8/layout/list1"/>
+    <dgm:cxn modelId="{853BBFFD-F5DB-4A09-B270-8CC6DC1F05A0}" type="presParOf" srcId="{EC153247-F077-4029-8AFB-E501E778D00A}" destId="{E984A7A2-401F-4B0A-BB0C-24E758D67B80}" srcOrd="1" destOrd="0" presId="urn:microsoft.com/office/officeart/2005/8/layout/list1"/>
+    <dgm:cxn modelId="{B95F0038-D292-4A44-B0ED-62FAF64C6E8B}" type="presParOf" srcId="{E0E3DBF7-56F0-449A-91E0-6EF74BE12DA5}" destId="{3103E22A-EA28-4112-93DD-064EE91D1198}" srcOrd="1" destOrd="0" presId="urn:microsoft.com/office/officeart/2005/8/layout/list1"/>
+    <dgm:cxn modelId="{35CF2ABB-8D33-4EC5-A112-23CA0D756BD4}" type="presParOf" srcId="{E0E3DBF7-56F0-449A-91E0-6EF74BE12DA5}" destId="{66329D20-AB36-45F7-94C3-5C0E87DDBF24}" srcOrd="2" destOrd="0" presId="urn:microsoft.com/office/officeart/2005/8/layout/list1"/>
+    <dgm:cxn modelId="{55596721-D49D-4FA0-A763-07A7207523BD}" type="presParOf" srcId="{E0E3DBF7-56F0-449A-91E0-6EF74BE12DA5}" destId="{1AF43B73-A2FA-4FBD-BACA-BE69917FBFB4}" srcOrd="3" destOrd="0" presId="urn:microsoft.com/office/officeart/2005/8/layout/list1"/>
+    <dgm:cxn modelId="{82A1D792-5F6E-4D2D-A252-7A726C9C050B}" type="presParOf" srcId="{E0E3DBF7-56F0-449A-91E0-6EF74BE12DA5}" destId="{E270B023-7A58-46E9-97A8-C790694392FB}" srcOrd="4" destOrd="0" presId="urn:microsoft.com/office/officeart/2005/8/layout/list1"/>
+    <dgm:cxn modelId="{B9BBAA3F-B7F4-4CB2-8240-85E2C8FEB588}" type="presParOf" srcId="{E270B023-7A58-46E9-97A8-C790694392FB}" destId="{E1F7BA94-68D7-4754-B869-528B87A3CF27}" srcOrd="0" destOrd="0" presId="urn:microsoft.com/office/officeart/2005/8/layout/list1"/>
+    <dgm:cxn modelId="{181EF26F-B8D6-4774-BC21-F97B56D5629B}" type="presParOf" srcId="{E270B023-7A58-46E9-97A8-C790694392FB}" destId="{6A14ECE3-898F-45D0-9930-B8E74197FF23}" srcOrd="1" destOrd="0" presId="urn:microsoft.com/office/officeart/2005/8/layout/list1"/>
+    <dgm:cxn modelId="{BD699588-CFCB-4C2D-B2DD-35FEA03B15B8}" type="presParOf" srcId="{E0E3DBF7-56F0-449A-91E0-6EF74BE12DA5}" destId="{736FBCD8-109E-434F-A2C2-3C9556C757AB}" srcOrd="5" destOrd="0" presId="urn:microsoft.com/office/officeart/2005/8/layout/list1"/>
+    <dgm:cxn modelId="{9681F2A3-886F-4AAC-A32A-764F68777C6C}" type="presParOf" srcId="{E0E3DBF7-56F0-449A-91E0-6EF74BE12DA5}" destId="{B9CA0570-197D-42FD-A029-470B69160CD8}" srcOrd="6" destOrd="0" presId="urn:microsoft.com/office/officeart/2005/8/layout/list1"/>
+    <dgm:cxn modelId="{3ACF63B1-5782-4A4E-B656-F8ECCC6CF845}" type="presParOf" srcId="{E0E3DBF7-56F0-449A-91E0-6EF74BE12DA5}" destId="{7E8CA3C0-A580-481B-BDAB-414B7609E878}" srcOrd="7" destOrd="0" presId="urn:microsoft.com/office/officeart/2005/8/layout/list1"/>
+    <dgm:cxn modelId="{F3C15D9C-7808-4149-B5FB-D7E7CD43C098}" type="presParOf" srcId="{E0E3DBF7-56F0-449A-91E0-6EF74BE12DA5}" destId="{B2CE1C9F-801F-485B-A8B0-90876E2638E4}" srcOrd="8" destOrd="0" presId="urn:microsoft.com/office/officeart/2005/8/layout/list1"/>
+    <dgm:cxn modelId="{0C91A6DA-332C-4185-9F0E-298AB6CA4622}" type="presParOf" srcId="{B2CE1C9F-801F-485B-A8B0-90876E2638E4}" destId="{EFD47A9D-0155-4EFB-A80F-2941B9062C7E}" srcOrd="0" destOrd="0" presId="urn:microsoft.com/office/officeart/2005/8/layout/list1"/>
+    <dgm:cxn modelId="{E6A61CFC-5148-4764-83EF-38F0B3EEE3C4}" type="presParOf" srcId="{B2CE1C9F-801F-485B-A8B0-90876E2638E4}" destId="{0784FBFD-BDF7-42A3-8877-8C2567C5A009}" srcOrd="1" destOrd="0" presId="urn:microsoft.com/office/officeart/2005/8/layout/list1"/>
+    <dgm:cxn modelId="{AB7C212F-6CEA-4AD9-BFEA-2D11C3DB389A}" type="presParOf" srcId="{E0E3DBF7-56F0-449A-91E0-6EF74BE12DA5}" destId="{90E7FB8C-A4C5-48C5-BFF1-28984A1735E4}" srcOrd="9" destOrd="0" presId="urn:microsoft.com/office/officeart/2005/8/layout/list1"/>
+    <dgm:cxn modelId="{7C66F3B6-33D1-40F8-B457-ED6F698B7C19}" type="presParOf" srcId="{E0E3DBF7-56F0-449A-91E0-6EF74BE12DA5}" destId="{E0DE1033-0AD7-4774-95A3-0841B02550FC}" srcOrd="10" destOrd="0" presId="urn:microsoft.com/office/officeart/2005/8/layout/list1"/>
+  </dgm:cxnLst>
+  <dgm:bg/>
+  <dgm:whole/>
+  <dgm:extLst>
+    <a:ext uri="http://schemas.microsoft.com/office/drawing/2008/diagram">
+      <dsp:dataModelExt xmlns:dsp="http://schemas.microsoft.com/office/drawing/2008/diagram" relId="rId7" minVer="http://schemas.openxmlformats.org/drawingml/2006/diagram"/>
     </a:ext>
   </dgm:extLst>
 </dgm:dataModel>
@@ -1927,8 +3005,8 @@
       </dsp:nvSpPr>
       <dsp:spPr>
         <a:xfrm>
-          <a:off x="0" y="386351"/>
-          <a:ext cx="10058399" cy="529200"/>
+          <a:off x="0" y="430812"/>
+          <a:ext cx="10058399" cy="680400"/>
         </a:xfrm>
         <a:prstGeom prst="rect">
           <a:avLst/>
@@ -1975,8 +3053,8 @@
       </dsp:nvSpPr>
       <dsp:spPr>
         <a:xfrm>
-          <a:off x="502920" y="76391"/>
-          <a:ext cx="7040880" cy="619920"/>
+          <a:off x="502920" y="32292"/>
+          <a:ext cx="7040880" cy="797040"/>
         </a:xfrm>
         <a:prstGeom prst="roundRect">
           <a:avLst/>
@@ -2022,7 +3100,7 @@
         </a:bodyPr>
         <a:lstStyle/>
         <a:p>
-          <a:pPr marL="0" lvl="0" indent="0" algn="l" defTabSz="933450">
+          <a:pPr marL="0" lvl="0" indent="0" algn="l" defTabSz="889000">
             <a:lnSpc>
               <a:spcPct val="90000"/>
             </a:lnSpc>
@@ -2035,35 +3113,51 @@
             <a:buNone/>
           </a:pPr>
           <a:r>
-            <a:rPr lang="zh-TW" sz="2100" kern="1200" dirty="0">
+            <a:rPr lang="zh-TW" altLang="en-US" sz="2000" kern="1200" dirty="0">
+              <a:solidFill>
+                <a:prstClr val="white"/>
+              </a:solidFill>
               <a:latin typeface="微軟正黑體" panose="020B0604030504040204" pitchFamily="34" charset="-120"/>
               <a:ea typeface="微軟正黑體" panose="020B0604030504040204" pitchFamily="34" charset="-120"/>
+              <a:cs typeface="+mn-cs"/>
             </a:rPr>
-            <a:t>下載</a:t>
+            <a:t>雲端新增 </a:t>
           </a:r>
           <a:r>
-            <a:rPr lang="en-US" sz="2100" kern="1200" dirty="0">
+            <a:rPr lang="en-US" altLang="zh-TW" sz="2000" kern="1200" dirty="0">
+              <a:solidFill>
+                <a:prstClr val="white"/>
+              </a:solidFill>
               <a:latin typeface="微軟正黑體" panose="020B0604030504040204" pitchFamily="34" charset="-120"/>
               <a:ea typeface="微軟正黑體" panose="020B0604030504040204" pitchFamily="34" charset="-120"/>
+              <a:cs typeface="+mn-cs"/>
             </a:rPr>
-            <a:t>project1_</a:t>
+            <a:t>Project2-YOLOv4</a:t>
           </a:r>
           <a:r>
-            <a:rPr lang="zh-TW" sz="2100" kern="1200" dirty="0">
+            <a:rPr lang="zh-TW" altLang="en-US" sz="2000" kern="1200" dirty="0">
+              <a:solidFill>
+                <a:prstClr val="white"/>
+              </a:solidFill>
               <a:latin typeface="微軟正黑體" panose="020B0604030504040204" pitchFamily="34" charset="-120"/>
               <a:ea typeface="微軟正黑體" panose="020B0604030504040204" pitchFamily="34" charset="-120"/>
+              <a:cs typeface="+mn-cs"/>
             </a:rPr>
-            <a:t>影片及參考程式</a:t>
+            <a:t> 資料夾</a:t>
           </a:r>
-          <a:endParaRPr lang="en-US" sz="2100" kern="1200" dirty="0">
+          <a:endParaRPr lang="en-US" sz="2000" kern="1200" dirty="0">
+            <a:solidFill>
+              <a:prstClr val="white"/>
+            </a:solidFill>
             <a:latin typeface="微軟正黑體" panose="020B0604030504040204" pitchFamily="34" charset="-120"/>
             <a:ea typeface="微軟正黑體" panose="020B0604030504040204" pitchFamily="34" charset="-120"/>
+            <a:cs typeface="+mn-cs"/>
           </a:endParaRPr>
         </a:p>
       </dsp:txBody>
       <dsp:txXfrm>
-        <a:off x="533182" y="106653"/>
-        <a:ext cx="6980356" cy="559396"/>
+        <a:off x="541828" y="71200"/>
+        <a:ext cx="6963064" cy="719224"/>
       </dsp:txXfrm>
     </dsp:sp>
     <dsp:sp modelId="{B9CA0570-197D-42FD-A029-470B69160CD8}">
@@ -2073,8 +3167,8 @@
       </dsp:nvSpPr>
       <dsp:spPr>
         <a:xfrm>
-          <a:off x="0" y="1338911"/>
-          <a:ext cx="10058399" cy="529200"/>
+          <a:off x="0" y="1655532"/>
+          <a:ext cx="10058399" cy="680400"/>
         </a:xfrm>
         <a:prstGeom prst="rect">
           <a:avLst/>
@@ -2121,8 +3215,8 @@
       </dsp:nvSpPr>
       <dsp:spPr>
         <a:xfrm>
-          <a:off x="502920" y="1028951"/>
-          <a:ext cx="7040880" cy="619920"/>
+          <a:off x="502920" y="1257012"/>
+          <a:ext cx="7040880" cy="797040"/>
         </a:xfrm>
         <a:prstGeom prst="roundRect">
           <a:avLst/>
@@ -2168,7 +3262,7 @@
         </a:bodyPr>
         <a:lstStyle/>
         <a:p>
-          <a:pPr marL="0" lvl="0" indent="0" algn="l" defTabSz="933450">
+          <a:pPr marL="0" lvl="0" indent="0" algn="l" defTabSz="889000">
             <a:lnSpc>
               <a:spcPct val="90000"/>
             </a:lnSpc>
@@ -2181,46 +3275,84 @@
             <a:buNone/>
           </a:pPr>
           <a:r>
-            <a:rPr lang="zh-TW" sz="2100" kern="1200">
+            <a:rPr lang="zh-TW" altLang="en-US" sz="2000" kern="1200" dirty="0">
+              <a:solidFill>
+                <a:prstClr val="white"/>
+              </a:solidFill>
               <a:latin typeface="微軟正黑體" panose="020B0604030504040204" pitchFamily="34" charset="-120"/>
               <a:ea typeface="微軟正黑體" panose="020B0604030504040204" pitchFamily="34" charset="-120"/>
+              <a:cs typeface="+mn-cs"/>
             </a:rPr>
-            <a:t>選擇類別（本組選擇</a:t>
+            <a:t>上傳助教提供的 </a:t>
           </a:r>
           <a:r>
-            <a:rPr lang="en-US" sz="2100" kern="1200">
+            <a:rPr lang="en-US" altLang="zh-TW" sz="2000" kern="1200" dirty="0">
+              <a:solidFill>
+                <a:prstClr val="white"/>
+              </a:solidFill>
               <a:latin typeface="微軟正黑體" panose="020B0604030504040204" pitchFamily="34" charset="-120"/>
               <a:ea typeface="微軟正黑體" panose="020B0604030504040204" pitchFamily="34" charset="-120"/>
+              <a:cs typeface="+mn-cs"/>
             </a:rPr>
-            <a:t>helmet</a:t>
+            <a:t>Project2.ipynb</a:t>
           </a:r>
           <a:r>
-            <a:rPr lang="zh-TW" sz="2100" kern="1200">
+            <a:rPr lang="zh-TW" altLang="en-US" sz="2000" kern="1200" dirty="0">
+              <a:solidFill>
+                <a:prstClr val="white"/>
+              </a:solidFill>
               <a:latin typeface="微軟正黑體" panose="020B0604030504040204" pitchFamily="34" charset="-120"/>
               <a:ea typeface="微軟正黑體" panose="020B0604030504040204" pitchFamily="34" charset="-120"/>
+              <a:cs typeface="+mn-cs"/>
             </a:rPr>
-            <a:t>）</a:t>
+            <a:t> 並使用 </a:t>
           </a:r>
-          <a:endParaRPr lang="en-US" sz="2100" kern="1200">
+          <a:r>
+            <a:rPr lang="en-US" altLang="zh-TW" sz="2000" kern="1200" dirty="0" err="1">
+              <a:solidFill>
+                <a:prstClr val="white"/>
+              </a:solidFill>
+              <a:latin typeface="微軟正黑體" panose="020B0604030504040204" pitchFamily="34" charset="-120"/>
+              <a:ea typeface="微軟正黑體" panose="020B0604030504040204" pitchFamily="34" charset="-120"/>
+              <a:cs typeface="+mn-cs"/>
+            </a:rPr>
+            <a:t>Colab</a:t>
+          </a:r>
+          <a:r>
+            <a:rPr lang="zh-TW" altLang="en-US" sz="2000" kern="1200" dirty="0">
+              <a:solidFill>
+                <a:prstClr val="white"/>
+              </a:solidFill>
+              <a:latin typeface="微軟正黑體" panose="020B0604030504040204" pitchFamily="34" charset="-120"/>
+              <a:ea typeface="微軟正黑體" panose="020B0604030504040204" pitchFamily="34" charset="-120"/>
+              <a:cs typeface="+mn-cs"/>
+            </a:rPr>
+            <a:t> 開啟</a:t>
+          </a:r>
+          <a:endParaRPr lang="en-US" sz="2000" kern="1200" dirty="0">
+            <a:solidFill>
+              <a:prstClr val="white"/>
+            </a:solidFill>
             <a:latin typeface="微軟正黑體" panose="020B0604030504040204" pitchFamily="34" charset="-120"/>
             <a:ea typeface="微軟正黑體" panose="020B0604030504040204" pitchFamily="34" charset="-120"/>
+            <a:cs typeface="+mn-cs"/>
           </a:endParaRPr>
         </a:p>
       </dsp:txBody>
       <dsp:txXfrm>
-        <a:off x="533182" y="1059213"/>
-        <a:ext cx="6980356" cy="559396"/>
+        <a:off x="541828" y="1295920"/>
+        <a:ext cx="6963064" cy="719224"/>
       </dsp:txXfrm>
     </dsp:sp>
-    <dsp:sp modelId="{28B0E7B7-8C19-436D-AE3E-F72CC1C052C9}">
+    <dsp:sp modelId="{E0DE1033-0AD7-4774-95A3-0841B02550FC}">
       <dsp:nvSpPr>
         <dsp:cNvPr id="0" name=""/>
         <dsp:cNvSpPr/>
       </dsp:nvSpPr>
       <dsp:spPr>
         <a:xfrm>
-          <a:off x="0" y="2291472"/>
-          <a:ext cx="10058399" cy="529200"/>
+          <a:off x="0" y="2880253"/>
+          <a:ext cx="10058399" cy="680400"/>
         </a:xfrm>
         <a:prstGeom prst="rect">
           <a:avLst/>
@@ -2260,15 +3392,15 @@
         <a:fontRef idx="minor"/>
       </dsp:style>
     </dsp:sp>
-    <dsp:sp modelId="{86993075-C363-4DB4-8ADD-089F80292164}">
+    <dsp:sp modelId="{0784FBFD-BDF7-42A3-8877-8C2567C5A009}">
       <dsp:nvSpPr>
         <dsp:cNvPr id="0" name=""/>
         <dsp:cNvSpPr/>
       </dsp:nvSpPr>
       <dsp:spPr>
         <a:xfrm>
-          <a:off x="502920" y="1981511"/>
-          <a:ext cx="7040880" cy="619920"/>
+          <a:off x="502920" y="2481732"/>
+          <a:ext cx="7040880" cy="797040"/>
         </a:xfrm>
         <a:prstGeom prst="roundRect">
           <a:avLst/>
@@ -2314,7 +3446,7 @@
         </a:bodyPr>
         <a:lstStyle/>
         <a:p>
-          <a:pPr marL="0" lvl="0" indent="0" algn="l" defTabSz="933450">
+          <a:pPr marL="0" lvl="0" indent="0" algn="l" defTabSz="889000">
             <a:lnSpc>
               <a:spcPct val="90000"/>
             </a:lnSpc>
@@ -2327,46 +3459,96 @@
             <a:buNone/>
           </a:pPr>
           <a:r>
-            <a:rPr lang="zh-TW" sz="2100" kern="1200">
+            <a:rPr lang="zh-TW" altLang="en-US" sz="2000" kern="1200" dirty="0">
+              <a:solidFill>
+                <a:prstClr val="white"/>
+              </a:solidFill>
               <a:latin typeface="微軟正黑體" panose="020B0604030504040204" pitchFamily="34" charset="-120"/>
               <a:ea typeface="微軟正黑體" panose="020B0604030504040204" pitchFamily="34" charset="-120"/>
+              <a:cs typeface="+mn-cs"/>
             </a:rPr>
-            <a:t>選擇影片（本組選擇</a:t>
+            <a:t>上傳要進行辨識的檔案 </a:t>
           </a:r>
           <a:r>
-            <a:rPr lang="en-US" sz="2100" kern="1200">
+            <a:rPr lang="en-US" altLang="zh-TW" sz="2000" kern="1200" dirty="0">
+              <a:solidFill>
+                <a:prstClr val="white"/>
+              </a:solidFill>
               <a:latin typeface="微軟正黑體" panose="020B0604030504040204" pitchFamily="34" charset="-120"/>
               <a:ea typeface="微軟正黑體" panose="020B0604030504040204" pitchFamily="34" charset="-120"/>
+              <a:cs typeface="+mn-cs"/>
             </a:rPr>
-            <a:t>helmet1.mp4</a:t>
+            <a:t>(helmet3.mp4)</a:t>
           </a:r>
           <a:r>
-            <a:rPr lang="zh-TW" sz="2100" kern="1200">
+            <a:rPr lang="zh-TW" altLang="en-US" sz="2000" kern="1200" dirty="0">
+              <a:solidFill>
+                <a:prstClr val="white"/>
+              </a:solidFill>
               <a:latin typeface="微軟正黑體" panose="020B0604030504040204" pitchFamily="34" charset="-120"/>
               <a:ea typeface="微軟正黑體" panose="020B0604030504040204" pitchFamily="34" charset="-120"/>
+              <a:cs typeface="+mn-cs"/>
             </a:rPr>
-            <a:t>）</a:t>
+            <a:t> 至 </a:t>
           </a:r>
-          <a:endParaRPr lang="en-US" sz="2100" kern="1200">
+          <a:r>
+            <a:rPr lang="en-US" altLang="zh-TW" sz="2000" kern="1200" dirty="0">
+              <a:solidFill>
+                <a:prstClr val="white"/>
+              </a:solidFill>
+              <a:latin typeface="微軟正黑體" panose="020B0604030504040204" pitchFamily="34" charset="-120"/>
+              <a:ea typeface="微軟正黑體" panose="020B0604030504040204" pitchFamily="34" charset="-120"/>
+              <a:cs typeface="+mn-cs"/>
+            </a:rPr>
+            <a:t>darknet</a:t>
+          </a:r>
+          <a:r>
+            <a:rPr lang="zh-TW" altLang="en-US" sz="2000" kern="1200" dirty="0">
+              <a:solidFill>
+                <a:prstClr val="white"/>
+              </a:solidFill>
+              <a:latin typeface="微軟正黑體" panose="020B0604030504040204" pitchFamily="34" charset="-120"/>
+              <a:ea typeface="微軟正黑體" panose="020B0604030504040204" pitchFamily="34" charset="-120"/>
+              <a:cs typeface="+mn-cs"/>
+            </a:rPr>
+            <a:t>資料夾</a:t>
+          </a:r>
+          <a:endParaRPr lang="en-US" sz="2000" kern="1200" dirty="0">
+            <a:solidFill>
+              <a:prstClr val="white"/>
+            </a:solidFill>
             <a:latin typeface="微軟正黑體" panose="020B0604030504040204" pitchFamily="34" charset="-120"/>
             <a:ea typeface="微軟正黑體" panose="020B0604030504040204" pitchFamily="34" charset="-120"/>
+            <a:cs typeface="+mn-cs"/>
           </a:endParaRPr>
         </a:p>
       </dsp:txBody>
       <dsp:txXfrm>
-        <a:off x="533182" y="2011773"/>
-        <a:ext cx="6980356" cy="559396"/>
+        <a:off x="541828" y="2520640"/>
+        <a:ext cx="6963064" cy="719224"/>
       </dsp:txXfrm>
     </dsp:sp>
-    <dsp:sp modelId="{A9B996A6-6299-4A77-A5D3-E2C8B98BDD2B}">
+  </dsp:spTree>
+</dsp:drawing>
+</file>
+
+<file path=ppt/diagrams/drawing2.xml><?xml version="1.0" encoding="utf-8"?>
+<dsp:drawing xmlns:dgm="http://schemas.openxmlformats.org/drawingml/2006/diagram" xmlns:dsp="http://schemas.microsoft.com/office/drawing/2008/diagram" xmlns:a="http://schemas.openxmlformats.org/drawingml/2006/main">
+  <dsp:spTree>
+    <dsp:nvGrpSpPr>
+      <dsp:cNvPr id="0" name=""/>
+      <dsp:cNvGrpSpPr/>
+    </dsp:nvGrpSpPr>
+    <dsp:grpSpPr/>
+    <dsp:sp modelId="{66329D20-AB36-45F7-94C3-5C0E87DDBF24}">
       <dsp:nvSpPr>
         <dsp:cNvPr id="0" name=""/>
         <dsp:cNvSpPr/>
       </dsp:nvSpPr>
       <dsp:spPr>
         <a:xfrm>
-          <a:off x="0" y="3244032"/>
-          <a:ext cx="10058399" cy="529200"/>
+          <a:off x="0" y="394457"/>
+          <a:ext cx="10058399" cy="554400"/>
         </a:xfrm>
         <a:prstGeom prst="rect">
           <a:avLst/>
@@ -2406,15 +3588,15 @@
         <a:fontRef idx="minor"/>
       </dsp:style>
     </dsp:sp>
-    <dsp:sp modelId="{82B4725F-7017-41B0-92B6-6BCBBC693300}">
+    <dsp:sp modelId="{E984A7A2-401F-4B0A-BB0C-24E758D67B80}">
       <dsp:nvSpPr>
         <dsp:cNvPr id="0" name=""/>
         <dsp:cNvSpPr/>
       </dsp:nvSpPr>
       <dsp:spPr>
         <a:xfrm>
-          <a:off x="502920" y="2934072"/>
-          <a:ext cx="7040880" cy="619920"/>
+          <a:off x="502920" y="69737"/>
+          <a:ext cx="7040880" cy="649440"/>
         </a:xfrm>
         <a:prstGeom prst="roundRect">
           <a:avLst/>
@@ -2460,7 +3642,7 @@
         </a:bodyPr>
         <a:lstStyle/>
         <a:p>
-          <a:pPr marL="0" lvl="0" indent="0" algn="l" defTabSz="933450">
+          <a:pPr marL="0" lvl="0" indent="0" algn="l" defTabSz="889000">
             <a:lnSpc>
               <a:spcPct val="90000"/>
             </a:lnSpc>
@@ -2473,49 +3655,345 @@
             <a:buNone/>
           </a:pPr>
           <a:r>
-            <a:rPr lang="zh-TW" sz="2100" kern="1200">
+            <a:rPr lang="en-US" sz="2000" kern="1200" dirty="0">
+              <a:solidFill>
+                <a:prstClr val="white"/>
+              </a:solidFill>
               <a:latin typeface="微軟正黑體" panose="020B0604030504040204" pitchFamily="34" charset="-120"/>
               <a:ea typeface="微軟正黑體" panose="020B0604030504040204" pitchFamily="34" charset="-120"/>
+              <a:cs typeface="+mn-cs"/>
             </a:rPr>
-            <a:t>將</a:t>
+            <a:t>Clone darknet</a:t>
+          </a:r>
+        </a:p>
+      </dsp:txBody>
+      <dsp:txXfrm>
+        <a:off x="534623" y="101440"/>
+        <a:ext cx="6977474" cy="586034"/>
+      </dsp:txXfrm>
+    </dsp:sp>
+    <dsp:sp modelId="{B9CA0570-197D-42FD-A029-470B69160CD8}">
+      <dsp:nvSpPr>
+        <dsp:cNvPr id="0" name=""/>
+        <dsp:cNvSpPr/>
+      </dsp:nvSpPr>
+      <dsp:spPr>
+        <a:xfrm>
+          <a:off x="0" y="1392377"/>
+          <a:ext cx="10058399" cy="554400"/>
+        </a:xfrm>
+        <a:prstGeom prst="rect">
+          <a:avLst/>
+        </a:prstGeom>
+        <a:solidFill>
+          <a:schemeClr val="lt1">
+            <a:alpha val="90000"/>
+            <a:hueOff val="0"/>
+            <a:satOff val="0"/>
+            <a:lumOff val="0"/>
+            <a:alphaOff val="0"/>
+          </a:schemeClr>
+        </a:solidFill>
+        <a:ln w="12700" cap="flat" cmpd="sng" algn="ctr">
+          <a:solidFill>
+            <a:schemeClr val="accent1">
+              <a:hueOff val="0"/>
+              <a:satOff val="0"/>
+              <a:lumOff val="0"/>
+              <a:alphaOff val="0"/>
+            </a:schemeClr>
+          </a:solidFill>
+          <a:prstDash val="solid"/>
+        </a:ln>
+        <a:effectLst/>
+      </dsp:spPr>
+      <dsp:style>
+        <a:lnRef idx="2">
+          <a:scrgbClr r="0" g="0" b="0"/>
+        </a:lnRef>
+        <a:fillRef idx="1">
+          <a:scrgbClr r="0" g="0" b="0"/>
+        </a:fillRef>
+        <a:effectRef idx="0">
+          <a:scrgbClr r="0" g="0" b="0"/>
+        </a:effectRef>
+        <a:fontRef idx="minor"/>
+      </dsp:style>
+    </dsp:sp>
+    <dsp:sp modelId="{6A14ECE3-898F-45D0-9930-B8E74197FF23}">
+      <dsp:nvSpPr>
+        <dsp:cNvPr id="0" name=""/>
+        <dsp:cNvSpPr/>
+      </dsp:nvSpPr>
+      <dsp:spPr>
+        <a:xfrm>
+          <a:off x="502920" y="1067657"/>
+          <a:ext cx="7040880" cy="649440"/>
+        </a:xfrm>
+        <a:prstGeom prst="roundRect">
+          <a:avLst/>
+        </a:prstGeom>
+        <a:solidFill>
+          <a:schemeClr val="accent1">
+            <a:hueOff val="0"/>
+            <a:satOff val="0"/>
+            <a:lumOff val="0"/>
+            <a:alphaOff val="0"/>
+          </a:schemeClr>
+        </a:solidFill>
+        <a:ln w="12700" cap="flat" cmpd="sng" algn="ctr">
+          <a:solidFill>
+            <a:schemeClr val="lt1">
+              <a:hueOff val="0"/>
+              <a:satOff val="0"/>
+              <a:lumOff val="0"/>
+              <a:alphaOff val="0"/>
+            </a:schemeClr>
+          </a:solidFill>
+          <a:prstDash val="solid"/>
+        </a:ln>
+        <a:effectLst/>
+      </dsp:spPr>
+      <dsp:style>
+        <a:lnRef idx="2">
+          <a:scrgbClr r="0" g="0" b="0"/>
+        </a:lnRef>
+        <a:fillRef idx="1">
+          <a:scrgbClr r="0" g="0" b="0"/>
+        </a:fillRef>
+        <a:effectRef idx="0">
+          <a:scrgbClr r="0" g="0" b="0"/>
+        </a:effectRef>
+        <a:fontRef idx="minor">
+          <a:schemeClr val="lt1"/>
+        </a:fontRef>
+      </dsp:style>
+      <dsp:txBody>
+        <a:bodyPr spcFirstLastPara="0" vert="horz" wrap="square" lIns="266129" tIns="0" rIns="266129" bIns="0" numCol="1" spcCol="1270" anchor="ctr" anchorCtr="0">
+          <a:noAutofit/>
+        </a:bodyPr>
+        <a:lstStyle/>
+        <a:p>
+          <a:pPr marL="0" lvl="0" indent="0" algn="l" defTabSz="889000">
+            <a:lnSpc>
+              <a:spcPct val="90000"/>
+            </a:lnSpc>
+            <a:spcBef>
+              <a:spcPct val="0"/>
+            </a:spcBef>
+            <a:spcAft>
+              <a:spcPct val="35000"/>
+            </a:spcAft>
+            <a:buNone/>
+          </a:pPr>
+          <a:r>
+            <a:rPr lang="zh-TW" altLang="en-US" sz="2000" kern="1200" dirty="0">
+              <a:solidFill>
+                <a:prstClr val="white"/>
+              </a:solidFill>
+              <a:latin typeface="微軟正黑體" panose="020B0604030504040204" pitchFamily="34" charset="-120"/>
+              <a:ea typeface="微軟正黑體" panose="020B0604030504040204" pitchFamily="34" charset="-120"/>
+              <a:cs typeface="+mn-cs"/>
+            </a:rPr>
+            <a:t>修改 </a:t>
           </a:r>
           <a:r>
-            <a:rPr lang="en-US" sz="2100" kern="1200">
+            <a:rPr lang="en-US" sz="2000" kern="1200" dirty="0" err="1">
+              <a:solidFill>
+                <a:prstClr val="white"/>
+              </a:solidFill>
               <a:latin typeface="微軟正黑體" panose="020B0604030504040204" pitchFamily="34" charset="-120"/>
               <a:ea typeface="微軟正黑體" panose="020B0604030504040204" pitchFamily="34" charset="-120"/>
+              <a:cs typeface="+mn-cs"/>
             </a:rPr>
-            <a:t>helmet1.mp4</a:t>
+            <a:t>Makefile</a:t>
           </a:r>
           <a:r>
-            <a:rPr lang="zh-TW" sz="2100" kern="1200">
+            <a:rPr lang="zh-TW" altLang="en-US" sz="2000" kern="1200" dirty="0">
+              <a:solidFill>
+                <a:prstClr val="white"/>
+              </a:solidFill>
               <a:latin typeface="微軟正黑體" panose="020B0604030504040204" pitchFamily="34" charset="-120"/>
               <a:ea typeface="微軟正黑體" panose="020B0604030504040204" pitchFamily="34" charset="-120"/>
+              <a:cs typeface="+mn-cs"/>
             </a:rPr>
-            <a:t>複製到與</a:t>
+            <a:t> 的參數值</a:t>
           </a:r>
-          <a:r>
-            <a:rPr lang="en-US" sz="2100" kern="1200">
-              <a:latin typeface="微軟正黑體" panose="020B0604030504040204" pitchFamily="34" charset="-120"/>
-              <a:ea typeface="微軟正黑體" panose="020B0604030504040204" pitchFamily="34" charset="-120"/>
-            </a:rPr>
-            <a:t>video_clip.py</a:t>
-          </a:r>
-          <a:r>
-            <a:rPr lang="zh-TW" sz="2100" kern="1200">
-              <a:latin typeface="微軟正黑體" panose="020B0604030504040204" pitchFamily="34" charset="-120"/>
-              <a:ea typeface="微軟正黑體" panose="020B0604030504040204" pitchFamily="34" charset="-120"/>
-            </a:rPr>
-            <a:t>同層資料夾內</a:t>
-          </a:r>
-          <a:endParaRPr lang="en-US" sz="2100" kern="1200">
+          <a:endParaRPr lang="en-US" sz="2000" kern="1200" dirty="0">
+            <a:solidFill>
+              <a:prstClr val="white"/>
+            </a:solidFill>
             <a:latin typeface="微軟正黑體" panose="020B0604030504040204" pitchFamily="34" charset="-120"/>
             <a:ea typeface="微軟正黑體" panose="020B0604030504040204" pitchFamily="34" charset="-120"/>
+            <a:cs typeface="+mn-cs"/>
           </a:endParaRPr>
         </a:p>
       </dsp:txBody>
       <dsp:txXfrm>
-        <a:off x="533182" y="2964334"/>
-        <a:ext cx="6980356" cy="559396"/>
+        <a:off x="534623" y="1099360"/>
+        <a:ext cx="6977474" cy="586034"/>
+      </dsp:txXfrm>
+    </dsp:sp>
+    <dsp:sp modelId="{E0DE1033-0AD7-4774-95A3-0841B02550FC}">
+      <dsp:nvSpPr>
+        <dsp:cNvPr id="0" name=""/>
+        <dsp:cNvSpPr/>
+      </dsp:nvSpPr>
+      <dsp:spPr>
+        <a:xfrm>
+          <a:off x="0" y="2390297"/>
+          <a:ext cx="10058399" cy="1132910"/>
+        </a:xfrm>
+        <a:prstGeom prst="rect">
+          <a:avLst/>
+        </a:prstGeom>
+        <a:solidFill>
+          <a:schemeClr val="lt1">
+            <a:alpha val="90000"/>
+            <a:hueOff val="0"/>
+            <a:satOff val="0"/>
+            <a:lumOff val="0"/>
+            <a:alphaOff val="0"/>
+          </a:schemeClr>
+        </a:solidFill>
+        <a:ln w="12700" cap="flat" cmpd="sng" algn="ctr">
+          <a:solidFill>
+            <a:schemeClr val="accent1">
+              <a:hueOff val="0"/>
+              <a:satOff val="0"/>
+              <a:lumOff val="0"/>
+              <a:alphaOff val="0"/>
+            </a:schemeClr>
+          </a:solidFill>
+          <a:prstDash val="solid"/>
+        </a:ln>
+        <a:effectLst/>
+      </dsp:spPr>
+      <dsp:style>
+        <a:lnRef idx="2">
+          <a:scrgbClr r="0" g="0" b="0"/>
+        </a:lnRef>
+        <a:fillRef idx="1">
+          <a:scrgbClr r="0" g="0" b="0"/>
+        </a:fillRef>
+        <a:effectRef idx="0">
+          <a:scrgbClr r="0" g="0" b="0"/>
+        </a:effectRef>
+        <a:fontRef idx="minor"/>
+      </dsp:style>
+    </dsp:sp>
+    <dsp:sp modelId="{0784FBFD-BDF7-42A3-8877-8C2567C5A009}">
+      <dsp:nvSpPr>
+        <dsp:cNvPr id="0" name=""/>
+        <dsp:cNvSpPr/>
+      </dsp:nvSpPr>
+      <dsp:spPr>
+        <a:xfrm>
+          <a:off x="502920" y="2065577"/>
+          <a:ext cx="7040880" cy="649440"/>
+        </a:xfrm>
+        <a:prstGeom prst="roundRect">
+          <a:avLst/>
+        </a:prstGeom>
+        <a:solidFill>
+          <a:schemeClr val="accent1">
+            <a:hueOff val="0"/>
+            <a:satOff val="0"/>
+            <a:lumOff val="0"/>
+            <a:alphaOff val="0"/>
+          </a:schemeClr>
+        </a:solidFill>
+        <a:ln w="12700" cap="flat" cmpd="sng" algn="ctr">
+          <a:solidFill>
+            <a:schemeClr val="lt1">
+              <a:hueOff val="0"/>
+              <a:satOff val="0"/>
+              <a:lumOff val="0"/>
+              <a:alphaOff val="0"/>
+            </a:schemeClr>
+          </a:solidFill>
+          <a:prstDash val="solid"/>
+        </a:ln>
+        <a:effectLst/>
+      </dsp:spPr>
+      <dsp:style>
+        <a:lnRef idx="2">
+          <a:scrgbClr r="0" g="0" b="0"/>
+        </a:lnRef>
+        <a:fillRef idx="1">
+          <a:scrgbClr r="0" g="0" b="0"/>
+        </a:fillRef>
+        <a:effectRef idx="0">
+          <a:scrgbClr r="0" g="0" b="0"/>
+        </a:effectRef>
+        <a:fontRef idx="minor">
+          <a:schemeClr val="lt1"/>
+        </a:fontRef>
+      </dsp:style>
+      <dsp:txBody>
+        <a:bodyPr spcFirstLastPara="0" vert="horz" wrap="square" lIns="266129" tIns="0" rIns="266129" bIns="0" numCol="1" spcCol="1270" anchor="ctr" anchorCtr="0">
+          <a:noAutofit/>
+        </a:bodyPr>
+        <a:lstStyle/>
+        <a:p>
+          <a:pPr marL="0" lvl="0" indent="0" algn="l" defTabSz="889000">
+            <a:lnSpc>
+              <a:spcPct val="90000"/>
+            </a:lnSpc>
+            <a:spcBef>
+              <a:spcPct val="0"/>
+            </a:spcBef>
+            <a:spcAft>
+              <a:spcPct val="35000"/>
+            </a:spcAft>
+            <a:buNone/>
+          </a:pPr>
+          <a:r>
+            <a:rPr lang="zh-TW" altLang="en-US" sz="2000" kern="1200" dirty="0">
+              <a:solidFill>
+                <a:prstClr val="white"/>
+              </a:solidFill>
+              <a:latin typeface="微軟正黑體" panose="020B0604030504040204" pitchFamily="34" charset="-120"/>
+              <a:ea typeface="微軟正黑體" panose="020B0604030504040204" pitchFamily="34" charset="-120"/>
+              <a:cs typeface="+mn-cs"/>
+            </a:rPr>
+            <a:t>下載 </a:t>
+          </a:r>
+          <a:r>
+            <a:rPr lang="en-US" sz="2000" kern="1200" dirty="0">
+              <a:solidFill>
+                <a:prstClr val="white"/>
+              </a:solidFill>
+              <a:latin typeface="微軟正黑體" panose="020B0604030504040204" pitchFamily="34" charset="-120"/>
+              <a:ea typeface="微軟正黑體" panose="020B0604030504040204" pitchFamily="34" charset="-120"/>
+              <a:cs typeface="+mn-cs"/>
+            </a:rPr>
+            <a:t>YOLOv4 </a:t>
+          </a:r>
+          <a:r>
+            <a:rPr lang="zh-TW" sz="2000" kern="1200" dirty="0">
+              <a:solidFill>
+                <a:prstClr val="white"/>
+              </a:solidFill>
+              <a:latin typeface="微軟正黑體" panose="020B0604030504040204" pitchFamily="34" charset="-120"/>
+              <a:ea typeface="微軟正黑體" panose="020B0604030504040204" pitchFamily="34" charset="-120"/>
+              <a:cs typeface="+mn-cs"/>
+            </a:rPr>
+            <a:t>預訓練權重和測試權重檔</a:t>
+          </a:r>
+          <a:endParaRPr lang="en-US" sz="2000" kern="1200" dirty="0">
+            <a:solidFill>
+              <a:prstClr val="white"/>
+            </a:solidFill>
+            <a:latin typeface="微軟正黑體" panose="020B0604030504040204" pitchFamily="34" charset="-120"/>
+            <a:ea typeface="微軟正黑體" panose="020B0604030504040204" pitchFamily="34" charset="-120"/>
+            <a:cs typeface="+mn-cs"/>
+          </a:endParaRPr>
+        </a:p>
+      </dsp:txBody>
+      <dsp:txXfrm>
+        <a:off x="534623" y="2097280"/>
+        <a:ext cx="6977474" cy="586034"/>
       </dsp:txXfrm>
     </dsp:sp>
   </dsp:spTree>
@@ -2523,6 +4001,231 @@
 </file>
 
 <file path=ppt/diagrams/layout1.xml><?xml version="1.0" encoding="utf-8"?>
+<dgm:layoutDef xmlns:dgm="http://schemas.openxmlformats.org/drawingml/2006/diagram" xmlns:a="http://schemas.openxmlformats.org/drawingml/2006/main" uniqueId="urn:microsoft.com/office/officeart/2005/8/layout/list1">
+  <dgm:title val=""/>
+  <dgm:desc val=""/>
+  <dgm:catLst>
+    <dgm:cat type="list" pri="4000"/>
+  </dgm:catLst>
+  <dgm:sampData>
+    <dgm:dataModel>
+      <dgm:ptLst>
+        <dgm:pt modelId="0" type="doc"/>
+        <dgm:pt modelId="1">
+          <dgm:prSet phldr="1"/>
+        </dgm:pt>
+        <dgm:pt modelId="2">
+          <dgm:prSet phldr="1"/>
+        </dgm:pt>
+        <dgm:pt modelId="3">
+          <dgm:prSet phldr="1"/>
+        </dgm:pt>
+      </dgm:ptLst>
+      <dgm:cxnLst>
+        <dgm:cxn modelId="4" srcId="0" destId="1" srcOrd="0" destOrd="0"/>
+        <dgm:cxn modelId="5" srcId="0" destId="2" srcOrd="1" destOrd="0"/>
+        <dgm:cxn modelId="6" srcId="0" destId="3" srcOrd="2" destOrd="0"/>
+      </dgm:cxnLst>
+      <dgm:bg/>
+      <dgm:whole/>
+    </dgm:dataModel>
+  </dgm:sampData>
+  <dgm:styleData>
+    <dgm:dataModel>
+      <dgm:ptLst>
+        <dgm:pt modelId="0" type="doc"/>
+        <dgm:pt modelId="1"/>
+        <dgm:pt modelId="2"/>
+      </dgm:ptLst>
+      <dgm:cxnLst>
+        <dgm:cxn modelId="4" srcId="0" destId="1" srcOrd="0" destOrd="0"/>
+        <dgm:cxn modelId="5" srcId="0" destId="2" srcOrd="1" destOrd="0"/>
+      </dgm:cxnLst>
+      <dgm:bg/>
+      <dgm:whole/>
+    </dgm:dataModel>
+  </dgm:styleData>
+  <dgm:clrData>
+    <dgm:dataModel>
+      <dgm:ptLst>
+        <dgm:pt modelId="0" type="doc"/>
+        <dgm:pt modelId="1"/>
+        <dgm:pt modelId="2"/>
+        <dgm:pt modelId="3"/>
+        <dgm:pt modelId="4"/>
+      </dgm:ptLst>
+      <dgm:cxnLst>
+        <dgm:cxn modelId="5" srcId="0" destId="1" srcOrd="0" destOrd="0"/>
+        <dgm:cxn modelId="6" srcId="0" destId="2" srcOrd="1" destOrd="0"/>
+        <dgm:cxn modelId="7" srcId="0" destId="3" srcOrd="2" destOrd="0"/>
+        <dgm:cxn modelId="8" srcId="0" destId="4" srcOrd="3" destOrd="0"/>
+      </dgm:cxnLst>
+      <dgm:bg/>
+      <dgm:whole/>
+    </dgm:dataModel>
+  </dgm:clrData>
+  <dgm:layoutNode name="linear">
+    <dgm:varLst>
+      <dgm:dir/>
+      <dgm:animLvl val="lvl"/>
+      <dgm:resizeHandles val="exact"/>
+    </dgm:varLst>
+    <dgm:choose name="Name0">
+      <dgm:if name="Name1" func="var" arg="dir" op="equ" val="norm">
+        <dgm:alg type="lin">
+          <dgm:param type="linDir" val="fromT"/>
+          <dgm:param type="vertAlign" val="mid"/>
+          <dgm:param type="horzAlign" val="l"/>
+          <dgm:param type="nodeHorzAlign" val="l"/>
+        </dgm:alg>
+      </dgm:if>
+      <dgm:else name="Name2">
+        <dgm:alg type="lin">
+          <dgm:param type="linDir" val="fromT"/>
+          <dgm:param type="vertAlign" val="mid"/>
+          <dgm:param type="horzAlign" val="r"/>
+          <dgm:param type="nodeHorzAlign" val="r"/>
+        </dgm:alg>
+      </dgm:else>
+    </dgm:choose>
+    <dgm:shape xmlns:r="http://schemas.openxmlformats.org/officeDocument/2006/relationships" r:blip="">
+      <dgm:adjLst/>
+    </dgm:shape>
+    <dgm:presOf/>
+    <dgm:constrLst>
+      <dgm:constr type="w" for="ch" forName="parentLin" refType="w"/>
+      <dgm:constr type="h" for="ch" forName="parentLin" val="INF"/>
+      <dgm:constr type="w" for="des" forName="parentLeftMargin" refType="w" fact="0.05"/>
+      <dgm:constr type="w" for="des" forName="parentText" refType="w" fact="0.7"/>
+      <dgm:constr type="h" for="des" forName="parentText" refType="primFontSz" refFor="des" refForName="parentText" fact="0.82"/>
+      <dgm:constr type="h" for="ch" forName="negativeSpace" refType="primFontSz" refFor="des" refForName="parentText" fact="-0.41"/>
+      <dgm:constr type="h" for="ch" forName="negativeSpace" refType="h" refFor="des" refForName="parentText" op="lte" fact="-0.82"/>
+      <dgm:constr type="h" for="ch" forName="negativeSpace" refType="h" refFor="des" refForName="parentText" op="gte" fact="-0.82"/>
+      <dgm:constr type="w" for="ch" forName="childText" refType="w"/>
+      <dgm:constr type="h" for="ch" forName="childText" refType="primFontSz" refFor="des" refForName="parentText" fact="0.7"/>
+      <dgm:constr type="primFontSz" for="des" forName="parentText" val="65"/>
+      <dgm:constr type="primFontSz" for="ch" forName="childText" refType="primFontSz" refFor="des" refForName="parentText"/>
+      <dgm:constr type="tMarg" for="ch" forName="childText" refType="primFontSz" refFor="des" refForName="parentText" fact="1.64"/>
+      <dgm:constr type="tMarg" for="ch" forName="childText" refType="h" refFor="des" refForName="parentText" op="lte" fact="3.28"/>
+      <dgm:constr type="tMarg" for="ch" forName="childText" refType="h" refFor="des" refForName="parentText" op="gte" fact="3.28"/>
+      <dgm:constr type="lMarg" for="ch" forName="childText" refType="w" fact="0.22"/>
+      <dgm:constr type="rMarg" for="ch" forName="childText" refType="lMarg" refFor="ch" refForName="childText"/>
+      <dgm:constr type="lMarg" for="des" forName="parentText" refType="w" fact="0.075"/>
+      <dgm:constr type="rMarg" for="des" forName="parentText" refType="lMarg" refFor="des" refForName="parentText"/>
+      <dgm:constr type="h" for="ch" forName="spaceBetweenRectangles" refType="primFontSz" refFor="des" refForName="parentText" fact="0.15"/>
+    </dgm:constrLst>
+    <dgm:ruleLst>
+      <dgm:rule type="primFontSz" for="des" forName="parentText" val="5" fact="NaN" max="NaN"/>
+    </dgm:ruleLst>
+    <dgm:forEach name="Name3" axis="ch" ptType="node">
+      <dgm:layoutNode name="parentLin">
+        <dgm:choose name="Name4">
+          <dgm:if name="Name5" func="var" arg="dir" op="equ" val="norm">
+            <dgm:alg type="lin">
+              <dgm:param type="linDir" val="fromL"/>
+              <dgm:param type="horzAlign" val="l"/>
+              <dgm:param type="nodeHorzAlign" val="l"/>
+            </dgm:alg>
+          </dgm:if>
+          <dgm:else name="Name6">
+            <dgm:alg type="lin">
+              <dgm:param type="linDir" val="fromR"/>
+              <dgm:param type="horzAlign" val="r"/>
+              <dgm:param type="nodeHorzAlign" val="r"/>
+            </dgm:alg>
+          </dgm:else>
+        </dgm:choose>
+        <dgm:shape xmlns:r="http://schemas.openxmlformats.org/officeDocument/2006/relationships" r:blip="">
+          <dgm:adjLst/>
+        </dgm:shape>
+        <dgm:presOf/>
+        <dgm:constrLst/>
+        <dgm:ruleLst/>
+        <dgm:layoutNode name="parentLeftMargin">
+          <dgm:alg type="sp"/>
+          <dgm:shape xmlns:r="http://schemas.openxmlformats.org/officeDocument/2006/relationships" type="rect" r:blip="" hideGeom="1">
+            <dgm:adjLst/>
+          </dgm:shape>
+          <dgm:presOf axis="self"/>
+          <dgm:constrLst>
+            <dgm:constr type="h"/>
+          </dgm:constrLst>
+          <dgm:ruleLst/>
+        </dgm:layoutNode>
+        <dgm:layoutNode name="parentText" styleLbl="node1">
+          <dgm:varLst>
+            <dgm:chMax val="0"/>
+            <dgm:bulletEnabled val="1"/>
+          </dgm:varLst>
+          <dgm:choose name="Name7">
+            <dgm:if name="Name8" func="var" arg="dir" op="equ" val="norm">
+              <dgm:alg type="tx">
+                <dgm:param type="parTxLTRAlign" val="l"/>
+                <dgm:param type="parTxRTLAlign" val="l"/>
+              </dgm:alg>
+            </dgm:if>
+            <dgm:else name="Name9">
+              <dgm:alg type="tx">
+                <dgm:param type="parTxLTRAlign" val="r"/>
+                <dgm:param type="parTxRTLAlign" val="r"/>
+              </dgm:alg>
+            </dgm:else>
+          </dgm:choose>
+          <dgm:shape xmlns:r="http://schemas.openxmlformats.org/officeDocument/2006/relationships" type="roundRect" r:blip="">
+            <dgm:adjLst/>
+          </dgm:shape>
+          <dgm:presOf axis="self" ptType="node"/>
+          <dgm:constrLst>
+            <dgm:constr type="tMarg"/>
+            <dgm:constr type="bMarg"/>
+          </dgm:constrLst>
+          <dgm:ruleLst/>
+        </dgm:layoutNode>
+      </dgm:layoutNode>
+      <dgm:layoutNode name="negativeSpace">
+        <dgm:alg type="sp"/>
+        <dgm:shape xmlns:r="http://schemas.openxmlformats.org/officeDocument/2006/relationships" r:blip="">
+          <dgm:adjLst/>
+        </dgm:shape>
+        <dgm:presOf/>
+        <dgm:constrLst/>
+        <dgm:ruleLst/>
+      </dgm:layoutNode>
+      <dgm:layoutNode name="childText" styleLbl="conFgAcc1">
+        <dgm:varLst>
+          <dgm:bulletEnabled val="1"/>
+        </dgm:varLst>
+        <dgm:alg type="tx">
+          <dgm:param type="stBulletLvl" val="1"/>
+        </dgm:alg>
+        <dgm:shape xmlns:r="http://schemas.openxmlformats.org/officeDocument/2006/relationships" type="rect" r:blip="" zOrderOff="-2">
+          <dgm:adjLst/>
+        </dgm:shape>
+        <dgm:presOf axis="des" ptType="node"/>
+        <dgm:constrLst>
+          <dgm:constr type="secFontSz" refType="primFontSz"/>
+        </dgm:constrLst>
+        <dgm:ruleLst>
+          <dgm:rule type="h" val="INF" fact="NaN" max="NaN"/>
+        </dgm:ruleLst>
+      </dgm:layoutNode>
+      <dgm:forEach name="Name10" axis="followSib" ptType="sibTrans" cnt="1">
+        <dgm:layoutNode name="spaceBetweenRectangles">
+          <dgm:alg type="sp"/>
+          <dgm:shape xmlns:r="http://schemas.openxmlformats.org/officeDocument/2006/relationships" r:blip="">
+            <dgm:adjLst/>
+          </dgm:shape>
+          <dgm:presOf/>
+          <dgm:constrLst/>
+          <dgm:ruleLst/>
+        </dgm:layoutNode>
+      </dgm:forEach>
+    </dgm:forEach>
+  </dgm:layoutNode>
+</dgm:layoutDef>
+</file>
+
+<file path=ppt/diagrams/layout2.xml><?xml version="1.0" encoding="utf-8"?>
 <dgm:layoutDef xmlns:dgm="http://schemas.openxmlformats.org/drawingml/2006/diagram" xmlns:a="http://schemas.openxmlformats.org/drawingml/2006/main" uniqueId="urn:microsoft.com/office/officeart/2005/8/layout/list1">
   <dgm:title val=""/>
   <dgm:desc val=""/>
@@ -3781,6 +5484,1040 @@
 </dgm:styleDef>
 </file>
 
+<file path=ppt/diagrams/quickStyle2.xml><?xml version="1.0" encoding="utf-8"?>
+<dgm:styleDef xmlns:dgm="http://schemas.openxmlformats.org/drawingml/2006/diagram" xmlns:a="http://schemas.openxmlformats.org/drawingml/2006/main" uniqueId="urn:microsoft.com/office/officeart/2005/8/quickstyle/simple1">
+  <dgm:title val=""/>
+  <dgm:desc val=""/>
+  <dgm:catLst>
+    <dgm:cat type="simple" pri="10100"/>
+  </dgm:catLst>
+  <dgm:scene3d>
+    <a:camera prst="orthographicFront"/>
+    <a:lightRig rig="threePt" dir="t"/>
+  </dgm:scene3d>
+  <dgm:styleLbl name="node0">
+    <dgm:scene3d>
+      <a:camera prst="orthographicFront"/>
+      <a:lightRig rig="threePt" dir="t"/>
+    </dgm:scene3d>
+    <dgm:sp3d/>
+    <dgm:txPr/>
+    <dgm:style>
+      <a:lnRef idx="2">
+        <a:scrgbClr r="0" g="0" b="0"/>
+      </a:lnRef>
+      <a:fillRef idx="1">
+        <a:scrgbClr r="0" g="0" b="0"/>
+      </a:fillRef>
+      <a:effectRef idx="0">
+        <a:scrgbClr r="0" g="0" b="0"/>
+      </a:effectRef>
+      <a:fontRef idx="minor">
+        <a:schemeClr val="lt1"/>
+      </a:fontRef>
+    </dgm:style>
+  </dgm:styleLbl>
+  <dgm:styleLbl name="lnNode1">
+    <dgm:scene3d>
+      <a:camera prst="orthographicFront"/>
+      <a:lightRig rig="threePt" dir="t"/>
+    </dgm:scene3d>
+    <dgm:sp3d/>
+    <dgm:txPr/>
+    <dgm:style>
+      <a:lnRef idx="2">
+        <a:scrgbClr r="0" g="0" b="0"/>
+      </a:lnRef>
+      <a:fillRef idx="1">
+        <a:scrgbClr r="0" g="0" b="0"/>
+      </a:fillRef>
+      <a:effectRef idx="0">
+        <a:scrgbClr r="0" g="0" b="0"/>
+      </a:effectRef>
+      <a:fontRef idx="minor">
+        <a:schemeClr val="lt1"/>
+      </a:fontRef>
+    </dgm:style>
+  </dgm:styleLbl>
+  <dgm:styleLbl name="vennNode1">
+    <dgm:scene3d>
+      <a:camera prst="orthographicFront"/>
+      <a:lightRig rig="threePt" dir="t"/>
+    </dgm:scene3d>
+    <dgm:sp3d/>
+    <dgm:txPr/>
+    <dgm:style>
+      <a:lnRef idx="2">
+        <a:scrgbClr r="0" g="0" b="0"/>
+      </a:lnRef>
+      <a:fillRef idx="1">
+        <a:scrgbClr r="0" g="0" b="0"/>
+      </a:fillRef>
+      <a:effectRef idx="0">
+        <a:scrgbClr r="0" g="0" b="0"/>
+      </a:effectRef>
+      <a:fontRef idx="minor">
+        <a:schemeClr val="tx1"/>
+      </a:fontRef>
+    </dgm:style>
+  </dgm:styleLbl>
+  <dgm:styleLbl name="alignNode1">
+    <dgm:scene3d>
+      <a:camera prst="orthographicFront"/>
+      <a:lightRig rig="threePt" dir="t"/>
+    </dgm:scene3d>
+    <dgm:sp3d/>
+    <dgm:txPr/>
+    <dgm:style>
+      <a:lnRef idx="2">
+        <a:scrgbClr r="0" g="0" b="0"/>
+      </a:lnRef>
+      <a:fillRef idx="1">
+        <a:scrgbClr r="0" g="0" b="0"/>
+      </a:fillRef>
+      <a:effectRef idx="0">
+        <a:scrgbClr r="0" g="0" b="0"/>
+      </a:effectRef>
+      <a:fontRef idx="minor">
+        <a:schemeClr val="lt1"/>
+      </a:fontRef>
+    </dgm:style>
+  </dgm:styleLbl>
+  <dgm:styleLbl name="node1">
+    <dgm:scene3d>
+      <a:camera prst="orthographicFront"/>
+      <a:lightRig rig="threePt" dir="t"/>
+    </dgm:scene3d>
+    <dgm:sp3d/>
+    <dgm:txPr/>
+    <dgm:style>
+      <a:lnRef idx="2">
+        <a:scrgbClr r="0" g="0" b="0"/>
+      </a:lnRef>
+      <a:fillRef idx="1">
+        <a:scrgbClr r="0" g="0" b="0"/>
+      </a:fillRef>
+      <a:effectRef idx="0">
+        <a:scrgbClr r="0" g="0" b="0"/>
+      </a:effectRef>
+      <a:fontRef idx="minor">
+        <a:schemeClr val="lt1"/>
+      </a:fontRef>
+    </dgm:style>
+  </dgm:styleLbl>
+  <dgm:styleLbl name="node2">
+    <dgm:scene3d>
+      <a:camera prst="orthographicFront"/>
+      <a:lightRig rig="threePt" dir="t"/>
+    </dgm:scene3d>
+    <dgm:sp3d/>
+    <dgm:txPr/>
+    <dgm:style>
+      <a:lnRef idx="2">
+        <a:scrgbClr r="0" g="0" b="0"/>
+      </a:lnRef>
+      <a:fillRef idx="1">
+        <a:scrgbClr r="0" g="0" b="0"/>
+      </a:fillRef>
+      <a:effectRef idx="0">
+        <a:scrgbClr r="0" g="0" b="0"/>
+      </a:effectRef>
+      <a:fontRef idx="minor">
+        <a:schemeClr val="lt1"/>
+      </a:fontRef>
+    </dgm:style>
+  </dgm:styleLbl>
+  <dgm:styleLbl name="node3">
+    <dgm:scene3d>
+      <a:camera prst="orthographicFront"/>
+      <a:lightRig rig="threePt" dir="t"/>
+    </dgm:scene3d>
+    <dgm:sp3d/>
+    <dgm:txPr/>
+    <dgm:style>
+      <a:lnRef idx="2">
+        <a:scrgbClr r="0" g="0" b="0"/>
+      </a:lnRef>
+      <a:fillRef idx="1">
+        <a:scrgbClr r="0" g="0" b="0"/>
+      </a:fillRef>
+      <a:effectRef idx="0">
+        <a:scrgbClr r="0" g="0" b="0"/>
+      </a:effectRef>
+      <a:fontRef idx="minor">
+        <a:schemeClr val="lt1"/>
+      </a:fontRef>
+    </dgm:style>
+  </dgm:styleLbl>
+  <dgm:styleLbl name="node4">
+    <dgm:scene3d>
+      <a:camera prst="orthographicFront"/>
+      <a:lightRig rig="threePt" dir="t"/>
+    </dgm:scene3d>
+    <dgm:sp3d/>
+    <dgm:txPr/>
+    <dgm:style>
+      <a:lnRef idx="2">
+        <a:scrgbClr r="0" g="0" b="0"/>
+      </a:lnRef>
+      <a:fillRef idx="1">
+        <a:scrgbClr r="0" g="0" b="0"/>
+      </a:fillRef>
+      <a:effectRef idx="0">
+        <a:scrgbClr r="0" g="0" b="0"/>
+      </a:effectRef>
+      <a:fontRef idx="minor">
+        <a:schemeClr val="lt1"/>
+      </a:fontRef>
+    </dgm:style>
+  </dgm:styleLbl>
+  <dgm:styleLbl name="fgImgPlace1">
+    <dgm:scene3d>
+      <a:camera prst="orthographicFront"/>
+      <a:lightRig rig="threePt" dir="t"/>
+    </dgm:scene3d>
+    <dgm:sp3d/>
+    <dgm:txPr/>
+    <dgm:style>
+      <a:lnRef idx="2">
+        <a:scrgbClr r="0" g="0" b="0"/>
+      </a:lnRef>
+      <a:fillRef idx="1">
+        <a:scrgbClr r="0" g="0" b="0"/>
+      </a:fillRef>
+      <a:effectRef idx="0">
+        <a:scrgbClr r="0" g="0" b="0"/>
+      </a:effectRef>
+      <a:fontRef idx="minor"/>
+    </dgm:style>
+  </dgm:styleLbl>
+  <dgm:styleLbl name="alignImgPlace1">
+    <dgm:scene3d>
+      <a:camera prst="orthographicFront"/>
+      <a:lightRig rig="threePt" dir="t"/>
+    </dgm:scene3d>
+    <dgm:sp3d/>
+    <dgm:txPr/>
+    <dgm:style>
+      <a:lnRef idx="2">
+        <a:scrgbClr r="0" g="0" b="0"/>
+      </a:lnRef>
+      <a:fillRef idx="1">
+        <a:scrgbClr r="0" g="0" b="0"/>
+      </a:fillRef>
+      <a:effectRef idx="0">
+        <a:scrgbClr r="0" g="0" b="0"/>
+      </a:effectRef>
+      <a:fontRef idx="minor"/>
+    </dgm:style>
+  </dgm:styleLbl>
+  <dgm:styleLbl name="bgImgPlace1">
+    <dgm:scene3d>
+      <a:camera prst="orthographicFront"/>
+      <a:lightRig rig="threePt" dir="t"/>
+    </dgm:scene3d>
+    <dgm:sp3d/>
+    <dgm:txPr/>
+    <dgm:style>
+      <a:lnRef idx="2">
+        <a:scrgbClr r="0" g="0" b="0"/>
+      </a:lnRef>
+      <a:fillRef idx="1">
+        <a:scrgbClr r="0" g="0" b="0"/>
+      </a:fillRef>
+      <a:effectRef idx="0">
+        <a:scrgbClr r="0" g="0" b="0"/>
+      </a:effectRef>
+      <a:fontRef idx="minor"/>
+    </dgm:style>
+  </dgm:styleLbl>
+  <dgm:styleLbl name="sibTrans2D1">
+    <dgm:scene3d>
+      <a:camera prst="orthographicFront"/>
+      <a:lightRig rig="threePt" dir="t"/>
+    </dgm:scene3d>
+    <dgm:sp3d/>
+    <dgm:txPr/>
+    <dgm:style>
+      <a:lnRef idx="0">
+        <a:scrgbClr r="0" g="0" b="0"/>
+      </a:lnRef>
+      <a:fillRef idx="1">
+        <a:scrgbClr r="0" g="0" b="0"/>
+      </a:fillRef>
+      <a:effectRef idx="0">
+        <a:scrgbClr r="0" g="0" b="0"/>
+      </a:effectRef>
+      <a:fontRef idx="minor">
+        <a:schemeClr val="lt1"/>
+      </a:fontRef>
+    </dgm:style>
+  </dgm:styleLbl>
+  <dgm:styleLbl name="fgSibTrans2D1">
+    <dgm:scene3d>
+      <a:camera prst="orthographicFront"/>
+      <a:lightRig rig="threePt" dir="t"/>
+    </dgm:scene3d>
+    <dgm:sp3d/>
+    <dgm:txPr/>
+    <dgm:style>
+      <a:lnRef idx="0">
+        <a:scrgbClr r="0" g="0" b="0"/>
+      </a:lnRef>
+      <a:fillRef idx="1">
+        <a:scrgbClr r="0" g="0" b="0"/>
+      </a:fillRef>
+      <a:effectRef idx="0">
+        <a:scrgbClr r="0" g="0" b="0"/>
+      </a:effectRef>
+      <a:fontRef idx="minor">
+        <a:schemeClr val="lt1"/>
+      </a:fontRef>
+    </dgm:style>
+  </dgm:styleLbl>
+  <dgm:styleLbl name="bgSibTrans2D1">
+    <dgm:scene3d>
+      <a:camera prst="orthographicFront"/>
+      <a:lightRig rig="threePt" dir="t"/>
+    </dgm:scene3d>
+    <dgm:sp3d/>
+    <dgm:txPr/>
+    <dgm:style>
+      <a:lnRef idx="0">
+        <a:scrgbClr r="0" g="0" b="0"/>
+      </a:lnRef>
+      <a:fillRef idx="1">
+        <a:scrgbClr r="0" g="0" b="0"/>
+      </a:fillRef>
+      <a:effectRef idx="0">
+        <a:scrgbClr r="0" g="0" b="0"/>
+      </a:effectRef>
+      <a:fontRef idx="minor">
+        <a:schemeClr val="lt1"/>
+      </a:fontRef>
+    </dgm:style>
+  </dgm:styleLbl>
+  <dgm:styleLbl name="sibTrans1D1">
+    <dgm:scene3d>
+      <a:camera prst="orthographicFront"/>
+      <a:lightRig rig="threePt" dir="t"/>
+    </dgm:scene3d>
+    <dgm:sp3d/>
+    <dgm:txPr/>
+    <dgm:style>
+      <a:lnRef idx="1">
+        <a:scrgbClr r="0" g="0" b="0"/>
+      </a:lnRef>
+      <a:fillRef idx="0">
+        <a:scrgbClr r="0" g="0" b="0"/>
+      </a:fillRef>
+      <a:effectRef idx="0">
+        <a:scrgbClr r="0" g="0" b="0"/>
+      </a:effectRef>
+      <a:fontRef idx="minor"/>
+    </dgm:style>
+  </dgm:styleLbl>
+  <dgm:styleLbl name="callout">
+    <dgm:scene3d>
+      <a:camera prst="orthographicFront"/>
+      <a:lightRig rig="threePt" dir="t"/>
+    </dgm:scene3d>
+    <dgm:sp3d/>
+    <dgm:txPr/>
+    <dgm:style>
+      <a:lnRef idx="2">
+        <a:scrgbClr r="0" g="0" b="0"/>
+      </a:lnRef>
+      <a:fillRef idx="1">
+        <a:scrgbClr r="0" g="0" b="0"/>
+      </a:fillRef>
+      <a:effectRef idx="0">
+        <a:scrgbClr r="0" g="0" b="0"/>
+      </a:effectRef>
+      <a:fontRef idx="minor"/>
+    </dgm:style>
+  </dgm:styleLbl>
+  <dgm:styleLbl name="asst0">
+    <dgm:scene3d>
+      <a:camera prst="orthographicFront"/>
+      <a:lightRig rig="threePt" dir="t"/>
+    </dgm:scene3d>
+    <dgm:sp3d/>
+    <dgm:txPr/>
+    <dgm:style>
+      <a:lnRef idx="2">
+        <a:scrgbClr r="0" g="0" b="0"/>
+      </a:lnRef>
+      <a:fillRef idx="1">
+        <a:scrgbClr r="0" g="0" b="0"/>
+      </a:fillRef>
+      <a:effectRef idx="0">
+        <a:scrgbClr r="0" g="0" b="0"/>
+      </a:effectRef>
+      <a:fontRef idx="minor">
+        <a:schemeClr val="lt1"/>
+      </a:fontRef>
+    </dgm:style>
+  </dgm:styleLbl>
+  <dgm:styleLbl name="asst1">
+    <dgm:scene3d>
+      <a:camera prst="orthographicFront"/>
+      <a:lightRig rig="threePt" dir="t"/>
+    </dgm:scene3d>
+    <dgm:sp3d/>
+    <dgm:txPr/>
+    <dgm:style>
+      <a:lnRef idx="2">
+        <a:scrgbClr r="0" g="0" b="0"/>
+      </a:lnRef>
+      <a:fillRef idx="1">
+        <a:scrgbClr r="0" g="0" b="0"/>
+      </a:fillRef>
+      <a:effectRef idx="0">
+        <a:scrgbClr r="0" g="0" b="0"/>
+      </a:effectRef>
+      <a:fontRef idx="minor">
+        <a:schemeClr val="lt1"/>
+      </a:fontRef>
+    </dgm:style>
+  </dgm:styleLbl>
+  <dgm:styleLbl name="asst2">
+    <dgm:scene3d>
+      <a:camera prst="orthographicFront"/>
+      <a:lightRig rig="threePt" dir="t"/>
+    </dgm:scene3d>
+    <dgm:sp3d/>
+    <dgm:txPr/>
+    <dgm:style>
+      <a:lnRef idx="2">
+        <a:scrgbClr r="0" g="0" b="0"/>
+      </a:lnRef>
+      <a:fillRef idx="1">
+        <a:scrgbClr r="0" g="0" b="0"/>
+      </a:fillRef>
+      <a:effectRef idx="0">
+        <a:scrgbClr r="0" g="0" b="0"/>
+      </a:effectRef>
+      <a:fontRef idx="minor">
+        <a:schemeClr val="lt1"/>
+      </a:fontRef>
+    </dgm:style>
+  </dgm:styleLbl>
+  <dgm:styleLbl name="asst3">
+    <dgm:scene3d>
+      <a:camera prst="orthographicFront"/>
+      <a:lightRig rig="threePt" dir="t"/>
+    </dgm:scene3d>
+    <dgm:sp3d/>
+    <dgm:txPr/>
+    <dgm:style>
+      <a:lnRef idx="2">
+        <a:scrgbClr r="0" g="0" b="0"/>
+      </a:lnRef>
+      <a:fillRef idx="1">
+        <a:scrgbClr r="0" g="0" b="0"/>
+      </a:fillRef>
+      <a:effectRef idx="0">
+        <a:scrgbClr r="0" g="0" b="0"/>
+      </a:effectRef>
+      <a:fontRef idx="minor">
+        <a:schemeClr val="lt1"/>
+      </a:fontRef>
+    </dgm:style>
+  </dgm:styleLbl>
+  <dgm:styleLbl name="asst4">
+    <dgm:scene3d>
+      <a:camera prst="orthographicFront"/>
+      <a:lightRig rig="threePt" dir="t"/>
+    </dgm:scene3d>
+    <dgm:sp3d/>
+    <dgm:txPr/>
+    <dgm:style>
+      <a:lnRef idx="2">
+        <a:scrgbClr r="0" g="0" b="0"/>
+      </a:lnRef>
+      <a:fillRef idx="1">
+        <a:scrgbClr r="0" g="0" b="0"/>
+      </a:fillRef>
+      <a:effectRef idx="0">
+        <a:scrgbClr r="0" g="0" b="0"/>
+      </a:effectRef>
+      <a:fontRef idx="minor">
+        <a:schemeClr val="lt1"/>
+      </a:fontRef>
+    </dgm:style>
+  </dgm:styleLbl>
+  <dgm:styleLbl name="parChTrans2D1">
+    <dgm:scene3d>
+      <a:camera prst="orthographicFront"/>
+      <a:lightRig rig="threePt" dir="t"/>
+    </dgm:scene3d>
+    <dgm:sp3d/>
+    <dgm:txPr/>
+    <dgm:style>
+      <a:lnRef idx="2">
+        <a:scrgbClr r="0" g="0" b="0"/>
+      </a:lnRef>
+      <a:fillRef idx="1">
+        <a:scrgbClr r="0" g="0" b="0"/>
+      </a:fillRef>
+      <a:effectRef idx="0">
+        <a:scrgbClr r="0" g="0" b="0"/>
+      </a:effectRef>
+      <a:fontRef idx="minor">
+        <a:schemeClr val="lt1"/>
+      </a:fontRef>
+    </dgm:style>
+  </dgm:styleLbl>
+  <dgm:styleLbl name="parChTrans2D2">
+    <dgm:scene3d>
+      <a:camera prst="orthographicFront"/>
+      <a:lightRig rig="threePt" dir="t"/>
+    </dgm:scene3d>
+    <dgm:sp3d/>
+    <dgm:txPr/>
+    <dgm:style>
+      <a:lnRef idx="2">
+        <a:scrgbClr r="0" g="0" b="0"/>
+      </a:lnRef>
+      <a:fillRef idx="1">
+        <a:scrgbClr r="0" g="0" b="0"/>
+      </a:fillRef>
+      <a:effectRef idx="0">
+        <a:scrgbClr r="0" g="0" b="0"/>
+      </a:effectRef>
+      <a:fontRef idx="minor">
+        <a:schemeClr val="lt1"/>
+      </a:fontRef>
+    </dgm:style>
+  </dgm:styleLbl>
+  <dgm:styleLbl name="parChTrans2D3">
+    <dgm:scene3d>
+      <a:camera prst="orthographicFront"/>
+      <a:lightRig rig="threePt" dir="t"/>
+    </dgm:scene3d>
+    <dgm:sp3d/>
+    <dgm:txPr/>
+    <dgm:style>
+      <a:lnRef idx="2">
+        <a:scrgbClr r="0" g="0" b="0"/>
+      </a:lnRef>
+      <a:fillRef idx="1">
+        <a:scrgbClr r="0" g="0" b="0"/>
+      </a:fillRef>
+      <a:effectRef idx="0">
+        <a:scrgbClr r="0" g="0" b="0"/>
+      </a:effectRef>
+      <a:fontRef idx="minor">
+        <a:schemeClr val="lt1"/>
+      </a:fontRef>
+    </dgm:style>
+  </dgm:styleLbl>
+  <dgm:styleLbl name="parChTrans2D4">
+    <dgm:scene3d>
+      <a:camera prst="orthographicFront"/>
+      <a:lightRig rig="threePt" dir="t"/>
+    </dgm:scene3d>
+    <dgm:sp3d/>
+    <dgm:txPr/>
+    <dgm:style>
+      <a:lnRef idx="2">
+        <a:scrgbClr r="0" g="0" b="0"/>
+      </a:lnRef>
+      <a:fillRef idx="1">
+        <a:scrgbClr r="0" g="0" b="0"/>
+      </a:fillRef>
+      <a:effectRef idx="0">
+        <a:scrgbClr r="0" g="0" b="0"/>
+      </a:effectRef>
+      <a:fontRef idx="minor">
+        <a:schemeClr val="lt1"/>
+      </a:fontRef>
+    </dgm:style>
+  </dgm:styleLbl>
+  <dgm:styleLbl name="parChTrans1D1">
+    <dgm:scene3d>
+      <a:camera prst="orthographicFront"/>
+      <a:lightRig rig="threePt" dir="t"/>
+    </dgm:scene3d>
+    <dgm:sp3d/>
+    <dgm:txPr/>
+    <dgm:style>
+      <a:lnRef idx="2">
+        <a:scrgbClr r="0" g="0" b="0"/>
+      </a:lnRef>
+      <a:fillRef idx="0">
+        <a:scrgbClr r="0" g="0" b="0"/>
+      </a:fillRef>
+      <a:effectRef idx="0">
+        <a:scrgbClr r="0" g="0" b="0"/>
+      </a:effectRef>
+      <a:fontRef idx="minor"/>
+    </dgm:style>
+  </dgm:styleLbl>
+  <dgm:styleLbl name="parChTrans1D2">
+    <dgm:scene3d>
+      <a:camera prst="orthographicFront"/>
+      <a:lightRig rig="threePt" dir="t"/>
+    </dgm:scene3d>
+    <dgm:sp3d/>
+    <dgm:txPr/>
+    <dgm:style>
+      <a:lnRef idx="2">
+        <a:scrgbClr r="0" g="0" b="0"/>
+      </a:lnRef>
+      <a:fillRef idx="0">
+        <a:scrgbClr r="0" g="0" b="0"/>
+      </a:fillRef>
+      <a:effectRef idx="0">
+        <a:scrgbClr r="0" g="0" b="0"/>
+      </a:effectRef>
+      <a:fontRef idx="minor"/>
+    </dgm:style>
+  </dgm:styleLbl>
+  <dgm:styleLbl name="parChTrans1D3">
+    <dgm:scene3d>
+      <a:camera prst="orthographicFront"/>
+      <a:lightRig rig="threePt" dir="t"/>
+    </dgm:scene3d>
+    <dgm:sp3d/>
+    <dgm:txPr/>
+    <dgm:style>
+      <a:lnRef idx="2">
+        <a:scrgbClr r="0" g="0" b="0"/>
+      </a:lnRef>
+      <a:fillRef idx="0">
+        <a:scrgbClr r="0" g="0" b="0"/>
+      </a:fillRef>
+      <a:effectRef idx="0">
+        <a:scrgbClr r="0" g="0" b="0"/>
+      </a:effectRef>
+      <a:fontRef idx="minor"/>
+    </dgm:style>
+  </dgm:styleLbl>
+  <dgm:styleLbl name="parChTrans1D4">
+    <dgm:scene3d>
+      <a:camera prst="orthographicFront"/>
+      <a:lightRig rig="threePt" dir="t"/>
+    </dgm:scene3d>
+    <dgm:sp3d/>
+    <dgm:txPr/>
+    <dgm:style>
+      <a:lnRef idx="2">
+        <a:scrgbClr r="0" g="0" b="0"/>
+      </a:lnRef>
+      <a:fillRef idx="0">
+        <a:scrgbClr r="0" g="0" b="0"/>
+      </a:fillRef>
+      <a:effectRef idx="0">
+        <a:scrgbClr r="0" g="0" b="0"/>
+      </a:effectRef>
+      <a:fontRef idx="minor"/>
+    </dgm:style>
+  </dgm:styleLbl>
+  <dgm:styleLbl name="fgAcc1">
+    <dgm:scene3d>
+      <a:camera prst="orthographicFront"/>
+      <a:lightRig rig="threePt" dir="t"/>
+    </dgm:scene3d>
+    <dgm:sp3d/>
+    <dgm:txPr/>
+    <dgm:style>
+      <a:lnRef idx="2">
+        <a:scrgbClr r="0" g="0" b="0"/>
+      </a:lnRef>
+      <a:fillRef idx="1">
+        <a:scrgbClr r="0" g="0" b="0"/>
+      </a:fillRef>
+      <a:effectRef idx="0">
+        <a:scrgbClr r="0" g="0" b="0"/>
+      </a:effectRef>
+      <a:fontRef idx="minor"/>
+    </dgm:style>
+  </dgm:styleLbl>
+  <dgm:styleLbl name="conFgAcc1">
+    <dgm:scene3d>
+      <a:camera prst="orthographicFront"/>
+      <a:lightRig rig="threePt" dir="t"/>
+    </dgm:scene3d>
+    <dgm:sp3d/>
+    <dgm:txPr/>
+    <dgm:style>
+      <a:lnRef idx="2">
+        <a:scrgbClr r="0" g="0" b="0"/>
+      </a:lnRef>
+      <a:fillRef idx="1">
+        <a:scrgbClr r="0" g="0" b="0"/>
+      </a:fillRef>
+      <a:effectRef idx="0">
+        <a:scrgbClr r="0" g="0" b="0"/>
+      </a:effectRef>
+      <a:fontRef idx="minor"/>
+    </dgm:style>
+  </dgm:styleLbl>
+  <dgm:styleLbl name="alignAcc1">
+    <dgm:scene3d>
+      <a:camera prst="orthographicFront"/>
+      <a:lightRig rig="threePt" dir="t"/>
+    </dgm:scene3d>
+    <dgm:sp3d/>
+    <dgm:txPr/>
+    <dgm:style>
+      <a:lnRef idx="2">
+        <a:scrgbClr r="0" g="0" b="0"/>
+      </a:lnRef>
+      <a:fillRef idx="1">
+        <a:scrgbClr r="0" g="0" b="0"/>
+      </a:fillRef>
+      <a:effectRef idx="0">
+        <a:scrgbClr r="0" g="0" b="0"/>
+      </a:effectRef>
+      <a:fontRef idx="minor"/>
+    </dgm:style>
+  </dgm:styleLbl>
+  <dgm:styleLbl name="trAlignAcc1">
+    <dgm:scene3d>
+      <a:camera prst="orthographicFront"/>
+      <a:lightRig rig="threePt" dir="t"/>
+    </dgm:scene3d>
+    <dgm:sp3d/>
+    <dgm:txPr/>
+    <dgm:style>
+      <a:lnRef idx="1">
+        <a:scrgbClr r="0" g="0" b="0"/>
+      </a:lnRef>
+      <a:fillRef idx="1">
+        <a:scrgbClr r="0" g="0" b="0"/>
+      </a:fillRef>
+      <a:effectRef idx="0">
+        <a:scrgbClr r="0" g="0" b="0"/>
+      </a:effectRef>
+      <a:fontRef idx="minor"/>
+    </dgm:style>
+  </dgm:styleLbl>
+  <dgm:styleLbl name="bgAcc1">
+    <dgm:scene3d>
+      <a:camera prst="orthographicFront"/>
+      <a:lightRig rig="threePt" dir="t"/>
+    </dgm:scene3d>
+    <dgm:sp3d/>
+    <dgm:txPr/>
+    <dgm:style>
+      <a:lnRef idx="2">
+        <a:scrgbClr r="0" g="0" b="0"/>
+      </a:lnRef>
+      <a:fillRef idx="1">
+        <a:scrgbClr r="0" g="0" b="0"/>
+      </a:fillRef>
+      <a:effectRef idx="0">
+        <a:scrgbClr r="0" g="0" b="0"/>
+      </a:effectRef>
+      <a:fontRef idx="minor"/>
+    </dgm:style>
+  </dgm:styleLbl>
+  <dgm:styleLbl name="solidFgAcc1">
+    <dgm:scene3d>
+      <a:camera prst="orthographicFront"/>
+      <a:lightRig rig="threePt" dir="t"/>
+    </dgm:scene3d>
+    <dgm:sp3d/>
+    <dgm:txPr/>
+    <dgm:style>
+      <a:lnRef idx="2">
+        <a:scrgbClr r="0" g="0" b="0"/>
+      </a:lnRef>
+      <a:fillRef idx="1">
+        <a:scrgbClr r="0" g="0" b="0"/>
+      </a:fillRef>
+      <a:effectRef idx="0">
+        <a:scrgbClr r="0" g="0" b="0"/>
+      </a:effectRef>
+      <a:fontRef idx="minor"/>
+    </dgm:style>
+  </dgm:styleLbl>
+  <dgm:styleLbl name="solidAlignAcc1">
+    <dgm:scene3d>
+      <a:camera prst="orthographicFront"/>
+      <a:lightRig rig="threePt" dir="t"/>
+    </dgm:scene3d>
+    <dgm:sp3d/>
+    <dgm:txPr/>
+    <dgm:style>
+      <a:lnRef idx="2">
+        <a:scrgbClr r="0" g="0" b="0"/>
+      </a:lnRef>
+      <a:fillRef idx="1">
+        <a:scrgbClr r="0" g="0" b="0"/>
+      </a:fillRef>
+      <a:effectRef idx="0">
+        <a:scrgbClr r="0" g="0" b="0"/>
+      </a:effectRef>
+      <a:fontRef idx="minor"/>
+    </dgm:style>
+  </dgm:styleLbl>
+  <dgm:styleLbl name="solidBgAcc1">
+    <dgm:scene3d>
+      <a:camera prst="orthographicFront"/>
+      <a:lightRig rig="threePt" dir="t"/>
+    </dgm:scene3d>
+    <dgm:sp3d/>
+    <dgm:txPr/>
+    <dgm:style>
+      <a:lnRef idx="2">
+        <a:scrgbClr r="0" g="0" b="0"/>
+      </a:lnRef>
+      <a:fillRef idx="1">
+        <a:scrgbClr r="0" g="0" b="0"/>
+      </a:fillRef>
+      <a:effectRef idx="0">
+        <a:scrgbClr r="0" g="0" b="0"/>
+      </a:effectRef>
+      <a:fontRef idx="minor"/>
+    </dgm:style>
+  </dgm:styleLbl>
+  <dgm:styleLbl name="fgAccFollowNode1">
+    <dgm:scene3d>
+      <a:camera prst="orthographicFront"/>
+      <a:lightRig rig="threePt" dir="t"/>
+    </dgm:scene3d>
+    <dgm:sp3d/>
+    <dgm:txPr/>
+    <dgm:style>
+      <a:lnRef idx="2">
+        <a:scrgbClr r="0" g="0" b="0"/>
+      </a:lnRef>
+      <a:fillRef idx="1">
+        <a:scrgbClr r="0" g="0" b="0"/>
+      </a:fillRef>
+      <a:effectRef idx="0">
+        <a:scrgbClr r="0" g="0" b="0"/>
+      </a:effectRef>
+      <a:fontRef idx="minor"/>
+    </dgm:style>
+  </dgm:styleLbl>
+  <dgm:styleLbl name="alignAccFollowNode1">
+    <dgm:scene3d>
+      <a:camera prst="orthographicFront"/>
+      <a:lightRig rig="threePt" dir="t"/>
+    </dgm:scene3d>
+    <dgm:sp3d/>
+    <dgm:txPr/>
+    <dgm:style>
+      <a:lnRef idx="2">
+        <a:scrgbClr r="0" g="0" b="0"/>
+      </a:lnRef>
+      <a:fillRef idx="1">
+        <a:scrgbClr r="0" g="0" b="0"/>
+      </a:fillRef>
+      <a:effectRef idx="0">
+        <a:scrgbClr r="0" g="0" b="0"/>
+      </a:effectRef>
+      <a:fontRef idx="minor"/>
+    </dgm:style>
+  </dgm:styleLbl>
+  <dgm:styleLbl name="bgAccFollowNode1">
+    <dgm:scene3d>
+      <a:camera prst="orthographicFront"/>
+      <a:lightRig rig="threePt" dir="t"/>
+    </dgm:scene3d>
+    <dgm:sp3d/>
+    <dgm:txPr/>
+    <dgm:style>
+      <a:lnRef idx="2">
+        <a:scrgbClr r="0" g="0" b="0"/>
+      </a:lnRef>
+      <a:fillRef idx="1">
+        <a:scrgbClr r="0" g="0" b="0"/>
+      </a:fillRef>
+      <a:effectRef idx="0">
+        <a:scrgbClr r="0" g="0" b="0"/>
+      </a:effectRef>
+      <a:fontRef idx="minor"/>
+    </dgm:style>
+  </dgm:styleLbl>
+  <dgm:styleLbl name="fgAcc0">
+    <dgm:scene3d>
+      <a:camera prst="orthographicFront"/>
+      <a:lightRig rig="threePt" dir="t"/>
+    </dgm:scene3d>
+    <dgm:sp3d/>
+    <dgm:txPr/>
+    <dgm:style>
+      <a:lnRef idx="2">
+        <a:scrgbClr r="0" g="0" b="0"/>
+      </a:lnRef>
+      <a:fillRef idx="1">
+        <a:scrgbClr r="0" g="0" b="0"/>
+      </a:fillRef>
+      <a:effectRef idx="0">
+        <a:scrgbClr r="0" g="0" b="0"/>
+      </a:effectRef>
+      <a:fontRef idx="minor"/>
+    </dgm:style>
+  </dgm:styleLbl>
+  <dgm:styleLbl name="fgAcc2">
+    <dgm:scene3d>
+      <a:camera prst="orthographicFront"/>
+      <a:lightRig rig="threePt" dir="t"/>
+    </dgm:scene3d>
+    <dgm:sp3d/>
+    <dgm:txPr/>
+    <dgm:style>
+      <a:lnRef idx="2">
+        <a:scrgbClr r="0" g="0" b="0"/>
+      </a:lnRef>
+      <a:fillRef idx="1">
+        <a:scrgbClr r="0" g="0" b="0"/>
+      </a:fillRef>
+      <a:effectRef idx="0">
+        <a:scrgbClr r="0" g="0" b="0"/>
+      </a:effectRef>
+      <a:fontRef idx="minor"/>
+    </dgm:style>
+  </dgm:styleLbl>
+  <dgm:styleLbl name="fgAcc3">
+    <dgm:scene3d>
+      <a:camera prst="orthographicFront"/>
+      <a:lightRig rig="threePt" dir="t"/>
+    </dgm:scene3d>
+    <dgm:sp3d/>
+    <dgm:txPr/>
+    <dgm:style>
+      <a:lnRef idx="2">
+        <a:scrgbClr r="0" g="0" b="0"/>
+      </a:lnRef>
+      <a:fillRef idx="1">
+        <a:scrgbClr r="0" g="0" b="0"/>
+      </a:fillRef>
+      <a:effectRef idx="0">
+        <a:scrgbClr r="0" g="0" b="0"/>
+      </a:effectRef>
+      <a:fontRef idx="minor"/>
+    </dgm:style>
+  </dgm:styleLbl>
+  <dgm:styleLbl name="fgAcc4">
+    <dgm:scene3d>
+      <a:camera prst="orthographicFront"/>
+      <a:lightRig rig="threePt" dir="t"/>
+    </dgm:scene3d>
+    <dgm:sp3d/>
+    <dgm:txPr/>
+    <dgm:style>
+      <a:lnRef idx="2">
+        <a:scrgbClr r="0" g="0" b="0"/>
+      </a:lnRef>
+      <a:fillRef idx="1">
+        <a:scrgbClr r="0" g="0" b="0"/>
+      </a:fillRef>
+      <a:effectRef idx="0">
+        <a:scrgbClr r="0" g="0" b="0"/>
+      </a:effectRef>
+      <a:fontRef idx="minor"/>
+    </dgm:style>
+  </dgm:styleLbl>
+  <dgm:styleLbl name="bgShp">
+    <dgm:scene3d>
+      <a:camera prst="orthographicFront"/>
+      <a:lightRig rig="threePt" dir="t"/>
+    </dgm:scene3d>
+    <dgm:sp3d/>
+    <dgm:txPr/>
+    <dgm:style>
+      <a:lnRef idx="0">
+        <a:scrgbClr r="0" g="0" b="0"/>
+      </a:lnRef>
+      <a:fillRef idx="1">
+        <a:scrgbClr r="0" g="0" b="0"/>
+      </a:fillRef>
+      <a:effectRef idx="0">
+        <a:scrgbClr r="0" g="0" b="0"/>
+      </a:effectRef>
+      <a:fontRef idx="minor"/>
+    </dgm:style>
+  </dgm:styleLbl>
+  <dgm:styleLbl name="dkBgShp">
+    <dgm:scene3d>
+      <a:camera prst="orthographicFront"/>
+      <a:lightRig rig="threePt" dir="t"/>
+    </dgm:scene3d>
+    <dgm:sp3d/>
+    <dgm:txPr/>
+    <dgm:style>
+      <a:lnRef idx="0">
+        <a:scrgbClr r="0" g="0" b="0"/>
+      </a:lnRef>
+      <a:fillRef idx="1">
+        <a:scrgbClr r="0" g="0" b="0"/>
+      </a:fillRef>
+      <a:effectRef idx="0">
+        <a:scrgbClr r="0" g="0" b="0"/>
+      </a:effectRef>
+      <a:fontRef idx="minor"/>
+    </dgm:style>
+  </dgm:styleLbl>
+  <dgm:styleLbl name="trBgShp">
+    <dgm:scene3d>
+      <a:camera prst="orthographicFront"/>
+      <a:lightRig rig="threePt" dir="t"/>
+    </dgm:scene3d>
+    <dgm:sp3d/>
+    <dgm:txPr/>
+    <dgm:style>
+      <a:lnRef idx="0">
+        <a:scrgbClr r="0" g="0" b="0"/>
+      </a:lnRef>
+      <a:fillRef idx="1">
+        <a:scrgbClr r="0" g="0" b="0"/>
+      </a:fillRef>
+      <a:effectRef idx="0">
+        <a:scrgbClr r="0" g="0" b="0"/>
+      </a:effectRef>
+      <a:fontRef idx="minor"/>
+    </dgm:style>
+  </dgm:styleLbl>
+  <dgm:styleLbl name="fgShp">
+    <dgm:scene3d>
+      <a:camera prst="orthographicFront"/>
+      <a:lightRig rig="threePt" dir="t"/>
+    </dgm:scene3d>
+    <dgm:sp3d/>
+    <dgm:txPr/>
+    <dgm:style>
+      <a:lnRef idx="2">
+        <a:scrgbClr r="0" g="0" b="0"/>
+      </a:lnRef>
+      <a:fillRef idx="1">
+        <a:scrgbClr r="0" g="0" b="0"/>
+      </a:fillRef>
+      <a:effectRef idx="0">
+        <a:scrgbClr r="0" g="0" b="0"/>
+      </a:effectRef>
+      <a:fontRef idx="minor"/>
+    </dgm:style>
+  </dgm:styleLbl>
+  <dgm:styleLbl name="revTx">
+    <dgm:scene3d>
+      <a:camera prst="orthographicFront"/>
+      <a:lightRig rig="threePt" dir="t"/>
+    </dgm:scene3d>
+    <dgm:sp3d/>
+    <dgm:txPr/>
+    <dgm:style>
+      <a:lnRef idx="0">
+        <a:scrgbClr r="0" g="0" b="0"/>
+      </a:lnRef>
+      <a:fillRef idx="0">
+        <a:scrgbClr r="0" g="0" b="0"/>
+      </a:fillRef>
+      <a:effectRef idx="0">
+        <a:scrgbClr r="0" g="0" b="0"/>
+      </a:effectRef>
+      <a:fontRef idx="minor"/>
+    </dgm:style>
+  </dgm:styleLbl>
+</dgm:styleDef>
+</file>
+
 <file path=ppt/handoutMasters/handoutMaster1.xml><?xml version="1.0" encoding="utf-8"?>
 <p:handoutMaster xmlns:a="http://schemas.openxmlformats.org/drawingml/2006/main" xmlns:r="http://schemas.openxmlformats.org/officeDocument/2006/relationships" xmlns:p="http://schemas.openxmlformats.org/presentationml/2006/main">
   <p:cSld>
@@ -3865,7 +6602,7 @@
             <a:pPr rtl="0"/>
             <a:fld id="{3AA7418C-1A37-4630-8C30-B2836F55C532}" type="datetime1">
               <a:rPr lang="zh-TW" altLang="en-US" smtClean="0"/>
-              <a:t>2022/5/24</a:t>
+              <a:t>2022/6/8</a:t>
             </a:fld>
             <a:endParaRPr lang="en-US" dirty="0"/>
           </a:p>
@@ -4035,7 +6772,7 @@
             <a:pPr rtl="0"/>
             <a:fld id="{AB916EA9-9B8C-4B06-BBDB-07A75F4AF607}" type="datetime1">
               <a:rPr lang="zh-TW" altLang="en-US" smtClean="0"/>
-              <a:t>2022/5/24</a:t>
+              <a:t>2022/6/8</a:t>
             </a:fld>
             <a:endParaRPr lang="en-US"/>
           </a:p>
@@ -4306,6 +7043,1076 @@
     </a:lvl9pPr>
   </p:notesStyle>
 </p:notesMaster>
+</file>
+
+<file path=ppt/notesSlides/notesSlide1.xml><?xml version="1.0" encoding="utf-8"?>
+<p:notes xmlns:a="http://schemas.openxmlformats.org/drawingml/2006/main" xmlns:r="http://schemas.openxmlformats.org/officeDocument/2006/relationships" xmlns:p="http://schemas.openxmlformats.org/presentationml/2006/main">
+  <p:cSld>
+    <p:spTree>
+      <p:nvGrpSpPr>
+        <p:cNvPr id="1" name=""/>
+        <p:cNvGrpSpPr/>
+        <p:nvPr/>
+      </p:nvGrpSpPr>
+      <p:grpSpPr>
+        <a:xfrm>
+          <a:off x="0" y="0"/>
+          <a:ext cx="0" cy="0"/>
+          <a:chOff x="0" y="0"/>
+          <a:chExt cx="0" cy="0"/>
+        </a:xfrm>
+      </p:grpSpPr>
+      <p:sp>
+        <p:nvSpPr>
+          <p:cNvPr id="2" name="投影片影像版面配置區 1"/>
+          <p:cNvSpPr>
+            <a:spLocks noGrp="1" noRot="1" noChangeAspect="1"/>
+          </p:cNvSpPr>
+          <p:nvPr>
+            <p:ph type="sldImg"/>
+          </p:nvPr>
+        </p:nvSpPr>
+        <p:spPr/>
+      </p:sp>
+      <p:sp>
+        <p:nvSpPr>
+          <p:cNvPr id="3" name="備忘稿版面配置區 2"/>
+          <p:cNvSpPr>
+            <a:spLocks noGrp="1"/>
+          </p:cNvSpPr>
+          <p:nvPr>
+            <p:ph type="body" idx="1"/>
+          </p:nvPr>
+        </p:nvSpPr>
+        <p:spPr/>
+        <p:txBody>
+          <a:bodyPr/>
+          <a:lstStyle/>
+          <a:p>
+            <a:pPr marL="0" marR="0" lvl="0" indent="0" algn="l" defTabSz="914400" rtl="0" eaLnBrk="1" fontAlgn="auto" latinLnBrk="0" hangingPunct="1">
+              <a:lnSpc>
+                <a:spcPct val="100000"/>
+              </a:lnSpc>
+              <a:spcBef>
+                <a:spcPts val="0"/>
+              </a:spcBef>
+              <a:spcAft>
+                <a:spcPts val="0"/>
+              </a:spcAft>
+              <a:buClrTx/>
+              <a:buSzTx/>
+              <a:buFontTx/>
+              <a:buNone/>
+              <a:tabLst/>
+              <a:defRPr/>
+            </a:pPr>
+            <a:r>
+              <a:rPr lang="zh-TW" altLang="en-US" dirty="0">
+                <a:latin typeface="微軟正黑體" panose="020B0604030504040204" pitchFamily="34" charset="-120"/>
+                <a:ea typeface="微軟正黑體" panose="020B0604030504040204" pitchFamily="34" charset="-120"/>
+              </a:rPr>
+              <a:t>執行 </a:t>
+            </a:r>
+            <a:r>
+              <a:rPr lang="en-US" altLang="zh-TW" dirty="0">
+                <a:latin typeface="微軟正黑體" panose="020B0604030504040204" pitchFamily="34" charset="-120"/>
+                <a:ea typeface="微軟正黑體" panose="020B0604030504040204" pitchFamily="34" charset="-120"/>
+              </a:rPr>
+              <a:t>relabel.py </a:t>
+            </a:r>
+            <a:r>
+              <a:rPr lang="zh-TW" altLang="en-US" dirty="0">
+                <a:latin typeface="微軟正黑體" panose="020B0604030504040204" pitchFamily="34" charset="-120"/>
+                <a:ea typeface="微軟正黑體" panose="020B0604030504040204" pitchFamily="34" charset="-120"/>
+              </a:rPr>
+              <a:t>將物件類別 </a:t>
+            </a:r>
+            <a:r>
+              <a:rPr lang="en-US" altLang="zh-TW" dirty="0">
+                <a:latin typeface="微軟正黑體" panose="020B0604030504040204" pitchFamily="34" charset="-120"/>
+                <a:ea typeface="微軟正黑體" panose="020B0604030504040204" pitchFamily="34" charset="-120"/>
+              </a:rPr>
+              <a:t>ID </a:t>
+            </a:r>
+            <a:r>
+              <a:rPr lang="zh-TW" altLang="en-US" dirty="0">
+                <a:latin typeface="微軟正黑體" panose="020B0604030504040204" pitchFamily="34" charset="-120"/>
+                <a:ea typeface="微軟正黑體" panose="020B0604030504040204" pitchFamily="34" charset="-120"/>
+              </a:rPr>
+              <a:t>重設為 </a:t>
+            </a:r>
+            <a:r>
+              <a:rPr lang="en-US" altLang="zh-TW" dirty="0">
+                <a:latin typeface="微軟正黑體" panose="020B0604030504040204" pitchFamily="34" charset="-120"/>
+                <a:ea typeface="微軟正黑體" panose="020B0604030504040204" pitchFamily="34" charset="-120"/>
+              </a:rPr>
+              <a:t>0</a:t>
+            </a:r>
+          </a:p>
+          <a:p>
+            <a:pPr marL="0" marR="0" lvl="0" indent="0" algn="l" defTabSz="914400" rtl="0" eaLnBrk="1" fontAlgn="auto" latinLnBrk="0" hangingPunct="1">
+              <a:lnSpc>
+                <a:spcPct val="100000"/>
+              </a:lnSpc>
+              <a:spcBef>
+                <a:spcPts val="0"/>
+              </a:spcBef>
+              <a:spcAft>
+                <a:spcPts val="0"/>
+              </a:spcAft>
+              <a:buClrTx/>
+              <a:buSzTx/>
+              <a:buFontTx/>
+              <a:buNone/>
+              <a:tabLst/>
+              <a:defRPr/>
+            </a:pPr>
+            <a:r>
+              <a:rPr lang="zh-TW" altLang="en-US" dirty="0">
+                <a:latin typeface="微軟正黑體" panose="020B0604030504040204" pitchFamily="34" charset="-120"/>
+                <a:ea typeface="微軟正黑體" panose="020B0604030504040204" pitchFamily="34" charset="-120"/>
+              </a:rPr>
+              <a:t>執行 </a:t>
+            </a:r>
+            <a:r>
+              <a:rPr lang="en-US" altLang="zh-TW" dirty="0">
+                <a:latin typeface="微軟正黑體" panose="020B0604030504040204" pitchFamily="34" charset="-120"/>
+                <a:ea typeface="微軟正黑體" panose="020B0604030504040204" pitchFamily="34" charset="-120"/>
+              </a:rPr>
+              <a:t>generate_train.py</a:t>
+            </a:r>
+            <a:r>
+              <a:rPr lang="zh-TW" altLang="en-US" dirty="0">
+                <a:latin typeface="微軟正黑體" panose="020B0604030504040204" pitchFamily="34" charset="-120"/>
+                <a:ea typeface="微軟正黑體" panose="020B0604030504040204" pitchFamily="34" charset="-120"/>
+              </a:rPr>
+              <a:t> 生成訓練資料路徑檔</a:t>
+            </a:r>
+            <a:endParaRPr lang="en-US" altLang="zh-TW" dirty="0">
+              <a:latin typeface="微軟正黑體" panose="020B0604030504040204" pitchFamily="34" charset="-120"/>
+              <a:ea typeface="微軟正黑體" panose="020B0604030504040204" pitchFamily="34" charset="-120"/>
+            </a:endParaRPr>
+          </a:p>
+          <a:p>
+            <a:endParaRPr lang="zh-TW" altLang="en-US" dirty="0"/>
+          </a:p>
+        </p:txBody>
+      </p:sp>
+      <p:sp>
+        <p:nvSpPr>
+          <p:cNvPr id="4" name="日期版面配置區 3"/>
+          <p:cNvSpPr>
+            <a:spLocks noGrp="1"/>
+          </p:cNvSpPr>
+          <p:nvPr>
+            <p:ph type="dt" idx="1"/>
+          </p:nvPr>
+        </p:nvSpPr>
+        <p:spPr/>
+        <p:txBody>
+          <a:bodyPr/>
+          <a:lstStyle/>
+          <a:p>
+            <a:pPr rtl="0"/>
+            <a:fld id="{AB916EA9-9B8C-4B06-BBDB-07A75F4AF607}" type="datetime1">
+              <a:rPr lang="zh-TW" altLang="en-US" smtClean="0"/>
+              <a:t>2022/6/8</a:t>
+            </a:fld>
+            <a:endParaRPr lang="en-US"/>
+          </a:p>
+        </p:txBody>
+      </p:sp>
+      <p:sp>
+        <p:nvSpPr>
+          <p:cNvPr id="5" name="投影片編號版面配置區 4"/>
+          <p:cNvSpPr>
+            <a:spLocks noGrp="1"/>
+          </p:cNvSpPr>
+          <p:nvPr>
+            <p:ph type="sldNum" sz="quarter" idx="5"/>
+          </p:nvPr>
+        </p:nvSpPr>
+        <p:spPr/>
+        <p:txBody>
+          <a:bodyPr/>
+          <a:lstStyle/>
+          <a:p>
+            <a:pPr rtl="0"/>
+            <a:fld id="{37A705E3-E620-489D-9973-6221209A4B3B}" type="slidenum">
+              <a:rPr lang="en-US" smtClean="0"/>
+              <a:t>5</a:t>
+            </a:fld>
+            <a:endParaRPr lang="en-US"/>
+          </a:p>
+        </p:txBody>
+      </p:sp>
+    </p:spTree>
+    <p:extLst>
+      <p:ext uri="{BB962C8B-B14F-4D97-AF65-F5344CB8AC3E}">
+        <p14:creationId xmlns:p14="http://schemas.microsoft.com/office/powerpoint/2010/main" val="1740766206"/>
+      </p:ext>
+    </p:extLst>
+  </p:cSld>
+  <p:clrMapOvr>
+    <a:masterClrMapping/>
+  </p:clrMapOvr>
+</p:notes>
+</file>
+
+<file path=ppt/notesSlides/notesSlide2.xml><?xml version="1.0" encoding="utf-8"?>
+<p:notes xmlns:a="http://schemas.openxmlformats.org/drawingml/2006/main" xmlns:r="http://schemas.openxmlformats.org/officeDocument/2006/relationships" xmlns:p="http://schemas.openxmlformats.org/presentationml/2006/main">
+  <p:cSld>
+    <p:spTree>
+      <p:nvGrpSpPr>
+        <p:cNvPr id="1" name=""/>
+        <p:cNvGrpSpPr/>
+        <p:nvPr/>
+      </p:nvGrpSpPr>
+      <p:grpSpPr>
+        <a:xfrm>
+          <a:off x="0" y="0"/>
+          <a:ext cx="0" cy="0"/>
+          <a:chOff x="0" y="0"/>
+          <a:chExt cx="0" cy="0"/>
+        </a:xfrm>
+      </p:grpSpPr>
+      <p:sp>
+        <p:nvSpPr>
+          <p:cNvPr id="2" name="投影片影像版面配置區 1"/>
+          <p:cNvSpPr>
+            <a:spLocks noGrp="1" noRot="1" noChangeAspect="1"/>
+          </p:cNvSpPr>
+          <p:nvPr>
+            <p:ph type="sldImg"/>
+          </p:nvPr>
+        </p:nvSpPr>
+        <p:spPr/>
+      </p:sp>
+      <p:sp>
+        <p:nvSpPr>
+          <p:cNvPr id="3" name="備忘稿版面配置區 2"/>
+          <p:cNvSpPr>
+            <a:spLocks noGrp="1"/>
+          </p:cNvSpPr>
+          <p:nvPr>
+            <p:ph type="body" idx="1"/>
+          </p:nvPr>
+        </p:nvSpPr>
+        <p:spPr/>
+        <p:txBody>
+          <a:bodyPr/>
+          <a:lstStyle/>
+          <a:p>
+            <a:pPr marL="0" marR="0" lvl="0" indent="0" algn="l" defTabSz="914400" rtl="0" eaLnBrk="1" fontAlgn="auto" latinLnBrk="0" hangingPunct="1">
+              <a:lnSpc>
+                <a:spcPct val="100000"/>
+              </a:lnSpc>
+              <a:spcBef>
+                <a:spcPts val="0"/>
+              </a:spcBef>
+              <a:spcAft>
+                <a:spcPts val="0"/>
+              </a:spcAft>
+              <a:buClrTx/>
+              <a:buSzTx/>
+              <a:buFontTx/>
+              <a:buNone/>
+              <a:tabLst/>
+              <a:defRPr/>
+            </a:pPr>
+            <a:r>
+              <a:rPr lang="zh-TW" altLang="en-US" dirty="0">
+                <a:latin typeface="微軟正黑體" panose="020B0604030504040204" pitchFamily="34" charset="-120"/>
+                <a:ea typeface="微軟正黑體" panose="020B0604030504040204" pitchFamily="34" charset="-120"/>
+              </a:rPr>
+              <a:t>執行 </a:t>
+            </a:r>
+            <a:r>
+              <a:rPr lang="en-US" altLang="zh-TW" dirty="0">
+                <a:latin typeface="微軟正黑體" panose="020B0604030504040204" pitchFamily="34" charset="-120"/>
+                <a:ea typeface="微軟正黑體" panose="020B0604030504040204" pitchFamily="34" charset="-120"/>
+              </a:rPr>
+              <a:t>relabel.py </a:t>
+            </a:r>
+            <a:r>
+              <a:rPr lang="zh-TW" altLang="en-US" dirty="0">
+                <a:latin typeface="微軟正黑體" panose="020B0604030504040204" pitchFamily="34" charset="-120"/>
+                <a:ea typeface="微軟正黑體" panose="020B0604030504040204" pitchFamily="34" charset="-120"/>
+              </a:rPr>
+              <a:t>將物件類別 </a:t>
+            </a:r>
+            <a:r>
+              <a:rPr lang="en-US" altLang="zh-TW" dirty="0">
+                <a:latin typeface="微軟正黑體" panose="020B0604030504040204" pitchFamily="34" charset="-120"/>
+                <a:ea typeface="微軟正黑體" panose="020B0604030504040204" pitchFamily="34" charset="-120"/>
+              </a:rPr>
+              <a:t>ID </a:t>
+            </a:r>
+            <a:r>
+              <a:rPr lang="zh-TW" altLang="en-US" dirty="0">
+                <a:latin typeface="微軟正黑體" panose="020B0604030504040204" pitchFamily="34" charset="-120"/>
+                <a:ea typeface="微軟正黑體" panose="020B0604030504040204" pitchFamily="34" charset="-120"/>
+              </a:rPr>
+              <a:t>重設為 </a:t>
+            </a:r>
+            <a:r>
+              <a:rPr lang="en-US" altLang="zh-TW" dirty="0">
+                <a:latin typeface="微軟正黑體" panose="020B0604030504040204" pitchFamily="34" charset="-120"/>
+                <a:ea typeface="微軟正黑體" panose="020B0604030504040204" pitchFamily="34" charset="-120"/>
+              </a:rPr>
+              <a:t>0</a:t>
+            </a:r>
+          </a:p>
+          <a:p>
+            <a:pPr marL="0" marR="0" lvl="0" indent="0" algn="l" defTabSz="914400" rtl="0" eaLnBrk="1" fontAlgn="auto" latinLnBrk="0" hangingPunct="1">
+              <a:lnSpc>
+                <a:spcPct val="100000"/>
+              </a:lnSpc>
+              <a:spcBef>
+                <a:spcPts val="0"/>
+              </a:spcBef>
+              <a:spcAft>
+                <a:spcPts val="0"/>
+              </a:spcAft>
+              <a:buClrTx/>
+              <a:buSzTx/>
+              <a:buFontTx/>
+              <a:buNone/>
+              <a:tabLst/>
+              <a:defRPr/>
+            </a:pPr>
+            <a:r>
+              <a:rPr lang="zh-TW" altLang="en-US" dirty="0">
+                <a:latin typeface="微軟正黑體" panose="020B0604030504040204" pitchFamily="34" charset="-120"/>
+                <a:ea typeface="微軟正黑體" panose="020B0604030504040204" pitchFamily="34" charset="-120"/>
+              </a:rPr>
+              <a:t>執行 </a:t>
+            </a:r>
+            <a:r>
+              <a:rPr lang="en-US" altLang="zh-TW" dirty="0">
+                <a:latin typeface="微軟正黑體" panose="020B0604030504040204" pitchFamily="34" charset="-120"/>
+                <a:ea typeface="微軟正黑體" panose="020B0604030504040204" pitchFamily="34" charset="-120"/>
+              </a:rPr>
+              <a:t>generate_train.py</a:t>
+            </a:r>
+            <a:r>
+              <a:rPr lang="zh-TW" altLang="en-US" dirty="0">
+                <a:latin typeface="微軟正黑體" panose="020B0604030504040204" pitchFamily="34" charset="-120"/>
+                <a:ea typeface="微軟正黑體" panose="020B0604030504040204" pitchFamily="34" charset="-120"/>
+              </a:rPr>
+              <a:t> 生成訓練資料路徑檔</a:t>
+            </a:r>
+            <a:endParaRPr lang="en-US" altLang="zh-TW" dirty="0">
+              <a:latin typeface="微軟正黑體" panose="020B0604030504040204" pitchFamily="34" charset="-120"/>
+              <a:ea typeface="微軟正黑體" panose="020B0604030504040204" pitchFamily="34" charset="-120"/>
+            </a:endParaRPr>
+          </a:p>
+          <a:p>
+            <a:endParaRPr lang="zh-TW" altLang="en-US" dirty="0"/>
+          </a:p>
+        </p:txBody>
+      </p:sp>
+      <p:sp>
+        <p:nvSpPr>
+          <p:cNvPr id="4" name="日期版面配置區 3"/>
+          <p:cNvSpPr>
+            <a:spLocks noGrp="1"/>
+          </p:cNvSpPr>
+          <p:nvPr>
+            <p:ph type="dt" idx="1"/>
+          </p:nvPr>
+        </p:nvSpPr>
+        <p:spPr/>
+        <p:txBody>
+          <a:bodyPr/>
+          <a:lstStyle/>
+          <a:p>
+            <a:pPr rtl="0"/>
+            <a:fld id="{AB916EA9-9B8C-4B06-BBDB-07A75F4AF607}" type="datetime1">
+              <a:rPr lang="zh-TW" altLang="en-US" smtClean="0"/>
+              <a:t>2022/6/8</a:t>
+            </a:fld>
+            <a:endParaRPr lang="en-US"/>
+          </a:p>
+        </p:txBody>
+      </p:sp>
+      <p:sp>
+        <p:nvSpPr>
+          <p:cNvPr id="5" name="投影片編號版面配置區 4"/>
+          <p:cNvSpPr>
+            <a:spLocks noGrp="1"/>
+          </p:cNvSpPr>
+          <p:nvPr>
+            <p:ph type="sldNum" sz="quarter" idx="5"/>
+          </p:nvPr>
+        </p:nvSpPr>
+        <p:spPr/>
+        <p:txBody>
+          <a:bodyPr/>
+          <a:lstStyle/>
+          <a:p>
+            <a:pPr rtl="0"/>
+            <a:fld id="{37A705E3-E620-489D-9973-6221209A4B3B}" type="slidenum">
+              <a:rPr lang="en-US" smtClean="0"/>
+              <a:t>6</a:t>
+            </a:fld>
+            <a:endParaRPr lang="en-US"/>
+          </a:p>
+        </p:txBody>
+      </p:sp>
+    </p:spTree>
+    <p:extLst>
+      <p:ext uri="{BB962C8B-B14F-4D97-AF65-F5344CB8AC3E}">
+        <p14:creationId xmlns:p14="http://schemas.microsoft.com/office/powerpoint/2010/main" val="524412471"/>
+      </p:ext>
+    </p:extLst>
+  </p:cSld>
+  <p:clrMapOvr>
+    <a:masterClrMapping/>
+  </p:clrMapOvr>
+</p:notes>
+</file>
+
+<file path=ppt/notesSlides/notesSlide3.xml><?xml version="1.0" encoding="utf-8"?>
+<p:notes xmlns:a="http://schemas.openxmlformats.org/drawingml/2006/main" xmlns:r="http://schemas.openxmlformats.org/officeDocument/2006/relationships" xmlns:p="http://schemas.openxmlformats.org/presentationml/2006/main">
+  <p:cSld>
+    <p:spTree>
+      <p:nvGrpSpPr>
+        <p:cNvPr id="1" name=""/>
+        <p:cNvGrpSpPr/>
+        <p:nvPr/>
+      </p:nvGrpSpPr>
+      <p:grpSpPr>
+        <a:xfrm>
+          <a:off x="0" y="0"/>
+          <a:ext cx="0" cy="0"/>
+          <a:chOff x="0" y="0"/>
+          <a:chExt cx="0" cy="0"/>
+        </a:xfrm>
+      </p:grpSpPr>
+      <p:sp>
+        <p:nvSpPr>
+          <p:cNvPr id="2" name="投影片影像版面配置區 1"/>
+          <p:cNvSpPr>
+            <a:spLocks noGrp="1" noRot="1" noChangeAspect="1"/>
+          </p:cNvSpPr>
+          <p:nvPr>
+            <p:ph type="sldImg"/>
+          </p:nvPr>
+        </p:nvSpPr>
+        <p:spPr/>
+      </p:sp>
+      <p:sp>
+        <p:nvSpPr>
+          <p:cNvPr id="3" name="備忘稿版面配置區 2"/>
+          <p:cNvSpPr>
+            <a:spLocks noGrp="1"/>
+          </p:cNvSpPr>
+          <p:nvPr>
+            <p:ph type="body" idx="1"/>
+          </p:nvPr>
+        </p:nvSpPr>
+        <p:spPr/>
+        <p:txBody>
+          <a:bodyPr/>
+          <a:lstStyle/>
+          <a:p>
+            <a:pPr marL="0" marR="0" lvl="0" indent="0" algn="l" defTabSz="914400" rtl="0" eaLnBrk="1" fontAlgn="auto" latinLnBrk="0" hangingPunct="1">
+              <a:lnSpc>
+                <a:spcPct val="100000"/>
+              </a:lnSpc>
+              <a:spcBef>
+                <a:spcPts val="0"/>
+              </a:spcBef>
+              <a:spcAft>
+                <a:spcPts val="0"/>
+              </a:spcAft>
+              <a:buClrTx/>
+              <a:buSzTx/>
+              <a:buFontTx/>
+              <a:buNone/>
+              <a:tabLst/>
+              <a:defRPr/>
+            </a:pPr>
+            <a:r>
+              <a:rPr lang="zh-TW" altLang="en-US" dirty="0">
+                <a:latin typeface="微軟正黑體" panose="020B0604030504040204" pitchFamily="34" charset="-120"/>
+                <a:ea typeface="微軟正黑體" panose="020B0604030504040204" pitchFamily="34" charset="-120"/>
+              </a:rPr>
+              <a:t>執行 </a:t>
+            </a:r>
+            <a:r>
+              <a:rPr lang="en-US" altLang="zh-TW" dirty="0">
+                <a:latin typeface="微軟正黑體" panose="020B0604030504040204" pitchFamily="34" charset="-120"/>
+                <a:ea typeface="微軟正黑體" panose="020B0604030504040204" pitchFamily="34" charset="-120"/>
+              </a:rPr>
+              <a:t>relabel.py </a:t>
+            </a:r>
+            <a:r>
+              <a:rPr lang="zh-TW" altLang="en-US" dirty="0">
+                <a:latin typeface="微軟正黑體" panose="020B0604030504040204" pitchFamily="34" charset="-120"/>
+                <a:ea typeface="微軟正黑體" panose="020B0604030504040204" pitchFamily="34" charset="-120"/>
+              </a:rPr>
+              <a:t>將物件類別 </a:t>
+            </a:r>
+            <a:r>
+              <a:rPr lang="en-US" altLang="zh-TW" dirty="0">
+                <a:latin typeface="微軟正黑體" panose="020B0604030504040204" pitchFamily="34" charset="-120"/>
+                <a:ea typeface="微軟正黑體" panose="020B0604030504040204" pitchFamily="34" charset="-120"/>
+              </a:rPr>
+              <a:t>ID </a:t>
+            </a:r>
+            <a:r>
+              <a:rPr lang="zh-TW" altLang="en-US" dirty="0">
+                <a:latin typeface="微軟正黑體" panose="020B0604030504040204" pitchFamily="34" charset="-120"/>
+                <a:ea typeface="微軟正黑體" panose="020B0604030504040204" pitchFamily="34" charset="-120"/>
+              </a:rPr>
+              <a:t>重設為 </a:t>
+            </a:r>
+            <a:r>
+              <a:rPr lang="en-US" altLang="zh-TW" dirty="0">
+                <a:latin typeface="微軟正黑體" panose="020B0604030504040204" pitchFamily="34" charset="-120"/>
+                <a:ea typeface="微軟正黑體" panose="020B0604030504040204" pitchFamily="34" charset="-120"/>
+              </a:rPr>
+              <a:t>0</a:t>
+            </a:r>
+          </a:p>
+          <a:p>
+            <a:pPr marL="0" marR="0" lvl="0" indent="0" algn="l" defTabSz="914400" rtl="0" eaLnBrk="1" fontAlgn="auto" latinLnBrk="0" hangingPunct="1">
+              <a:lnSpc>
+                <a:spcPct val="100000"/>
+              </a:lnSpc>
+              <a:spcBef>
+                <a:spcPts val="0"/>
+              </a:spcBef>
+              <a:spcAft>
+                <a:spcPts val="0"/>
+              </a:spcAft>
+              <a:buClrTx/>
+              <a:buSzTx/>
+              <a:buFontTx/>
+              <a:buNone/>
+              <a:tabLst/>
+              <a:defRPr/>
+            </a:pPr>
+            <a:r>
+              <a:rPr lang="zh-TW" altLang="en-US" dirty="0">
+                <a:latin typeface="微軟正黑體" panose="020B0604030504040204" pitchFamily="34" charset="-120"/>
+                <a:ea typeface="微軟正黑體" panose="020B0604030504040204" pitchFamily="34" charset="-120"/>
+              </a:rPr>
+              <a:t>執行 </a:t>
+            </a:r>
+            <a:r>
+              <a:rPr lang="en-US" altLang="zh-TW" dirty="0">
+                <a:latin typeface="微軟正黑體" panose="020B0604030504040204" pitchFamily="34" charset="-120"/>
+                <a:ea typeface="微軟正黑體" panose="020B0604030504040204" pitchFamily="34" charset="-120"/>
+              </a:rPr>
+              <a:t>generate_train.py</a:t>
+            </a:r>
+            <a:r>
+              <a:rPr lang="zh-TW" altLang="en-US" dirty="0">
+                <a:latin typeface="微軟正黑體" panose="020B0604030504040204" pitchFamily="34" charset="-120"/>
+                <a:ea typeface="微軟正黑體" panose="020B0604030504040204" pitchFamily="34" charset="-120"/>
+              </a:rPr>
+              <a:t> 生成訓練資料路徑檔</a:t>
+            </a:r>
+            <a:endParaRPr lang="en-US" altLang="zh-TW" dirty="0">
+              <a:latin typeface="微軟正黑體" panose="020B0604030504040204" pitchFamily="34" charset="-120"/>
+              <a:ea typeface="微軟正黑體" panose="020B0604030504040204" pitchFamily="34" charset="-120"/>
+            </a:endParaRPr>
+          </a:p>
+          <a:p>
+            <a:endParaRPr lang="zh-TW" altLang="en-US" dirty="0"/>
+          </a:p>
+        </p:txBody>
+      </p:sp>
+      <p:sp>
+        <p:nvSpPr>
+          <p:cNvPr id="4" name="日期版面配置區 3"/>
+          <p:cNvSpPr>
+            <a:spLocks noGrp="1"/>
+          </p:cNvSpPr>
+          <p:nvPr>
+            <p:ph type="dt" idx="1"/>
+          </p:nvPr>
+        </p:nvSpPr>
+        <p:spPr/>
+        <p:txBody>
+          <a:bodyPr/>
+          <a:lstStyle/>
+          <a:p>
+            <a:pPr rtl="0"/>
+            <a:fld id="{AB916EA9-9B8C-4B06-BBDB-07A75F4AF607}" type="datetime1">
+              <a:rPr lang="zh-TW" altLang="en-US" smtClean="0"/>
+              <a:t>2022/6/8</a:t>
+            </a:fld>
+            <a:endParaRPr lang="en-US"/>
+          </a:p>
+        </p:txBody>
+      </p:sp>
+      <p:sp>
+        <p:nvSpPr>
+          <p:cNvPr id="5" name="投影片編號版面配置區 4"/>
+          <p:cNvSpPr>
+            <a:spLocks noGrp="1"/>
+          </p:cNvSpPr>
+          <p:nvPr>
+            <p:ph type="sldNum" sz="quarter" idx="5"/>
+          </p:nvPr>
+        </p:nvSpPr>
+        <p:spPr/>
+        <p:txBody>
+          <a:bodyPr/>
+          <a:lstStyle/>
+          <a:p>
+            <a:pPr rtl="0"/>
+            <a:fld id="{37A705E3-E620-489D-9973-6221209A4B3B}" type="slidenum">
+              <a:rPr lang="en-US" smtClean="0"/>
+              <a:t>7</a:t>
+            </a:fld>
+            <a:endParaRPr lang="en-US"/>
+          </a:p>
+        </p:txBody>
+      </p:sp>
+    </p:spTree>
+    <p:extLst>
+      <p:ext uri="{BB962C8B-B14F-4D97-AF65-F5344CB8AC3E}">
+        <p14:creationId xmlns:p14="http://schemas.microsoft.com/office/powerpoint/2010/main" val="3815768530"/>
+      </p:ext>
+    </p:extLst>
+  </p:cSld>
+  <p:clrMapOvr>
+    <a:masterClrMapping/>
+  </p:clrMapOvr>
+</p:notes>
+</file>
+
+<file path=ppt/notesSlides/notesSlide4.xml><?xml version="1.0" encoding="utf-8"?>
+<p:notes xmlns:a="http://schemas.openxmlformats.org/drawingml/2006/main" xmlns:r="http://schemas.openxmlformats.org/officeDocument/2006/relationships" xmlns:p="http://schemas.openxmlformats.org/presentationml/2006/main">
+  <p:cSld>
+    <p:spTree>
+      <p:nvGrpSpPr>
+        <p:cNvPr id="1" name=""/>
+        <p:cNvGrpSpPr/>
+        <p:nvPr/>
+      </p:nvGrpSpPr>
+      <p:grpSpPr>
+        <a:xfrm>
+          <a:off x="0" y="0"/>
+          <a:ext cx="0" cy="0"/>
+          <a:chOff x="0" y="0"/>
+          <a:chExt cx="0" cy="0"/>
+        </a:xfrm>
+      </p:grpSpPr>
+      <p:sp>
+        <p:nvSpPr>
+          <p:cNvPr id="2" name="投影片影像版面配置區 1"/>
+          <p:cNvSpPr>
+            <a:spLocks noGrp="1" noRot="1" noChangeAspect="1"/>
+          </p:cNvSpPr>
+          <p:nvPr>
+            <p:ph type="sldImg"/>
+          </p:nvPr>
+        </p:nvSpPr>
+        <p:spPr/>
+      </p:sp>
+      <p:sp>
+        <p:nvSpPr>
+          <p:cNvPr id="3" name="備忘稿版面配置區 2"/>
+          <p:cNvSpPr>
+            <a:spLocks noGrp="1"/>
+          </p:cNvSpPr>
+          <p:nvPr>
+            <p:ph type="body" idx="1"/>
+          </p:nvPr>
+        </p:nvSpPr>
+        <p:spPr/>
+        <p:txBody>
+          <a:bodyPr/>
+          <a:lstStyle/>
+          <a:p>
+            <a:pPr marL="0" marR="0" lvl="0" indent="0" algn="l" defTabSz="914400" rtl="0" eaLnBrk="1" fontAlgn="auto" latinLnBrk="0" hangingPunct="1">
+              <a:lnSpc>
+                <a:spcPct val="100000"/>
+              </a:lnSpc>
+              <a:spcBef>
+                <a:spcPts val="0"/>
+              </a:spcBef>
+              <a:spcAft>
+                <a:spcPts val="0"/>
+              </a:spcAft>
+              <a:buClrTx/>
+              <a:buSzTx/>
+              <a:buFontTx/>
+              <a:buNone/>
+              <a:tabLst/>
+              <a:defRPr/>
+            </a:pPr>
+            <a:r>
+              <a:rPr lang="zh-TW" altLang="en-US" dirty="0">
+                <a:latin typeface="微軟正黑體" panose="020B0604030504040204" pitchFamily="34" charset="-120"/>
+                <a:ea typeface="微軟正黑體" panose="020B0604030504040204" pitchFamily="34" charset="-120"/>
+              </a:rPr>
+              <a:t>執行 </a:t>
+            </a:r>
+            <a:r>
+              <a:rPr lang="en-US" altLang="zh-TW" dirty="0">
+                <a:latin typeface="微軟正黑體" panose="020B0604030504040204" pitchFamily="34" charset="-120"/>
+                <a:ea typeface="微軟正黑體" panose="020B0604030504040204" pitchFamily="34" charset="-120"/>
+              </a:rPr>
+              <a:t>relabel.py </a:t>
+            </a:r>
+            <a:r>
+              <a:rPr lang="zh-TW" altLang="en-US" dirty="0">
+                <a:latin typeface="微軟正黑體" panose="020B0604030504040204" pitchFamily="34" charset="-120"/>
+                <a:ea typeface="微軟正黑體" panose="020B0604030504040204" pitchFamily="34" charset="-120"/>
+              </a:rPr>
+              <a:t>將物件類別 </a:t>
+            </a:r>
+            <a:r>
+              <a:rPr lang="en-US" altLang="zh-TW" dirty="0">
+                <a:latin typeface="微軟正黑體" panose="020B0604030504040204" pitchFamily="34" charset="-120"/>
+                <a:ea typeface="微軟正黑體" panose="020B0604030504040204" pitchFamily="34" charset="-120"/>
+              </a:rPr>
+              <a:t>ID </a:t>
+            </a:r>
+            <a:r>
+              <a:rPr lang="zh-TW" altLang="en-US" dirty="0">
+                <a:latin typeface="微軟正黑體" panose="020B0604030504040204" pitchFamily="34" charset="-120"/>
+                <a:ea typeface="微軟正黑體" panose="020B0604030504040204" pitchFamily="34" charset="-120"/>
+              </a:rPr>
+              <a:t>重設為 </a:t>
+            </a:r>
+            <a:r>
+              <a:rPr lang="en-US" altLang="zh-TW" dirty="0">
+                <a:latin typeface="微軟正黑體" panose="020B0604030504040204" pitchFamily="34" charset="-120"/>
+                <a:ea typeface="微軟正黑體" panose="020B0604030504040204" pitchFamily="34" charset="-120"/>
+              </a:rPr>
+              <a:t>0</a:t>
+            </a:r>
+          </a:p>
+          <a:p>
+            <a:pPr marL="0" marR="0" lvl="0" indent="0" algn="l" defTabSz="914400" rtl="0" eaLnBrk="1" fontAlgn="auto" latinLnBrk="0" hangingPunct="1">
+              <a:lnSpc>
+                <a:spcPct val="100000"/>
+              </a:lnSpc>
+              <a:spcBef>
+                <a:spcPts val="0"/>
+              </a:spcBef>
+              <a:spcAft>
+                <a:spcPts val="0"/>
+              </a:spcAft>
+              <a:buClrTx/>
+              <a:buSzTx/>
+              <a:buFontTx/>
+              <a:buNone/>
+              <a:tabLst/>
+              <a:defRPr/>
+            </a:pPr>
+            <a:r>
+              <a:rPr lang="zh-TW" altLang="en-US" dirty="0">
+                <a:latin typeface="微軟正黑體" panose="020B0604030504040204" pitchFamily="34" charset="-120"/>
+                <a:ea typeface="微軟正黑體" panose="020B0604030504040204" pitchFamily="34" charset="-120"/>
+              </a:rPr>
+              <a:t>執行 </a:t>
+            </a:r>
+            <a:r>
+              <a:rPr lang="en-US" altLang="zh-TW" dirty="0">
+                <a:latin typeface="微軟正黑體" panose="020B0604030504040204" pitchFamily="34" charset="-120"/>
+                <a:ea typeface="微軟正黑體" panose="020B0604030504040204" pitchFamily="34" charset="-120"/>
+              </a:rPr>
+              <a:t>generate_train.py</a:t>
+            </a:r>
+            <a:r>
+              <a:rPr lang="zh-TW" altLang="en-US" dirty="0">
+                <a:latin typeface="微軟正黑體" panose="020B0604030504040204" pitchFamily="34" charset="-120"/>
+                <a:ea typeface="微軟正黑體" panose="020B0604030504040204" pitchFamily="34" charset="-120"/>
+              </a:rPr>
+              <a:t> 生成訓練資料路徑檔</a:t>
+            </a:r>
+            <a:endParaRPr lang="en-US" altLang="zh-TW" dirty="0">
+              <a:latin typeface="微軟正黑體" panose="020B0604030504040204" pitchFamily="34" charset="-120"/>
+              <a:ea typeface="微軟正黑體" panose="020B0604030504040204" pitchFamily="34" charset="-120"/>
+            </a:endParaRPr>
+          </a:p>
+          <a:p>
+            <a:endParaRPr lang="zh-TW" altLang="en-US" dirty="0"/>
+          </a:p>
+        </p:txBody>
+      </p:sp>
+      <p:sp>
+        <p:nvSpPr>
+          <p:cNvPr id="4" name="日期版面配置區 3"/>
+          <p:cNvSpPr>
+            <a:spLocks noGrp="1"/>
+          </p:cNvSpPr>
+          <p:nvPr>
+            <p:ph type="dt" idx="1"/>
+          </p:nvPr>
+        </p:nvSpPr>
+        <p:spPr/>
+        <p:txBody>
+          <a:bodyPr/>
+          <a:lstStyle/>
+          <a:p>
+            <a:pPr rtl="0"/>
+            <a:fld id="{AB916EA9-9B8C-4B06-BBDB-07A75F4AF607}" type="datetime1">
+              <a:rPr lang="zh-TW" altLang="en-US" smtClean="0"/>
+              <a:t>2022/6/8</a:t>
+            </a:fld>
+            <a:endParaRPr lang="en-US"/>
+          </a:p>
+        </p:txBody>
+      </p:sp>
+      <p:sp>
+        <p:nvSpPr>
+          <p:cNvPr id="5" name="投影片編號版面配置區 4"/>
+          <p:cNvSpPr>
+            <a:spLocks noGrp="1"/>
+          </p:cNvSpPr>
+          <p:nvPr>
+            <p:ph type="sldNum" sz="quarter" idx="5"/>
+          </p:nvPr>
+        </p:nvSpPr>
+        <p:spPr/>
+        <p:txBody>
+          <a:bodyPr/>
+          <a:lstStyle/>
+          <a:p>
+            <a:pPr rtl="0"/>
+            <a:fld id="{37A705E3-E620-489D-9973-6221209A4B3B}" type="slidenum">
+              <a:rPr lang="en-US" smtClean="0"/>
+              <a:t>8</a:t>
+            </a:fld>
+            <a:endParaRPr lang="en-US"/>
+          </a:p>
+        </p:txBody>
+      </p:sp>
+    </p:spTree>
+    <p:extLst>
+      <p:ext uri="{BB962C8B-B14F-4D97-AF65-F5344CB8AC3E}">
+        <p14:creationId xmlns:p14="http://schemas.microsoft.com/office/powerpoint/2010/main" val="2435633396"/>
+      </p:ext>
+    </p:extLst>
+  </p:cSld>
+  <p:clrMapOvr>
+    <a:masterClrMapping/>
+  </p:clrMapOvr>
+</p:notes>
+</file>
+
+<file path=ppt/notesSlides/notesSlide5.xml><?xml version="1.0" encoding="utf-8"?>
+<p:notes xmlns:a="http://schemas.openxmlformats.org/drawingml/2006/main" xmlns:r="http://schemas.openxmlformats.org/officeDocument/2006/relationships" xmlns:p="http://schemas.openxmlformats.org/presentationml/2006/main">
+  <p:cSld>
+    <p:spTree>
+      <p:nvGrpSpPr>
+        <p:cNvPr id="1" name=""/>
+        <p:cNvGrpSpPr/>
+        <p:nvPr/>
+      </p:nvGrpSpPr>
+      <p:grpSpPr>
+        <a:xfrm>
+          <a:off x="0" y="0"/>
+          <a:ext cx="0" cy="0"/>
+          <a:chOff x="0" y="0"/>
+          <a:chExt cx="0" cy="0"/>
+        </a:xfrm>
+      </p:grpSpPr>
+      <p:sp>
+        <p:nvSpPr>
+          <p:cNvPr id="2" name="投影片影像版面配置區 1"/>
+          <p:cNvSpPr>
+            <a:spLocks noGrp="1" noRot="1" noChangeAspect="1"/>
+          </p:cNvSpPr>
+          <p:nvPr>
+            <p:ph type="sldImg"/>
+          </p:nvPr>
+        </p:nvSpPr>
+        <p:spPr/>
+      </p:sp>
+      <p:sp>
+        <p:nvSpPr>
+          <p:cNvPr id="3" name="備忘稿版面配置區 2"/>
+          <p:cNvSpPr>
+            <a:spLocks noGrp="1"/>
+          </p:cNvSpPr>
+          <p:nvPr>
+            <p:ph type="body" idx="1"/>
+          </p:nvPr>
+        </p:nvSpPr>
+        <p:spPr/>
+        <p:txBody>
+          <a:bodyPr/>
+          <a:lstStyle/>
+          <a:p>
+            <a:pPr marL="0" marR="0" lvl="0" indent="0" algn="l" defTabSz="914400" rtl="0" eaLnBrk="1" fontAlgn="auto" latinLnBrk="0" hangingPunct="1">
+              <a:lnSpc>
+                <a:spcPct val="100000"/>
+              </a:lnSpc>
+              <a:spcBef>
+                <a:spcPts val="0"/>
+              </a:spcBef>
+              <a:spcAft>
+                <a:spcPts val="0"/>
+              </a:spcAft>
+              <a:buClrTx/>
+              <a:buSzTx/>
+              <a:buFontTx/>
+              <a:buNone/>
+              <a:tabLst/>
+              <a:defRPr/>
+            </a:pPr>
+            <a:r>
+              <a:rPr lang="zh-TW" altLang="en-US" dirty="0">
+                <a:latin typeface="微軟正黑體" panose="020B0604030504040204" pitchFamily="34" charset="-120"/>
+                <a:ea typeface="微軟正黑體" panose="020B0604030504040204" pitchFamily="34" charset="-120"/>
+              </a:rPr>
+              <a:t>執行 </a:t>
+            </a:r>
+            <a:r>
+              <a:rPr lang="en-US" altLang="zh-TW" dirty="0">
+                <a:latin typeface="微軟正黑體" panose="020B0604030504040204" pitchFamily="34" charset="-120"/>
+                <a:ea typeface="微軟正黑體" panose="020B0604030504040204" pitchFamily="34" charset="-120"/>
+              </a:rPr>
+              <a:t>relabel.py </a:t>
+            </a:r>
+            <a:r>
+              <a:rPr lang="zh-TW" altLang="en-US" dirty="0">
+                <a:latin typeface="微軟正黑體" panose="020B0604030504040204" pitchFamily="34" charset="-120"/>
+                <a:ea typeface="微軟正黑體" panose="020B0604030504040204" pitchFamily="34" charset="-120"/>
+              </a:rPr>
+              <a:t>將物件類別 </a:t>
+            </a:r>
+            <a:r>
+              <a:rPr lang="en-US" altLang="zh-TW" dirty="0">
+                <a:latin typeface="微軟正黑體" panose="020B0604030504040204" pitchFamily="34" charset="-120"/>
+                <a:ea typeface="微軟正黑體" panose="020B0604030504040204" pitchFamily="34" charset="-120"/>
+              </a:rPr>
+              <a:t>ID </a:t>
+            </a:r>
+            <a:r>
+              <a:rPr lang="zh-TW" altLang="en-US" dirty="0">
+                <a:latin typeface="微軟正黑體" panose="020B0604030504040204" pitchFamily="34" charset="-120"/>
+                <a:ea typeface="微軟正黑體" panose="020B0604030504040204" pitchFamily="34" charset="-120"/>
+              </a:rPr>
+              <a:t>重設為 </a:t>
+            </a:r>
+            <a:r>
+              <a:rPr lang="en-US" altLang="zh-TW" dirty="0">
+                <a:latin typeface="微軟正黑體" panose="020B0604030504040204" pitchFamily="34" charset="-120"/>
+                <a:ea typeface="微軟正黑體" panose="020B0604030504040204" pitchFamily="34" charset="-120"/>
+              </a:rPr>
+              <a:t>0</a:t>
+            </a:r>
+          </a:p>
+          <a:p>
+            <a:pPr marL="0" marR="0" lvl="0" indent="0" algn="l" defTabSz="914400" rtl="0" eaLnBrk="1" fontAlgn="auto" latinLnBrk="0" hangingPunct="1">
+              <a:lnSpc>
+                <a:spcPct val="100000"/>
+              </a:lnSpc>
+              <a:spcBef>
+                <a:spcPts val="0"/>
+              </a:spcBef>
+              <a:spcAft>
+                <a:spcPts val="0"/>
+              </a:spcAft>
+              <a:buClrTx/>
+              <a:buSzTx/>
+              <a:buFontTx/>
+              <a:buNone/>
+              <a:tabLst/>
+              <a:defRPr/>
+            </a:pPr>
+            <a:r>
+              <a:rPr lang="zh-TW" altLang="en-US" dirty="0">
+                <a:latin typeface="微軟正黑體" panose="020B0604030504040204" pitchFamily="34" charset="-120"/>
+                <a:ea typeface="微軟正黑體" panose="020B0604030504040204" pitchFamily="34" charset="-120"/>
+              </a:rPr>
+              <a:t>執行 </a:t>
+            </a:r>
+            <a:r>
+              <a:rPr lang="en-US" altLang="zh-TW" dirty="0">
+                <a:latin typeface="微軟正黑體" panose="020B0604030504040204" pitchFamily="34" charset="-120"/>
+                <a:ea typeface="微軟正黑體" panose="020B0604030504040204" pitchFamily="34" charset="-120"/>
+              </a:rPr>
+              <a:t>generate_train.py</a:t>
+            </a:r>
+            <a:r>
+              <a:rPr lang="zh-TW" altLang="en-US" dirty="0">
+                <a:latin typeface="微軟正黑體" panose="020B0604030504040204" pitchFamily="34" charset="-120"/>
+                <a:ea typeface="微軟正黑體" panose="020B0604030504040204" pitchFamily="34" charset="-120"/>
+              </a:rPr>
+              <a:t> 生成訓練資料路徑檔</a:t>
+            </a:r>
+            <a:endParaRPr lang="en-US" altLang="zh-TW" dirty="0">
+              <a:latin typeface="微軟正黑體" panose="020B0604030504040204" pitchFamily="34" charset="-120"/>
+              <a:ea typeface="微軟正黑體" panose="020B0604030504040204" pitchFamily="34" charset="-120"/>
+            </a:endParaRPr>
+          </a:p>
+          <a:p>
+            <a:endParaRPr lang="zh-TW" altLang="en-US" dirty="0"/>
+          </a:p>
+        </p:txBody>
+      </p:sp>
+      <p:sp>
+        <p:nvSpPr>
+          <p:cNvPr id="4" name="日期版面配置區 3"/>
+          <p:cNvSpPr>
+            <a:spLocks noGrp="1"/>
+          </p:cNvSpPr>
+          <p:nvPr>
+            <p:ph type="dt" idx="1"/>
+          </p:nvPr>
+        </p:nvSpPr>
+        <p:spPr/>
+        <p:txBody>
+          <a:bodyPr/>
+          <a:lstStyle/>
+          <a:p>
+            <a:pPr rtl="0"/>
+            <a:fld id="{AB916EA9-9B8C-4B06-BBDB-07A75F4AF607}" type="datetime1">
+              <a:rPr lang="zh-TW" altLang="en-US" smtClean="0"/>
+              <a:t>2022/6/8</a:t>
+            </a:fld>
+            <a:endParaRPr lang="en-US"/>
+          </a:p>
+        </p:txBody>
+      </p:sp>
+      <p:sp>
+        <p:nvSpPr>
+          <p:cNvPr id="5" name="投影片編號版面配置區 4"/>
+          <p:cNvSpPr>
+            <a:spLocks noGrp="1"/>
+          </p:cNvSpPr>
+          <p:nvPr>
+            <p:ph type="sldNum" sz="quarter" idx="5"/>
+          </p:nvPr>
+        </p:nvSpPr>
+        <p:spPr/>
+        <p:txBody>
+          <a:bodyPr/>
+          <a:lstStyle/>
+          <a:p>
+            <a:pPr rtl="0"/>
+            <a:fld id="{37A705E3-E620-489D-9973-6221209A4B3B}" type="slidenum">
+              <a:rPr lang="en-US" smtClean="0"/>
+              <a:t>9</a:t>
+            </a:fld>
+            <a:endParaRPr lang="en-US"/>
+          </a:p>
+        </p:txBody>
+      </p:sp>
+    </p:spTree>
+    <p:extLst>
+      <p:ext uri="{BB962C8B-B14F-4D97-AF65-F5344CB8AC3E}">
+        <p14:creationId xmlns:p14="http://schemas.microsoft.com/office/powerpoint/2010/main" val="2211717990"/>
+      </p:ext>
+    </p:extLst>
+  </p:cSld>
+  <p:clrMapOvr>
+    <a:masterClrMapping/>
+  </p:clrMapOvr>
+</p:notes>
 </file>
 
 <file path=ppt/slideLayouts/slideLayout1.xml><?xml version="1.0" encoding="utf-8"?>
@@ -4782,7 +8589,7 @@
           <a:p>
             <a:fld id="{4D9EAB54-90A7-4427-8D5D-1517AC1256FE}" type="datetime1">
               <a:rPr lang="zh-TW" altLang="en-US" smtClean="0"/>
-              <a:t>2022/5/24</a:t>
+              <a:t>2022/6/8</a:t>
             </a:fld>
             <a:endParaRPr lang="en-US" dirty="0"/>
           </a:p>
@@ -4991,7 +8798,7 @@
             <a:pPr rtl="0"/>
             <a:fld id="{0DE064CC-B997-463F-949D-526814740EEF}" type="datetime1">
               <a:rPr lang="zh-TW" altLang="en-US" smtClean="0"/>
-              <a:t>2022/5/24</a:t>
+              <a:t>2022/6/8</a:t>
             </a:fld>
             <a:endParaRPr lang="en-US"/>
           </a:p>
@@ -5175,7 +8982,7 @@
             <a:pPr rtl="0"/>
             <a:fld id="{22128EAF-448F-42C4-BB03-9B0CC8E0C77B}" type="datetime1">
               <a:rPr lang="zh-TW" altLang="en-US" smtClean="0"/>
-              <a:t>2022/5/24</a:t>
+              <a:t>2022/6/8</a:t>
             </a:fld>
             <a:endParaRPr lang="en-US"/>
           </a:p>
@@ -5341,7 +9148,12 @@
             <p:ph type="dt" sz="half" idx="10"/>
           </p:nvPr>
         </p:nvSpPr>
-        <p:spPr/>
+        <p:spPr>
+          <a:xfrm>
+            <a:off x="8232155" y="6041670"/>
+            <a:ext cx="2893045" cy="365760"/>
+          </a:xfrm>
+        </p:spPr>
         <p:txBody>
           <a:bodyPr rtlCol="0"/>
           <a:lstStyle/>
@@ -5349,7 +9161,7 @@
             <a:pPr rtl="0"/>
             <a:fld id="{CE847876-3A2B-49FA-B396-40048599C954}" type="datetime1">
               <a:rPr lang="zh-TW" altLang="en-US" smtClean="0"/>
-              <a:t>2022/5/24</a:t>
+              <a:t>2022/6/8</a:t>
             </a:fld>
             <a:endParaRPr lang="en-US"/>
           </a:p>
@@ -5953,7 +9765,7 @@
           <a:p>
             <a:fld id="{294347CA-4B58-4AEE-8DA6-4E2B096FC96F}" type="datetime1">
               <a:rPr lang="zh-TW" altLang="en-US" smtClean="0"/>
-              <a:t>2022/5/24</a:t>
+              <a:t>2022/6/8</a:t>
             </a:fld>
             <a:endParaRPr dirty="0"/>
           </a:p>
@@ -6280,7 +10092,7 @@
             <a:pPr rtl="0"/>
             <a:fld id="{23CCF91B-17D2-4072-B2E9-D16F58DFD8EB}" type="datetime1">
               <a:rPr lang="zh-TW" altLang="en-US" smtClean="0"/>
-              <a:t>2022/5/24</a:t>
+              <a:t>2022/6/8</a:t>
             </a:fld>
             <a:endParaRPr lang="en-US"/>
           </a:p>
@@ -6721,7 +10533,7 @@
             <a:pPr rtl="0"/>
             <a:fld id="{9651C41F-D9A3-457D-A3FA-0A5DBEF4266B}" type="datetime1">
               <a:rPr lang="zh-TW" altLang="en-US" smtClean="0"/>
-              <a:t>2022/5/24</a:t>
+              <a:t>2022/6/8</a:t>
             </a:fld>
             <a:endParaRPr lang="en-US" dirty="0"/>
           </a:p>
@@ -6843,7 +10655,7 @@
             <a:pPr rtl="0"/>
             <a:fld id="{A33183BB-2861-4A80-80A6-2C9B82653C78}" type="datetime1">
               <a:rPr lang="zh-TW" altLang="en-US" smtClean="0"/>
-              <a:t>2022/5/24</a:t>
+              <a:t>2022/6/8</a:t>
             </a:fld>
             <a:endParaRPr lang="en-US"/>
           </a:p>
@@ -6941,7 +10753,7 @@
             <a:pPr rtl="0"/>
             <a:fld id="{956085DB-A18D-4659-BA29-412FA9C45839}" type="datetime1">
               <a:rPr lang="zh-TW" altLang="en-US" smtClean="0"/>
-              <a:t>2022/5/24</a:t>
+              <a:t>2022/6/8</a:t>
             </a:fld>
             <a:endParaRPr lang="en-US"/>
           </a:p>
@@ -7379,7 +11191,7 @@
             <a:pPr rtl="0"/>
             <a:fld id="{453BEA6C-00E9-40EA-A338-3A3492325C3F}" type="datetime1">
               <a:rPr lang="zh-TW" altLang="en-US" smtClean="0"/>
-              <a:t>2022/5/24</a:t>
+              <a:t>2022/6/8</a:t>
             </a:fld>
             <a:endParaRPr lang="en-US" dirty="0"/>
           </a:p>
@@ -7645,7 +11457,7 @@
           <a:p>
             <a:fld id="{0827CC67-2DD7-42FE-B417-D6036783A853}" type="datetime1">
               <a:rPr lang="zh-TW" altLang="en-US" smtClean="0"/>
-              <a:t>2022/5/24</a:t>
+              <a:t>2022/6/8</a:t>
             </a:fld>
             <a:endParaRPr lang="en-US" dirty="0"/>
           </a:p>
@@ -8140,7 +11952,7 @@
         </p:nvSpPr>
         <p:spPr>
           <a:xfrm>
-            <a:off x="7256794" y="6035040"/>
+            <a:off x="8232155" y="6035040"/>
             <a:ext cx="2893045" cy="365760"/>
           </a:xfrm>
           <a:prstGeom prst="rect">
@@ -8166,7 +11978,7 @@
           <a:p>
             <a:fld id="{46C11105-4E24-4682-A6F5-E2BADE4D0872}" type="datetime1">
               <a:rPr lang="zh-TW" altLang="en-US" smtClean="0"/>
-              <a:t>2022/5/24</a:t>
+              <a:t>2022/6/8</a:t>
             </a:fld>
             <a:endParaRPr lang="en-US" dirty="0"/>
           </a:p>
@@ -8917,7 +12729,7 @@
           <p:cNvPr id="2" name="標題 1">
             <a:extLst>
               <a:ext uri="{FF2B5EF4-FFF2-40B4-BE49-F238E27FC236}">
-                <a16:creationId xmlns:a16="http://schemas.microsoft.com/office/drawing/2014/main" id="{B945007D-DF59-C235-FF9D-84FB2290335E}"/>
+                <a16:creationId xmlns:a16="http://schemas.microsoft.com/office/drawing/2014/main" id="{4C3D0BF3-4E5A-8CDB-688D-71E5DCD4800F}"/>
               </a:ext>
             </a:extLst>
           </p:cNvPr>
@@ -8928,37 +12740,22 @@
             <p:ph type="title"/>
           </p:nvPr>
         </p:nvSpPr>
-        <p:spPr>
-          <a:xfrm>
-            <a:off x="1629156" y="2275165"/>
-            <a:ext cx="8933688" cy="2406895"/>
-          </a:xfrm>
-        </p:spPr>
+        <p:spPr/>
         <p:txBody>
-          <a:bodyPr anchor="ctr">
-            <a:normAutofit/>
-          </a:bodyPr>
+          <a:bodyPr/>
           <a:lstStyle/>
           <a:p>
             <a:r>
-              <a:rPr lang="zh-TW" altLang="en-US" sz="6600" dirty="0"/>
-              <a:t>標記完的</a:t>
-            </a:r>
-            <a:r>
-              <a:rPr lang="en-US" altLang="zh-TW" sz="6600" dirty="0"/>
-              <a:t>txt</a:t>
-            </a:r>
-            <a:r>
-              <a:rPr lang="zh-TW" altLang="en-US" sz="6600" dirty="0"/>
-              <a:t>和</a:t>
-            </a:r>
-            <a:r>
-              <a:rPr lang="en-US" altLang="zh-TW" sz="6600" dirty="0"/>
-              <a:t>jpg</a:t>
-            </a:r>
-            <a:r>
-              <a:rPr lang="zh-TW" altLang="en-US" sz="6600" dirty="0"/>
-              <a:t>檔案</a:t>
+              <a:rPr lang="zh-TW" altLang="en-US" dirty="0"/>
+              <a:t>訓練 </a:t>
+            </a:r>
+            <a:r>
+              <a:rPr lang="en-US" altLang="zh-TW" dirty="0"/>
+              <a:t>&amp; </a:t>
+            </a:r>
+            <a:r>
+              <a:rPr lang="zh-TW" altLang="en-US" dirty="0"/>
+              <a:t>預測</a:t>
             </a:r>
           </a:p>
         </p:txBody>
@@ -8968,7 +12765,7 @@
           <p:cNvPr id="3" name="內容版面配置區 2">
             <a:extLst>
               <a:ext uri="{FF2B5EF4-FFF2-40B4-BE49-F238E27FC236}">
-                <a16:creationId xmlns:a16="http://schemas.microsoft.com/office/drawing/2014/main" id="{E6AC6C6E-B6D3-DC5B-7983-9DB0BD7FE30A}"/>
+                <a16:creationId xmlns:a16="http://schemas.microsoft.com/office/drawing/2014/main" id="{8A6C0D33-2302-B118-F088-445B6F572140}"/>
               </a:ext>
             </a:extLst>
           </p:cNvPr>
@@ -8976,26 +12773,40 @@
             <a:spLocks noGrp="1"/>
           </p:cNvSpPr>
           <p:nvPr>
-            <p:ph type="body" idx="1"/>
+            <p:ph idx="1"/>
           </p:nvPr>
         </p:nvSpPr>
         <p:spPr>
           <a:xfrm>
-            <a:off x="1629156" y="4682062"/>
-            <a:ext cx="8939784" cy="457200"/>
+            <a:off x="685798" y="2014194"/>
+            <a:ext cx="6321491" cy="605181"/>
           </a:xfrm>
         </p:spPr>
         <p:txBody>
-          <a:bodyPr anchor="t">
-            <a:normAutofit fontScale="85000" lnSpcReduction="10000"/>
-          </a:bodyPr>
+          <a:bodyPr/>
           <a:lstStyle/>
           <a:p>
-            <a:r>
-              <a:rPr lang="en-US" altLang="zh-TW" dirty="0">
-                <a:hlinkClick r:id="rId2"/>
+            <a:pPr marL="640080" indent="-457200">
+              <a:buFont typeface="+mj-lt"/>
+              <a:buAutoNum type="arabicParenR"/>
+            </a:pPr>
+            <a:r>
+              <a:rPr lang="zh-TW" altLang="en-US" sz="2100" b="1" dirty="0">
+                <a:latin typeface="+mn-lt"/>
               </a:rPr>
-              <a:t>https://drive.google.com/file/d/1rBR5dYZ49jAmRN7GLZBrIXU3_21mkZBJ/view?usp=sharing</a:t>
+              <a:t>使用 </a:t>
+            </a:r>
+            <a:r>
+              <a:rPr lang="en-US" altLang="zh-TW" sz="2100" b="1" dirty="0">
+                <a:latin typeface="+mn-lt"/>
+              </a:rPr>
+              <a:t>YOLOv4</a:t>
+            </a:r>
+            <a:r>
+              <a:rPr lang="zh-TW" altLang="en-US" sz="2100" b="1" dirty="0">
+                <a:latin typeface="+mn-lt"/>
+              </a:rPr>
+              <a:t> 對預先訓練的權重檔進行訓練</a:t>
             </a:r>
             <a:endParaRPr lang="zh-TW" altLang="en-US" dirty="0"/>
           </a:p>
@@ -9006,7 +12817,837 @@
           <p:cNvPr id="4" name="日期版面配置區 3">
             <a:extLst>
               <a:ext uri="{FF2B5EF4-FFF2-40B4-BE49-F238E27FC236}">
-                <a16:creationId xmlns:a16="http://schemas.microsoft.com/office/drawing/2014/main" id="{F094FBC1-201B-80D1-EF6B-CCC6040F4A4B}"/>
+                <a16:creationId xmlns:a16="http://schemas.microsoft.com/office/drawing/2014/main" id="{30EFC799-FEDF-6ACE-7DD1-3DCCF1155ACE}"/>
+              </a:ext>
+            </a:extLst>
+          </p:cNvPr>
+          <p:cNvSpPr>
+            <a:spLocks noGrp="1"/>
+          </p:cNvSpPr>
+          <p:nvPr>
+            <p:ph type="dt" sz="half" idx="10"/>
+          </p:nvPr>
+        </p:nvSpPr>
+        <p:spPr/>
+        <p:txBody>
+          <a:bodyPr/>
+          <a:lstStyle/>
+          <a:p>
+            <a:pPr rtl="0"/>
+            <a:fld id="{CE847876-3A2B-49FA-B396-40048599C954}" type="datetime1">
+              <a:rPr lang="zh-TW" altLang="en-US" smtClean="0"/>
+              <a:t>2022/6/8</a:t>
+            </a:fld>
+            <a:endParaRPr lang="en-US"/>
+          </a:p>
+        </p:txBody>
+      </p:sp>
+      <p:pic>
+        <p:nvPicPr>
+          <p:cNvPr id="11" name="圖片 10">
+            <a:extLst>
+              <a:ext uri="{FF2B5EF4-FFF2-40B4-BE49-F238E27FC236}">
+                <a16:creationId xmlns:a16="http://schemas.microsoft.com/office/drawing/2014/main" id="{FA4D2C6D-2D13-45E5-9551-1A4A00477FF5}"/>
+              </a:ext>
+            </a:extLst>
+          </p:cNvPr>
+          <p:cNvPicPr>
+            <a:picLocks noChangeAspect="1"/>
+          </p:cNvPicPr>
+          <p:nvPr/>
+        </p:nvPicPr>
+        <p:blipFill>
+          <a:blip r:embed="rId2"/>
+          <a:stretch>
+            <a:fillRect/>
+          </a:stretch>
+        </p:blipFill>
+        <p:spPr>
+          <a:xfrm>
+            <a:off x="1480493" y="3284458"/>
+            <a:ext cx="9231013" cy="390580"/>
+          </a:xfrm>
+          <a:prstGeom prst="rect">
+            <a:avLst/>
+          </a:prstGeom>
+        </p:spPr>
+      </p:pic>
+      <p:sp>
+        <p:nvSpPr>
+          <p:cNvPr id="12" name="內容版面配置區 2">
+            <a:extLst>
+              <a:ext uri="{FF2B5EF4-FFF2-40B4-BE49-F238E27FC236}">
+                <a16:creationId xmlns:a16="http://schemas.microsoft.com/office/drawing/2014/main" id="{F98801C4-6F9D-473B-B215-F716166682C3}"/>
+              </a:ext>
+            </a:extLst>
+          </p:cNvPr>
+          <p:cNvSpPr txBox="1">
+            <a:spLocks/>
+          </p:cNvSpPr>
+          <p:nvPr/>
+        </p:nvSpPr>
+        <p:spPr>
+          <a:xfrm>
+            <a:off x="1209673" y="2790832"/>
+            <a:ext cx="1552577" cy="493625"/>
+          </a:xfrm>
+          <a:prstGeom prst="rect">
+            <a:avLst/>
+          </a:prstGeom>
+        </p:spPr>
+        <p:txBody>
+          <a:bodyPr vert="horz" lIns="91440" tIns="45720" rIns="91440" bIns="45720" rtlCol="0">
+            <a:normAutofit/>
+          </a:bodyPr>
+          <a:lstStyle>
+            <a:lvl1pPr marL="182880" indent="-182880" algn="l" defTabSz="914400" rtl="0" eaLnBrk="1" latinLnBrk="0" hangingPunct="1">
+              <a:lnSpc>
+                <a:spcPct val="110000"/>
+              </a:lnSpc>
+              <a:spcBef>
+                <a:spcPts val="900"/>
+              </a:spcBef>
+              <a:spcAft>
+                <a:spcPts val="0"/>
+              </a:spcAft>
+              <a:buClr>
+                <a:schemeClr val="tx1">
+                  <a:lumMod val="85000"/>
+                  <a:lumOff val="15000"/>
+                </a:schemeClr>
+              </a:buClr>
+              <a:buFont typeface="Garamond" pitchFamily="18" charset="0"/>
+              <a:buChar char="◦"/>
+              <a:defRPr sz="1500" kern="1200">
+                <a:solidFill>
+                  <a:schemeClr val="tx1"/>
+                </a:solidFill>
+                <a:latin typeface="Microsoft JhengHei UI" panose="020B0604030504040204" pitchFamily="34" charset="-120"/>
+                <a:ea typeface="Microsoft JhengHei UI" panose="020B0604030504040204" pitchFamily="34" charset="-120"/>
+                <a:cs typeface="+mn-cs"/>
+              </a:defRPr>
+            </a:lvl1pPr>
+            <a:lvl2pPr marL="457200" indent="-182880" algn="l" defTabSz="914400" rtl="0" eaLnBrk="1" latinLnBrk="0" hangingPunct="1">
+              <a:lnSpc>
+                <a:spcPct val="100000"/>
+              </a:lnSpc>
+              <a:spcBef>
+                <a:spcPts val="500"/>
+              </a:spcBef>
+              <a:buClr>
+                <a:schemeClr val="tx1">
+                  <a:lumMod val="85000"/>
+                  <a:lumOff val="15000"/>
+                </a:schemeClr>
+              </a:buClr>
+              <a:buFont typeface="Garamond" pitchFamily="18" charset="0"/>
+              <a:buChar char="◦"/>
+              <a:defRPr sz="1300" kern="1200">
+                <a:solidFill>
+                  <a:schemeClr val="tx1"/>
+                </a:solidFill>
+                <a:latin typeface="Microsoft JhengHei UI" panose="020B0604030504040204" pitchFamily="34" charset="-120"/>
+                <a:ea typeface="Microsoft JhengHei UI" panose="020B0604030504040204" pitchFamily="34" charset="-120"/>
+                <a:cs typeface="+mn-cs"/>
+              </a:defRPr>
+            </a:lvl2pPr>
+            <a:lvl3pPr marL="731520" indent="-182880" algn="l" defTabSz="914400" rtl="0" eaLnBrk="1" latinLnBrk="0" hangingPunct="1">
+              <a:lnSpc>
+                <a:spcPct val="100000"/>
+              </a:lnSpc>
+              <a:spcBef>
+                <a:spcPts val="500"/>
+              </a:spcBef>
+              <a:buClr>
+                <a:schemeClr val="tx1">
+                  <a:lumMod val="85000"/>
+                  <a:lumOff val="15000"/>
+                </a:schemeClr>
+              </a:buClr>
+              <a:buFont typeface="Garamond" pitchFamily="18" charset="0"/>
+              <a:buChar char="◦"/>
+              <a:defRPr sz="1200" kern="1200">
+                <a:solidFill>
+                  <a:schemeClr val="tx1"/>
+                </a:solidFill>
+                <a:latin typeface="Microsoft JhengHei UI" panose="020B0604030504040204" pitchFamily="34" charset="-120"/>
+                <a:ea typeface="Microsoft JhengHei UI" panose="020B0604030504040204" pitchFamily="34" charset="-120"/>
+                <a:cs typeface="+mn-cs"/>
+              </a:defRPr>
+            </a:lvl3pPr>
+            <a:lvl4pPr marL="1005840" indent="-182880" algn="l" defTabSz="914400" rtl="0" eaLnBrk="1" latinLnBrk="0" hangingPunct="1">
+              <a:lnSpc>
+                <a:spcPct val="100000"/>
+              </a:lnSpc>
+              <a:spcBef>
+                <a:spcPts val="500"/>
+              </a:spcBef>
+              <a:buClr>
+                <a:schemeClr val="tx1">
+                  <a:lumMod val="85000"/>
+                  <a:lumOff val="15000"/>
+                </a:schemeClr>
+              </a:buClr>
+              <a:buFont typeface="Garamond" pitchFamily="18" charset="0"/>
+              <a:buChar char="◦"/>
+              <a:defRPr sz="1200" kern="1200">
+                <a:solidFill>
+                  <a:schemeClr val="tx1"/>
+                </a:solidFill>
+                <a:latin typeface="Microsoft JhengHei UI" panose="020B0604030504040204" pitchFamily="34" charset="-120"/>
+                <a:ea typeface="Microsoft JhengHei UI" panose="020B0604030504040204" pitchFamily="34" charset="-120"/>
+                <a:cs typeface="+mn-cs"/>
+              </a:defRPr>
+            </a:lvl4pPr>
+            <a:lvl5pPr marL="1280160" indent="-182880" algn="l" defTabSz="914400" rtl="0" eaLnBrk="1" latinLnBrk="0" hangingPunct="1">
+              <a:lnSpc>
+                <a:spcPct val="100000"/>
+              </a:lnSpc>
+              <a:spcBef>
+                <a:spcPts val="500"/>
+              </a:spcBef>
+              <a:buClr>
+                <a:schemeClr val="tx1">
+                  <a:lumMod val="85000"/>
+                  <a:lumOff val="15000"/>
+                </a:schemeClr>
+              </a:buClr>
+              <a:buFont typeface="Garamond" pitchFamily="18" charset="0"/>
+              <a:buChar char="◦"/>
+              <a:defRPr sz="1200" kern="1200">
+                <a:solidFill>
+                  <a:schemeClr val="tx1"/>
+                </a:solidFill>
+                <a:latin typeface="Microsoft JhengHei UI" panose="020B0604030504040204" pitchFamily="34" charset="-120"/>
+                <a:ea typeface="Microsoft JhengHei UI" panose="020B0604030504040204" pitchFamily="34" charset="-120"/>
+                <a:cs typeface="+mn-cs"/>
+              </a:defRPr>
+            </a:lvl5pPr>
+            <a:lvl6pPr marL="1600000" indent="-228600" algn="l" defTabSz="914400" rtl="0" eaLnBrk="1" latinLnBrk="0" hangingPunct="1">
+              <a:lnSpc>
+                <a:spcPct val="100000"/>
+              </a:lnSpc>
+              <a:spcBef>
+                <a:spcPts val="500"/>
+              </a:spcBef>
+              <a:buClr>
+                <a:schemeClr val="tx1">
+                  <a:lumMod val="85000"/>
+                  <a:lumOff val="15000"/>
+                </a:schemeClr>
+              </a:buClr>
+              <a:buFont typeface="Garamond" pitchFamily="18" charset="0"/>
+              <a:buChar char="◦"/>
+              <a:defRPr sz="1400" kern="1200">
+                <a:solidFill>
+                  <a:schemeClr val="tx1"/>
+                </a:solidFill>
+                <a:latin typeface="+mn-lt"/>
+                <a:ea typeface="+mn-ea"/>
+                <a:cs typeface="+mn-cs"/>
+              </a:defRPr>
+            </a:lvl6pPr>
+            <a:lvl7pPr marL="1900000" indent="-228600" algn="l" defTabSz="914400" rtl="0" eaLnBrk="1" latinLnBrk="0" hangingPunct="1">
+              <a:lnSpc>
+                <a:spcPct val="100000"/>
+              </a:lnSpc>
+              <a:spcBef>
+                <a:spcPts val="500"/>
+              </a:spcBef>
+              <a:buClr>
+                <a:schemeClr val="tx1">
+                  <a:lumMod val="85000"/>
+                  <a:lumOff val="15000"/>
+                </a:schemeClr>
+              </a:buClr>
+              <a:buFont typeface="Garamond" pitchFamily="18" charset="0"/>
+              <a:buChar char="◦"/>
+              <a:defRPr sz="1400" kern="1200">
+                <a:solidFill>
+                  <a:schemeClr val="tx1"/>
+                </a:solidFill>
+                <a:latin typeface="+mn-lt"/>
+                <a:ea typeface="+mn-ea"/>
+                <a:cs typeface="+mn-cs"/>
+              </a:defRPr>
+            </a:lvl7pPr>
+            <a:lvl8pPr marL="2200000" indent="-228600" algn="l" defTabSz="914400" rtl="0" eaLnBrk="1" latinLnBrk="0" hangingPunct="1">
+              <a:lnSpc>
+                <a:spcPct val="100000"/>
+              </a:lnSpc>
+              <a:spcBef>
+                <a:spcPts val="500"/>
+              </a:spcBef>
+              <a:buClr>
+                <a:schemeClr val="tx1">
+                  <a:lumMod val="85000"/>
+                  <a:lumOff val="15000"/>
+                </a:schemeClr>
+              </a:buClr>
+              <a:buFont typeface="Garamond" pitchFamily="18" charset="0"/>
+              <a:buChar char="◦"/>
+              <a:defRPr sz="1400" kern="1200">
+                <a:solidFill>
+                  <a:schemeClr val="tx1"/>
+                </a:solidFill>
+                <a:latin typeface="+mn-lt"/>
+                <a:ea typeface="+mn-ea"/>
+                <a:cs typeface="+mn-cs"/>
+              </a:defRPr>
+            </a:lvl8pPr>
+            <a:lvl9pPr marL="2500000" indent="-228600" algn="l" defTabSz="914400" rtl="0" eaLnBrk="1" latinLnBrk="0" hangingPunct="1">
+              <a:lnSpc>
+                <a:spcPct val="100000"/>
+              </a:lnSpc>
+              <a:spcBef>
+                <a:spcPts val="500"/>
+              </a:spcBef>
+              <a:buClr>
+                <a:schemeClr val="tx1">
+                  <a:lumMod val="85000"/>
+                  <a:lumOff val="15000"/>
+                </a:schemeClr>
+              </a:buClr>
+              <a:buFont typeface="Garamond" pitchFamily="18" charset="0"/>
+              <a:buChar char="◦"/>
+              <a:defRPr sz="1400" kern="1200">
+                <a:solidFill>
+                  <a:schemeClr val="tx1"/>
+                </a:solidFill>
+                <a:latin typeface="+mn-lt"/>
+                <a:ea typeface="+mn-ea"/>
+                <a:cs typeface="+mn-cs"/>
+              </a:defRPr>
+            </a:lvl9pPr>
+          </a:lstStyle>
+          <a:p>
+            <a:pPr indent="0">
+              <a:buNone/>
+            </a:pPr>
+            <a:r>
+              <a:rPr lang="zh-TW" altLang="en-US" sz="2100" b="1" dirty="0">
+                <a:latin typeface="+mn-lt"/>
+              </a:rPr>
+              <a:t>初次訓練</a:t>
+            </a:r>
+          </a:p>
+        </p:txBody>
+      </p:sp>
+      <p:sp>
+        <p:nvSpPr>
+          <p:cNvPr id="14" name="內容版面配置區 2">
+            <a:extLst>
+              <a:ext uri="{FF2B5EF4-FFF2-40B4-BE49-F238E27FC236}">
+                <a16:creationId xmlns:a16="http://schemas.microsoft.com/office/drawing/2014/main" id="{64FAC906-9896-41B8-AC76-0D36903A64A0}"/>
+              </a:ext>
+            </a:extLst>
+          </p:cNvPr>
+          <p:cNvSpPr txBox="1">
+            <a:spLocks/>
+          </p:cNvSpPr>
+          <p:nvPr/>
+        </p:nvSpPr>
+        <p:spPr>
+          <a:xfrm>
+            <a:off x="1209673" y="4109499"/>
+            <a:ext cx="1552577" cy="493625"/>
+          </a:xfrm>
+          <a:prstGeom prst="rect">
+            <a:avLst/>
+          </a:prstGeom>
+        </p:spPr>
+        <p:txBody>
+          <a:bodyPr vert="horz" lIns="91440" tIns="45720" rIns="91440" bIns="45720" rtlCol="0">
+            <a:normAutofit/>
+          </a:bodyPr>
+          <a:lstStyle>
+            <a:lvl1pPr marL="182880" indent="-182880" algn="l" defTabSz="914400" rtl="0" eaLnBrk="1" latinLnBrk="0" hangingPunct="1">
+              <a:lnSpc>
+                <a:spcPct val="110000"/>
+              </a:lnSpc>
+              <a:spcBef>
+                <a:spcPts val="900"/>
+              </a:spcBef>
+              <a:spcAft>
+                <a:spcPts val="0"/>
+              </a:spcAft>
+              <a:buClr>
+                <a:schemeClr val="tx1">
+                  <a:lumMod val="85000"/>
+                  <a:lumOff val="15000"/>
+                </a:schemeClr>
+              </a:buClr>
+              <a:buFont typeface="Garamond" pitchFamily="18" charset="0"/>
+              <a:buChar char="◦"/>
+              <a:defRPr sz="1500" kern="1200">
+                <a:solidFill>
+                  <a:schemeClr val="tx1"/>
+                </a:solidFill>
+                <a:latin typeface="Microsoft JhengHei UI" panose="020B0604030504040204" pitchFamily="34" charset="-120"/>
+                <a:ea typeface="Microsoft JhengHei UI" panose="020B0604030504040204" pitchFamily="34" charset="-120"/>
+                <a:cs typeface="+mn-cs"/>
+              </a:defRPr>
+            </a:lvl1pPr>
+            <a:lvl2pPr marL="457200" indent="-182880" algn="l" defTabSz="914400" rtl="0" eaLnBrk="1" latinLnBrk="0" hangingPunct="1">
+              <a:lnSpc>
+                <a:spcPct val="100000"/>
+              </a:lnSpc>
+              <a:spcBef>
+                <a:spcPts val="500"/>
+              </a:spcBef>
+              <a:buClr>
+                <a:schemeClr val="tx1">
+                  <a:lumMod val="85000"/>
+                  <a:lumOff val="15000"/>
+                </a:schemeClr>
+              </a:buClr>
+              <a:buFont typeface="Garamond" pitchFamily="18" charset="0"/>
+              <a:buChar char="◦"/>
+              <a:defRPr sz="1300" kern="1200">
+                <a:solidFill>
+                  <a:schemeClr val="tx1"/>
+                </a:solidFill>
+                <a:latin typeface="Microsoft JhengHei UI" panose="020B0604030504040204" pitchFamily="34" charset="-120"/>
+                <a:ea typeface="Microsoft JhengHei UI" panose="020B0604030504040204" pitchFamily="34" charset="-120"/>
+                <a:cs typeface="+mn-cs"/>
+              </a:defRPr>
+            </a:lvl2pPr>
+            <a:lvl3pPr marL="731520" indent="-182880" algn="l" defTabSz="914400" rtl="0" eaLnBrk="1" latinLnBrk="0" hangingPunct="1">
+              <a:lnSpc>
+                <a:spcPct val="100000"/>
+              </a:lnSpc>
+              <a:spcBef>
+                <a:spcPts val="500"/>
+              </a:spcBef>
+              <a:buClr>
+                <a:schemeClr val="tx1">
+                  <a:lumMod val="85000"/>
+                  <a:lumOff val="15000"/>
+                </a:schemeClr>
+              </a:buClr>
+              <a:buFont typeface="Garamond" pitchFamily="18" charset="0"/>
+              <a:buChar char="◦"/>
+              <a:defRPr sz="1200" kern="1200">
+                <a:solidFill>
+                  <a:schemeClr val="tx1"/>
+                </a:solidFill>
+                <a:latin typeface="Microsoft JhengHei UI" panose="020B0604030504040204" pitchFamily="34" charset="-120"/>
+                <a:ea typeface="Microsoft JhengHei UI" panose="020B0604030504040204" pitchFamily="34" charset="-120"/>
+                <a:cs typeface="+mn-cs"/>
+              </a:defRPr>
+            </a:lvl3pPr>
+            <a:lvl4pPr marL="1005840" indent="-182880" algn="l" defTabSz="914400" rtl="0" eaLnBrk="1" latinLnBrk="0" hangingPunct="1">
+              <a:lnSpc>
+                <a:spcPct val="100000"/>
+              </a:lnSpc>
+              <a:spcBef>
+                <a:spcPts val="500"/>
+              </a:spcBef>
+              <a:buClr>
+                <a:schemeClr val="tx1">
+                  <a:lumMod val="85000"/>
+                  <a:lumOff val="15000"/>
+                </a:schemeClr>
+              </a:buClr>
+              <a:buFont typeface="Garamond" pitchFamily="18" charset="0"/>
+              <a:buChar char="◦"/>
+              <a:defRPr sz="1200" kern="1200">
+                <a:solidFill>
+                  <a:schemeClr val="tx1"/>
+                </a:solidFill>
+                <a:latin typeface="Microsoft JhengHei UI" panose="020B0604030504040204" pitchFamily="34" charset="-120"/>
+                <a:ea typeface="Microsoft JhengHei UI" panose="020B0604030504040204" pitchFamily="34" charset="-120"/>
+                <a:cs typeface="+mn-cs"/>
+              </a:defRPr>
+            </a:lvl4pPr>
+            <a:lvl5pPr marL="1280160" indent="-182880" algn="l" defTabSz="914400" rtl="0" eaLnBrk="1" latinLnBrk="0" hangingPunct="1">
+              <a:lnSpc>
+                <a:spcPct val="100000"/>
+              </a:lnSpc>
+              <a:spcBef>
+                <a:spcPts val="500"/>
+              </a:spcBef>
+              <a:buClr>
+                <a:schemeClr val="tx1">
+                  <a:lumMod val="85000"/>
+                  <a:lumOff val="15000"/>
+                </a:schemeClr>
+              </a:buClr>
+              <a:buFont typeface="Garamond" pitchFamily="18" charset="0"/>
+              <a:buChar char="◦"/>
+              <a:defRPr sz="1200" kern="1200">
+                <a:solidFill>
+                  <a:schemeClr val="tx1"/>
+                </a:solidFill>
+                <a:latin typeface="Microsoft JhengHei UI" panose="020B0604030504040204" pitchFamily="34" charset="-120"/>
+                <a:ea typeface="Microsoft JhengHei UI" panose="020B0604030504040204" pitchFamily="34" charset="-120"/>
+                <a:cs typeface="+mn-cs"/>
+              </a:defRPr>
+            </a:lvl5pPr>
+            <a:lvl6pPr marL="1600000" indent="-228600" algn="l" defTabSz="914400" rtl="0" eaLnBrk="1" latinLnBrk="0" hangingPunct="1">
+              <a:lnSpc>
+                <a:spcPct val="100000"/>
+              </a:lnSpc>
+              <a:spcBef>
+                <a:spcPts val="500"/>
+              </a:spcBef>
+              <a:buClr>
+                <a:schemeClr val="tx1">
+                  <a:lumMod val="85000"/>
+                  <a:lumOff val="15000"/>
+                </a:schemeClr>
+              </a:buClr>
+              <a:buFont typeface="Garamond" pitchFamily="18" charset="0"/>
+              <a:buChar char="◦"/>
+              <a:defRPr sz="1400" kern="1200">
+                <a:solidFill>
+                  <a:schemeClr val="tx1"/>
+                </a:solidFill>
+                <a:latin typeface="+mn-lt"/>
+                <a:ea typeface="+mn-ea"/>
+                <a:cs typeface="+mn-cs"/>
+              </a:defRPr>
+            </a:lvl6pPr>
+            <a:lvl7pPr marL="1900000" indent="-228600" algn="l" defTabSz="914400" rtl="0" eaLnBrk="1" latinLnBrk="0" hangingPunct="1">
+              <a:lnSpc>
+                <a:spcPct val="100000"/>
+              </a:lnSpc>
+              <a:spcBef>
+                <a:spcPts val="500"/>
+              </a:spcBef>
+              <a:buClr>
+                <a:schemeClr val="tx1">
+                  <a:lumMod val="85000"/>
+                  <a:lumOff val="15000"/>
+                </a:schemeClr>
+              </a:buClr>
+              <a:buFont typeface="Garamond" pitchFamily="18" charset="0"/>
+              <a:buChar char="◦"/>
+              <a:defRPr sz="1400" kern="1200">
+                <a:solidFill>
+                  <a:schemeClr val="tx1"/>
+                </a:solidFill>
+                <a:latin typeface="+mn-lt"/>
+                <a:ea typeface="+mn-ea"/>
+                <a:cs typeface="+mn-cs"/>
+              </a:defRPr>
+            </a:lvl7pPr>
+            <a:lvl8pPr marL="2200000" indent="-228600" algn="l" defTabSz="914400" rtl="0" eaLnBrk="1" latinLnBrk="0" hangingPunct="1">
+              <a:lnSpc>
+                <a:spcPct val="100000"/>
+              </a:lnSpc>
+              <a:spcBef>
+                <a:spcPts val="500"/>
+              </a:spcBef>
+              <a:buClr>
+                <a:schemeClr val="tx1">
+                  <a:lumMod val="85000"/>
+                  <a:lumOff val="15000"/>
+                </a:schemeClr>
+              </a:buClr>
+              <a:buFont typeface="Garamond" pitchFamily="18" charset="0"/>
+              <a:buChar char="◦"/>
+              <a:defRPr sz="1400" kern="1200">
+                <a:solidFill>
+                  <a:schemeClr val="tx1"/>
+                </a:solidFill>
+                <a:latin typeface="+mn-lt"/>
+                <a:ea typeface="+mn-ea"/>
+                <a:cs typeface="+mn-cs"/>
+              </a:defRPr>
+            </a:lvl8pPr>
+            <a:lvl9pPr marL="2500000" indent="-228600" algn="l" defTabSz="914400" rtl="0" eaLnBrk="1" latinLnBrk="0" hangingPunct="1">
+              <a:lnSpc>
+                <a:spcPct val="100000"/>
+              </a:lnSpc>
+              <a:spcBef>
+                <a:spcPts val="500"/>
+              </a:spcBef>
+              <a:buClr>
+                <a:schemeClr val="tx1">
+                  <a:lumMod val="85000"/>
+                  <a:lumOff val="15000"/>
+                </a:schemeClr>
+              </a:buClr>
+              <a:buFont typeface="Garamond" pitchFamily="18" charset="0"/>
+              <a:buChar char="◦"/>
+              <a:defRPr sz="1400" kern="1200">
+                <a:solidFill>
+                  <a:schemeClr val="tx1"/>
+                </a:solidFill>
+                <a:latin typeface="+mn-lt"/>
+                <a:ea typeface="+mn-ea"/>
+                <a:cs typeface="+mn-cs"/>
+              </a:defRPr>
+            </a:lvl9pPr>
+          </a:lstStyle>
+          <a:p>
+            <a:pPr indent="0">
+              <a:buNone/>
+            </a:pPr>
+            <a:r>
+              <a:rPr lang="zh-TW" altLang="en-US" sz="2100" b="1" dirty="0">
+                <a:latin typeface="+mn-lt"/>
+              </a:rPr>
+              <a:t>接續訓練</a:t>
+            </a:r>
+          </a:p>
+        </p:txBody>
+      </p:sp>
+      <p:pic>
+        <p:nvPicPr>
+          <p:cNvPr id="16" name="圖片 15">
+            <a:extLst>
+              <a:ext uri="{FF2B5EF4-FFF2-40B4-BE49-F238E27FC236}">
+                <a16:creationId xmlns:a16="http://schemas.microsoft.com/office/drawing/2014/main" id="{A1606A52-E4EE-4349-81C1-E52799C1B34B}"/>
+              </a:ext>
+            </a:extLst>
+          </p:cNvPr>
+          <p:cNvPicPr>
+            <a:picLocks noChangeAspect="1"/>
+          </p:cNvPicPr>
+          <p:nvPr/>
+        </p:nvPicPr>
+        <p:blipFill>
+          <a:blip r:embed="rId3"/>
+          <a:stretch>
+            <a:fillRect/>
+          </a:stretch>
+        </p:blipFill>
+        <p:spPr>
+          <a:xfrm>
+            <a:off x="1480493" y="4603124"/>
+            <a:ext cx="10058400" cy="308540"/>
+          </a:xfrm>
+          <a:prstGeom prst="rect">
+            <a:avLst/>
+          </a:prstGeom>
+        </p:spPr>
+      </p:pic>
+    </p:spTree>
+    <p:extLst>
+      <p:ext uri="{BB962C8B-B14F-4D97-AF65-F5344CB8AC3E}">
+        <p14:creationId xmlns:p14="http://schemas.microsoft.com/office/powerpoint/2010/main" val="3058771408"/>
+      </p:ext>
+    </p:extLst>
+  </p:cSld>
+  <p:clrMapOvr>
+    <a:masterClrMapping/>
+  </p:clrMapOvr>
+</p:sld>
+</file>
+
+<file path=ppt/slides/slide11.xml><?xml version="1.0" encoding="utf-8"?>
+<p:sld xmlns:a="http://schemas.openxmlformats.org/drawingml/2006/main" xmlns:r="http://schemas.openxmlformats.org/officeDocument/2006/relationships" xmlns:p="http://schemas.openxmlformats.org/presentationml/2006/main">
+  <p:cSld>
+    <p:spTree>
+      <p:nvGrpSpPr>
+        <p:cNvPr id="1" name=""/>
+        <p:cNvGrpSpPr/>
+        <p:nvPr/>
+      </p:nvGrpSpPr>
+      <p:grpSpPr>
+        <a:xfrm>
+          <a:off x="0" y="0"/>
+          <a:ext cx="0" cy="0"/>
+          <a:chOff x="0" y="0"/>
+          <a:chExt cx="0" cy="0"/>
+        </a:xfrm>
+      </p:grpSpPr>
+      <p:sp>
+        <p:nvSpPr>
+          <p:cNvPr id="2" name="標題 1">
+            <a:extLst>
+              <a:ext uri="{FF2B5EF4-FFF2-40B4-BE49-F238E27FC236}">
+                <a16:creationId xmlns:a16="http://schemas.microsoft.com/office/drawing/2014/main" id="{4C3D0BF3-4E5A-8CDB-688D-71E5DCD4800F}"/>
+              </a:ext>
+            </a:extLst>
+          </p:cNvPr>
+          <p:cNvSpPr>
+            <a:spLocks noGrp="1"/>
+          </p:cNvSpPr>
+          <p:nvPr>
+            <p:ph type="title"/>
+          </p:nvPr>
+        </p:nvSpPr>
+        <p:spPr/>
+        <p:txBody>
+          <a:bodyPr/>
+          <a:lstStyle/>
+          <a:p>
+            <a:r>
+              <a:rPr lang="zh-TW" altLang="en-US" dirty="0"/>
+              <a:t>訓練 </a:t>
+            </a:r>
+            <a:r>
+              <a:rPr lang="en-US" altLang="zh-TW" dirty="0"/>
+              <a:t>&amp; </a:t>
+            </a:r>
+            <a:r>
+              <a:rPr lang="zh-TW" altLang="en-US" dirty="0"/>
+              <a:t>辨識</a:t>
+            </a:r>
+          </a:p>
+        </p:txBody>
+      </p:sp>
+      <p:sp>
+        <p:nvSpPr>
+          <p:cNvPr id="3" name="內容版面配置區 2">
+            <a:extLst>
+              <a:ext uri="{FF2B5EF4-FFF2-40B4-BE49-F238E27FC236}">
+                <a16:creationId xmlns:a16="http://schemas.microsoft.com/office/drawing/2014/main" id="{8A6C0D33-2302-B118-F088-445B6F572140}"/>
+              </a:ext>
+            </a:extLst>
+          </p:cNvPr>
+          <p:cNvSpPr>
+            <a:spLocks noGrp="1"/>
+          </p:cNvSpPr>
+          <p:nvPr>
+            <p:ph idx="1"/>
+          </p:nvPr>
+        </p:nvSpPr>
+        <p:spPr>
+          <a:xfrm>
+            <a:off x="685798" y="2014193"/>
+            <a:ext cx="10296527" cy="2024407"/>
+          </a:xfrm>
+        </p:spPr>
+        <p:txBody>
+          <a:bodyPr>
+            <a:normAutofit/>
+          </a:bodyPr>
+          <a:lstStyle/>
+          <a:p>
+            <a:pPr marL="640080" indent="-457200">
+              <a:buFont typeface="+mj-lt"/>
+              <a:buAutoNum type="arabicParenR" startAt="2"/>
+            </a:pPr>
+            <a:r>
+              <a:rPr lang="zh-TW" altLang="en-US" sz="2100" b="1" dirty="0">
+                <a:latin typeface="+mn-lt"/>
+              </a:rPr>
+              <a:t>使用訓練後的權重檔對 </a:t>
+            </a:r>
+            <a:r>
+              <a:rPr lang="en-US" altLang="zh-TW" sz="2100" b="1" dirty="0">
+                <a:latin typeface="+mn-lt"/>
+              </a:rPr>
+              <a:t>helmet3.mp4</a:t>
+            </a:r>
+            <a:r>
+              <a:rPr lang="zh-TW" altLang="en-US" sz="2100" b="1" dirty="0">
+                <a:latin typeface="+mn-lt"/>
+              </a:rPr>
+              <a:t> 進行辨識</a:t>
+            </a:r>
+            <a:endParaRPr lang="en-US" altLang="zh-TW" sz="2100" b="1" dirty="0">
+              <a:latin typeface="+mn-lt"/>
+            </a:endParaRPr>
+          </a:p>
+          <a:p>
+            <a:pPr marL="640080" indent="-457200">
+              <a:buFont typeface="+mj-lt"/>
+              <a:buAutoNum type="arabicParenR" startAt="2"/>
+            </a:pPr>
+            <a:endParaRPr lang="en-US" altLang="zh-TW" sz="2100" b="1" dirty="0">
+              <a:latin typeface="+mn-lt"/>
+            </a:endParaRPr>
+          </a:p>
+          <a:p>
+            <a:pPr marL="640080" indent="-457200">
+              <a:buFont typeface="+mj-lt"/>
+              <a:buAutoNum type="arabicParenR" startAt="2"/>
+            </a:pPr>
+            <a:endParaRPr lang="en-US" altLang="zh-TW" sz="2100" b="1" dirty="0">
+              <a:latin typeface="+mn-lt"/>
+            </a:endParaRPr>
+          </a:p>
+          <a:p>
+            <a:pPr marL="640080" indent="-457200">
+              <a:buFont typeface="+mj-lt"/>
+              <a:buAutoNum type="arabicParenR" startAt="2"/>
+            </a:pPr>
+            <a:r>
+              <a:rPr lang="zh-TW" altLang="en-US" sz="2100" b="1" dirty="0">
+                <a:latin typeface="+mn-lt"/>
+              </a:rPr>
+              <a:t>輸出 </a:t>
+            </a:r>
+            <a:r>
+              <a:rPr lang="en-US" altLang="zh-TW" sz="2100" b="1" dirty="0">
+                <a:latin typeface="+mn-lt"/>
+              </a:rPr>
+              <a:t>helmet3_out.mp4</a:t>
+            </a:r>
+            <a:endParaRPr lang="zh-TW" altLang="en-US" dirty="0"/>
+          </a:p>
+        </p:txBody>
+      </p:sp>
+      <p:pic>
+        <p:nvPicPr>
+          <p:cNvPr id="5" name="圖片 4">
+            <a:extLst>
+              <a:ext uri="{FF2B5EF4-FFF2-40B4-BE49-F238E27FC236}">
+                <a16:creationId xmlns:a16="http://schemas.microsoft.com/office/drawing/2014/main" id="{642CB1F3-23BC-4F39-8799-5157BC8CB36F}"/>
+              </a:ext>
+            </a:extLst>
+          </p:cNvPr>
+          <p:cNvPicPr>
+            <a:picLocks noChangeAspect="1"/>
+          </p:cNvPicPr>
+          <p:nvPr/>
+        </p:nvPicPr>
+        <p:blipFill rotWithShape="1">
+          <a:blip r:embed="rId2"/>
+          <a:srcRect t="12571" b="1"/>
+          <a:stretch/>
+        </p:blipFill>
+        <p:spPr>
+          <a:xfrm>
+            <a:off x="1480493" y="2743199"/>
+            <a:ext cx="10058400" cy="210327"/>
+          </a:xfrm>
+          <a:prstGeom prst="rect">
+            <a:avLst/>
+          </a:prstGeom>
+        </p:spPr>
+      </p:pic>
+      <p:pic>
+        <p:nvPicPr>
+          <p:cNvPr id="8" name="圖片 7">
+            <a:extLst>
+              <a:ext uri="{FF2B5EF4-FFF2-40B4-BE49-F238E27FC236}">
+                <a16:creationId xmlns:a16="http://schemas.microsoft.com/office/drawing/2014/main" id="{E42F7C85-7095-4C53-8328-006F68B5FE8D}"/>
+              </a:ext>
+            </a:extLst>
+          </p:cNvPr>
+          <p:cNvPicPr>
+            <a:picLocks noChangeAspect="1"/>
+          </p:cNvPicPr>
+          <p:nvPr/>
+        </p:nvPicPr>
+        <p:blipFill>
+          <a:blip r:embed="rId3"/>
+          <a:stretch>
+            <a:fillRect/>
+          </a:stretch>
+        </p:blipFill>
+        <p:spPr>
+          <a:xfrm>
+            <a:off x="5092272" y="3530405"/>
+            <a:ext cx="5070902" cy="2852383"/>
+          </a:xfrm>
+          <a:prstGeom prst="rect">
+            <a:avLst/>
+          </a:prstGeom>
+        </p:spPr>
+      </p:pic>
+      <p:sp>
+        <p:nvSpPr>
+          <p:cNvPr id="13" name="日期版面配置區 3">
+            <a:extLst>
+              <a:ext uri="{FF2B5EF4-FFF2-40B4-BE49-F238E27FC236}">
+                <a16:creationId xmlns:a16="http://schemas.microsoft.com/office/drawing/2014/main" id="{FE38B443-5AAE-4183-9C84-D4B8A87CE57D}"/>
               </a:ext>
             </a:extLst>
           </p:cNvPr>
@@ -9019,29 +13660,18 @@
         </p:nvSpPr>
         <p:spPr>
           <a:xfrm>
-            <a:off x="5318760" y="1344502"/>
-            <a:ext cx="1554480" cy="498781"/>
+            <a:off x="8232155" y="6041670"/>
+            <a:ext cx="2893045" cy="365760"/>
           </a:xfrm>
         </p:spPr>
         <p:txBody>
-          <a:bodyPr anchor="b">
-            <a:normAutofit/>
-          </a:bodyPr>
+          <a:bodyPr/>
           <a:lstStyle/>
           <a:p>
-            <a:pPr rtl="0">
-              <a:spcAft>
-                <a:spcPts val="600"/>
-              </a:spcAft>
-            </a:pPr>
+            <a:pPr rtl="0"/>
             <a:fld id="{CE847876-3A2B-49FA-B396-40048599C954}" type="datetime1">
               <a:rPr lang="zh-TW" altLang="en-US" smtClean="0"/>
-              <a:pPr rtl="0">
-                <a:spcAft>
-                  <a:spcPts val="600"/>
-                </a:spcAft>
-              </a:pPr>
-              <a:t>2022/5/24</a:t>
+              <a:t>2022/6/8</a:t>
             </a:fld>
             <a:endParaRPr lang="en-US"/>
           </a:p>
@@ -9050,7 +13680,7 @@
     </p:spTree>
     <p:extLst>
       <p:ext uri="{BB962C8B-B14F-4D97-AF65-F5344CB8AC3E}">
-        <p14:creationId xmlns:p14="http://schemas.microsoft.com/office/powerpoint/2010/main" val="4053553169"/>
+        <p14:creationId xmlns:p14="http://schemas.microsoft.com/office/powerpoint/2010/main" val="3466713486"/>
       </p:ext>
     </p:extLst>
   </p:cSld>
@@ -9060,7 +13690,679 @@
 </p:sld>
 </file>
 
-<file path=ppt/slides/slide11.xml><?xml version="1.0" encoding="utf-8"?>
+<file path=ppt/slides/slide12.xml><?xml version="1.0" encoding="utf-8"?>
+<p:sld xmlns:a="http://schemas.openxmlformats.org/drawingml/2006/main" xmlns:r="http://schemas.openxmlformats.org/officeDocument/2006/relationships" xmlns:p="http://schemas.openxmlformats.org/presentationml/2006/main">
+  <p:cSld>
+    <p:spTree>
+      <p:nvGrpSpPr>
+        <p:cNvPr id="1" name=""/>
+        <p:cNvGrpSpPr/>
+        <p:nvPr/>
+      </p:nvGrpSpPr>
+      <p:grpSpPr>
+        <a:xfrm>
+          <a:off x="0" y="0"/>
+          <a:ext cx="0" cy="0"/>
+          <a:chOff x="0" y="0"/>
+          <a:chExt cx="0" cy="0"/>
+        </a:xfrm>
+      </p:grpSpPr>
+      <p:sp>
+        <p:nvSpPr>
+          <p:cNvPr id="2" name="標題 1">
+            <a:extLst>
+              <a:ext uri="{FF2B5EF4-FFF2-40B4-BE49-F238E27FC236}">
+                <a16:creationId xmlns:a16="http://schemas.microsoft.com/office/drawing/2014/main" id="{C845CB05-6765-11D4-1C31-57031ECE363C}"/>
+              </a:ext>
+            </a:extLst>
+          </p:cNvPr>
+          <p:cNvSpPr>
+            <a:spLocks noGrp="1"/>
+          </p:cNvSpPr>
+          <p:nvPr>
+            <p:ph type="title"/>
+          </p:nvPr>
+        </p:nvSpPr>
+        <p:spPr/>
+        <p:txBody>
+          <a:bodyPr/>
+          <a:lstStyle/>
+          <a:p>
+            <a:r>
+              <a:rPr lang="zh-TW" altLang="en-US" dirty="0"/>
+              <a:t>執行程式是否有遇到什麼困難，如何解決。</a:t>
+            </a:r>
+          </a:p>
+        </p:txBody>
+      </p:sp>
+      <p:sp>
+        <p:nvSpPr>
+          <p:cNvPr id="3" name="內容版面配置區 2">
+            <a:extLst>
+              <a:ext uri="{FF2B5EF4-FFF2-40B4-BE49-F238E27FC236}">
+                <a16:creationId xmlns:a16="http://schemas.microsoft.com/office/drawing/2014/main" id="{C1181254-AD17-FF1A-66CA-16562FD614A8}"/>
+              </a:ext>
+            </a:extLst>
+          </p:cNvPr>
+          <p:cNvSpPr>
+            <a:spLocks noGrp="1"/>
+          </p:cNvSpPr>
+          <p:nvPr>
+            <p:ph idx="1"/>
+          </p:nvPr>
+        </p:nvSpPr>
+        <p:spPr/>
+        <p:txBody>
+          <a:bodyPr/>
+          <a:lstStyle/>
+          <a:p>
+            <a:pPr marL="640080" indent="-457200">
+              <a:buFont typeface="+mj-lt"/>
+              <a:buAutoNum type="arabicParenR"/>
+            </a:pPr>
+            <a:r>
+              <a:rPr lang="en-US" altLang="zh-TW" sz="2100" b="1" dirty="0">
+                <a:latin typeface="+mn-lt"/>
+              </a:rPr>
+              <a:t>memory overflow</a:t>
+            </a:r>
+            <a:r>
+              <a:rPr lang="zh-TW" altLang="en-US" sz="2100" b="1" dirty="0">
+                <a:latin typeface="+mn-lt"/>
+              </a:rPr>
+              <a:t>的問題</a:t>
+            </a:r>
+            <a:endParaRPr lang="en-US" altLang="zh-TW" sz="2100" b="1" dirty="0">
+              <a:latin typeface="+mn-lt"/>
+            </a:endParaRPr>
+          </a:p>
+          <a:p>
+            <a:pPr marL="800100" lvl="1" indent="-342900">
+              <a:spcAft>
+                <a:spcPts val="1200"/>
+              </a:spcAft>
+              <a:buFont typeface="Wingdings" panose="05000000000000000000" pitchFamily="2" charset="2"/>
+              <a:buChar char="Ø"/>
+            </a:pPr>
+            <a:r>
+              <a:rPr lang="zh-TW" altLang="en-US" sz="1900" b="1" dirty="0">
+                <a:latin typeface="+mn-lt"/>
+              </a:rPr>
+              <a:t>透過調整</a:t>
+            </a:r>
+            <a:r>
+              <a:rPr lang="en-US" altLang="zh-TW" sz="1900" b="1" dirty="0">
+                <a:latin typeface="+mn-lt"/>
+              </a:rPr>
+              <a:t>subdivisions</a:t>
+            </a:r>
+            <a:r>
+              <a:rPr lang="zh-TW" altLang="en-US" sz="1900" b="1" dirty="0">
+                <a:latin typeface="+mn-lt"/>
+              </a:rPr>
+              <a:t>來降低單次訓練的數量</a:t>
+            </a:r>
+            <a:endParaRPr lang="en-US" altLang="zh-TW" sz="1900" b="1" dirty="0">
+              <a:latin typeface="+mn-lt"/>
+            </a:endParaRPr>
+          </a:p>
+          <a:p>
+            <a:pPr marL="640080" indent="-457200">
+              <a:buFont typeface="+mj-lt"/>
+              <a:buAutoNum type="arabicParenR"/>
+            </a:pPr>
+            <a:r>
+              <a:rPr lang="en-US" altLang="zh-TW" sz="2100" b="1" dirty="0" err="1">
+                <a:latin typeface="+mn-lt"/>
+              </a:rPr>
+              <a:t>max_batches</a:t>
+            </a:r>
+            <a:r>
+              <a:rPr lang="zh-TW" altLang="en-US" sz="2100" b="1" dirty="0">
+                <a:latin typeface="+mn-lt"/>
+              </a:rPr>
+              <a:t>數量過低，導致準確率過低</a:t>
+            </a:r>
+            <a:endParaRPr lang="en-US" altLang="zh-TW" sz="2100" b="1" dirty="0">
+              <a:latin typeface="+mn-lt"/>
+            </a:endParaRPr>
+          </a:p>
+          <a:p>
+            <a:pPr marL="800100" lvl="1" indent="-342900">
+              <a:spcAft>
+                <a:spcPts val="1200"/>
+              </a:spcAft>
+              <a:buFont typeface="Wingdings" panose="05000000000000000000" pitchFamily="2" charset="2"/>
+              <a:buChar char="Ø"/>
+            </a:pPr>
+            <a:r>
+              <a:rPr lang="zh-TW" altLang="en-US" sz="1900" b="1" dirty="0">
+                <a:latin typeface="+mn-lt"/>
+              </a:rPr>
+              <a:t>發現至少要設定到</a:t>
+            </a:r>
+            <a:r>
+              <a:rPr lang="en-US" altLang="zh-TW" sz="1900" b="1" dirty="0">
+                <a:latin typeface="+mn-lt"/>
+              </a:rPr>
+              <a:t>3000</a:t>
+            </a:r>
+            <a:r>
+              <a:rPr lang="zh-TW" altLang="en-US" sz="1900" b="1" dirty="0">
+                <a:latin typeface="+mn-lt"/>
+              </a:rPr>
+              <a:t>才會有比較好的訓練效果</a:t>
+            </a:r>
+            <a:endParaRPr lang="en-US" altLang="zh-TW" sz="1900" b="1" dirty="0">
+              <a:latin typeface="+mn-lt"/>
+            </a:endParaRPr>
+          </a:p>
+          <a:p>
+            <a:pPr marL="640080" indent="-457200">
+              <a:buFont typeface="+mj-lt"/>
+              <a:buAutoNum type="arabicParenR"/>
+            </a:pPr>
+            <a:r>
+              <a:rPr lang="en-US" altLang="zh-TW" sz="2100" b="1" dirty="0" err="1">
+                <a:latin typeface="+mn-lt"/>
+              </a:rPr>
+              <a:t>colab</a:t>
+            </a:r>
+            <a:r>
+              <a:rPr lang="zh-TW" altLang="en-US" sz="2100" b="1" dirty="0">
+                <a:latin typeface="+mn-lt"/>
+              </a:rPr>
+              <a:t>資源搶占導致</a:t>
+            </a:r>
+            <a:r>
+              <a:rPr lang="en-US" altLang="zh-TW" sz="2100" b="1" dirty="0">
+                <a:latin typeface="+mn-lt"/>
+              </a:rPr>
+              <a:t>GPU</a:t>
+            </a:r>
+            <a:r>
+              <a:rPr lang="zh-TW" altLang="en-US" sz="2100" b="1" dirty="0">
+                <a:latin typeface="+mn-lt"/>
+              </a:rPr>
+              <a:t>暫時無法使用</a:t>
+            </a:r>
+            <a:endParaRPr lang="en-US" altLang="zh-TW" sz="2100" b="1" dirty="0">
+              <a:latin typeface="+mn-lt"/>
+            </a:endParaRPr>
+          </a:p>
+          <a:p>
+            <a:pPr marL="800100" lvl="1" indent="-342900">
+              <a:spcAft>
+                <a:spcPts val="1200"/>
+              </a:spcAft>
+              <a:buFont typeface="Wingdings" panose="05000000000000000000" pitchFamily="2" charset="2"/>
+              <a:buChar char="Ø"/>
+            </a:pPr>
+            <a:r>
+              <a:rPr lang="zh-TW" altLang="en-US" sz="1900" b="1" dirty="0">
+                <a:latin typeface="+mn-lt"/>
+              </a:rPr>
+              <a:t>最後訂閱</a:t>
+            </a:r>
+            <a:r>
+              <a:rPr lang="en-US" altLang="zh-TW" sz="1900" b="1" dirty="0" err="1">
+                <a:latin typeface="+mn-lt"/>
+              </a:rPr>
+              <a:t>colab</a:t>
+            </a:r>
+            <a:r>
+              <a:rPr lang="en-US" altLang="zh-TW" sz="1900" b="1" dirty="0">
+                <a:latin typeface="+mn-lt"/>
+              </a:rPr>
+              <a:t> pro</a:t>
+            </a:r>
+            <a:r>
+              <a:rPr lang="zh-TW" altLang="en-US" sz="1900" b="1" dirty="0">
+                <a:latin typeface="+mn-lt"/>
+              </a:rPr>
+              <a:t>來解決資源搶佔，提升性能和獲得更多記憶體</a:t>
+            </a:r>
+            <a:endParaRPr lang="en-US" altLang="zh-TW" sz="1900" b="1" dirty="0">
+              <a:latin typeface="+mn-lt"/>
+            </a:endParaRPr>
+          </a:p>
+          <a:p>
+            <a:pPr marL="640080" indent="-457200">
+              <a:buFont typeface="+mj-lt"/>
+              <a:buAutoNum type="arabicParenR"/>
+            </a:pPr>
+            <a:r>
+              <a:rPr lang="zh-TW" altLang="en-US" sz="2100" b="1" dirty="0">
+                <a:latin typeface="+mn-lt"/>
+              </a:rPr>
+              <a:t>訓練大概經過兩個小時會斷線一次</a:t>
+            </a:r>
+            <a:endParaRPr lang="en-US" altLang="zh-TW" sz="2100" b="1" dirty="0">
+              <a:latin typeface="+mn-lt"/>
+            </a:endParaRPr>
+          </a:p>
+          <a:p>
+            <a:pPr marL="800100" lvl="1" indent="-342900">
+              <a:buFont typeface="Wingdings" panose="05000000000000000000" pitchFamily="2" charset="2"/>
+              <a:buChar char="Ø"/>
+            </a:pPr>
+            <a:r>
+              <a:rPr lang="zh-TW" altLang="en-US" sz="1900" b="1" dirty="0">
+                <a:latin typeface="+mn-lt"/>
+              </a:rPr>
+              <a:t>使用最近的權重檔來繼續訓練</a:t>
+            </a:r>
+          </a:p>
+        </p:txBody>
+      </p:sp>
+      <p:sp>
+        <p:nvSpPr>
+          <p:cNvPr id="4" name="日期版面配置區 3">
+            <a:extLst>
+              <a:ext uri="{FF2B5EF4-FFF2-40B4-BE49-F238E27FC236}">
+                <a16:creationId xmlns:a16="http://schemas.microsoft.com/office/drawing/2014/main" id="{F9837D8D-072F-760A-8535-55B94842C96B}"/>
+              </a:ext>
+            </a:extLst>
+          </p:cNvPr>
+          <p:cNvSpPr>
+            <a:spLocks noGrp="1"/>
+          </p:cNvSpPr>
+          <p:nvPr>
+            <p:ph type="dt" sz="half" idx="10"/>
+          </p:nvPr>
+        </p:nvSpPr>
+        <p:spPr/>
+        <p:txBody>
+          <a:bodyPr/>
+          <a:lstStyle/>
+          <a:p>
+            <a:pPr rtl="0"/>
+            <a:fld id="{CE847876-3A2B-49FA-B396-40048599C954}" type="datetime1">
+              <a:rPr lang="zh-TW" altLang="en-US" smtClean="0"/>
+              <a:t>2022/6/8</a:t>
+            </a:fld>
+            <a:endParaRPr lang="en-US"/>
+          </a:p>
+        </p:txBody>
+      </p:sp>
+    </p:spTree>
+    <p:extLst>
+      <p:ext uri="{BB962C8B-B14F-4D97-AF65-F5344CB8AC3E}">
+        <p14:creationId xmlns:p14="http://schemas.microsoft.com/office/powerpoint/2010/main" val="1245169138"/>
+      </p:ext>
+    </p:extLst>
+  </p:cSld>
+  <p:clrMapOvr>
+    <a:masterClrMapping/>
+  </p:clrMapOvr>
+</p:sld>
+</file>
+
+<file path=ppt/slides/slide13.xml><?xml version="1.0" encoding="utf-8"?>
+<p:sld xmlns:a="http://schemas.openxmlformats.org/drawingml/2006/main" xmlns:r="http://schemas.openxmlformats.org/officeDocument/2006/relationships" xmlns:p="http://schemas.openxmlformats.org/presentationml/2006/main">
+  <p:cSld>
+    <p:spTree>
+      <p:nvGrpSpPr>
+        <p:cNvPr id="1" name=""/>
+        <p:cNvGrpSpPr/>
+        <p:nvPr/>
+      </p:nvGrpSpPr>
+      <p:grpSpPr>
+        <a:xfrm>
+          <a:off x="0" y="0"/>
+          <a:ext cx="0" cy="0"/>
+          <a:chOff x="0" y="0"/>
+          <a:chExt cx="0" cy="0"/>
+        </a:xfrm>
+      </p:grpSpPr>
+      <p:sp>
+        <p:nvSpPr>
+          <p:cNvPr id="2" name="標題 1">
+            <a:extLst>
+              <a:ext uri="{FF2B5EF4-FFF2-40B4-BE49-F238E27FC236}">
+                <a16:creationId xmlns:a16="http://schemas.microsoft.com/office/drawing/2014/main" id="{D5B624D7-311C-B73D-FDE8-300BA53AF39D}"/>
+              </a:ext>
+            </a:extLst>
+          </p:cNvPr>
+          <p:cNvSpPr>
+            <a:spLocks noGrp="1"/>
+          </p:cNvSpPr>
+          <p:nvPr>
+            <p:ph type="title"/>
+          </p:nvPr>
+        </p:nvSpPr>
+        <p:spPr/>
+        <p:txBody>
+          <a:bodyPr/>
+          <a:lstStyle/>
+          <a:p>
+            <a:r>
+              <a:rPr lang="zh-TW" altLang="en-US" dirty="0"/>
+              <a:t>選擇使用的資料集 類別及影片名稱</a:t>
+            </a:r>
+          </a:p>
+        </p:txBody>
+      </p:sp>
+      <p:sp>
+        <p:nvSpPr>
+          <p:cNvPr id="3" name="內容版面配置區 2">
+            <a:extLst>
+              <a:ext uri="{FF2B5EF4-FFF2-40B4-BE49-F238E27FC236}">
+                <a16:creationId xmlns:a16="http://schemas.microsoft.com/office/drawing/2014/main" id="{E299E072-2308-CBD0-A720-17E123407932}"/>
+              </a:ext>
+            </a:extLst>
+          </p:cNvPr>
+          <p:cNvSpPr>
+            <a:spLocks noGrp="1"/>
+          </p:cNvSpPr>
+          <p:nvPr>
+            <p:ph idx="1"/>
+          </p:nvPr>
+        </p:nvSpPr>
+        <p:spPr/>
+        <p:txBody>
+          <a:bodyPr/>
+          <a:lstStyle/>
+          <a:p>
+            <a:pPr marL="640080" indent="-457200"/>
+            <a:r>
+              <a:rPr lang="zh-TW" altLang="zh-TW" sz="2100" b="1" dirty="0">
+                <a:latin typeface="+mn-lt"/>
+              </a:rPr>
+              <a:t>資料及類別：</a:t>
+            </a:r>
+            <a:r>
+              <a:rPr lang="en-US" altLang="zh-TW" sz="2100" b="1" dirty="0">
+                <a:latin typeface="+mn-lt"/>
+              </a:rPr>
+              <a:t>helmet (</a:t>
+            </a:r>
+            <a:r>
+              <a:rPr lang="zh-TW" altLang="zh-TW" sz="2100" b="1" dirty="0">
+                <a:latin typeface="+mn-lt"/>
+              </a:rPr>
+              <a:t>工人辨識</a:t>
+            </a:r>
+            <a:r>
+              <a:rPr lang="en-US" altLang="zh-TW" sz="2100" b="1" dirty="0">
+                <a:latin typeface="+mn-lt"/>
+              </a:rPr>
+              <a:t>)</a:t>
+            </a:r>
+            <a:endParaRPr lang="zh-TW" altLang="zh-TW" sz="2100" b="1" dirty="0">
+              <a:latin typeface="+mn-lt"/>
+            </a:endParaRPr>
+          </a:p>
+          <a:p>
+            <a:pPr marL="640080" indent="-457200"/>
+            <a:r>
+              <a:rPr lang="zh-TW" altLang="zh-TW" sz="2100" b="1" dirty="0">
+                <a:latin typeface="+mn-lt"/>
+              </a:rPr>
+              <a:t>影片檔名稱</a:t>
+            </a:r>
+            <a:r>
+              <a:rPr lang="zh-TW" altLang="en-US" sz="2100" b="1" dirty="0">
+                <a:latin typeface="+mn-lt"/>
+              </a:rPr>
+              <a:t>：</a:t>
+            </a:r>
+            <a:r>
+              <a:rPr lang="en-US" altLang="zh-TW" sz="2100" b="1" dirty="0">
+                <a:latin typeface="+mn-lt"/>
+              </a:rPr>
+              <a:t>(</a:t>
+            </a:r>
+            <a:r>
+              <a:rPr lang="zh-TW" altLang="en-US" sz="2100" b="1" dirty="0">
+                <a:latin typeface="+mn-lt"/>
+              </a:rPr>
+              <a:t>訓練</a:t>
+            </a:r>
+            <a:r>
+              <a:rPr lang="en-US" altLang="zh-TW" sz="2100" b="1" dirty="0">
+                <a:latin typeface="+mn-lt"/>
+              </a:rPr>
+              <a:t>)helmet1.mp4</a:t>
+            </a:r>
+            <a:r>
+              <a:rPr lang="zh-TW" altLang="en-US" sz="2100" b="1" dirty="0">
+                <a:latin typeface="+mn-lt"/>
+              </a:rPr>
+              <a:t>、</a:t>
+            </a:r>
+            <a:r>
+              <a:rPr lang="en-US" altLang="zh-TW" sz="2100" b="1" dirty="0">
+                <a:latin typeface="+mn-lt"/>
+              </a:rPr>
+              <a:t>(</a:t>
+            </a:r>
+            <a:r>
+              <a:rPr lang="zh-TW" altLang="en-US" sz="2100" b="1" dirty="0">
+                <a:latin typeface="+mn-lt"/>
+              </a:rPr>
+              <a:t>測試</a:t>
+            </a:r>
+            <a:r>
+              <a:rPr lang="en-US" altLang="zh-TW" sz="2100" b="1" dirty="0">
+                <a:latin typeface="+mn-lt"/>
+              </a:rPr>
+              <a:t>)helmet3.mp4</a:t>
+            </a:r>
+            <a:endParaRPr lang="zh-TW" altLang="zh-TW" sz="2100" b="1" dirty="0">
+              <a:latin typeface="+mn-lt"/>
+            </a:endParaRPr>
+          </a:p>
+          <a:p>
+            <a:endParaRPr lang="zh-TW" altLang="en-US" dirty="0"/>
+          </a:p>
+        </p:txBody>
+      </p:sp>
+      <p:sp>
+        <p:nvSpPr>
+          <p:cNvPr id="4" name="日期版面配置區 3">
+            <a:extLst>
+              <a:ext uri="{FF2B5EF4-FFF2-40B4-BE49-F238E27FC236}">
+                <a16:creationId xmlns:a16="http://schemas.microsoft.com/office/drawing/2014/main" id="{6116E64E-D607-D3B6-88DE-6D31155825BD}"/>
+              </a:ext>
+            </a:extLst>
+          </p:cNvPr>
+          <p:cNvSpPr>
+            <a:spLocks noGrp="1"/>
+          </p:cNvSpPr>
+          <p:nvPr>
+            <p:ph type="dt" sz="half" idx="10"/>
+          </p:nvPr>
+        </p:nvSpPr>
+        <p:spPr/>
+        <p:txBody>
+          <a:bodyPr/>
+          <a:lstStyle/>
+          <a:p>
+            <a:pPr rtl="0"/>
+            <a:fld id="{CE847876-3A2B-49FA-B396-40048599C954}" type="datetime1">
+              <a:rPr lang="zh-TW" altLang="en-US" smtClean="0"/>
+              <a:t>2022/6/8</a:t>
+            </a:fld>
+            <a:endParaRPr lang="en-US"/>
+          </a:p>
+        </p:txBody>
+      </p:sp>
+    </p:spTree>
+    <p:extLst>
+      <p:ext uri="{BB962C8B-B14F-4D97-AF65-F5344CB8AC3E}">
+        <p14:creationId xmlns:p14="http://schemas.microsoft.com/office/powerpoint/2010/main" val="3666279039"/>
+      </p:ext>
+    </p:extLst>
+  </p:cSld>
+  <p:clrMapOvr>
+    <a:masterClrMapping/>
+  </p:clrMapOvr>
+</p:sld>
+</file>
+
+<file path=ppt/slides/slide14.xml><?xml version="1.0" encoding="utf-8"?>
+<p:sld xmlns:a="http://schemas.openxmlformats.org/drawingml/2006/main" xmlns:r="http://schemas.openxmlformats.org/officeDocument/2006/relationships" xmlns:p="http://schemas.openxmlformats.org/presentationml/2006/main">
+  <p:cSld>
+    <p:spTree>
+      <p:nvGrpSpPr>
+        <p:cNvPr id="1" name=""/>
+        <p:cNvGrpSpPr/>
+        <p:nvPr/>
+      </p:nvGrpSpPr>
+      <p:grpSpPr>
+        <a:xfrm>
+          <a:off x="0" y="0"/>
+          <a:ext cx="0" cy="0"/>
+          <a:chOff x="0" y="0"/>
+          <a:chExt cx="0" cy="0"/>
+        </a:xfrm>
+      </p:grpSpPr>
+      <p:sp>
+        <p:nvSpPr>
+          <p:cNvPr id="2" name="標題 1">
+            <a:extLst>
+              <a:ext uri="{FF2B5EF4-FFF2-40B4-BE49-F238E27FC236}">
+                <a16:creationId xmlns:a16="http://schemas.microsoft.com/office/drawing/2014/main" id="{D5B624D7-311C-B73D-FDE8-300BA53AF39D}"/>
+              </a:ext>
+            </a:extLst>
+          </p:cNvPr>
+          <p:cNvSpPr>
+            <a:spLocks noGrp="1"/>
+          </p:cNvSpPr>
+          <p:nvPr>
+            <p:ph type="title"/>
+          </p:nvPr>
+        </p:nvSpPr>
+        <p:spPr/>
+        <p:txBody>
+          <a:bodyPr/>
+          <a:lstStyle/>
+          <a:p>
+            <a:r>
+              <a:rPr lang="zh-TW" altLang="en-US" dirty="0"/>
+              <a:t>討論分析</a:t>
+            </a:r>
+          </a:p>
+        </p:txBody>
+      </p:sp>
+      <p:sp>
+        <p:nvSpPr>
+          <p:cNvPr id="3" name="內容版面配置區 2">
+            <a:extLst>
+              <a:ext uri="{FF2B5EF4-FFF2-40B4-BE49-F238E27FC236}">
+                <a16:creationId xmlns:a16="http://schemas.microsoft.com/office/drawing/2014/main" id="{E299E072-2308-CBD0-A720-17E123407932}"/>
+              </a:ext>
+            </a:extLst>
+          </p:cNvPr>
+          <p:cNvSpPr>
+            <a:spLocks noGrp="1"/>
+          </p:cNvSpPr>
+          <p:nvPr>
+            <p:ph idx="1"/>
+          </p:nvPr>
+        </p:nvSpPr>
+        <p:spPr/>
+        <p:txBody>
+          <a:bodyPr/>
+          <a:lstStyle/>
+          <a:p>
+            <a:pPr marL="640080" indent="-457200"/>
+            <a:r>
+              <a:rPr lang="zh-TW" altLang="en-US" sz="2100" b="1" dirty="0">
+                <a:latin typeface="+mn-lt"/>
+              </a:rPr>
+              <a:t>是否成功或失敗？</a:t>
+            </a:r>
+            <a:endParaRPr lang="en-US" altLang="zh-TW" sz="2100" b="1" dirty="0">
+              <a:latin typeface="+mn-lt"/>
+            </a:endParaRPr>
+          </a:p>
+          <a:p>
+            <a:pPr marL="914400" lvl="1" indent="-457200">
+              <a:buFont typeface="Wingdings" panose="05000000000000000000" pitchFamily="2" charset="2"/>
+              <a:buChar char="Ø"/>
+            </a:pPr>
+            <a:r>
+              <a:rPr lang="zh-TW" altLang="en-US" sz="1900" b="1" dirty="0">
+                <a:latin typeface="+mn-lt"/>
+              </a:rPr>
+              <a:t>是</a:t>
+            </a:r>
+            <a:endParaRPr lang="en-US" altLang="zh-TW" sz="1900" b="1" dirty="0">
+              <a:latin typeface="+mn-lt"/>
+            </a:endParaRPr>
+          </a:p>
+          <a:p>
+            <a:pPr marL="640080" indent="-457200"/>
+            <a:r>
+              <a:rPr lang="zh-TW" altLang="en-US" sz="2100" b="1" dirty="0">
+                <a:latin typeface="+mn-lt"/>
+              </a:rPr>
+              <a:t>可能原因及改進方法</a:t>
+            </a:r>
+            <a:endParaRPr lang="en-US" altLang="zh-TW" sz="2100" b="1" dirty="0">
+              <a:latin typeface="+mn-lt"/>
+            </a:endParaRPr>
+          </a:p>
+          <a:p>
+            <a:pPr marL="914400" lvl="1" indent="-457200">
+              <a:buFont typeface="Wingdings" panose="05000000000000000000" pitchFamily="2" charset="2"/>
+              <a:buChar char="Ø"/>
+            </a:pPr>
+            <a:r>
+              <a:rPr lang="zh-TW" altLang="en-US" sz="1900" b="1" dirty="0">
+                <a:latin typeface="+mn-lt"/>
+              </a:rPr>
+              <a:t>無</a:t>
+            </a:r>
+          </a:p>
+        </p:txBody>
+      </p:sp>
+      <p:sp>
+        <p:nvSpPr>
+          <p:cNvPr id="4" name="日期版面配置區 3">
+            <a:extLst>
+              <a:ext uri="{FF2B5EF4-FFF2-40B4-BE49-F238E27FC236}">
+                <a16:creationId xmlns:a16="http://schemas.microsoft.com/office/drawing/2014/main" id="{6116E64E-D607-D3B6-88DE-6D31155825BD}"/>
+              </a:ext>
+            </a:extLst>
+          </p:cNvPr>
+          <p:cNvSpPr>
+            <a:spLocks noGrp="1"/>
+          </p:cNvSpPr>
+          <p:nvPr>
+            <p:ph type="dt" sz="half" idx="10"/>
+          </p:nvPr>
+        </p:nvSpPr>
+        <p:spPr/>
+        <p:txBody>
+          <a:bodyPr/>
+          <a:lstStyle/>
+          <a:p>
+            <a:pPr rtl="0"/>
+            <a:fld id="{CE847876-3A2B-49FA-B396-40048599C954}" type="datetime1">
+              <a:rPr lang="zh-TW" altLang="en-US" smtClean="0"/>
+              <a:t>2022/6/8</a:t>
+            </a:fld>
+            <a:endParaRPr lang="en-US"/>
+          </a:p>
+        </p:txBody>
+      </p:sp>
+    </p:spTree>
+    <p:extLst>
+      <p:ext uri="{BB962C8B-B14F-4D97-AF65-F5344CB8AC3E}">
+        <p14:creationId xmlns:p14="http://schemas.microsoft.com/office/powerpoint/2010/main" val="1167272919"/>
+      </p:ext>
+    </p:extLst>
+  </p:cSld>
+  <p:clrMapOvr>
+    <a:masterClrMapping/>
+  </p:clrMapOvr>
+</p:sld>
+</file>
+
+<file path=ppt/slides/slide15.xml><?xml version="1.0" encoding="utf-8"?>
 <p:sld xmlns:a="http://schemas.openxmlformats.org/drawingml/2006/main" xmlns:r="http://schemas.openxmlformats.org/officeDocument/2006/relationships" xmlns:p="http://schemas.openxmlformats.org/presentationml/2006/main">
   <p:cSld>
     <p:spTree>
@@ -9142,9 +14444,9 @@
           <a:p>
             <a:r>
               <a:rPr lang="en-US" altLang="zh-TW" dirty="0">
-                <a:hlinkClick r:id="rId2"/>
+                <a:hlinkClick r:id="rId2" tooltip="Project2_第7組_輸出影片"/>
               </a:rPr>
-              <a:t>https://youtu.be/Rsz555j6NGE</a:t>
+              <a:t>https://www.youtube.com/watch?v=alg1w11F12k</a:t>
             </a:r>
             <a:endParaRPr lang="zh-TW" altLang="en-US" dirty="0"/>
           </a:p>
@@ -9190,7 +14492,7 @@
                   <a:spcPts val="600"/>
                 </a:spcAft>
               </a:pPr>
-              <a:t>2022/5/24</a:t>
+              <a:t>2022/6/8</a:t>
             </a:fld>
             <a:endParaRPr lang="en-US"/>
           </a:p>
@@ -9198,10 +14500,10 @@
       </p:sp>
       <p:pic>
         <p:nvPicPr>
-          <p:cNvPr id="5" name="圖片 4">
+          <p:cNvPr id="6" name="圖片 5">
             <a:extLst>
               <a:ext uri="{FF2B5EF4-FFF2-40B4-BE49-F238E27FC236}">
-                <a16:creationId xmlns:a16="http://schemas.microsoft.com/office/drawing/2014/main" id="{1F329B2B-3A6D-4913-B06D-48CEC095435E}"/>
+                <a16:creationId xmlns:a16="http://schemas.microsoft.com/office/drawing/2014/main" id="{015AB691-8076-417C-8607-7EA43E0D5410}"/>
               </a:ext>
             </a:extLst>
           </p:cNvPr>
@@ -9218,8 +14520,8 @@
         </p:blipFill>
         <p:spPr>
           <a:xfrm>
-            <a:off x="9391105" y="4196651"/>
-            <a:ext cx="1171739" cy="1181265"/>
+            <a:off x="9301067" y="4019981"/>
+            <a:ext cx="1362265" cy="1324160"/>
           </a:xfrm>
           <a:prstGeom prst="rect">
             <a:avLst/>
@@ -9318,7 +14620,7 @@
             </a:pPr>
             <a:r>
               <a:rPr lang="zh-TW" altLang="en-US" sz="2800" dirty="0"/>
-              <a:t>資材四甲</a:t>
+              <a:t>資財四甲</a:t>
             </a:r>
             <a:r>
               <a:rPr lang="en-US" altLang="zh-TW" sz="2800" dirty="0"/>
@@ -9373,9 +14675,9 @@
             <a:pPr rtl="0"/>
             <a:fld id="{CE847876-3A2B-49FA-B396-40048599C954}" type="datetime1">
               <a:rPr lang="zh-TW" altLang="en-US" smtClean="0"/>
-              <a:t>2022/5/24</a:t>
+              <a:t>2022/6/8</a:t>
             </a:fld>
-            <a:endParaRPr lang="en-US"/>
+            <a:endParaRPr lang="en-US" dirty="0"/>
           </a:p>
         </p:txBody>
       </p:sp>
@@ -9446,36 +14748,6 @@
       </p:sp>
       <p:sp>
         <p:nvSpPr>
-          <p:cNvPr id="9" name="Subtitle 2">
-            <a:extLst>
-              <a:ext uri="{FF2B5EF4-FFF2-40B4-BE49-F238E27FC236}">
-                <a16:creationId xmlns:a16="http://schemas.microsoft.com/office/drawing/2014/main" id="{ECCF106E-E9AA-69C2-BBC8-14BF0A22DE3E}"/>
-              </a:ext>
-            </a:extLst>
-          </p:cNvPr>
-          <p:cNvSpPr>
-            <a:spLocks noGrp="1"/>
-          </p:cNvSpPr>
-          <p:nvPr>
-            <p:ph type="subTitle" idx="1"/>
-          </p:nvPr>
-        </p:nvSpPr>
-        <p:spPr>
-          <a:xfrm>
-            <a:off x="1629101" y="4682062"/>
-            <a:ext cx="8936846" cy="457201"/>
-          </a:xfrm>
-        </p:spPr>
-        <p:txBody>
-          <a:bodyPr/>
-          <a:lstStyle/>
-          <a:p>
-            <a:endParaRPr lang="en-US"/>
-          </a:p>
-        </p:txBody>
-      </p:sp>
-      <p:sp>
-        <p:nvSpPr>
           <p:cNvPr id="4" name="日期版面配置區 3">
             <a:extLst>
               <a:ext uri="{FF2B5EF4-FFF2-40B4-BE49-F238E27FC236}">
@@ -9514,7 +14786,7 @@
                   <a:spcPts val="600"/>
                 </a:spcAft>
               </a:pPr>
-              <a:t>2022/5/24</a:t>
+              <a:t>2022/6/8</a:t>
             </a:fld>
             <a:endParaRPr lang="en-US"/>
           </a:p>
@@ -9625,7 +14897,7 @@
                   <a:spcPts val="600"/>
                 </a:spcAft>
               </a:pPr>
-              <a:t>2022/5/24</a:t>
+              <a:t>2022/6/8</a:t>
             </a:fld>
             <a:endParaRPr lang="en-US"/>
           </a:p>
@@ -9647,14 +14919,14 @@
             <p:ph idx="1"/>
             <p:extLst>
               <p:ext uri="{D42A27DB-BD31-4B8C-83A1-F6EECF244321}">
-                <p14:modId xmlns:p14="http://schemas.microsoft.com/office/powerpoint/2010/main" val="3030191284"/>
+                <p14:modId xmlns:p14="http://schemas.microsoft.com/office/powerpoint/2010/main" val="1873700649"/>
               </p:ext>
             </p:extLst>
           </p:nvPr>
         </p:nvGraphicFramePr>
         <p:xfrm>
-          <a:off x="1066800" y="2103120"/>
-          <a:ext cx="10058400" cy="3849624"/>
+          <a:off x="1066800" y="2152073"/>
+          <a:ext cx="10058400" cy="3592946"/>
         </p:xfrm>
         <a:graphic>
           <a:graphicData uri="http://schemas.openxmlformats.org/drawingml/2006/diagram">
@@ -9697,7 +14969,7 @@
           <p:cNvPr id="2" name="標題 1">
             <a:extLst>
               <a:ext uri="{FF2B5EF4-FFF2-40B4-BE49-F238E27FC236}">
-                <a16:creationId xmlns:a16="http://schemas.microsoft.com/office/drawing/2014/main" id="{41271A7D-DF4D-7AF5-24D8-3AAC0719D3C9}"/>
+                <a16:creationId xmlns:a16="http://schemas.microsoft.com/office/drawing/2014/main" id="{3E74B5AD-2292-2194-D4F5-8FFCD591A2E7}"/>
               </a:ext>
             </a:extLst>
           </p:cNvPr>
@@ -9708,180 +14980,31 @@
             <p:ph type="title"/>
           </p:nvPr>
         </p:nvSpPr>
-        <p:spPr/>
+        <p:spPr>
+          <a:xfrm>
+            <a:off x="1066800" y="642594"/>
+            <a:ext cx="10058400" cy="1371600"/>
+          </a:xfrm>
+        </p:spPr>
         <p:txBody>
-          <a:bodyPr/>
+          <a:bodyPr anchor="ctr">
+            <a:normAutofit/>
+          </a:bodyPr>
           <a:lstStyle/>
           <a:p>
             <a:r>
               <a:rPr lang="zh-TW" altLang="en-US" dirty="0"/>
-              <a:t>將影片切割成多張</a:t>
-            </a:r>
-            <a:r>
-              <a:rPr lang="en-US" altLang="zh-TW" dirty="0"/>
-              <a:t>frames</a:t>
-            </a:r>
-            <a:endParaRPr lang="zh-TW" altLang="en-US" dirty="0"/>
+              <a:t>事前準備</a:t>
+            </a:r>
           </a:p>
         </p:txBody>
       </p:sp>
       <p:sp>
         <p:nvSpPr>
-          <p:cNvPr id="3" name="文字版面配置區 2">
+          <p:cNvPr id="4" name="日期版面配置區 3">
             <a:extLst>
               <a:ext uri="{FF2B5EF4-FFF2-40B4-BE49-F238E27FC236}">
-                <a16:creationId xmlns:a16="http://schemas.microsoft.com/office/drawing/2014/main" id="{0F8208BB-84D0-E4E0-B711-5382398222D5}"/>
-              </a:ext>
-            </a:extLst>
-          </p:cNvPr>
-          <p:cNvSpPr>
-            <a:spLocks noGrp="1"/>
-          </p:cNvSpPr>
-          <p:nvPr>
-            <p:ph type="body" idx="1"/>
-          </p:nvPr>
-        </p:nvSpPr>
-        <p:spPr>
-          <a:xfrm>
-            <a:off x="1066800" y="1962991"/>
-            <a:ext cx="3763880" cy="1058164"/>
-          </a:xfrm>
-        </p:spPr>
-        <p:txBody>
-          <a:bodyPr>
-            <a:normAutofit/>
-          </a:bodyPr>
-          <a:lstStyle/>
-          <a:p>
-            <a:pPr marL="457200" indent="-457200">
-              <a:buFont typeface="+mj-lt"/>
-              <a:buAutoNum type="arabicParenR"/>
-            </a:pPr>
-            <a:r>
-              <a:rPr lang="zh-TW" altLang="en-US" dirty="0"/>
-              <a:t>修改</a:t>
-            </a:r>
-            <a:r>
-              <a:rPr lang="en-US" altLang="zh-TW" dirty="0"/>
-              <a:t>video_clip.py</a:t>
-            </a:r>
-            <a:r>
-              <a:rPr lang="zh-TW" altLang="en-US" dirty="0"/>
-              <a:t>程式碼</a:t>
-            </a:r>
-            <a:endParaRPr lang="en-US" altLang="zh-TW" dirty="0"/>
-          </a:p>
-          <a:p>
-            <a:pPr marL="457200" indent="-457200">
-              <a:buFont typeface="+mj-lt"/>
-              <a:buAutoNum type="arabicParenR"/>
-            </a:pPr>
-            <a:r>
-              <a:rPr lang="zh-TW" altLang="en-US" dirty="0">
-                <a:latin typeface="+mn-lt"/>
-              </a:rPr>
-              <a:t>執行</a:t>
-            </a:r>
-            <a:r>
-              <a:rPr lang="en-US" altLang="zh-TW" dirty="0">
-                <a:latin typeface="+mn-lt"/>
-              </a:rPr>
-              <a:t>video_clip.py</a:t>
-            </a:r>
-            <a:endParaRPr lang="zh-TW" altLang="en-US" dirty="0">
-              <a:latin typeface="+mn-lt"/>
-            </a:endParaRPr>
-          </a:p>
-          <a:p>
-            <a:pPr marL="457200" indent="-457200">
-              <a:buFont typeface="+mj-lt"/>
-              <a:buAutoNum type="arabicParenR"/>
-            </a:pPr>
-            <a:r>
-              <a:rPr lang="zh-TW" altLang="en-US" dirty="0">
-                <a:latin typeface="+mn-lt"/>
-              </a:rPr>
-              <a:t>產生</a:t>
-            </a:r>
-            <a:r>
-              <a:rPr lang="en-US" altLang="zh-TW" dirty="0">
-                <a:latin typeface="+mn-lt"/>
-              </a:rPr>
-              <a:t>frame</a:t>
-            </a:r>
-            <a:r>
-              <a:rPr lang="zh-TW" altLang="en-US" dirty="0">
-                <a:latin typeface="+mn-lt"/>
-              </a:rPr>
-              <a:t>資料夾</a:t>
-            </a:r>
-          </a:p>
-        </p:txBody>
-      </p:sp>
-      <p:pic>
-        <p:nvPicPr>
-          <p:cNvPr id="9" name="內容版面配置區 8">
-            <a:extLst>
-              <a:ext uri="{FF2B5EF4-FFF2-40B4-BE49-F238E27FC236}">
-                <a16:creationId xmlns:a16="http://schemas.microsoft.com/office/drawing/2014/main" id="{0EFEF76F-1002-FFCC-60C7-F8D518F62BE3}"/>
-              </a:ext>
-            </a:extLst>
-          </p:cNvPr>
-          <p:cNvPicPr>
-            <a:picLocks noGrp="1" noChangeAspect="1"/>
-          </p:cNvPicPr>
-          <p:nvPr>
-            <p:ph sz="half" idx="2"/>
-          </p:nvPr>
-        </p:nvPicPr>
-        <p:blipFill>
-          <a:blip r:embed="rId2"/>
-          <a:stretch>
-            <a:fillRect/>
-          </a:stretch>
-        </p:blipFill>
-        <p:spPr>
-          <a:xfrm>
-            <a:off x="1381709" y="3429000"/>
-            <a:ext cx="2905530" cy="1286054"/>
-          </a:xfrm>
-        </p:spPr>
-      </p:pic>
-      <p:pic>
-        <p:nvPicPr>
-          <p:cNvPr id="11" name="內容版面配置區 10">
-            <a:extLst>
-              <a:ext uri="{FF2B5EF4-FFF2-40B4-BE49-F238E27FC236}">
-                <a16:creationId xmlns:a16="http://schemas.microsoft.com/office/drawing/2014/main" id="{2FBE31C5-3716-A1E5-91BA-0CDCA8A280CF}"/>
-              </a:ext>
-            </a:extLst>
-          </p:cNvPr>
-          <p:cNvPicPr>
-            <a:picLocks noGrp="1" noChangeAspect="1"/>
-          </p:cNvPicPr>
-          <p:nvPr>
-            <p:ph sz="quarter" idx="4"/>
-          </p:nvPr>
-        </p:nvPicPr>
-        <p:blipFill>
-          <a:blip r:embed="rId3"/>
-          <a:stretch>
-            <a:fillRect/>
-          </a:stretch>
-        </p:blipFill>
-        <p:spPr>
-          <a:xfrm>
-            <a:off x="1381709" y="5122899"/>
-            <a:ext cx="4664075" cy="280147"/>
-          </a:xfrm>
-        </p:spPr>
-      </p:pic>
-      <p:sp>
-        <p:nvSpPr>
-          <p:cNvPr id="7" name="日期版面配置區 6">
-            <a:extLst>
-              <a:ext uri="{FF2B5EF4-FFF2-40B4-BE49-F238E27FC236}">
-                <a16:creationId xmlns:a16="http://schemas.microsoft.com/office/drawing/2014/main" id="{A239618D-FB05-856D-099E-DDC7CE16B329}"/>
+                <a16:creationId xmlns:a16="http://schemas.microsoft.com/office/drawing/2014/main" id="{FF2FF99E-525E-FEBE-A6D9-1CBF8CD58896}"/>
               </a:ext>
             </a:extLst>
           </p:cNvPr>
@@ -9892,26 +15015,73 @@
             <p:ph type="dt" sz="half" idx="10"/>
           </p:nvPr>
         </p:nvSpPr>
-        <p:spPr/>
+        <p:spPr>
+          <a:xfrm>
+            <a:off x="7256794" y="6035040"/>
+            <a:ext cx="2893045" cy="365760"/>
+          </a:xfrm>
+        </p:spPr>
         <p:txBody>
-          <a:bodyPr/>
+          <a:bodyPr anchor="b">
+            <a:normAutofit/>
+          </a:bodyPr>
           <a:lstStyle/>
           <a:p>
-            <a:pPr rtl="0"/>
-            <a:fld id="{9651C41F-D9A3-457D-A3FA-0A5DBEF4266B}" type="datetime1">
+            <a:pPr rtl="0">
+              <a:spcAft>
+                <a:spcPts val="600"/>
+              </a:spcAft>
+            </a:pPr>
+            <a:fld id="{CE847876-3A2B-49FA-B396-40048599C954}" type="datetime1">
               <a:rPr lang="zh-TW" altLang="en-US" smtClean="0"/>
-              <a:t>2022/5/24</a:t>
+              <a:pPr rtl="0">
+                <a:spcAft>
+                  <a:spcPts val="600"/>
+                </a:spcAft>
+              </a:pPr>
+              <a:t>2022/6/8</a:t>
             </a:fld>
-            <a:endParaRPr lang="en-US" dirty="0"/>
+            <a:endParaRPr lang="en-US"/>
           </a:p>
         </p:txBody>
       </p:sp>
+      <p:graphicFrame>
+        <p:nvGraphicFramePr>
+          <p:cNvPr id="22" name="內容版面配置區 2">
+            <a:extLst>
+              <a:ext uri="{FF2B5EF4-FFF2-40B4-BE49-F238E27FC236}">
+                <a16:creationId xmlns:a16="http://schemas.microsoft.com/office/drawing/2014/main" id="{1AF8B8B4-BD44-8106-F64D-367EC41BFD77}"/>
+              </a:ext>
+            </a:extLst>
+          </p:cNvPr>
+          <p:cNvGraphicFramePr>
+            <a:graphicFrameLocks noGrp="1"/>
+          </p:cNvGraphicFramePr>
+          <p:nvPr>
+            <p:ph idx="1"/>
+            <p:extLst>
+              <p:ext uri="{D42A27DB-BD31-4B8C-83A1-F6EECF244321}">
+                <p14:modId xmlns:p14="http://schemas.microsoft.com/office/powerpoint/2010/main" val="267753644"/>
+              </p:ext>
+            </p:extLst>
+          </p:nvPr>
+        </p:nvGraphicFramePr>
+        <p:xfrm>
+          <a:off x="1066800" y="2146455"/>
+          <a:ext cx="10058400" cy="3592946"/>
+        </p:xfrm>
+        <a:graphic>
+          <a:graphicData uri="http://schemas.openxmlformats.org/drawingml/2006/diagram">
+            <dgm:relIds xmlns:dgm="http://schemas.openxmlformats.org/drawingml/2006/diagram" xmlns:r="http://schemas.openxmlformats.org/officeDocument/2006/relationships" r:dm="rId3" r:lo="rId4" r:qs="rId5" r:cs="rId6"/>
+          </a:graphicData>
+        </a:graphic>
+      </p:graphicFrame>
       <p:pic>
         <p:nvPicPr>
-          <p:cNvPr id="14" name="圖片 13">
+          <p:cNvPr id="9" name="圖片 8">
             <a:extLst>
               <a:ext uri="{FF2B5EF4-FFF2-40B4-BE49-F238E27FC236}">
-                <a16:creationId xmlns:a16="http://schemas.microsoft.com/office/drawing/2014/main" id="{F99CAB9E-472D-5FB8-2066-C5B09D6A6421}"/>
+                <a16:creationId xmlns:a16="http://schemas.microsoft.com/office/drawing/2014/main" id="{EED59E07-CB91-4EEA-95AA-F99F6968C585}"/>
               </a:ext>
             </a:extLst>
           </p:cNvPr>
@@ -9921,15 +15091,21 @@
           <p:nvPr/>
         </p:nvPicPr>
         <p:blipFill>
-          <a:blip r:embed="rId4"/>
+          <a:blip r:embed="rId8">
+            <a:extLst>
+              <a:ext uri="{28A0092B-C50C-407E-A947-70E740481C1C}">
+                <a14:useLocalDpi xmlns:a14="http://schemas.microsoft.com/office/drawing/2010/main" val="0"/>
+              </a:ext>
+            </a:extLst>
+          </a:blip>
           <a:stretch>
             <a:fillRect/>
           </a:stretch>
         </p:blipFill>
         <p:spPr>
           <a:xfrm>
-            <a:off x="6831260" y="3392990"/>
-            <a:ext cx="2391109" cy="2010056"/>
+            <a:off x="1899363" y="4967632"/>
+            <a:ext cx="6951586" cy="598364"/>
           </a:xfrm>
           <a:prstGeom prst="rect">
             <a:avLst/>
@@ -9939,7 +15115,7 @@
     </p:spTree>
     <p:extLst>
       <p:ext uri="{BB962C8B-B14F-4D97-AF65-F5344CB8AC3E}">
-        <p14:creationId xmlns:p14="http://schemas.microsoft.com/office/powerpoint/2010/main" val="2271820401"/>
+        <p14:creationId xmlns:p14="http://schemas.microsoft.com/office/powerpoint/2010/main" val="510140378"/>
       </p:ext>
     </p:extLst>
   </p:cSld>
@@ -9971,7 +15147,7 @@
           <p:cNvPr id="2" name="標題 1">
             <a:extLst>
               <a:ext uri="{FF2B5EF4-FFF2-40B4-BE49-F238E27FC236}">
-                <a16:creationId xmlns:a16="http://schemas.microsoft.com/office/drawing/2014/main" id="{B764C555-6A8A-89CC-C652-4EB5F90AF0A3}"/>
+                <a16:creationId xmlns:a16="http://schemas.microsoft.com/office/drawing/2014/main" id="{3E74B5AD-2292-2194-D4F5-8FFCD591A2E7}"/>
               </a:ext>
             </a:extLst>
           </p:cNvPr>
@@ -9982,321 +15158,32 @@
             <p:ph type="title"/>
           </p:nvPr>
         </p:nvSpPr>
-        <p:spPr/>
+        <p:spPr>
+          <a:xfrm>
+            <a:off x="1066800" y="642594"/>
+            <a:ext cx="10058400" cy="1371600"/>
+          </a:xfrm>
+        </p:spPr>
         <p:txBody>
-          <a:bodyPr/>
+          <a:bodyPr anchor="ctr">
+            <a:normAutofit/>
+          </a:bodyPr>
           <a:lstStyle/>
           <a:p>
-            <a:r>
-              <a:rPr lang="zh-TW" altLang="en-US" dirty="0"/>
-              <a:t>標註資料</a:t>
+            <a:pPr lvl="0"/>
+            <a:r>
+              <a:rPr lang="zh-TW" altLang="zh-TW" dirty="0"/>
+              <a:t>生成訓練資料路徑</a:t>
             </a:r>
           </a:p>
         </p:txBody>
       </p:sp>
       <p:sp>
         <p:nvSpPr>
-          <p:cNvPr id="3" name="文字版面配置區 2">
+          <p:cNvPr id="4" name="日期版面配置區 3">
             <a:extLst>
               <a:ext uri="{FF2B5EF4-FFF2-40B4-BE49-F238E27FC236}">
-                <a16:creationId xmlns:a16="http://schemas.microsoft.com/office/drawing/2014/main" id="{40AA31EB-D79E-DC7E-C4E4-6BD6BBBA3952}"/>
-              </a:ext>
-            </a:extLst>
-          </p:cNvPr>
-          <p:cNvSpPr>
-            <a:spLocks noGrp="1"/>
-          </p:cNvSpPr>
-          <p:nvPr>
-            <p:ph type="body" idx="1"/>
-          </p:nvPr>
-        </p:nvSpPr>
-        <p:spPr>
-          <a:xfrm>
-            <a:off x="577517" y="2249906"/>
-            <a:ext cx="5143500" cy="3201495"/>
-          </a:xfrm>
-        </p:spPr>
-        <p:txBody>
-          <a:bodyPr>
-            <a:normAutofit/>
-          </a:bodyPr>
-          <a:lstStyle/>
-          <a:p>
-            <a:pPr marL="285750" indent="-285750">
-              <a:buFont typeface="+mj-lt"/>
-              <a:buAutoNum type="arabicPeriod"/>
-            </a:pPr>
-            <a:r>
-              <a:rPr lang="zh-TW" altLang="zh-TW" sz="2000" dirty="0">
-                <a:latin typeface="+mn-lt"/>
-              </a:rPr>
-              <a:t>在</a:t>
-            </a:r>
-            <a:r>
-              <a:rPr lang="en-US" altLang="zh-TW" sz="2000" dirty="0">
-                <a:latin typeface="+mn-lt"/>
-              </a:rPr>
-              <a:t>windows</a:t>
-            </a:r>
-            <a:r>
-              <a:rPr lang="zh-TW" altLang="zh-TW" sz="2000" dirty="0">
-                <a:latin typeface="+mn-lt"/>
-              </a:rPr>
-              <a:t>上安裝</a:t>
-            </a:r>
-            <a:r>
-              <a:rPr lang="en-US" altLang="zh-TW" sz="2000" dirty="0" err="1">
-                <a:latin typeface="+mn-lt"/>
-              </a:rPr>
-              <a:t>labelImg</a:t>
-            </a:r>
-            <a:endParaRPr lang="zh-TW" altLang="zh-TW" sz="2000" dirty="0">
-              <a:latin typeface="+mn-lt"/>
-            </a:endParaRPr>
-          </a:p>
-          <a:p>
-            <a:pPr marL="285750" indent="-285750">
-              <a:buFont typeface="+mj-lt"/>
-              <a:buAutoNum type="arabicPeriod"/>
-            </a:pPr>
-            <a:r>
-              <a:rPr lang="zh-TW" altLang="zh-TW" sz="2000" dirty="0">
-                <a:latin typeface="+mn-lt"/>
-              </a:rPr>
-              <a:t>執行開啟</a:t>
-            </a:r>
-            <a:r>
-              <a:rPr lang="en-US" altLang="zh-TW" sz="2000" dirty="0" err="1">
-                <a:latin typeface="+mn-lt"/>
-              </a:rPr>
-              <a:t>labelImg</a:t>
-            </a:r>
-            <a:r>
-              <a:rPr lang="zh-TW" altLang="zh-TW" sz="2000" dirty="0">
-                <a:latin typeface="+mn-lt"/>
-              </a:rPr>
-              <a:t>視窗</a:t>
-            </a:r>
-          </a:p>
-          <a:p>
-            <a:pPr marL="284400" indent="-284400">
-              <a:buFont typeface="+mj-lt"/>
-              <a:buAutoNum type="arabicPeriod"/>
-            </a:pPr>
-            <a:r>
-              <a:rPr lang="en-US" altLang="zh-TW" sz="2000" dirty="0"/>
-              <a:t>File</a:t>
-            </a:r>
-            <a:r>
-              <a:rPr lang="en-US" altLang="zh-TW" sz="2000" dirty="0">
-                <a:latin typeface="+mn-lt"/>
-              </a:rPr>
-              <a:t> -&gt; Open Dir -&gt; </a:t>
-            </a:r>
-            <a:r>
-              <a:rPr lang="zh-TW" altLang="zh-TW" sz="2000" dirty="0">
-                <a:latin typeface="+mn-lt"/>
-              </a:rPr>
-              <a:t>選擇 </a:t>
-            </a:r>
-            <a:r>
-              <a:rPr lang="en-US" altLang="zh-TW" sz="2000" dirty="0">
-                <a:latin typeface="+mn-lt"/>
-              </a:rPr>
-              <a:t>frames</a:t>
-            </a:r>
-            <a:r>
-              <a:rPr lang="zh-TW" altLang="zh-TW" sz="2000" dirty="0">
-                <a:latin typeface="+mn-lt"/>
-              </a:rPr>
-              <a:t>資料夾</a:t>
-            </a:r>
-          </a:p>
-          <a:p>
-            <a:pPr marL="285750" indent="-285750">
-              <a:buFont typeface="+mj-lt"/>
-              <a:buAutoNum type="arabicPeriod"/>
-            </a:pPr>
-            <a:r>
-              <a:rPr lang="en-US" altLang="zh-TW" sz="2000" dirty="0">
-                <a:latin typeface="+mn-lt"/>
-              </a:rPr>
-              <a:t>Edit -&gt; Create </a:t>
-            </a:r>
-            <a:r>
-              <a:rPr lang="en-US" altLang="zh-TW" sz="2000" dirty="0" err="1">
-                <a:latin typeface="+mn-lt"/>
-              </a:rPr>
-              <a:t>RectBox</a:t>
-            </a:r>
-            <a:r>
-              <a:rPr lang="en-US" altLang="zh-TW" sz="2000" dirty="0">
-                <a:latin typeface="+mn-lt"/>
-              </a:rPr>
-              <a:t> </a:t>
-            </a:r>
-            <a:r>
-              <a:rPr lang="zh-TW" altLang="zh-TW" sz="2000" dirty="0">
-                <a:latin typeface="+mn-lt"/>
-              </a:rPr>
-              <a:t>或按</a:t>
-            </a:r>
-            <a:r>
-              <a:rPr lang="en-US" altLang="zh-TW" sz="2000" dirty="0">
-                <a:latin typeface="+mn-lt"/>
-              </a:rPr>
-              <a:t>W</a:t>
-            </a:r>
-            <a:r>
-              <a:rPr lang="zh-TW" altLang="zh-TW" sz="2000" dirty="0">
-                <a:latin typeface="+mn-lt"/>
-              </a:rPr>
-              <a:t>鍵，滑鼠選取安全帽範圍</a:t>
-            </a:r>
-          </a:p>
-          <a:p>
-            <a:pPr marL="285750" indent="-285750">
-              <a:buFont typeface="+mj-lt"/>
-              <a:buAutoNum type="arabicPeriod"/>
-            </a:pPr>
-            <a:r>
-              <a:rPr lang="zh-TW" altLang="zh-TW" sz="2000" dirty="0">
-                <a:latin typeface="+mn-lt"/>
-              </a:rPr>
-              <a:t>切換至</a:t>
-            </a:r>
-            <a:r>
-              <a:rPr lang="en-US" altLang="zh-TW" sz="2000" dirty="0">
-                <a:latin typeface="+mn-lt"/>
-              </a:rPr>
-              <a:t>YOLO</a:t>
-            </a:r>
-            <a:r>
-              <a:rPr lang="zh-TW" altLang="zh-TW" sz="2000" dirty="0">
-                <a:latin typeface="+mn-lt"/>
-              </a:rPr>
-              <a:t>格式</a:t>
-            </a:r>
-            <a:r>
-              <a:rPr lang="en-US" altLang="zh-TW" sz="2000" dirty="0">
-                <a:latin typeface="+mn-lt"/>
-              </a:rPr>
-              <a:t> (.txt)</a:t>
-            </a:r>
-            <a:endParaRPr lang="zh-TW" altLang="zh-TW" sz="2000" dirty="0">
-              <a:latin typeface="+mn-lt"/>
-            </a:endParaRPr>
-          </a:p>
-          <a:p>
-            <a:pPr marL="285750" indent="-285750">
-              <a:buFont typeface="+mj-lt"/>
-              <a:buAutoNum type="arabicPeriod"/>
-            </a:pPr>
-            <a:r>
-              <a:rPr lang="zh-TW" altLang="zh-TW" sz="2000" dirty="0">
-                <a:latin typeface="+mn-lt"/>
-              </a:rPr>
-              <a:t>儲存 </a:t>
-            </a:r>
-            <a:r>
-              <a:rPr lang="en-US" altLang="zh-TW" sz="2000" dirty="0">
-                <a:latin typeface="+mn-lt"/>
-              </a:rPr>
-              <a:t>(Save)</a:t>
-            </a:r>
-            <a:endParaRPr lang="zh-TW" altLang="zh-TW" sz="2000" dirty="0">
-              <a:latin typeface="+mn-lt"/>
-            </a:endParaRPr>
-          </a:p>
-          <a:p>
-            <a:pPr marL="285750" indent="-285750">
-              <a:buFont typeface="+mj-lt"/>
-              <a:buAutoNum type="arabicPeriod"/>
-            </a:pPr>
-            <a:r>
-              <a:rPr lang="zh-TW" altLang="zh-TW" sz="2000" dirty="0">
-                <a:latin typeface="+mn-lt"/>
-              </a:rPr>
-              <a:t>切到下一張圖片</a:t>
-            </a:r>
-            <a:r>
-              <a:rPr lang="en-US" altLang="zh-TW" sz="2000" dirty="0">
-                <a:latin typeface="+mn-lt"/>
-              </a:rPr>
-              <a:t> (Next Image)</a:t>
-            </a:r>
-            <a:endParaRPr lang="zh-TW" altLang="zh-TW" sz="2000" dirty="0">
-              <a:latin typeface="+mn-lt"/>
-            </a:endParaRPr>
-          </a:p>
-          <a:p>
-            <a:pPr marL="285750" indent="-285750">
-              <a:buFont typeface="+mj-lt"/>
-              <a:buAutoNum type="arabicPeriod"/>
-            </a:pPr>
-            <a:r>
-              <a:rPr lang="zh-TW" altLang="zh-TW" sz="2000" dirty="0">
-                <a:latin typeface="+mn-lt"/>
-              </a:rPr>
-              <a:t>重複步驟</a:t>
-            </a:r>
-            <a:r>
-              <a:rPr lang="en-US" altLang="zh-TW" sz="2000" dirty="0">
-                <a:latin typeface="+mn-lt"/>
-              </a:rPr>
-              <a:t>4~7</a:t>
-            </a:r>
-            <a:r>
-              <a:rPr lang="zh-TW" altLang="zh-TW" sz="2000" dirty="0">
-                <a:latin typeface="+mn-lt"/>
-              </a:rPr>
-              <a:t>，直到完成所有照片</a:t>
-            </a:r>
-          </a:p>
-          <a:p>
-            <a:pPr marL="457200" indent="-457200">
-              <a:buFont typeface="+mj-lt"/>
-              <a:buAutoNum type="arabicPeriod"/>
-            </a:pPr>
-            <a:endParaRPr lang="zh-TW" altLang="en-US" dirty="0"/>
-          </a:p>
-        </p:txBody>
-      </p:sp>
-      <p:pic>
-        <p:nvPicPr>
-          <p:cNvPr id="9" name="內容版面配置區 8">
-            <a:extLst>
-              <a:ext uri="{FF2B5EF4-FFF2-40B4-BE49-F238E27FC236}">
-                <a16:creationId xmlns:a16="http://schemas.microsoft.com/office/drawing/2014/main" id="{D22F1DDB-186E-034D-1838-4E9E01C3FF0E}"/>
-              </a:ext>
-            </a:extLst>
-          </p:cNvPr>
-          <p:cNvPicPr>
-            <a:picLocks noGrp="1" noChangeAspect="1"/>
-          </p:cNvPicPr>
-          <p:nvPr>
-            <p:ph sz="half" idx="2"/>
-          </p:nvPr>
-        </p:nvPicPr>
-        <p:blipFill>
-          <a:blip r:embed="rId2"/>
-          <a:stretch>
-            <a:fillRect/>
-          </a:stretch>
-        </p:blipFill>
-        <p:spPr>
-          <a:xfrm>
-            <a:off x="6730833" y="770165"/>
-            <a:ext cx="4664075" cy="2383253"/>
-          </a:xfrm>
-        </p:spPr>
-      </p:pic>
-      <p:sp>
-        <p:nvSpPr>
-          <p:cNvPr id="7" name="日期版面配置區 6">
-            <a:extLst>
-              <a:ext uri="{FF2B5EF4-FFF2-40B4-BE49-F238E27FC236}">
-                <a16:creationId xmlns:a16="http://schemas.microsoft.com/office/drawing/2014/main" id="{C4C3C777-6B08-72FC-A57A-D2538E7BF4C6}"/>
+                <a16:creationId xmlns:a16="http://schemas.microsoft.com/office/drawing/2014/main" id="{FF2FF99E-525E-FEBE-A6D9-1CBF8CD58896}"/>
               </a:ext>
             </a:extLst>
           </p:cNvPr>
@@ -10307,26 +15194,172 @@
             <p:ph type="dt" sz="half" idx="10"/>
           </p:nvPr>
         </p:nvSpPr>
-        <p:spPr/>
+        <p:spPr>
+          <a:xfrm>
+            <a:off x="7256794" y="6035040"/>
+            <a:ext cx="2893045" cy="365760"/>
+          </a:xfrm>
+        </p:spPr>
         <p:txBody>
-          <a:bodyPr/>
+          <a:bodyPr anchor="b">
+            <a:normAutofit/>
+          </a:bodyPr>
           <a:lstStyle/>
           <a:p>
-            <a:pPr rtl="0"/>
-            <a:fld id="{9651C41F-D9A3-457D-A3FA-0A5DBEF4266B}" type="datetime1">
+            <a:pPr rtl="0">
+              <a:spcAft>
+                <a:spcPts val="600"/>
+              </a:spcAft>
+            </a:pPr>
+            <a:fld id="{CE847876-3A2B-49FA-B396-40048599C954}" type="datetime1">
               <a:rPr lang="zh-TW" altLang="en-US" smtClean="0"/>
-              <a:t>2022/5/24</a:t>
+              <a:pPr rtl="0">
+                <a:spcAft>
+                  <a:spcPts val="600"/>
+                </a:spcAft>
+              </a:pPr>
+              <a:t>2022/6/8</a:t>
             </a:fld>
-            <a:endParaRPr lang="en-US" dirty="0"/>
+            <a:endParaRPr lang="en-US"/>
+          </a:p>
+        </p:txBody>
+      </p:sp>
+      <p:sp>
+        <p:nvSpPr>
+          <p:cNvPr id="7" name="矩形 6">
+            <a:extLst>
+              <a:ext uri="{FF2B5EF4-FFF2-40B4-BE49-F238E27FC236}">
+                <a16:creationId xmlns:a16="http://schemas.microsoft.com/office/drawing/2014/main" id="{19390A5A-7173-4C94-9319-89435020E4F2}"/>
+              </a:ext>
+            </a:extLst>
+          </p:cNvPr>
+          <p:cNvSpPr/>
+          <p:nvPr/>
+        </p:nvSpPr>
+        <p:spPr>
+          <a:xfrm>
+            <a:off x="1072141" y="2150607"/>
+            <a:ext cx="6470185" cy="969496"/>
+          </a:xfrm>
+          <a:prstGeom prst="rect">
+            <a:avLst/>
+          </a:prstGeom>
+        </p:spPr>
+        <p:txBody>
+          <a:bodyPr wrap="square">
+            <a:spAutoFit/>
+          </a:bodyPr>
+          <a:lstStyle/>
+          <a:p>
+            <a:pPr marL="457200" lvl="0" indent="-457200">
+              <a:spcAft>
+                <a:spcPts val="0"/>
+              </a:spcAft>
+              <a:buAutoNum type="arabicParenR"/>
+            </a:pPr>
+            <a:r>
+              <a:rPr lang="zh-TW" altLang="en-US" sz="1900" b="1" dirty="0">
+                <a:ea typeface="Microsoft JhengHei UI" panose="020B0604030504040204" pitchFamily="34" charset="-120"/>
+              </a:rPr>
+              <a:t>將 </a:t>
+            </a:r>
+            <a:r>
+              <a:rPr lang="en-US" altLang="zh-TW" sz="1900" b="1" dirty="0">
+                <a:ea typeface="Microsoft JhengHei UI" panose="020B0604030504040204" pitchFamily="34" charset="-120"/>
+              </a:rPr>
+              <a:t>Project1</a:t>
+            </a:r>
+            <a:r>
+              <a:rPr lang="zh-TW" altLang="en-US" sz="1900" b="1" dirty="0">
+                <a:ea typeface="Microsoft JhengHei UI" panose="020B0604030504040204" pitchFamily="34" charset="-120"/>
+              </a:rPr>
+              <a:t> 的 </a:t>
+            </a:r>
+            <a:r>
+              <a:rPr lang="en-US" altLang="zh-TW" sz="1900" b="1" dirty="0">
+                <a:ea typeface="Microsoft JhengHei UI" panose="020B0604030504040204" pitchFamily="34" charset="-120"/>
+              </a:rPr>
+              <a:t>frames</a:t>
+            </a:r>
+            <a:r>
+              <a:rPr lang="zh-TW" altLang="en-US" sz="1900" b="1" dirty="0">
+                <a:ea typeface="Microsoft JhengHei UI" panose="020B0604030504040204" pitchFamily="34" charset="-120"/>
+              </a:rPr>
+              <a:t> </a:t>
+            </a:r>
+            <a:r>
+              <a:rPr lang="zh-TW" altLang="zh-TW" sz="1900" b="1" dirty="0">
+                <a:ea typeface="Microsoft JhengHei UI" panose="020B0604030504040204" pitchFamily="34" charset="-120"/>
+              </a:rPr>
+              <a:t>放到助教提供的程式碼資料夾</a:t>
+            </a:r>
+            <a:endParaRPr lang="en-US" altLang="zh-TW" sz="1900" b="1" dirty="0">
+              <a:ea typeface="Microsoft JhengHei UI" panose="020B0604030504040204" pitchFamily="34" charset="-120"/>
+            </a:endParaRPr>
+          </a:p>
+          <a:p>
+            <a:pPr marL="457200" lvl="0" indent="-457200">
+              <a:spcAft>
+                <a:spcPts val="0"/>
+              </a:spcAft>
+              <a:buAutoNum type="arabicParenR"/>
+            </a:pPr>
+            <a:r>
+              <a:rPr lang="zh-TW" altLang="zh-TW" sz="1900" b="1" dirty="0">
+                <a:ea typeface="Microsoft JhengHei UI" panose="020B0604030504040204" pitchFamily="34" charset="-120"/>
+              </a:rPr>
+              <a:t>執行</a:t>
+            </a:r>
+            <a:r>
+              <a:rPr lang="zh-TW" altLang="en-US" sz="1900" b="1" dirty="0">
+                <a:ea typeface="Microsoft JhengHei UI" panose="020B0604030504040204" pitchFamily="34" charset="-120"/>
+              </a:rPr>
+              <a:t> </a:t>
+            </a:r>
+            <a:r>
+              <a:rPr lang="en-US" altLang="zh-TW" sz="1900" b="1" dirty="0">
+                <a:ea typeface="Microsoft JhengHei UI" panose="020B0604030504040204" pitchFamily="34" charset="-120"/>
+              </a:rPr>
+              <a:t>generate_train.py</a:t>
+            </a:r>
+          </a:p>
+          <a:p>
+            <a:pPr marL="457200" lvl="0" indent="-457200">
+              <a:spcAft>
+                <a:spcPts val="0"/>
+              </a:spcAft>
+              <a:buAutoNum type="arabicParenR"/>
+            </a:pPr>
+            <a:r>
+              <a:rPr lang="zh-TW" altLang="zh-TW" sz="1900" b="1" dirty="0">
+                <a:ea typeface="Microsoft JhengHei UI" panose="020B0604030504040204" pitchFamily="34" charset="-120"/>
+              </a:rPr>
+              <a:t>產生</a:t>
+            </a:r>
+            <a:r>
+              <a:rPr lang="zh-TW" altLang="en-US" sz="1900" b="1" dirty="0">
+                <a:ea typeface="Microsoft JhengHei UI" panose="020B0604030504040204" pitchFamily="34" charset="-120"/>
+              </a:rPr>
+              <a:t> </a:t>
+            </a:r>
+            <a:r>
+              <a:rPr lang="en-US" altLang="zh-TW" sz="1900" b="1" dirty="0">
+                <a:ea typeface="Microsoft JhengHei UI" panose="020B0604030504040204" pitchFamily="34" charset="-120"/>
+              </a:rPr>
+              <a:t>train.txt</a:t>
+            </a:r>
+            <a:endParaRPr lang="zh-TW" altLang="zh-TW" sz="1900" b="1" dirty="0">
+              <a:ea typeface="Microsoft JhengHei UI" panose="020B0604030504040204" pitchFamily="34" charset="-120"/>
+            </a:endParaRPr>
           </a:p>
         </p:txBody>
       </p:sp>
       <p:pic>
         <p:nvPicPr>
-          <p:cNvPr id="11" name="圖片 10">
+          <p:cNvPr id="8" name="圖片 7">
             <a:extLst>
               <a:ext uri="{FF2B5EF4-FFF2-40B4-BE49-F238E27FC236}">
-                <a16:creationId xmlns:a16="http://schemas.microsoft.com/office/drawing/2014/main" id="{1C763297-CF0E-6785-7595-175064AD5738}"/>
+                <a16:creationId xmlns:a16="http://schemas.microsoft.com/office/drawing/2014/main" id="{28E75792-1ADA-4B87-858D-4CB0BD492F1E}"/>
               </a:ext>
             </a:extLst>
           </p:cNvPr>
@@ -10343,8 +15376,38 @@
         </p:blipFill>
         <p:spPr>
           <a:xfrm>
-            <a:off x="6730833" y="3328531"/>
-            <a:ext cx="4664075" cy="2618337"/>
+            <a:off x="1228436" y="3894181"/>
+            <a:ext cx="6313890" cy="1554772"/>
+          </a:xfrm>
+          <a:prstGeom prst="rect">
+            <a:avLst/>
+          </a:prstGeom>
+        </p:spPr>
+      </p:pic>
+      <p:pic>
+        <p:nvPicPr>
+          <p:cNvPr id="11" name="圖片 10">
+            <a:extLst>
+              <a:ext uri="{FF2B5EF4-FFF2-40B4-BE49-F238E27FC236}">
+                <a16:creationId xmlns:a16="http://schemas.microsoft.com/office/drawing/2014/main" id="{F54E7A2B-A96B-4740-88C2-20A9FA227D12}"/>
+              </a:ext>
+            </a:extLst>
+          </p:cNvPr>
+          <p:cNvPicPr>
+            <a:picLocks noChangeAspect="1"/>
+          </p:cNvPicPr>
+          <p:nvPr/>
+        </p:nvPicPr>
+        <p:blipFill>
+          <a:blip r:embed="rId4"/>
+          <a:stretch>
+            <a:fillRect/>
+          </a:stretch>
+        </p:blipFill>
+        <p:spPr>
+          <a:xfrm>
+            <a:off x="8109016" y="1829466"/>
+            <a:ext cx="3349850" cy="3836119"/>
           </a:xfrm>
           <a:prstGeom prst="rect">
             <a:avLst/>
@@ -10354,7 +15417,7 @@
     </p:spTree>
     <p:extLst>
       <p:ext uri="{BB962C8B-B14F-4D97-AF65-F5344CB8AC3E}">
-        <p14:creationId xmlns:p14="http://schemas.microsoft.com/office/powerpoint/2010/main" val="1432522806"/>
+        <p14:creationId xmlns:p14="http://schemas.microsoft.com/office/powerpoint/2010/main" val="2645992449"/>
       </p:ext>
     </p:extLst>
   </p:cSld>
@@ -10386,7 +15449,7 @@
           <p:cNvPr id="2" name="標題 1">
             <a:extLst>
               <a:ext uri="{FF2B5EF4-FFF2-40B4-BE49-F238E27FC236}">
-                <a16:creationId xmlns:a16="http://schemas.microsoft.com/office/drawing/2014/main" id="{4C3D0BF3-4E5A-8CDB-688D-71E5DCD4800F}"/>
+                <a16:creationId xmlns:a16="http://schemas.microsoft.com/office/drawing/2014/main" id="{3E74B5AD-2292-2194-D4F5-8FFCD591A2E7}"/>
               </a:ext>
             </a:extLst>
           </p:cNvPr>
@@ -10397,119 +15460,36 @@
             <p:ph type="title"/>
           </p:nvPr>
         </p:nvSpPr>
-        <p:spPr/>
-        <p:txBody>
-          <a:bodyPr/>
-          <a:lstStyle/>
-          <a:p>
-            <a:r>
-              <a:rPr lang="zh-TW" altLang="en-US" dirty="0"/>
-              <a:t>將</a:t>
-            </a:r>
-            <a:r>
-              <a:rPr lang="en-US" altLang="zh-TW" dirty="0"/>
-              <a:t>frame</a:t>
-            </a:r>
-            <a:r>
-              <a:rPr lang="zh-TW" altLang="en-US" dirty="0"/>
-              <a:t>及標註資料合併後輸出成影片</a:t>
-            </a:r>
-          </a:p>
-        </p:txBody>
-      </p:sp>
-      <p:sp>
-        <p:nvSpPr>
-          <p:cNvPr id="3" name="內容版面配置區 2">
-            <a:extLst>
-              <a:ext uri="{FF2B5EF4-FFF2-40B4-BE49-F238E27FC236}">
-                <a16:creationId xmlns:a16="http://schemas.microsoft.com/office/drawing/2014/main" id="{8A6C0D33-2302-B118-F088-445B6F572140}"/>
-              </a:ext>
-            </a:extLst>
-          </p:cNvPr>
-          <p:cNvSpPr>
-            <a:spLocks noGrp="1"/>
-          </p:cNvSpPr>
-          <p:nvPr>
-            <p:ph idx="1"/>
-          </p:nvPr>
-        </p:nvSpPr>
         <p:spPr>
           <a:xfrm>
-            <a:off x="685799" y="2014194"/>
-            <a:ext cx="4096754" cy="1464243"/>
+            <a:off x="1066800" y="642594"/>
+            <a:ext cx="10058400" cy="1371600"/>
           </a:xfrm>
         </p:spPr>
         <p:txBody>
-          <a:bodyPr/>
+          <a:bodyPr anchor="ctr">
+            <a:normAutofit/>
+          </a:bodyPr>
           <a:lstStyle/>
           <a:p>
-            <a:pPr marL="640080" indent="-457200">
-              <a:buFont typeface="+mj-lt"/>
-              <a:buAutoNum type="arabicParenR"/>
-            </a:pPr>
-            <a:r>
-              <a:rPr lang="zh-TW" altLang="zh-TW" sz="2100" b="1" dirty="0">
-                <a:latin typeface="+mn-lt"/>
-              </a:rPr>
+            <a:pPr lvl="0"/>
+            <a:r>
+              <a:rPr lang="zh-TW" altLang="zh-TW" dirty="0"/>
               <a:t>修改</a:t>
             </a:r>
             <a:r>
-              <a:rPr lang="en-US" altLang="zh-TW" sz="2100" b="1" dirty="0">
-                <a:latin typeface="+mn-lt"/>
-              </a:rPr>
-              <a:t>label_video.py</a:t>
-            </a:r>
-            <a:r>
-              <a:rPr lang="zh-TW" altLang="zh-TW" sz="2100" b="1" dirty="0">
-                <a:latin typeface="+mn-lt"/>
-              </a:rPr>
-              <a:t>程式碼</a:t>
-            </a:r>
-          </a:p>
-          <a:p>
-            <a:pPr marL="640080" indent="-457200">
-              <a:buFont typeface="+mj-lt"/>
-              <a:buAutoNum type="arabicParenR"/>
-            </a:pPr>
-            <a:r>
-              <a:rPr lang="zh-TW" altLang="zh-TW" sz="2100" b="1" dirty="0">
-                <a:latin typeface="+mn-lt"/>
-              </a:rPr>
-              <a:t>執行</a:t>
-            </a:r>
-            <a:r>
-              <a:rPr lang="en-US" altLang="zh-TW" sz="2100" b="1" dirty="0">
-                <a:latin typeface="+mn-lt"/>
-              </a:rPr>
-              <a:t>label_video.py</a:t>
-            </a:r>
-            <a:endParaRPr lang="zh-TW" altLang="zh-TW" sz="2100" b="1" dirty="0">
-              <a:latin typeface="+mn-lt"/>
-            </a:endParaRPr>
-          </a:p>
-          <a:p>
-            <a:pPr marL="640080" indent="-457200">
-              <a:buFont typeface="+mj-lt"/>
-              <a:buAutoNum type="arabicParenR"/>
-            </a:pPr>
-            <a:r>
-              <a:rPr lang="zh-TW" altLang="zh-TW" sz="2100" b="1" dirty="0">
-                <a:latin typeface="+mn-lt"/>
-              </a:rPr>
-              <a:t>產生</a:t>
-            </a:r>
-            <a:r>
-              <a:rPr lang="en-US" altLang="zh-TW" sz="2100" b="1" dirty="0">
-                <a:latin typeface="+mn-lt"/>
-              </a:rPr>
-              <a:t>output.mp4</a:t>
-            </a:r>
-            <a:endParaRPr lang="zh-TW" altLang="zh-TW" sz="2100" b="1" dirty="0">
-              <a:latin typeface="+mn-lt"/>
-            </a:endParaRPr>
-          </a:p>
-          <a:p>
-            <a:endParaRPr lang="zh-TW" altLang="en-US" dirty="0"/>
+              <a:rPr lang="en-US" altLang="zh-TW" dirty="0"/>
+              <a:t>Label ID</a:t>
+            </a:r>
+            <a:r>
+              <a:rPr lang="zh-TW" altLang="zh-TW" dirty="0"/>
+              <a:t>為</a:t>
+            </a:r>
+            <a:r>
+              <a:rPr lang="en-US" altLang="zh-TW" dirty="0"/>
+              <a:t>0</a:t>
+            </a:r>
+            <a:endParaRPr lang="zh-TW" altLang="zh-TW" dirty="0"/>
           </a:p>
         </p:txBody>
       </p:sp>
@@ -10518,7 +15498,7 @@
           <p:cNvPr id="4" name="日期版面配置區 3">
             <a:extLst>
               <a:ext uri="{FF2B5EF4-FFF2-40B4-BE49-F238E27FC236}">
-                <a16:creationId xmlns:a16="http://schemas.microsoft.com/office/drawing/2014/main" id="{30EFC799-FEDF-6ACE-7DD1-3DCCF1155ACE}"/>
+                <a16:creationId xmlns:a16="http://schemas.microsoft.com/office/drawing/2014/main" id="{FF2FF99E-525E-FEBE-A6D9-1CBF8CD58896}"/>
               </a:ext>
             </a:extLst>
           </p:cNvPr>
@@ -10529,56 +15509,122 @@
             <p:ph type="dt" sz="half" idx="10"/>
           </p:nvPr>
         </p:nvSpPr>
-        <p:spPr/>
+        <p:spPr>
+          <a:xfrm>
+            <a:off x="7256794" y="6035040"/>
+            <a:ext cx="2893045" cy="365760"/>
+          </a:xfrm>
+        </p:spPr>
         <p:txBody>
-          <a:bodyPr/>
+          <a:bodyPr anchor="b">
+            <a:normAutofit/>
+          </a:bodyPr>
           <a:lstStyle/>
           <a:p>
-            <a:pPr rtl="0"/>
+            <a:pPr rtl="0">
+              <a:spcAft>
+                <a:spcPts val="600"/>
+              </a:spcAft>
+            </a:pPr>
             <a:fld id="{CE847876-3A2B-49FA-B396-40048599C954}" type="datetime1">
               <a:rPr lang="zh-TW" altLang="en-US" smtClean="0"/>
-              <a:t>2022/5/24</a:t>
+              <a:pPr rtl="0">
+                <a:spcAft>
+                  <a:spcPts val="600"/>
+                </a:spcAft>
+              </a:pPr>
+              <a:t>2022/6/8</a:t>
             </a:fld>
             <a:endParaRPr lang="en-US"/>
           </a:p>
         </p:txBody>
       </p:sp>
-      <p:pic>
-        <p:nvPicPr>
-          <p:cNvPr id="6" name="圖片 5">
+      <p:sp>
+        <p:nvSpPr>
+          <p:cNvPr id="7" name="矩形 6">
             <a:extLst>
               <a:ext uri="{FF2B5EF4-FFF2-40B4-BE49-F238E27FC236}">
-                <a16:creationId xmlns:a16="http://schemas.microsoft.com/office/drawing/2014/main" id="{59BF79EC-47B8-E181-45D0-22C9FCD998BF}"/>
+                <a16:creationId xmlns:a16="http://schemas.microsoft.com/office/drawing/2014/main" id="{19390A5A-7173-4C94-9319-89435020E4F2}"/>
               </a:ext>
             </a:extLst>
           </p:cNvPr>
-          <p:cNvPicPr>
-            <a:picLocks noChangeAspect="1"/>
-          </p:cNvPicPr>
+          <p:cNvSpPr/>
           <p:nvPr/>
-        </p:nvPicPr>
-        <p:blipFill>
-          <a:blip r:embed="rId2"/>
-          <a:stretch>
-            <a:fillRect/>
-          </a:stretch>
-        </p:blipFill>
+        </p:nvSpPr>
         <p:spPr>
           <a:xfrm>
-            <a:off x="1187537" y="3535166"/>
-            <a:ext cx="3219899" cy="962159"/>
+            <a:off x="1072141" y="3497272"/>
+            <a:ext cx="4663641" cy="677108"/>
           </a:xfrm>
           <a:prstGeom prst="rect">
             <a:avLst/>
           </a:prstGeom>
         </p:spPr>
-      </p:pic>
+        <p:txBody>
+          <a:bodyPr wrap="square">
+            <a:spAutoFit/>
+          </a:bodyPr>
+          <a:lstStyle/>
+          <a:p>
+            <a:pPr marL="457200" lvl="0" indent="-457200">
+              <a:spcAft>
+                <a:spcPts val="0"/>
+              </a:spcAft>
+              <a:buAutoNum type="arabicParenR"/>
+            </a:pPr>
+            <a:r>
+              <a:rPr lang="zh-TW" altLang="en-US" sz="1900" b="1" dirty="0">
+                <a:ea typeface="Microsoft JhengHei UI" panose="020B0604030504040204" pitchFamily="34" charset="-120"/>
+              </a:rPr>
+              <a:t>執行 </a:t>
+            </a:r>
+            <a:r>
+              <a:rPr lang="en-US" altLang="zh-TW" sz="1900" b="1" dirty="0">
+                <a:ea typeface="Microsoft JhengHei UI" panose="020B0604030504040204" pitchFamily="34" charset="-120"/>
+              </a:rPr>
+              <a:t>relabel.py</a:t>
+            </a:r>
+          </a:p>
+          <a:p>
+            <a:pPr marL="457200" lvl="0" indent="-457200">
+              <a:spcAft>
+                <a:spcPts val="0"/>
+              </a:spcAft>
+              <a:buAutoNum type="arabicParenR"/>
+            </a:pPr>
+            <a:r>
+              <a:rPr lang="zh-TW" altLang="en-US" sz="1900" b="1" dirty="0">
+                <a:ea typeface="Microsoft JhengHei UI" panose="020B0604030504040204" pitchFamily="34" charset="-120"/>
+              </a:rPr>
+              <a:t>將物件類別 </a:t>
+            </a:r>
+            <a:r>
+              <a:rPr lang="en-US" altLang="zh-TW" sz="1900" b="1" dirty="0">
+                <a:ea typeface="Microsoft JhengHei UI" panose="020B0604030504040204" pitchFamily="34" charset="-120"/>
+              </a:rPr>
+              <a:t>ID</a:t>
+            </a:r>
+            <a:r>
+              <a:rPr lang="zh-TW" altLang="en-US" sz="1900" b="1" dirty="0">
+                <a:ea typeface="Microsoft JhengHei UI" panose="020B0604030504040204" pitchFamily="34" charset="-120"/>
+              </a:rPr>
+              <a:t> 重設為 </a:t>
+            </a:r>
+            <a:r>
+              <a:rPr lang="en-US" altLang="zh-TW" sz="1900" b="1" dirty="0">
+                <a:ea typeface="Microsoft JhengHei UI" panose="020B0604030504040204" pitchFamily="34" charset="-120"/>
+              </a:rPr>
+              <a:t>0</a:t>
+            </a:r>
+          </a:p>
+        </p:txBody>
+      </p:sp>
       <p:pic>
         <p:nvPicPr>
-          <p:cNvPr id="8" name="圖片 7">
+          <p:cNvPr id="3" name="圖片 2">
             <a:extLst>
               <a:ext uri="{FF2B5EF4-FFF2-40B4-BE49-F238E27FC236}">
-                <a16:creationId xmlns:a16="http://schemas.microsoft.com/office/drawing/2014/main" id="{1E674553-539A-BEBE-467B-4FC82E387763}"/>
+                <a16:creationId xmlns:a16="http://schemas.microsoft.com/office/drawing/2014/main" id="{2831D715-A19C-4A79-8056-585B6DA304AC}"/>
               </a:ext>
             </a:extLst>
           </p:cNvPr>
@@ -10595,8 +15641,8 @@
         </p:blipFill>
         <p:spPr>
           <a:xfrm>
-            <a:off x="1187537" y="5516215"/>
-            <a:ext cx="5953956" cy="181000"/>
+            <a:off x="6029846" y="1157480"/>
+            <a:ext cx="5090013" cy="2538379"/>
           </a:xfrm>
           <a:prstGeom prst="rect">
             <a:avLst/>
@@ -10605,10 +15651,10 @@
       </p:pic>
       <p:pic>
         <p:nvPicPr>
-          <p:cNvPr id="10" name="圖片 9">
+          <p:cNvPr id="5" name="圖片 4">
             <a:extLst>
               <a:ext uri="{FF2B5EF4-FFF2-40B4-BE49-F238E27FC236}">
-                <a16:creationId xmlns:a16="http://schemas.microsoft.com/office/drawing/2014/main" id="{C944CB46-3B14-DB50-E059-C959407378B4}"/>
+                <a16:creationId xmlns:a16="http://schemas.microsoft.com/office/drawing/2014/main" id="{0A430286-8E25-4DC7-B2BF-F1F8171414DB}"/>
               </a:ext>
             </a:extLst>
           </p:cNvPr>
@@ -10625,59 +15671,18 @@
         </p:blipFill>
         <p:spPr>
           <a:xfrm>
-            <a:off x="7303168" y="3122378"/>
-            <a:ext cx="4122931" cy="2625723"/>
+            <a:off x="6572821" y="4050665"/>
+            <a:ext cx="4004063" cy="1804522"/>
           </a:xfrm>
           <a:prstGeom prst="rect">
             <a:avLst/>
           </a:prstGeom>
         </p:spPr>
       </p:pic>
-      <p:cxnSp>
-        <p:nvCxnSpPr>
-          <p:cNvPr id="7" name="直線接點 6">
-            <a:extLst>
-              <a:ext uri="{FF2B5EF4-FFF2-40B4-BE49-F238E27FC236}">
-                <a16:creationId xmlns:a16="http://schemas.microsoft.com/office/drawing/2014/main" id="{DBD0F20E-4EDB-4E94-B8FA-6264225A1E56}"/>
-              </a:ext>
-            </a:extLst>
-          </p:cNvPr>
-          <p:cNvCxnSpPr/>
-          <p:nvPr/>
-        </p:nvCxnSpPr>
-        <p:spPr>
-          <a:xfrm>
-            <a:off x="1331650" y="4012707"/>
-            <a:ext cx="2618913" cy="0"/>
-          </a:xfrm>
-          <a:prstGeom prst="line">
-            <a:avLst/>
-          </a:prstGeom>
-          <a:ln w="28575">
-            <a:solidFill>
-              <a:schemeClr val="accent2"/>
-            </a:solidFill>
-          </a:ln>
-        </p:spPr>
-        <p:style>
-          <a:lnRef idx="1">
-            <a:schemeClr val="accent1"/>
-          </a:lnRef>
-          <a:fillRef idx="0">
-            <a:schemeClr val="accent1"/>
-          </a:fillRef>
-          <a:effectRef idx="0">
-            <a:schemeClr val="accent1"/>
-          </a:effectRef>
-          <a:fontRef idx="minor">
-            <a:schemeClr val="tx1"/>
-          </a:fontRef>
-        </p:style>
-      </p:cxnSp>
     </p:spTree>
     <p:extLst>
       <p:ext uri="{BB962C8B-B14F-4D97-AF65-F5344CB8AC3E}">
-        <p14:creationId xmlns:p14="http://schemas.microsoft.com/office/powerpoint/2010/main" val="3058771408"/>
+        <p14:creationId xmlns:p14="http://schemas.microsoft.com/office/powerpoint/2010/main" val="3441325854"/>
       </p:ext>
     </p:extLst>
   </p:cSld>
@@ -10709,7 +15714,7 @@
           <p:cNvPr id="2" name="標題 1">
             <a:extLst>
               <a:ext uri="{FF2B5EF4-FFF2-40B4-BE49-F238E27FC236}">
-                <a16:creationId xmlns:a16="http://schemas.microsoft.com/office/drawing/2014/main" id="{C845CB05-6765-11D4-1C31-57031ECE363C}"/>
+                <a16:creationId xmlns:a16="http://schemas.microsoft.com/office/drawing/2014/main" id="{3E74B5AD-2292-2194-D4F5-8FFCD591A2E7}"/>
               </a:ext>
             </a:extLst>
           </p:cNvPr>
@@ -10720,46 +15725,24 @@
             <p:ph type="title"/>
           </p:nvPr>
         </p:nvSpPr>
-        <p:spPr/>
+        <p:spPr>
+          <a:xfrm>
+            <a:off x="1066800" y="642594"/>
+            <a:ext cx="10058400" cy="1371600"/>
+          </a:xfrm>
+        </p:spPr>
         <p:txBody>
-          <a:bodyPr/>
+          <a:bodyPr anchor="ctr">
+            <a:normAutofit/>
+          </a:bodyPr>
           <a:lstStyle/>
           <a:p>
+            <a:pPr lvl="0"/>
             <a:r>
               <a:rPr lang="zh-TW" altLang="en-US" dirty="0"/>
-              <a:t>執行程式是否有遇到什麼困難，如何解決。</a:t>
-            </a:r>
-          </a:p>
-        </p:txBody>
-      </p:sp>
-      <p:sp>
-        <p:nvSpPr>
-          <p:cNvPr id="3" name="內容版面配置區 2">
-            <a:extLst>
-              <a:ext uri="{FF2B5EF4-FFF2-40B4-BE49-F238E27FC236}">
-                <a16:creationId xmlns:a16="http://schemas.microsoft.com/office/drawing/2014/main" id="{C1181254-AD17-FF1A-66CA-16562FD614A8}"/>
-              </a:ext>
-            </a:extLst>
-          </p:cNvPr>
-          <p:cNvSpPr>
-            <a:spLocks noGrp="1"/>
-          </p:cNvSpPr>
-          <p:nvPr>
-            <p:ph idx="1"/>
-          </p:nvPr>
-        </p:nvSpPr>
-        <p:spPr/>
-        <p:txBody>
-          <a:bodyPr/>
-          <a:lstStyle/>
-          <a:p>
-            <a:pPr marL="640080" indent="-457200"/>
-            <a:r>
-              <a:rPr lang="zh-TW" altLang="en-US" sz="2100" b="1" dirty="0">
-                <a:latin typeface="+mn-lt"/>
-              </a:rPr>
-              <a:t>無</a:t>
-            </a:r>
+              <a:t>後續處理</a:t>
+            </a:r>
+            <a:endParaRPr lang="zh-TW" altLang="zh-TW" dirty="0"/>
           </a:p>
         </p:txBody>
       </p:sp>
@@ -10768,7 +15751,7 @@
           <p:cNvPr id="4" name="日期版面配置區 3">
             <a:extLst>
               <a:ext uri="{FF2B5EF4-FFF2-40B4-BE49-F238E27FC236}">
-                <a16:creationId xmlns:a16="http://schemas.microsoft.com/office/drawing/2014/main" id="{F9837D8D-072F-760A-8535-55B94842C96B}"/>
+                <a16:creationId xmlns:a16="http://schemas.microsoft.com/office/drawing/2014/main" id="{FF2FF99E-525E-FEBE-A6D9-1CBF8CD58896}"/>
               </a:ext>
             </a:extLst>
           </p:cNvPr>
@@ -10779,24 +15762,164 @@
             <p:ph type="dt" sz="half" idx="10"/>
           </p:nvPr>
         </p:nvSpPr>
-        <p:spPr/>
+        <p:spPr>
+          <a:xfrm>
+            <a:off x="7256794" y="6035040"/>
+            <a:ext cx="2893045" cy="365760"/>
+          </a:xfrm>
+        </p:spPr>
         <p:txBody>
-          <a:bodyPr/>
+          <a:bodyPr anchor="b">
+            <a:normAutofit/>
+          </a:bodyPr>
           <a:lstStyle/>
           <a:p>
-            <a:pPr rtl="0"/>
+            <a:pPr rtl="0">
+              <a:spcAft>
+                <a:spcPts val="600"/>
+              </a:spcAft>
+            </a:pPr>
             <a:fld id="{CE847876-3A2B-49FA-B396-40048599C954}" type="datetime1">
               <a:rPr lang="zh-TW" altLang="en-US" smtClean="0"/>
-              <a:t>2022/5/24</a:t>
+              <a:pPr rtl="0">
+                <a:spcAft>
+                  <a:spcPts val="600"/>
+                </a:spcAft>
+              </a:pPr>
+              <a:t>2022/6/8</a:t>
             </a:fld>
             <a:endParaRPr lang="en-US"/>
           </a:p>
         </p:txBody>
       </p:sp>
+      <p:sp>
+        <p:nvSpPr>
+          <p:cNvPr id="7" name="矩形 6">
+            <a:extLst>
+              <a:ext uri="{FF2B5EF4-FFF2-40B4-BE49-F238E27FC236}">
+                <a16:creationId xmlns:a16="http://schemas.microsoft.com/office/drawing/2014/main" id="{19390A5A-7173-4C94-9319-89435020E4F2}"/>
+              </a:ext>
+            </a:extLst>
+          </p:cNvPr>
+          <p:cNvSpPr/>
+          <p:nvPr/>
+        </p:nvSpPr>
+        <p:spPr>
+          <a:xfrm>
+            <a:off x="1285485" y="2014194"/>
+            <a:ext cx="5971309" cy="969496"/>
+          </a:xfrm>
+          <a:prstGeom prst="rect">
+            <a:avLst/>
+          </a:prstGeom>
+        </p:spPr>
+        <p:txBody>
+          <a:bodyPr wrap="square">
+            <a:spAutoFit/>
+          </a:bodyPr>
+          <a:lstStyle/>
+          <a:p>
+            <a:pPr marL="457200" lvl="0" indent="-457200">
+              <a:spcAft>
+                <a:spcPts val="0"/>
+              </a:spcAft>
+              <a:buAutoNum type="arabicParenR"/>
+            </a:pPr>
+            <a:r>
+              <a:rPr lang="zh-TW" altLang="en-US" sz="1900" b="1" dirty="0">
+                <a:ea typeface="Microsoft JhengHei UI" panose="020B0604030504040204" pitchFamily="34" charset="-120"/>
+              </a:rPr>
+              <a:t>將以上檔案壓縮至</a:t>
+            </a:r>
+            <a:r>
+              <a:rPr lang="en-US" altLang="zh-TW" sz="1900" b="1" dirty="0">
+                <a:ea typeface="Microsoft JhengHei UI" panose="020B0604030504040204" pitchFamily="34" charset="-120"/>
+              </a:rPr>
+              <a:t>Project2.zip</a:t>
+            </a:r>
+          </a:p>
+          <a:p>
+            <a:pPr marL="457200" lvl="0" indent="-457200">
+              <a:spcAft>
+                <a:spcPts val="0"/>
+              </a:spcAft>
+              <a:buAutoNum type="arabicParenR"/>
+            </a:pPr>
+            <a:r>
+              <a:rPr lang="zh-TW" altLang="en-US" sz="1900" b="1" dirty="0">
+                <a:ea typeface="Microsoft JhengHei UI" panose="020B0604030504040204" pitchFamily="34" charset="-120"/>
+              </a:rPr>
+              <a:t>上傳到雲端 </a:t>
+            </a:r>
+            <a:r>
+              <a:rPr lang="en-US" altLang="zh-TW" sz="1900" b="1" dirty="0">
+                <a:ea typeface="Microsoft JhengHei UI" panose="020B0604030504040204" pitchFamily="34" charset="-120"/>
+              </a:rPr>
+              <a:t>darknet/data</a:t>
+            </a:r>
+          </a:p>
+          <a:p>
+            <a:pPr marL="457200" lvl="0" indent="-457200">
+              <a:spcAft>
+                <a:spcPts val="0"/>
+              </a:spcAft>
+              <a:buAutoNum type="arabicParenR"/>
+            </a:pPr>
+            <a:r>
+              <a:rPr lang="zh-TW" altLang="en-US" sz="1900" b="1" dirty="0">
+                <a:ea typeface="Microsoft JhengHei UI" panose="020B0604030504040204" pitchFamily="34" charset="-120"/>
+              </a:rPr>
+              <a:t>執行 </a:t>
+            </a:r>
+            <a:r>
+              <a:rPr lang="en-US" altLang="zh-TW" sz="1900" b="1" dirty="0">
+                <a:ea typeface="Microsoft JhengHei UI" panose="020B0604030504040204" pitchFamily="34" charset="-120"/>
+              </a:rPr>
+              <a:t>!unzip data/Project2.zip –d date </a:t>
+            </a:r>
+            <a:r>
+              <a:rPr lang="zh-TW" altLang="en-US" sz="1900" b="1" dirty="0">
+                <a:ea typeface="Microsoft JhengHei UI" panose="020B0604030504040204" pitchFamily="34" charset="-120"/>
+              </a:rPr>
+              <a:t>解壓縮</a:t>
+            </a:r>
+          </a:p>
+        </p:txBody>
+      </p:sp>
+      <p:pic>
+        <p:nvPicPr>
+          <p:cNvPr id="8" name="圖片 7">
+            <a:extLst>
+              <a:ext uri="{FF2B5EF4-FFF2-40B4-BE49-F238E27FC236}">
+                <a16:creationId xmlns:a16="http://schemas.microsoft.com/office/drawing/2014/main" id="{6BD9CF38-E04B-4545-AC8C-7B84B387A6FA}"/>
+              </a:ext>
+            </a:extLst>
+          </p:cNvPr>
+          <p:cNvPicPr>
+            <a:picLocks noChangeAspect="1"/>
+          </p:cNvPicPr>
+          <p:nvPr/>
+        </p:nvPicPr>
+        <p:blipFill>
+          <a:blip r:embed="rId3"/>
+          <a:stretch>
+            <a:fillRect/>
+          </a:stretch>
+        </p:blipFill>
+        <p:spPr>
+          <a:xfrm>
+            <a:off x="2780146" y="3267862"/>
+            <a:ext cx="6439332" cy="2947544"/>
+          </a:xfrm>
+          <a:prstGeom prst="rect">
+            <a:avLst/>
+          </a:prstGeom>
+        </p:spPr>
+      </p:pic>
     </p:spTree>
     <p:extLst>
       <p:ext uri="{BB962C8B-B14F-4D97-AF65-F5344CB8AC3E}">
-        <p14:creationId xmlns:p14="http://schemas.microsoft.com/office/powerpoint/2010/main" val="1245169138"/>
+        <p14:creationId xmlns:p14="http://schemas.microsoft.com/office/powerpoint/2010/main" val="2321779461"/>
       </p:ext>
     </p:extLst>
   </p:cSld>
@@ -10828,7 +15951,7 @@
           <p:cNvPr id="2" name="標題 1">
             <a:extLst>
               <a:ext uri="{FF2B5EF4-FFF2-40B4-BE49-F238E27FC236}">
-                <a16:creationId xmlns:a16="http://schemas.microsoft.com/office/drawing/2014/main" id="{D5B624D7-311C-B73D-FDE8-300BA53AF39D}"/>
+                <a16:creationId xmlns:a16="http://schemas.microsoft.com/office/drawing/2014/main" id="{3E74B5AD-2292-2194-D4F5-8FFCD591A2E7}"/>
               </a:ext>
             </a:extLst>
           </p:cNvPr>
@@ -10839,88 +15962,28 @@
             <p:ph type="title"/>
           </p:nvPr>
         </p:nvSpPr>
-        <p:spPr/>
+        <p:spPr>
+          <a:xfrm>
+            <a:off x="1066800" y="642594"/>
+            <a:ext cx="10058400" cy="1371600"/>
+          </a:xfrm>
+        </p:spPr>
         <p:txBody>
-          <a:bodyPr/>
+          <a:bodyPr anchor="ctr">
+            <a:normAutofit/>
+          </a:bodyPr>
           <a:lstStyle/>
           <a:p>
+            <a:pPr lvl="0"/>
             <a:r>
               <a:rPr lang="zh-TW" altLang="en-US" dirty="0"/>
-              <a:t>選擇使用的資料集 類別及影片名稱</a:t>
-            </a:r>
-          </a:p>
-        </p:txBody>
-      </p:sp>
-      <p:sp>
-        <p:nvSpPr>
-          <p:cNvPr id="3" name="內容版面配置區 2">
-            <a:extLst>
-              <a:ext uri="{FF2B5EF4-FFF2-40B4-BE49-F238E27FC236}">
-                <a16:creationId xmlns:a16="http://schemas.microsoft.com/office/drawing/2014/main" id="{E299E072-2308-CBD0-A720-17E123407932}"/>
-              </a:ext>
-            </a:extLst>
-          </p:cNvPr>
-          <p:cNvSpPr>
-            <a:spLocks noGrp="1"/>
-          </p:cNvSpPr>
-          <p:nvPr>
-            <p:ph idx="1"/>
-          </p:nvPr>
-        </p:nvSpPr>
-        <p:spPr/>
-        <p:txBody>
-          <a:bodyPr/>
-          <a:lstStyle/>
-          <a:p>
-            <a:pPr marL="640080" indent="-457200"/>
-            <a:r>
-              <a:rPr lang="zh-TW" altLang="zh-TW" sz="2100" b="1" dirty="0">
-                <a:latin typeface="+mn-lt"/>
-              </a:rPr>
-              <a:t>資料及類別：</a:t>
-            </a:r>
-            <a:r>
-              <a:rPr lang="en-US" altLang="zh-TW" sz="2100" b="1" dirty="0">
-                <a:latin typeface="+mn-lt"/>
-              </a:rPr>
-              <a:t>helmet (</a:t>
-            </a:r>
-            <a:r>
-              <a:rPr lang="zh-TW" altLang="zh-TW" sz="2100" b="1" dirty="0">
-                <a:latin typeface="+mn-lt"/>
-              </a:rPr>
-              <a:t>工人辨識</a:t>
-            </a:r>
-            <a:r>
-              <a:rPr lang="en-US" altLang="zh-TW" sz="2100" b="1" dirty="0">
-                <a:latin typeface="+mn-lt"/>
-              </a:rPr>
-              <a:t>)</a:t>
-            </a:r>
-            <a:endParaRPr lang="zh-TW" altLang="zh-TW" sz="2100" b="1" dirty="0">
-              <a:latin typeface="+mn-lt"/>
-            </a:endParaRPr>
-          </a:p>
-          <a:p>
-            <a:pPr marL="640080" indent="-457200"/>
-            <a:r>
-              <a:rPr lang="zh-TW" altLang="zh-TW" sz="2100" b="1" dirty="0">
-                <a:latin typeface="+mn-lt"/>
-              </a:rPr>
-              <a:t>影片檔名稱：</a:t>
-            </a:r>
-            <a:r>
-              <a:rPr lang="en-US" altLang="zh-TW" sz="2100" b="1" dirty="0">
-                <a:latin typeface="+mn-lt"/>
-              </a:rPr>
-              <a:t>helmet1.mp4</a:t>
-            </a:r>
-            <a:endParaRPr lang="zh-TW" altLang="zh-TW" sz="2100" b="1" dirty="0">
-              <a:latin typeface="+mn-lt"/>
-            </a:endParaRPr>
-          </a:p>
-          <a:p>
-            <a:endParaRPr lang="zh-TW" altLang="en-US" dirty="0"/>
+              <a:t>修改 </a:t>
+            </a:r>
+            <a:r>
+              <a:rPr lang="en-US" altLang="zh-TW" dirty="0"/>
+              <a:t>yolov4-project2.cfg</a:t>
+            </a:r>
+            <a:endParaRPr lang="zh-TW" altLang="zh-TW" dirty="0"/>
           </a:p>
         </p:txBody>
       </p:sp>
@@ -10929,7 +15992,7 @@
           <p:cNvPr id="4" name="日期版面配置區 3">
             <a:extLst>
               <a:ext uri="{FF2B5EF4-FFF2-40B4-BE49-F238E27FC236}">
-                <a16:creationId xmlns:a16="http://schemas.microsoft.com/office/drawing/2014/main" id="{6116E64E-D607-D3B6-88DE-6D31155825BD}"/>
+                <a16:creationId xmlns:a16="http://schemas.microsoft.com/office/drawing/2014/main" id="{FF2FF99E-525E-FEBE-A6D9-1CBF8CD58896}"/>
               </a:ext>
             </a:extLst>
           </p:cNvPr>
@@ -10940,24 +16003,359 @@
             <p:ph type="dt" sz="half" idx="10"/>
           </p:nvPr>
         </p:nvSpPr>
-        <p:spPr/>
+        <p:spPr>
+          <a:xfrm>
+            <a:off x="7256794" y="6035040"/>
+            <a:ext cx="2893045" cy="365760"/>
+          </a:xfrm>
+        </p:spPr>
         <p:txBody>
-          <a:bodyPr/>
+          <a:bodyPr anchor="b">
+            <a:normAutofit/>
+          </a:bodyPr>
           <a:lstStyle/>
           <a:p>
-            <a:pPr rtl="0"/>
+            <a:pPr rtl="0">
+              <a:spcAft>
+                <a:spcPts val="600"/>
+              </a:spcAft>
+            </a:pPr>
             <a:fld id="{CE847876-3A2B-49FA-B396-40048599C954}" type="datetime1">
               <a:rPr lang="zh-TW" altLang="en-US" smtClean="0"/>
-              <a:t>2022/5/24</a:t>
+              <a:pPr rtl="0">
+                <a:spcAft>
+                  <a:spcPts val="600"/>
+                </a:spcAft>
+              </a:pPr>
+              <a:t>2022/6/8</a:t>
             </a:fld>
             <a:endParaRPr lang="en-US"/>
           </a:p>
         </p:txBody>
       </p:sp>
+      <p:sp>
+        <p:nvSpPr>
+          <p:cNvPr id="7" name="矩形 6">
+            <a:extLst>
+              <a:ext uri="{FF2B5EF4-FFF2-40B4-BE49-F238E27FC236}">
+                <a16:creationId xmlns:a16="http://schemas.microsoft.com/office/drawing/2014/main" id="{19390A5A-7173-4C94-9319-89435020E4F2}"/>
+              </a:ext>
+            </a:extLst>
+          </p:cNvPr>
+          <p:cNvSpPr/>
+          <p:nvPr/>
+        </p:nvSpPr>
+        <p:spPr>
+          <a:xfrm>
+            <a:off x="1285485" y="2014194"/>
+            <a:ext cx="5971309" cy="969496"/>
+          </a:xfrm>
+          <a:prstGeom prst="rect">
+            <a:avLst/>
+          </a:prstGeom>
+        </p:spPr>
+        <p:txBody>
+          <a:bodyPr wrap="square">
+            <a:spAutoFit/>
+          </a:bodyPr>
+          <a:lstStyle/>
+          <a:p>
+            <a:pPr marL="457200" lvl="0" indent="-457200">
+              <a:spcAft>
+                <a:spcPts val="0"/>
+              </a:spcAft>
+              <a:buAutoNum type="arabicParenR"/>
+            </a:pPr>
+            <a:r>
+              <a:rPr lang="en-US" altLang="zh-TW" sz="1900" b="1" dirty="0">
+                <a:ea typeface="Microsoft JhengHei UI" panose="020B0604030504040204" pitchFamily="34" charset="-120"/>
+              </a:rPr>
+              <a:t>Subdivision = 32</a:t>
+            </a:r>
+          </a:p>
+          <a:p>
+            <a:pPr marL="457200" lvl="0" indent="-457200">
+              <a:spcAft>
+                <a:spcPts val="0"/>
+              </a:spcAft>
+              <a:buAutoNum type="arabicParenR"/>
+            </a:pPr>
+            <a:r>
+              <a:rPr lang="en-US" altLang="zh-TW" sz="1900" b="1" dirty="0" err="1">
+                <a:ea typeface="Microsoft JhengHei UI" panose="020B0604030504040204" pitchFamily="34" charset="-120"/>
+              </a:rPr>
+              <a:t>max_batches</a:t>
+            </a:r>
+            <a:r>
+              <a:rPr lang="en-US" altLang="zh-TW" sz="1900" b="1" dirty="0">
+                <a:ea typeface="Microsoft JhengHei UI" panose="020B0604030504040204" pitchFamily="34" charset="-120"/>
+              </a:rPr>
+              <a:t> = 3000</a:t>
+            </a:r>
+          </a:p>
+          <a:p>
+            <a:pPr marL="457200" lvl="0" indent="-457200">
+              <a:spcAft>
+                <a:spcPts val="0"/>
+              </a:spcAft>
+              <a:buAutoNum type="arabicParenR"/>
+            </a:pPr>
+            <a:r>
+              <a:rPr lang="en-US" altLang="zh-TW" sz="1900" b="1" dirty="0">
+                <a:ea typeface="Microsoft JhengHei UI" panose="020B0604030504040204" pitchFamily="34" charset="-120"/>
+              </a:rPr>
+              <a:t>steps = 2400, 2700</a:t>
+            </a:r>
+          </a:p>
+        </p:txBody>
+      </p:sp>
+      <p:pic>
+        <p:nvPicPr>
+          <p:cNvPr id="3" name="圖片 2">
+            <a:extLst>
+              <a:ext uri="{FF2B5EF4-FFF2-40B4-BE49-F238E27FC236}">
+                <a16:creationId xmlns:a16="http://schemas.microsoft.com/office/drawing/2014/main" id="{07C59B5D-E4F1-4614-A17F-9D3FD6223BE1}"/>
+              </a:ext>
+            </a:extLst>
+          </p:cNvPr>
+          <p:cNvPicPr>
+            <a:picLocks noChangeAspect="1"/>
+          </p:cNvPicPr>
+          <p:nvPr/>
+        </p:nvPicPr>
+        <p:blipFill>
+          <a:blip r:embed="rId3"/>
+          <a:stretch>
+            <a:fillRect/>
+          </a:stretch>
+        </p:blipFill>
+        <p:spPr>
+          <a:xfrm>
+            <a:off x="1278770" y="3780369"/>
+            <a:ext cx="6392353" cy="1975638"/>
+          </a:xfrm>
+          <a:prstGeom prst="rect">
+            <a:avLst/>
+          </a:prstGeom>
+        </p:spPr>
+      </p:pic>
+      <p:grpSp>
+        <p:nvGrpSpPr>
+          <p:cNvPr id="13" name="群組 12">
+            <a:extLst>
+              <a:ext uri="{FF2B5EF4-FFF2-40B4-BE49-F238E27FC236}">
+                <a16:creationId xmlns:a16="http://schemas.microsoft.com/office/drawing/2014/main" id="{B4ABE1FF-5940-4235-B754-63E79EF099FC}"/>
+              </a:ext>
+            </a:extLst>
+          </p:cNvPr>
+          <p:cNvGrpSpPr/>
+          <p:nvPr/>
+        </p:nvGrpSpPr>
+        <p:grpSpPr>
+          <a:xfrm>
+            <a:off x="8359434" y="1136584"/>
+            <a:ext cx="2872063" cy="4583079"/>
+            <a:chOff x="4752975" y="1285875"/>
+            <a:chExt cx="2686050" cy="4286250"/>
+          </a:xfrm>
+        </p:grpSpPr>
+        <p:pic>
+          <p:nvPicPr>
+            <p:cNvPr id="6" name="圖片 5">
+              <a:extLst>
+                <a:ext uri="{FF2B5EF4-FFF2-40B4-BE49-F238E27FC236}">
+                  <a16:creationId xmlns:a16="http://schemas.microsoft.com/office/drawing/2014/main" id="{B43014C8-6A92-4F9F-B4FB-38178F7E6AA3}"/>
+                </a:ext>
+              </a:extLst>
+            </p:cNvPr>
+            <p:cNvPicPr>
+              <a:picLocks noChangeAspect="1"/>
+            </p:cNvPicPr>
+            <p:nvPr/>
+          </p:nvPicPr>
+          <p:blipFill>
+            <a:blip r:embed="rId4">
+              <a:extLst>
+                <a:ext uri="{28A0092B-C50C-407E-A947-70E740481C1C}">
+                  <a14:useLocalDpi xmlns:a14="http://schemas.microsoft.com/office/drawing/2010/main" val="0"/>
+                </a:ext>
+              </a:extLst>
+            </a:blip>
+            <a:stretch>
+              <a:fillRect/>
+            </a:stretch>
+          </p:blipFill>
+          <p:spPr>
+            <a:xfrm>
+              <a:off x="4752975" y="1285875"/>
+              <a:ext cx="2686050" cy="4286250"/>
+            </a:xfrm>
+            <a:prstGeom prst="rect">
+              <a:avLst/>
+            </a:prstGeom>
+          </p:spPr>
+        </p:pic>
+        <p:sp>
+          <p:nvSpPr>
+            <p:cNvPr id="9" name="矩形 8">
+              <a:extLst>
+                <a:ext uri="{FF2B5EF4-FFF2-40B4-BE49-F238E27FC236}">
+                  <a16:creationId xmlns:a16="http://schemas.microsoft.com/office/drawing/2014/main" id="{32700A78-A73D-4120-8930-8B63932DDCA3}"/>
+                </a:ext>
+              </a:extLst>
+            </p:cNvPr>
+            <p:cNvSpPr/>
+            <p:nvPr/>
+          </p:nvSpPr>
+          <p:spPr>
+            <a:xfrm>
+              <a:off x="4921945" y="2444622"/>
+              <a:ext cx="1068308" cy="167951"/>
+            </a:xfrm>
+            <a:prstGeom prst="rect">
+              <a:avLst/>
+            </a:prstGeom>
+            <a:noFill/>
+            <a:ln w="38100" cap="rnd">
+              <a:solidFill>
+                <a:srgbClr val="FF0000"/>
+              </a:solidFill>
+            </a:ln>
+          </p:spPr>
+          <p:style>
+            <a:lnRef idx="2">
+              <a:schemeClr val="accent1">
+                <a:shade val="50000"/>
+              </a:schemeClr>
+            </a:lnRef>
+            <a:fillRef idx="1">
+              <a:schemeClr val="accent1"/>
+            </a:fillRef>
+            <a:effectRef idx="0">
+              <a:schemeClr val="accent1"/>
+            </a:effectRef>
+            <a:fontRef idx="minor">
+              <a:schemeClr val="lt1"/>
+            </a:fontRef>
+          </p:style>
+          <p:txBody>
+            <a:bodyPr rtlCol="0" anchor="ctr"/>
+            <a:lstStyle/>
+            <a:p>
+              <a:pPr algn="ctr"/>
+              <a:endParaRPr lang="zh-TW" altLang="en-US"/>
+            </a:p>
+          </p:txBody>
+        </p:sp>
+        <p:sp>
+          <p:nvSpPr>
+            <p:cNvPr id="11" name="矩形 10">
+              <a:extLst>
+                <a:ext uri="{FF2B5EF4-FFF2-40B4-BE49-F238E27FC236}">
+                  <a16:creationId xmlns:a16="http://schemas.microsoft.com/office/drawing/2014/main" id="{19471EC5-9707-4543-AA1A-6ADC65E637AC}"/>
+                </a:ext>
+              </a:extLst>
+            </p:cNvPr>
+            <p:cNvSpPr/>
+            <p:nvPr/>
+          </p:nvSpPr>
+          <p:spPr>
+            <a:xfrm>
+              <a:off x="4921945" y="4792050"/>
+              <a:ext cx="1404210" cy="171836"/>
+            </a:xfrm>
+            <a:prstGeom prst="rect">
+              <a:avLst/>
+            </a:prstGeom>
+            <a:noFill/>
+            <a:ln w="38100" cap="rnd">
+              <a:solidFill>
+                <a:srgbClr val="FF0000"/>
+              </a:solidFill>
+            </a:ln>
+          </p:spPr>
+          <p:style>
+            <a:lnRef idx="2">
+              <a:schemeClr val="accent1">
+                <a:shade val="50000"/>
+              </a:schemeClr>
+            </a:lnRef>
+            <a:fillRef idx="1">
+              <a:schemeClr val="accent1"/>
+            </a:fillRef>
+            <a:effectRef idx="0">
+              <a:schemeClr val="accent1"/>
+            </a:effectRef>
+            <a:fontRef idx="minor">
+              <a:schemeClr val="lt1"/>
+            </a:fontRef>
+          </p:style>
+          <p:txBody>
+            <a:bodyPr rtlCol="0" anchor="ctr"/>
+            <a:lstStyle/>
+            <a:p>
+              <a:pPr algn="ctr"/>
+              <a:endParaRPr lang="zh-TW" altLang="en-US"/>
+            </a:p>
+          </p:txBody>
+        </p:sp>
+        <p:sp>
+          <p:nvSpPr>
+            <p:cNvPr id="12" name="矩形 11">
+              <a:extLst>
+                <a:ext uri="{FF2B5EF4-FFF2-40B4-BE49-F238E27FC236}">
+                  <a16:creationId xmlns:a16="http://schemas.microsoft.com/office/drawing/2014/main" id="{E26FD730-29BC-4813-ABD2-3F23CC1945A8}"/>
+                </a:ext>
+              </a:extLst>
+            </p:cNvPr>
+            <p:cNvSpPr/>
+            <p:nvPr/>
+          </p:nvSpPr>
+          <p:spPr>
+            <a:xfrm>
+              <a:off x="4921945" y="5142824"/>
+              <a:ext cx="1068308" cy="171836"/>
+            </a:xfrm>
+            <a:prstGeom prst="rect">
+              <a:avLst/>
+            </a:prstGeom>
+            <a:noFill/>
+            <a:ln w="38100" cap="rnd">
+              <a:solidFill>
+                <a:srgbClr val="FF0000"/>
+              </a:solidFill>
+            </a:ln>
+          </p:spPr>
+          <p:style>
+            <a:lnRef idx="2">
+              <a:schemeClr val="accent1">
+                <a:shade val="50000"/>
+              </a:schemeClr>
+            </a:lnRef>
+            <a:fillRef idx="1">
+              <a:schemeClr val="accent1"/>
+            </a:fillRef>
+            <a:effectRef idx="0">
+              <a:schemeClr val="accent1"/>
+            </a:effectRef>
+            <a:fontRef idx="minor">
+              <a:schemeClr val="lt1"/>
+            </a:fontRef>
+          </p:style>
+          <p:txBody>
+            <a:bodyPr rtlCol="0" anchor="ctr"/>
+            <a:lstStyle/>
+            <a:p>
+              <a:pPr algn="ctr"/>
+              <a:endParaRPr lang="zh-TW" altLang="en-US"/>
+            </a:p>
+          </p:txBody>
+        </p:sp>
+      </p:grpSp>
     </p:spTree>
     <p:extLst>
       <p:ext uri="{BB962C8B-B14F-4D97-AF65-F5344CB8AC3E}">
-        <p14:creationId xmlns:p14="http://schemas.microsoft.com/office/powerpoint/2010/main" val="3666279039"/>
+        <p14:creationId xmlns:p14="http://schemas.microsoft.com/office/powerpoint/2010/main" val="3856237351"/>
       </p:ext>
     </p:extLst>
   </p:cSld>

--- a/Project_2/report/Project2_第7組_小組報告.pptx
+++ b/Project_2/report/Project2_第7組_小組報告.pptx
@@ -12619,7 +12619,7 @@
                   <a:schemeClr val="tx1"/>
                 </a:solidFill>
               </a:rPr>
-              <a:t>Project1</a:t>
+              <a:t>Project2</a:t>
             </a:r>
             <a:endParaRPr lang="zh-tw" sz="4400" dirty="0">
               <a:solidFill>
